--- a/PPTs/Aza - Hadith Kisa.pptx
+++ b/PPTs/Aza - Hadith Kisa.pptx
@@ -6,8 +6,8 @@
   </p:sldMasterIdLst>
   <p:sldIdLst>
     <p:sldId id="262" r:id="rId2"/>
-    <p:sldId id="5441" r:id="rId3"/>
-    <p:sldId id="5042" r:id="rId4"/>
+    <p:sldId id="5527" r:id="rId3"/>
+    <p:sldId id="5528" r:id="rId4"/>
     <p:sldId id="4137" r:id="rId5"/>
     <p:sldId id="4140" r:id="rId6"/>
     <p:sldId id="4141" r:id="rId7"/>
@@ -42,79 +42,81 @@
     <p:sldId id="4234" r:id="rId36"/>
     <p:sldId id="4164" r:id="rId37"/>
     <p:sldId id="4165" r:id="rId38"/>
-    <p:sldId id="4166" r:id="rId39"/>
-    <p:sldId id="4167" r:id="rId40"/>
-    <p:sldId id="4168" r:id="rId41"/>
-    <p:sldId id="4169" r:id="rId42"/>
-    <p:sldId id="4235" r:id="rId43"/>
-    <p:sldId id="4171" r:id="rId44"/>
-    <p:sldId id="4172" r:id="rId45"/>
-    <p:sldId id="4236" r:id="rId46"/>
-    <p:sldId id="4174" r:id="rId47"/>
-    <p:sldId id="4175" r:id="rId48"/>
-    <p:sldId id="5445" r:id="rId49"/>
-    <p:sldId id="4176" r:id="rId50"/>
-    <p:sldId id="4238" r:id="rId51"/>
-    <p:sldId id="4178" r:id="rId52"/>
-    <p:sldId id="4179" r:id="rId53"/>
-    <p:sldId id="5446" r:id="rId54"/>
-    <p:sldId id="4180" r:id="rId55"/>
-    <p:sldId id="4181" r:id="rId56"/>
-    <p:sldId id="4182" r:id="rId57"/>
-    <p:sldId id="4183" r:id="rId58"/>
-    <p:sldId id="4184" r:id="rId59"/>
-    <p:sldId id="4186" r:id="rId60"/>
-    <p:sldId id="4188" r:id="rId61"/>
-    <p:sldId id="4190" r:id="rId62"/>
-    <p:sldId id="4239" r:id="rId63"/>
-    <p:sldId id="4191" r:id="rId64"/>
-    <p:sldId id="5447" r:id="rId65"/>
-    <p:sldId id="4193" r:id="rId66"/>
-    <p:sldId id="4194" r:id="rId67"/>
-    <p:sldId id="4195" r:id="rId68"/>
-    <p:sldId id="4196" r:id="rId69"/>
-    <p:sldId id="4197" r:id="rId70"/>
-    <p:sldId id="4198" r:id="rId71"/>
-    <p:sldId id="4199" r:id="rId72"/>
-    <p:sldId id="4200" r:id="rId73"/>
-    <p:sldId id="4201" r:id="rId74"/>
-    <p:sldId id="5448" r:id="rId75"/>
-    <p:sldId id="4202" r:id="rId76"/>
-    <p:sldId id="4240" r:id="rId77"/>
-    <p:sldId id="4203" r:id="rId78"/>
-    <p:sldId id="4204" r:id="rId79"/>
-    <p:sldId id="4205" r:id="rId80"/>
-    <p:sldId id="4241" r:id="rId81"/>
-    <p:sldId id="5449" r:id="rId82"/>
-    <p:sldId id="5450" r:id="rId83"/>
-    <p:sldId id="4242" r:id="rId84"/>
-    <p:sldId id="4209" r:id="rId85"/>
-    <p:sldId id="4243" r:id="rId86"/>
-    <p:sldId id="4210" r:id="rId87"/>
-    <p:sldId id="4244" r:id="rId88"/>
-    <p:sldId id="4211" r:id="rId89"/>
-    <p:sldId id="4212" r:id="rId90"/>
-    <p:sldId id="4213" r:id="rId91"/>
-    <p:sldId id="4214" r:id="rId92"/>
-    <p:sldId id="4246" r:id="rId93"/>
-    <p:sldId id="4216" r:id="rId94"/>
-    <p:sldId id="5452" r:id="rId95"/>
-    <p:sldId id="5453" r:id="rId96"/>
-    <p:sldId id="4218" r:id="rId97"/>
-    <p:sldId id="4219" r:id="rId98"/>
-    <p:sldId id="4220" r:id="rId99"/>
-    <p:sldId id="4221" r:id="rId100"/>
-    <p:sldId id="4222" r:id="rId101"/>
-    <p:sldId id="4249" r:id="rId102"/>
-    <p:sldId id="4223" r:id="rId103"/>
-    <p:sldId id="4250" r:id="rId104"/>
-    <p:sldId id="4224" r:id="rId105"/>
-    <p:sldId id="4225" r:id="rId106"/>
-    <p:sldId id="4226" r:id="rId107"/>
-    <p:sldId id="4227" r:id="rId108"/>
-    <p:sldId id="4228" r:id="rId109"/>
-    <p:sldId id="5442" r:id="rId110"/>
-    <p:sldId id="5440" r:id="rId111"/>
+    <p:sldId id="5529" r:id="rId39"/>
+    <p:sldId id="4166" r:id="rId40"/>
+    <p:sldId id="4167" r:id="rId41"/>
+    <p:sldId id="4168" r:id="rId42"/>
+    <p:sldId id="4169" r:id="rId43"/>
+    <p:sldId id="4235" r:id="rId44"/>
+    <p:sldId id="4171" r:id="rId45"/>
+    <p:sldId id="4172" r:id="rId46"/>
+    <p:sldId id="4236" r:id="rId47"/>
+    <p:sldId id="4174" r:id="rId48"/>
+    <p:sldId id="4175" r:id="rId49"/>
+    <p:sldId id="5445" r:id="rId50"/>
+    <p:sldId id="4176" r:id="rId51"/>
+    <p:sldId id="4238" r:id="rId52"/>
+    <p:sldId id="4178" r:id="rId53"/>
+    <p:sldId id="4179" r:id="rId54"/>
+    <p:sldId id="5446" r:id="rId55"/>
+    <p:sldId id="4180" r:id="rId56"/>
+    <p:sldId id="4181" r:id="rId57"/>
+    <p:sldId id="4182" r:id="rId58"/>
+    <p:sldId id="4183" r:id="rId59"/>
+    <p:sldId id="4184" r:id="rId60"/>
+    <p:sldId id="4186" r:id="rId61"/>
+    <p:sldId id="4188" r:id="rId62"/>
+    <p:sldId id="4190" r:id="rId63"/>
+    <p:sldId id="4239" r:id="rId64"/>
+    <p:sldId id="4191" r:id="rId65"/>
+    <p:sldId id="5447" r:id="rId66"/>
+    <p:sldId id="4193" r:id="rId67"/>
+    <p:sldId id="4194" r:id="rId68"/>
+    <p:sldId id="4195" r:id="rId69"/>
+    <p:sldId id="4196" r:id="rId70"/>
+    <p:sldId id="4197" r:id="rId71"/>
+    <p:sldId id="4198" r:id="rId72"/>
+    <p:sldId id="4199" r:id="rId73"/>
+    <p:sldId id="4200" r:id="rId74"/>
+    <p:sldId id="4201" r:id="rId75"/>
+    <p:sldId id="5448" r:id="rId76"/>
+    <p:sldId id="4202" r:id="rId77"/>
+    <p:sldId id="4240" r:id="rId78"/>
+    <p:sldId id="4203" r:id="rId79"/>
+    <p:sldId id="4204" r:id="rId80"/>
+    <p:sldId id="4205" r:id="rId81"/>
+    <p:sldId id="4241" r:id="rId82"/>
+    <p:sldId id="5449" r:id="rId83"/>
+    <p:sldId id="5450" r:id="rId84"/>
+    <p:sldId id="4242" r:id="rId85"/>
+    <p:sldId id="4209" r:id="rId86"/>
+    <p:sldId id="4243" r:id="rId87"/>
+    <p:sldId id="4210" r:id="rId88"/>
+    <p:sldId id="4244" r:id="rId89"/>
+    <p:sldId id="4211" r:id="rId90"/>
+    <p:sldId id="4212" r:id="rId91"/>
+    <p:sldId id="4213" r:id="rId92"/>
+    <p:sldId id="5530" r:id="rId93"/>
+    <p:sldId id="4214" r:id="rId94"/>
+    <p:sldId id="4246" r:id="rId95"/>
+    <p:sldId id="4216" r:id="rId96"/>
+    <p:sldId id="5452" r:id="rId97"/>
+    <p:sldId id="5453" r:id="rId98"/>
+    <p:sldId id="4218" r:id="rId99"/>
+    <p:sldId id="4219" r:id="rId100"/>
+    <p:sldId id="4220" r:id="rId101"/>
+    <p:sldId id="4221" r:id="rId102"/>
+    <p:sldId id="4222" r:id="rId103"/>
+    <p:sldId id="4249" r:id="rId104"/>
+    <p:sldId id="4223" r:id="rId105"/>
+    <p:sldId id="4250" r:id="rId106"/>
+    <p:sldId id="4224" r:id="rId107"/>
+    <p:sldId id="4225" r:id="rId108"/>
+    <p:sldId id="4226" r:id="rId109"/>
+    <p:sldId id="4227" r:id="rId110"/>
+    <p:sldId id="4228" r:id="rId111"/>
+    <p:sldId id="5531" r:id="rId112"/>
+    <p:sldId id="5440" r:id="rId113"/>
   </p:sldIdLst>
   <p:sldSz cx="12192000" cy="6858000"/>
   <p:notesSz cx="6400800" cy="8686800"/>
@@ -381,9 +383,18 @@
   <p:clrMapOvr>
     <a:masterClrMapping/>
   </p:clrMapOvr>
-  <p:transition>
-    <p:fade/>
-  </p:transition>
+  <mc:AlternateContent xmlns:mc="http://schemas.openxmlformats.org/markup-compatibility/2006">
+    <mc:Choice xmlns:p14="http://schemas.microsoft.com/office/powerpoint/2010/main" Requires="p14">
+      <p:transition p14:dur="300">
+        <p:fade/>
+      </p:transition>
+    </mc:Choice>
+    <mc:Fallback>
+      <p:transition>
+        <p:fade/>
+      </p:transition>
+    </mc:Fallback>
+  </mc:AlternateContent>
   <p:extLst>
     <p:ext uri="{DCECCB84-F9BA-43D5-87BE-67443E8EF086}">
       <p15:sldGuideLst xmlns:p15="http://schemas.microsoft.com/office/powerpoint/2012/main">
@@ -479,9 +490,18 @@
   <p:clrMapOvr>
     <a:masterClrMapping/>
   </p:clrMapOvr>
-  <p:transition>
-    <p:fade/>
-  </p:transition>
+  <mc:AlternateContent xmlns:mc="http://schemas.openxmlformats.org/markup-compatibility/2006">
+    <mc:Choice xmlns:p14="http://schemas.microsoft.com/office/powerpoint/2010/main" Requires="p14">
+      <p:transition p14:dur="300">
+        <p:fade/>
+      </p:transition>
+    </mc:Choice>
+    <mc:Fallback>
+      <p:transition>
+        <p:fade/>
+      </p:transition>
+    </mc:Fallback>
+  </mc:AlternateContent>
 </p:sldLayout>
 </file>
 
@@ -648,9 +668,18 @@
   <p:clrMapOvr>
     <a:masterClrMapping/>
   </p:clrMapOvr>
-  <p:transition>
-    <p:fade/>
-  </p:transition>
+  <mc:AlternateContent xmlns:mc="http://schemas.openxmlformats.org/markup-compatibility/2006">
+    <mc:Choice xmlns:p14="http://schemas.microsoft.com/office/powerpoint/2010/main" Requires="p14">
+      <p:transition p14:dur="300">
+        <p:fade/>
+      </p:transition>
+    </mc:Choice>
+    <mc:Fallback>
+      <p:transition>
+        <p:fade/>
+      </p:transition>
+    </mc:Fallback>
+  </mc:AlternateContent>
 </p:sldLayout>
 </file>
 
@@ -900,9 +929,18 @@
     <p:sldLayoutId id="2147483662" r:id="rId2"/>
     <p:sldLayoutId id="2147483663" r:id="rId3"/>
   </p:sldLayoutIdLst>
-  <p:transition>
-    <p:fade/>
-  </p:transition>
+  <mc:AlternateContent xmlns:mc="http://schemas.openxmlformats.org/markup-compatibility/2006">
+    <mc:Choice xmlns:p14="http://schemas.microsoft.com/office/powerpoint/2010/main" Requires="p14">
+      <p:transition p14:dur="300">
+        <p:fade/>
+      </p:transition>
+    </mc:Choice>
+    <mc:Fallback>
+      <p:transition>
+        <p:fade/>
+      </p:transition>
+    </mc:Fallback>
+  </mc:AlternateContent>
   <p:txStyles>
     <p:titleStyle>
       <a:lvl1pPr algn="ctr" rtl="0" eaLnBrk="1" fontAlgn="base" hangingPunct="1">
@@ -1874,9 +1912,18 @@
   <p:clrMapOvr>
     <a:masterClrMapping/>
   </p:clrMapOvr>
-  <p:transition>
-    <p:fade/>
-  </p:transition>
+  <mc:AlternateContent xmlns:mc="http://schemas.openxmlformats.org/markup-compatibility/2006">
+    <mc:Choice xmlns:p14="http://schemas.microsoft.com/office/powerpoint/2010/main" Requires="p14">
+      <p:transition p14:dur="300">
+        <p:fade/>
+      </p:transition>
+    </mc:Choice>
+    <mc:Fallback>
+      <p:transition>
+        <p:fade/>
+      </p:transition>
+    </mc:Fallback>
+  </mc:AlternateContent>
 </p:sld>
 </file>
 
@@ -1991,7 +2038,7 @@
           <a:p>
             <a:r>
               <a:rPr lang="en-US" dirty="0"/>
-              <a:t>He said: "Fatimah, please bring the Yemeni cloak and cover me with it"</a:t>
+              <a:t>He said, “Fatimah, please bring the Yemeni cloak and cover me with it.”</a:t>
             </a:r>
           </a:p>
         </p:txBody>
@@ -2001,9 +2048,18 @@
   <p:clrMapOvr>
     <a:masterClrMapping/>
   </p:clrMapOvr>
-  <p:transition>
-    <p:fade/>
-  </p:transition>
+  <mc:AlternateContent xmlns:mc="http://schemas.openxmlformats.org/markup-compatibility/2006">
+    <mc:Choice xmlns:p14="http://schemas.microsoft.com/office/powerpoint/2010/main" Requires="p14">
+      <p:transition p14:dur="300">
+        <p:fade/>
+      </p:transition>
+    </mc:Choice>
+    <mc:Fallback>
+      <p:transition>
+        <p:fade/>
+      </p:transition>
+    </mc:Fallback>
+  </mc:AlternateContent>
 </p:sld>
 </file>
 
@@ -2029,7 +2085,7 @@
           <p:cNvPr id="11" name="Title 3">
             <a:extLst>
               <a:ext uri="{FF2B5EF4-FFF2-40B4-BE49-F238E27FC236}">
-                <a16:creationId xmlns:a16="http://schemas.microsoft.com/office/drawing/2014/main" id="{86C00A6F-D179-6EC0-C0EC-7BCEB7A9C3FC}"/>
+                <a16:creationId xmlns:a16="http://schemas.microsoft.com/office/drawing/2014/main" id="{8729F7D2-2239-1D33-CA56-60F256E14EF8}"/>
               </a:ext>
             </a:extLst>
           </p:cNvPr>
@@ -2051,8 +2107,15 @@
           <a:lstStyle/>
           <a:p>
             <a:r>
-              <a:rPr lang="ar-SA"/>
-              <a:t>يَا عَلِيُّ وَالَّذِي بَعَثَنِي بِالْحَقِّ نَبِيّاً</a:t>
+              <a:rPr lang="ar-SA" dirty="0"/>
+              <a:t>فَقالَ عَلِيٌّ إِذنْ وَاللّهِ فُزْنَا</a:t>
+            </a:r>
+            <a:br>
+              <a:rPr lang="ar-SA" dirty="0"/>
+            </a:br>
+            <a:r>
+              <a:rPr lang="ar-SA" dirty="0"/>
+              <a:t>وَفازَ شِيعَتُنا وَرَبِّ الْكَعْبَةِ</a:t>
             </a:r>
             <a:endParaRPr lang="en-US" dirty="0"/>
           </a:p>
@@ -2063,7 +2126,7 @@
           <p:cNvPr id="12" name="Subtitle 4">
             <a:extLst>
               <a:ext uri="{FF2B5EF4-FFF2-40B4-BE49-F238E27FC236}">
-                <a16:creationId xmlns:a16="http://schemas.microsoft.com/office/drawing/2014/main" id="{89E1CA91-B110-7B69-ED4C-E580CBEF2DE3}"/>
+                <a16:creationId xmlns:a16="http://schemas.microsoft.com/office/drawing/2014/main" id="{C6957A3D-8C04-D677-A8DD-01BE52B9D996}"/>
               </a:ext>
             </a:extLst>
           </p:cNvPr>
@@ -2085,10 +2148,17 @@
           <a:lstStyle/>
           <a:p>
             <a:r>
-              <a:rPr lang="en-US"/>
-              <a:t>"By Him who rightfully appointed me a Prophet</a:t>
-            </a:r>
-            <a:endParaRPr lang="en-US" dirty="0"/>
+              <a:rPr lang="en-US" dirty="0"/>
+              <a:t>So Ali said, “Verily, by the Lord of </a:t>
+            </a:r>
+            <a:r>
+              <a:rPr lang="en-US" dirty="0" err="1"/>
+              <a:t>Kabaa</a:t>
+            </a:r>
+            <a:r>
+              <a:rPr lang="en-US" dirty="0"/>
+              <a:t>! we and our followers are the winners.”</a:t>
+            </a:r>
           </a:p>
         </p:txBody>
       </p:sp>
@@ -2097,9 +2167,18 @@
   <p:clrMapOvr>
     <a:masterClrMapping/>
   </p:clrMapOvr>
-  <p:transition>
-    <p:fade/>
-  </p:transition>
+  <mc:AlternateContent xmlns:mc="http://schemas.openxmlformats.org/markup-compatibility/2006">
+    <mc:Choice xmlns:p14="http://schemas.microsoft.com/office/powerpoint/2010/main" Requires="p14">
+      <p:transition p14:dur="300">
+        <p:fade/>
+      </p:transition>
+    </mc:Choice>
+    <mc:Fallback>
+      <p:transition>
+        <p:fade/>
+      </p:transition>
+    </mc:Fallback>
+  </mc:AlternateContent>
 </p:sld>
 </file>
 
@@ -2125,7 +2204,7 @@
           <p:cNvPr id="11" name="Title 3">
             <a:extLst>
               <a:ext uri="{FF2B5EF4-FFF2-40B4-BE49-F238E27FC236}">
-                <a16:creationId xmlns:a16="http://schemas.microsoft.com/office/drawing/2014/main" id="{213928AF-CC58-3EE2-93DA-914CCC34F19D}"/>
+                <a16:creationId xmlns:a16="http://schemas.microsoft.com/office/drawing/2014/main" id="{76F7F801-FF94-63AB-3348-8C582367DD49}"/>
               </a:ext>
             </a:extLst>
           </p:cNvPr>
@@ -2147,8 +2226,8 @@
           <a:lstStyle/>
           <a:p>
             <a:r>
-              <a:rPr lang="ar-SA"/>
-              <a:t>وَاصْطَفَانِي بِالرِّسالَةِ نَجِيّاً </a:t>
+              <a:rPr lang="ar-SA" dirty="0"/>
+              <a:t>فَقالَ النَّبِيُّ ثانِياً</a:t>
             </a:r>
             <a:endParaRPr lang="en-US" dirty="0"/>
           </a:p>
@@ -2159,7 +2238,7 @@
           <p:cNvPr id="12" name="Subtitle 4">
             <a:extLst>
               <a:ext uri="{FF2B5EF4-FFF2-40B4-BE49-F238E27FC236}">
-                <a16:creationId xmlns:a16="http://schemas.microsoft.com/office/drawing/2014/main" id="{7990CADB-7DA7-91C1-DEA4-3E5804F07177}"/>
+                <a16:creationId xmlns:a16="http://schemas.microsoft.com/office/drawing/2014/main" id="{FE4FA00C-FB7A-658E-C178-4F7FCAAA6D98}"/>
               </a:ext>
             </a:extLst>
           </p:cNvPr>
@@ -2181,10 +2260,18 @@
           <a:lstStyle/>
           <a:p>
             <a:r>
-              <a:rPr lang="en-US"/>
-              <a:t>and chose me a Messenger for the salvation of the mankind, </a:t>
-            </a:r>
-            <a:endParaRPr lang="en-US" dirty="0"/>
+              <a:rPr lang="it-IT" dirty="0"/>
+              <a:t>Then my father</a:t>
+            </a:r>
+            <a:r>
+              <a:rPr lang="ar-SA" dirty="0"/>
+              <a:t> </a:t>
+            </a:r>
+            <a:r>
+              <a:rPr lang="en-CA" dirty="0"/>
+              <a:t>said again:</a:t>
+            </a:r>
+            <a:endParaRPr lang="it-IT" dirty="0"/>
           </a:p>
         </p:txBody>
       </p:sp>
@@ -2193,9 +2280,18 @@
   <p:clrMapOvr>
     <a:masterClrMapping/>
   </p:clrMapOvr>
-  <p:transition>
-    <p:fade/>
-  </p:transition>
+  <mc:AlternateContent xmlns:mc="http://schemas.openxmlformats.org/markup-compatibility/2006">
+    <mc:Choice xmlns:p14="http://schemas.microsoft.com/office/powerpoint/2010/main" Requires="p14">
+      <p:transition p14:dur="300">
+        <p:fade/>
+      </p:transition>
+    </mc:Choice>
+    <mc:Fallback>
+      <p:transition>
+        <p:fade/>
+      </p:transition>
+    </mc:Fallback>
+  </mc:AlternateContent>
 </p:sld>
 </file>
 
@@ -2221,7 +2317,7 @@
           <p:cNvPr id="11" name="Title 3">
             <a:extLst>
               <a:ext uri="{FF2B5EF4-FFF2-40B4-BE49-F238E27FC236}">
-                <a16:creationId xmlns:a16="http://schemas.microsoft.com/office/drawing/2014/main" id="{1377F11A-B0F6-CD1D-ABFD-D673F23FC9AC}"/>
+                <a16:creationId xmlns:a16="http://schemas.microsoft.com/office/drawing/2014/main" id="{86C00A6F-D179-6EC0-C0EC-7BCEB7A9C3FC}"/>
               </a:ext>
             </a:extLst>
           </p:cNvPr>
@@ -2243,15 +2339,8 @@
           <a:lstStyle/>
           <a:p>
             <a:r>
-              <a:rPr lang="ar-SA" dirty="0"/>
-              <a:t>مَا ذُكِرَ خَبَرُنا هذَا فِي</a:t>
-            </a:r>
-            <a:br>
-              <a:rPr lang="ar-SA" dirty="0"/>
-            </a:br>
-            <a:r>
-              <a:rPr lang="ar-SA" dirty="0"/>
-              <a:t>مَحْفِلٍ مِنْ مَحَافِلِ أَهْلِ الْأَرْضِ</a:t>
+              <a:rPr lang="ar-SA"/>
+              <a:t>يَا عَلِيُّ وَالَّذِي بَعَثَنِي بِالْحَقِّ نَبِيّاً</a:t>
             </a:r>
             <a:endParaRPr lang="en-US" dirty="0"/>
           </a:p>
@@ -2262,7 +2351,7 @@
           <p:cNvPr id="12" name="Subtitle 4">
             <a:extLst>
               <a:ext uri="{FF2B5EF4-FFF2-40B4-BE49-F238E27FC236}">
-                <a16:creationId xmlns:a16="http://schemas.microsoft.com/office/drawing/2014/main" id="{B7C75EB0-1637-0DD7-3415-1668ECDFBA07}"/>
+                <a16:creationId xmlns:a16="http://schemas.microsoft.com/office/drawing/2014/main" id="{89E1CA91-B110-7B69-ED4C-E580CBEF2DE3}"/>
               </a:ext>
             </a:extLst>
           </p:cNvPr>
@@ -2284,10 +2373,9 @@
           <a:lstStyle/>
           <a:p>
             <a:r>
-              <a:rPr lang="en-US"/>
-              <a:t>whenever and wherever an assembly</a:t>
-            </a:r>
-            <a:endParaRPr lang="en-US" dirty="0"/>
+              <a:rPr lang="en-US" dirty="0"/>
+              <a:t>“By Him who rightfully appointed me a Prophet,</a:t>
+            </a:r>
           </a:p>
         </p:txBody>
       </p:sp>
@@ -2296,9 +2384,18 @@
   <p:clrMapOvr>
     <a:masterClrMapping/>
   </p:clrMapOvr>
-  <p:transition>
-    <p:fade/>
-  </p:transition>
+  <mc:AlternateContent xmlns:mc="http://schemas.openxmlformats.org/markup-compatibility/2006">
+    <mc:Choice xmlns:p14="http://schemas.microsoft.com/office/powerpoint/2010/main" Requires="p14">
+      <p:transition p14:dur="300">
+        <p:fade/>
+      </p:transition>
+    </mc:Choice>
+    <mc:Fallback>
+      <p:transition>
+        <p:fade/>
+      </p:transition>
+    </mc:Fallback>
+  </mc:AlternateContent>
 </p:sld>
 </file>
 
@@ -2324,7 +2421,7 @@
           <p:cNvPr id="11" name="Title 3">
             <a:extLst>
               <a:ext uri="{FF2B5EF4-FFF2-40B4-BE49-F238E27FC236}">
-                <a16:creationId xmlns:a16="http://schemas.microsoft.com/office/drawing/2014/main" id="{E009E17B-B754-A255-9368-72F1A469555F}"/>
+                <a16:creationId xmlns:a16="http://schemas.microsoft.com/office/drawing/2014/main" id="{213928AF-CC58-3EE2-93DA-914CCC34F19D}"/>
               </a:ext>
             </a:extLst>
           </p:cNvPr>
@@ -2346,8 +2443,8 @@
           <a:lstStyle/>
           <a:p>
             <a:r>
-              <a:rPr lang="ar-SA" dirty="0"/>
-              <a:t>وَفِيهِ جَمْعٌ مِنْ شِيعَتِنا وَمُحِبِّينا </a:t>
+              <a:rPr lang="ar-SA"/>
+              <a:t>وَاصْطَفَانِي بِالرِّسالَةِ نَجِيّاً </a:t>
             </a:r>
             <a:endParaRPr lang="en-US" dirty="0"/>
           </a:p>
@@ -2358,7 +2455,7 @@
           <p:cNvPr id="12" name="Subtitle 4">
             <a:extLst>
               <a:ext uri="{FF2B5EF4-FFF2-40B4-BE49-F238E27FC236}">
-                <a16:creationId xmlns:a16="http://schemas.microsoft.com/office/drawing/2014/main" id="{D82C46BC-F832-EB65-3315-71224F3B8697}"/>
+                <a16:creationId xmlns:a16="http://schemas.microsoft.com/office/drawing/2014/main" id="{7990CADB-7DA7-91C1-DEA4-3E5804F07177}"/>
               </a:ext>
             </a:extLst>
           </p:cNvPr>
@@ -2381,7 +2478,7 @@
           <a:p>
             <a:r>
               <a:rPr lang="en-US"/>
-              <a:t>our followers and friends mentions this event, </a:t>
+              <a:t>and chose me a Messenger for the salvation of the mankind, </a:t>
             </a:r>
             <a:endParaRPr lang="en-US" dirty="0"/>
           </a:p>
@@ -2392,9 +2489,18 @@
   <p:clrMapOvr>
     <a:masterClrMapping/>
   </p:clrMapOvr>
-  <p:transition>
-    <p:fade/>
-  </p:transition>
+  <mc:AlternateContent xmlns:mc="http://schemas.openxmlformats.org/markup-compatibility/2006">
+    <mc:Choice xmlns:p14="http://schemas.microsoft.com/office/powerpoint/2010/main" Requires="p14">
+      <p:transition p14:dur="300">
+        <p:fade/>
+      </p:transition>
+    </mc:Choice>
+    <mc:Fallback>
+      <p:transition>
+        <p:fade/>
+      </p:transition>
+    </mc:Fallback>
+  </mc:AlternateContent>
 </p:sld>
 </file>
 
@@ -2420,7 +2526,7 @@
           <p:cNvPr id="11" name="Title 3">
             <a:extLst>
               <a:ext uri="{FF2B5EF4-FFF2-40B4-BE49-F238E27FC236}">
-                <a16:creationId xmlns:a16="http://schemas.microsoft.com/office/drawing/2014/main" id="{A7EF806F-E600-274B-C38E-485F6ED42E12}"/>
+                <a16:creationId xmlns:a16="http://schemas.microsoft.com/office/drawing/2014/main" id="{1377F11A-B0F6-CD1D-ABFD-D673F23FC9AC}"/>
               </a:ext>
             </a:extLst>
           </p:cNvPr>
@@ -2443,7 +2549,14 @@
           <a:p>
             <a:r>
               <a:rPr lang="ar-SA" dirty="0"/>
-              <a:t>وَفِيهِمْ مَهْمُومٌ إِلَّا وَفَرَّجَ اللّهُ هَمَّهُ </a:t>
+              <a:t>مَا ذُكِرَ خَبَرُنا هذَا فِي</a:t>
+            </a:r>
+            <a:br>
+              <a:rPr lang="ar-SA" dirty="0"/>
+            </a:br>
+            <a:r>
+              <a:rPr lang="ar-SA" dirty="0"/>
+              <a:t>مَحْفِلٍ مِنْ مَحَافِلِ أَهْلِ الْأَرْضِ</a:t>
             </a:r>
             <a:endParaRPr lang="en-US" dirty="0"/>
           </a:p>
@@ -2454,7 +2567,7 @@
           <p:cNvPr id="12" name="Subtitle 4">
             <a:extLst>
               <a:ext uri="{FF2B5EF4-FFF2-40B4-BE49-F238E27FC236}">
-                <a16:creationId xmlns:a16="http://schemas.microsoft.com/office/drawing/2014/main" id="{7ACCD813-67D1-BFB9-E718-7BFEA1812F0B}"/>
+                <a16:creationId xmlns:a16="http://schemas.microsoft.com/office/drawing/2014/main" id="{B7C75EB0-1637-0DD7-3415-1668ECDFBA07}"/>
               </a:ext>
             </a:extLst>
           </p:cNvPr>
@@ -2477,7 +2590,7 @@
           <a:p>
             <a:r>
               <a:rPr lang="en-US"/>
-              <a:t>there shall remain none grieved but Allah will remove his grief, </a:t>
+              <a:t>whenever and wherever an assembly</a:t>
             </a:r>
             <a:endParaRPr lang="en-US" dirty="0"/>
           </a:p>
@@ -2488,9 +2601,18 @@
   <p:clrMapOvr>
     <a:masterClrMapping/>
   </p:clrMapOvr>
-  <p:transition>
-    <p:fade/>
-  </p:transition>
+  <mc:AlternateContent xmlns:mc="http://schemas.openxmlformats.org/markup-compatibility/2006">
+    <mc:Choice xmlns:p14="http://schemas.microsoft.com/office/powerpoint/2010/main" Requires="p14">
+      <p:transition p14:dur="300">
+        <p:fade/>
+      </p:transition>
+    </mc:Choice>
+    <mc:Fallback>
+      <p:transition>
+        <p:fade/>
+      </p:transition>
+    </mc:Fallback>
+  </mc:AlternateContent>
 </p:sld>
 </file>
 
@@ -2516,7 +2638,7 @@
           <p:cNvPr id="11" name="Title 3">
             <a:extLst>
               <a:ext uri="{FF2B5EF4-FFF2-40B4-BE49-F238E27FC236}">
-                <a16:creationId xmlns:a16="http://schemas.microsoft.com/office/drawing/2014/main" id="{556A6F3A-68D6-CE2B-A9F6-852E11C87F1C}"/>
+                <a16:creationId xmlns:a16="http://schemas.microsoft.com/office/drawing/2014/main" id="{E009E17B-B754-A255-9368-72F1A469555F}"/>
               </a:ext>
             </a:extLst>
           </p:cNvPr>
@@ -2539,7 +2661,7 @@
           <a:p>
             <a:r>
               <a:rPr lang="ar-SA" dirty="0"/>
-              <a:t>وَلاَ مَغْمُومٌ إِلَّا وَكَشَفَ اللّهُ غَمَّهُ </a:t>
+              <a:t>وَفِيهِ جَمْعٌ مِنْ شِيعَتِنا وَمُحِبِّينا </a:t>
             </a:r>
             <a:endParaRPr lang="en-US" dirty="0"/>
           </a:p>
@@ -2550,7 +2672,7 @@
           <p:cNvPr id="12" name="Subtitle 4">
             <a:extLst>
               <a:ext uri="{FF2B5EF4-FFF2-40B4-BE49-F238E27FC236}">
-                <a16:creationId xmlns:a16="http://schemas.microsoft.com/office/drawing/2014/main" id="{2908A448-F064-7682-E4E5-A42119867966}"/>
+                <a16:creationId xmlns:a16="http://schemas.microsoft.com/office/drawing/2014/main" id="{D82C46BC-F832-EB65-3315-71224F3B8697}"/>
               </a:ext>
             </a:extLst>
           </p:cNvPr>
@@ -2573,7 +2695,7 @@
           <a:p>
             <a:r>
               <a:rPr lang="en-US"/>
-              <a:t>there shall remain none distressed but Allah will dispel his distress, </a:t>
+              <a:t>our followers and friends mentions this event, </a:t>
             </a:r>
             <a:endParaRPr lang="en-US" dirty="0"/>
           </a:p>
@@ -2584,9 +2706,18 @@
   <p:clrMapOvr>
     <a:masterClrMapping/>
   </p:clrMapOvr>
-  <p:transition>
-    <p:fade/>
-  </p:transition>
+  <mc:AlternateContent xmlns:mc="http://schemas.openxmlformats.org/markup-compatibility/2006">
+    <mc:Choice xmlns:p14="http://schemas.microsoft.com/office/powerpoint/2010/main" Requires="p14">
+      <p:transition p14:dur="300">
+        <p:fade/>
+      </p:transition>
+    </mc:Choice>
+    <mc:Fallback>
+      <p:transition>
+        <p:fade/>
+      </p:transition>
+    </mc:Fallback>
+  </mc:AlternateContent>
 </p:sld>
 </file>
 
@@ -2612,7 +2743,7 @@
           <p:cNvPr id="11" name="Title 3">
             <a:extLst>
               <a:ext uri="{FF2B5EF4-FFF2-40B4-BE49-F238E27FC236}">
-                <a16:creationId xmlns:a16="http://schemas.microsoft.com/office/drawing/2014/main" id="{A6796682-1591-1981-40E8-6FD5471C2581}"/>
+                <a16:creationId xmlns:a16="http://schemas.microsoft.com/office/drawing/2014/main" id="{A7EF806F-E600-274B-C38E-485F6ED42E12}"/>
               </a:ext>
             </a:extLst>
           </p:cNvPr>
@@ -2635,7 +2766,7 @@
           <a:p>
             <a:r>
               <a:rPr lang="ar-SA" dirty="0"/>
-              <a:t>وَلاَ طالِبُ حاجَةٍ إِلَّا وَقَضَى اللّهُ حاجَتَهُ </a:t>
+              <a:t>وَفِيهِمْ مَهْمُومٌ إِلَّا وَفَرَّجَ اللّهُ هَمَّهُ </a:t>
             </a:r>
             <a:endParaRPr lang="en-US" dirty="0"/>
           </a:p>
@@ -2646,7 +2777,7 @@
           <p:cNvPr id="12" name="Subtitle 4">
             <a:extLst>
               <a:ext uri="{FF2B5EF4-FFF2-40B4-BE49-F238E27FC236}">
-                <a16:creationId xmlns:a16="http://schemas.microsoft.com/office/drawing/2014/main" id="{342AD9E0-A654-73B3-AD9F-AB21A0C17A63}"/>
+                <a16:creationId xmlns:a16="http://schemas.microsoft.com/office/drawing/2014/main" id="{7ACCD813-67D1-BFB9-E718-7BFEA1812F0B}"/>
               </a:ext>
             </a:extLst>
           </p:cNvPr>
@@ -2668,9 +2799,10 @@
           <a:lstStyle/>
           <a:p>
             <a:r>
-              <a:rPr lang="en-US" dirty="0"/>
-              <a:t>there shall remain none wish-seeker but Allah will grant his wish."</a:t>
-            </a:r>
+              <a:rPr lang="en-US"/>
+              <a:t>there shall remain none grieved but Allah will remove his grief, </a:t>
+            </a:r>
+            <a:endParaRPr lang="en-US" dirty="0"/>
           </a:p>
         </p:txBody>
       </p:sp>
@@ -2679,9 +2811,18 @@
   <p:clrMapOvr>
     <a:masterClrMapping/>
   </p:clrMapOvr>
-  <p:transition>
-    <p:fade/>
-  </p:transition>
+  <mc:AlternateContent xmlns:mc="http://schemas.openxmlformats.org/markup-compatibility/2006">
+    <mc:Choice xmlns:p14="http://schemas.microsoft.com/office/powerpoint/2010/main" Requires="p14">
+      <p:transition p14:dur="300">
+        <p:fade/>
+      </p:transition>
+    </mc:Choice>
+    <mc:Fallback>
+      <p:transition>
+        <p:fade/>
+      </p:transition>
+    </mc:Fallback>
+  </mc:AlternateContent>
 </p:sld>
 </file>
 
@@ -2707,7 +2848,7 @@
           <p:cNvPr id="11" name="Title 3">
             <a:extLst>
               <a:ext uri="{FF2B5EF4-FFF2-40B4-BE49-F238E27FC236}">
-                <a16:creationId xmlns:a16="http://schemas.microsoft.com/office/drawing/2014/main" id="{B27DE978-964E-459A-6879-5C6E2F5166EC}"/>
+                <a16:creationId xmlns:a16="http://schemas.microsoft.com/office/drawing/2014/main" id="{556A6F3A-68D6-CE2B-A9F6-852E11C87F1C}"/>
               </a:ext>
             </a:extLst>
           </p:cNvPr>
@@ -2730,7 +2871,7 @@
           <a:p>
             <a:r>
               <a:rPr lang="ar-SA" dirty="0"/>
-              <a:t>فَقالَ عَلِيٌّ إِذاً وَللّه فُزْنا وَسُعِدْنا</a:t>
+              <a:t>وَلاَ مَغْمُومٌ إِلَّا وَكَشَفَ اللّهُ غَمَّهُ </a:t>
             </a:r>
             <a:endParaRPr lang="en-US" dirty="0"/>
           </a:p>
@@ -2741,7 +2882,7 @@
           <p:cNvPr id="12" name="Subtitle 4">
             <a:extLst>
               <a:ext uri="{FF2B5EF4-FFF2-40B4-BE49-F238E27FC236}">
-                <a16:creationId xmlns:a16="http://schemas.microsoft.com/office/drawing/2014/main" id="{3F0F8C00-3414-8B4E-AF71-7344562E1A1E}"/>
+                <a16:creationId xmlns:a16="http://schemas.microsoft.com/office/drawing/2014/main" id="{2908A448-F064-7682-E4E5-A42119867966}"/>
               </a:ext>
             </a:extLst>
           </p:cNvPr>
@@ -2763,9 +2904,10 @@
           <a:lstStyle/>
           <a:p>
             <a:r>
-              <a:rPr lang="en-US" dirty="0"/>
-              <a:t>`Ali, peace be upon him, said, "Then, we have won and attained pleasure. I swear it by Allah.</a:t>
-            </a:r>
+              <a:rPr lang="en-US"/>
+              <a:t>there shall remain none distressed but Allah will dispel his distress, </a:t>
+            </a:r>
+            <a:endParaRPr lang="en-US" dirty="0"/>
           </a:p>
         </p:txBody>
       </p:sp>
@@ -2774,9 +2916,18 @@
   <p:clrMapOvr>
     <a:masterClrMapping/>
   </p:clrMapOvr>
-  <p:transition>
-    <p:fade/>
-  </p:transition>
+  <mc:AlternateContent xmlns:mc="http://schemas.openxmlformats.org/markup-compatibility/2006">
+    <mc:Choice xmlns:p14="http://schemas.microsoft.com/office/powerpoint/2010/main" Requires="p14">
+      <p:transition p14:dur="300">
+        <p:fade/>
+      </p:transition>
+    </mc:Choice>
+    <mc:Fallback>
+      <p:transition>
+        <p:fade/>
+      </p:transition>
+    </mc:Fallback>
+  </mc:AlternateContent>
 </p:sld>
 </file>
 
@@ -2802,7 +2953,7 @@
           <p:cNvPr id="11" name="Title 3">
             <a:extLst>
               <a:ext uri="{FF2B5EF4-FFF2-40B4-BE49-F238E27FC236}">
-                <a16:creationId xmlns:a16="http://schemas.microsoft.com/office/drawing/2014/main" id="{6F0F81EA-32CF-BCC3-6802-6CBF61D0F566}"/>
+                <a16:creationId xmlns:a16="http://schemas.microsoft.com/office/drawing/2014/main" id="{A6796682-1591-1981-40E8-6FD5471C2581}"/>
               </a:ext>
             </a:extLst>
           </p:cNvPr>
@@ -2825,22 +2976,7 @@
           <a:p>
             <a:r>
               <a:rPr lang="ar-SA" dirty="0"/>
-              <a:t> وَكَذلِكَ شِيعَتُنا فازُوا وَسُعِدُوا</a:t>
-            </a:r>
-            <a:br>
-              <a:rPr lang="ar-SA" dirty="0"/>
-            </a:br>
-            <a:r>
-              <a:rPr lang="ar-SA" dirty="0"/>
-              <a:t>فِي الدُّنْيا </a:t>
-            </a:r>
-            <a:r>
-              <a:rPr lang="ar-SA" dirty="0" err="1"/>
-              <a:t>وَالاْخِرَةِ</a:t>
-            </a:r>
-            <a:r>
-              <a:rPr lang="ar-SA" dirty="0"/>
-              <a:t> وَرَبِّ الْكَعْبَةِ</a:t>
+              <a:t>وَلاَ طالِبُ حاجَةٍ إِلَّا وَقَضَى اللّهُ حاجَتَهُ </a:t>
             </a:r>
             <a:endParaRPr lang="en-US" dirty="0"/>
           </a:p>
@@ -2851,7 +2987,7 @@
           <p:cNvPr id="12" name="Subtitle 4">
             <a:extLst>
               <a:ext uri="{FF2B5EF4-FFF2-40B4-BE49-F238E27FC236}">
-                <a16:creationId xmlns:a16="http://schemas.microsoft.com/office/drawing/2014/main" id="{7E836BBE-480A-BD0C-2556-4F9BEF0AE71E}"/>
+                <a16:creationId xmlns:a16="http://schemas.microsoft.com/office/drawing/2014/main" id="{342AD9E0-A654-73B3-AD9F-AB21A0C17A63}"/>
               </a:ext>
             </a:extLst>
           </p:cNvPr>
@@ -2874,15 +3010,7 @@
           <a:p>
             <a:r>
               <a:rPr lang="en-US" dirty="0"/>
-              <a:t> So have our adherents they have won and attained pleasure in this world and in the Hereafter. I swear it by the Lord of the </a:t>
-            </a:r>
-            <a:r>
-              <a:rPr lang="en-US" dirty="0" err="1"/>
-              <a:t>Ka`bah</a:t>
-            </a:r>
-            <a:r>
-              <a:rPr lang="en-US" dirty="0"/>
-              <a:t>."</a:t>
+              <a:t>there shall remain none wish-seeker but Allah will grant his wish.”</a:t>
             </a:r>
           </a:p>
         </p:txBody>
@@ -2892,9 +3020,18 @@
   <p:clrMapOvr>
     <a:masterClrMapping/>
   </p:clrMapOvr>
-  <p:transition>
-    <p:fade/>
-  </p:transition>
+  <mc:AlternateContent xmlns:mc="http://schemas.openxmlformats.org/markup-compatibility/2006">
+    <mc:Choice xmlns:p14="http://schemas.microsoft.com/office/powerpoint/2010/main" Requires="p14">
+      <p:transition p14:dur="300">
+        <p:fade/>
+      </p:transition>
+    </mc:Choice>
+    <mc:Fallback>
+      <p:transition>
+        <p:fade/>
+      </p:transition>
+    </mc:Fallback>
+  </mc:AlternateContent>
 </p:sld>
 </file>
 
@@ -2920,7 +3057,7 @@
           <p:cNvPr id="11" name="Title 3">
             <a:extLst>
               <a:ext uri="{FF2B5EF4-FFF2-40B4-BE49-F238E27FC236}">
-                <a16:creationId xmlns:a16="http://schemas.microsoft.com/office/drawing/2014/main" id="{4E604A7F-4B49-4FDE-B247-CED3E88C9DED}"/>
+                <a16:creationId xmlns:a16="http://schemas.microsoft.com/office/drawing/2014/main" id="{B27DE978-964E-459A-6879-5C6E2F5166EC}"/>
               </a:ext>
             </a:extLst>
           </p:cNvPr>
@@ -2942,8 +3079,8 @@
           <a:lstStyle/>
           <a:p>
             <a:r>
-              <a:rPr lang="ar-SA"/>
-              <a:t>أَللّٰهُمَّ صَلِّ عَلٰى مُحَمَّدٍ وَآلِ مُحَمَّدٍ</a:t>
+              <a:rPr lang="ar-SA" dirty="0"/>
+              <a:t>فَقالَ عَلِيٌّ إِذاً وَللّه فُزْنا وَسُعِدْنا</a:t>
             </a:r>
             <a:endParaRPr lang="en-US" dirty="0"/>
           </a:p>
@@ -2954,7 +3091,7 @@
           <p:cNvPr id="12" name="Subtitle 4">
             <a:extLst>
               <a:ext uri="{FF2B5EF4-FFF2-40B4-BE49-F238E27FC236}">
-                <a16:creationId xmlns:a16="http://schemas.microsoft.com/office/drawing/2014/main" id="{0A3FC473-E56A-4E2F-BE7C-7E2CF70D6289}"/>
+                <a16:creationId xmlns:a16="http://schemas.microsoft.com/office/drawing/2014/main" id="{3F0F8C00-3414-8B4E-AF71-7344562E1A1E}"/>
               </a:ext>
             </a:extLst>
           </p:cNvPr>
@@ -2976,32 +3113,29 @@
           <a:lstStyle/>
           <a:p>
             <a:r>
-              <a:rPr lang="en-US"/>
-              <a:t>O' Alláh send Your blessings on Muhammad</a:t>
-            </a:r>
-          </a:p>
-          <a:p>
-            <a:r>
-              <a:rPr lang="en-US"/>
-              <a:t>and the family of Muhammad.</a:t>
-            </a:r>
-            <a:endParaRPr lang="en-US" dirty="0"/>
+              <a:rPr lang="en-US" dirty="0"/>
+              <a:t>`Ali, peace be upon him, said, “Then, we have won and attained pleasure. I swear it by Allah.</a:t>
+            </a:r>
           </a:p>
         </p:txBody>
       </p:sp>
     </p:spTree>
-    <p:extLst>
-      <p:ext uri="{BB962C8B-B14F-4D97-AF65-F5344CB8AC3E}">
-        <p14:creationId xmlns:p14="http://schemas.microsoft.com/office/powerpoint/2010/main" val="2138596934"/>
-      </p:ext>
-    </p:extLst>
   </p:cSld>
   <p:clrMapOvr>
     <a:masterClrMapping/>
   </p:clrMapOvr>
-  <p:transition>
-    <p:fade/>
-  </p:transition>
+  <mc:AlternateContent xmlns:mc="http://schemas.openxmlformats.org/markup-compatibility/2006">
+    <mc:Choice xmlns:p14="http://schemas.microsoft.com/office/powerpoint/2010/main" Requires="p14">
+      <p:transition p14:dur="300">
+        <p:fade/>
+      </p:transition>
+    </mc:Choice>
+    <mc:Fallback>
+      <p:transition>
+        <p:fade/>
+      </p:transition>
+    </mc:Fallback>
+  </mc:AlternateContent>
 </p:sld>
 </file>
 
@@ -3103,9 +3237,18 @@
   <p:clrMapOvr>
     <a:masterClrMapping/>
   </p:clrMapOvr>
-  <p:transition>
-    <p:fade/>
-  </p:transition>
+  <mc:AlternateContent xmlns:mc="http://schemas.openxmlformats.org/markup-compatibility/2006">
+    <mc:Choice xmlns:p14="http://schemas.microsoft.com/office/powerpoint/2010/main" Requires="p14">
+      <p:transition p14:dur="300">
+        <p:fade/>
+      </p:transition>
+    </mc:Choice>
+    <mc:Fallback>
+      <p:transition>
+        <p:fade/>
+      </p:transition>
+    </mc:Fallback>
+  </mc:AlternateContent>
 </p:sld>
 </file>
 
@@ -3128,6 +3271,248 @@
       </p:grpSpPr>
       <p:sp>
         <p:nvSpPr>
+          <p:cNvPr id="11" name="Title 3">
+            <a:extLst>
+              <a:ext uri="{FF2B5EF4-FFF2-40B4-BE49-F238E27FC236}">
+                <a16:creationId xmlns:a16="http://schemas.microsoft.com/office/drawing/2014/main" id="{6F0F81EA-32CF-BCC3-6802-6CBF61D0F566}"/>
+              </a:ext>
+            </a:extLst>
+          </p:cNvPr>
+          <p:cNvSpPr>
+            <a:spLocks noGrp="1"/>
+          </p:cNvSpPr>
+          <p:nvPr>
+            <p:ph type="title"/>
+          </p:nvPr>
+        </p:nvSpPr>
+        <p:spPr>
+          <a:xfrm>
+            <a:off x="0" y="1219199"/>
+            <a:ext cx="12192000" cy="1143000"/>
+          </a:xfrm>
+        </p:spPr>
+        <p:txBody>
+          <a:bodyPr/>
+          <a:lstStyle/>
+          <a:p>
+            <a:r>
+              <a:rPr lang="ar-SA" dirty="0"/>
+              <a:t> وَكَذلِكَ شِيعَتُنا فازُوا وَسُعِدُوا</a:t>
+            </a:r>
+            <a:br>
+              <a:rPr lang="ar-SA" dirty="0"/>
+            </a:br>
+            <a:r>
+              <a:rPr lang="ar-SA" dirty="0"/>
+              <a:t>فِي الدُّنْيا </a:t>
+            </a:r>
+            <a:r>
+              <a:rPr lang="ar-SA" dirty="0" err="1"/>
+              <a:t>وَالاْخِرَةِ</a:t>
+            </a:r>
+            <a:r>
+              <a:rPr lang="ar-SA" dirty="0"/>
+              <a:t> وَرَبِّ الْكَعْبَةِ</a:t>
+            </a:r>
+            <a:endParaRPr lang="en-US" dirty="0"/>
+          </a:p>
+        </p:txBody>
+      </p:sp>
+      <p:sp>
+        <p:nvSpPr>
+          <p:cNvPr id="12" name="Subtitle 4">
+            <a:extLst>
+              <a:ext uri="{FF2B5EF4-FFF2-40B4-BE49-F238E27FC236}">
+                <a16:creationId xmlns:a16="http://schemas.microsoft.com/office/drawing/2014/main" id="{7E836BBE-480A-BD0C-2556-4F9BEF0AE71E}"/>
+              </a:ext>
+            </a:extLst>
+          </p:cNvPr>
+          <p:cNvSpPr>
+            <a:spLocks noGrp="1"/>
+          </p:cNvSpPr>
+          <p:nvPr>
+            <p:ph type="body" sz="quarter" idx="10"/>
+          </p:nvPr>
+        </p:nvSpPr>
+        <p:spPr>
+          <a:xfrm>
+            <a:off x="2171700" y="4495801"/>
+            <a:ext cx="7848600" cy="1905000"/>
+          </a:xfrm>
+        </p:spPr>
+        <p:txBody>
+          <a:bodyPr/>
+          <a:lstStyle/>
+          <a:p>
+            <a:r>
+              <a:rPr lang="en-US" dirty="0"/>
+              <a:t> So have our adherents they have won and attained pleasure in this world and in the Hereafter. I swear it by the Lord of the </a:t>
+            </a:r>
+            <a:r>
+              <a:rPr lang="en-US" dirty="0" err="1"/>
+              <a:t>Ka`bah</a:t>
+            </a:r>
+            <a:r>
+              <a:rPr lang="en-US" dirty="0"/>
+              <a:t>.”</a:t>
+            </a:r>
+          </a:p>
+        </p:txBody>
+      </p:sp>
+    </p:spTree>
+  </p:cSld>
+  <p:clrMapOvr>
+    <a:masterClrMapping/>
+  </p:clrMapOvr>
+  <mc:AlternateContent xmlns:mc="http://schemas.openxmlformats.org/markup-compatibility/2006">
+    <mc:Choice xmlns:p14="http://schemas.microsoft.com/office/powerpoint/2010/main" Requires="p14">
+      <p:transition p14:dur="300">
+        <p:fade/>
+      </p:transition>
+    </mc:Choice>
+    <mc:Fallback>
+      <p:transition>
+        <p:fade/>
+      </p:transition>
+    </mc:Fallback>
+  </mc:AlternateContent>
+</p:sld>
+</file>
+
+<file path=ppt/slides/slide111.xml><?xml version="1.0" encoding="utf-8"?>
+<p:sld xmlns:a="http://schemas.openxmlformats.org/drawingml/2006/main" xmlns:r="http://schemas.openxmlformats.org/officeDocument/2006/relationships" xmlns:p="http://schemas.openxmlformats.org/presentationml/2006/main">
+  <p:cSld>
+    <p:spTree>
+      <p:nvGrpSpPr>
+        <p:cNvPr id="1" name=""/>
+        <p:cNvGrpSpPr/>
+        <p:nvPr/>
+      </p:nvGrpSpPr>
+      <p:grpSpPr>
+        <a:xfrm>
+          <a:off x="0" y="0"/>
+          <a:ext cx="0" cy="0"/>
+          <a:chOff x="0" y="0"/>
+          <a:chExt cx="0" cy="0"/>
+        </a:xfrm>
+      </p:grpSpPr>
+      <p:sp>
+        <p:nvSpPr>
+          <p:cNvPr id="11" name="Title 3">
+            <a:extLst>
+              <a:ext uri="{FF2B5EF4-FFF2-40B4-BE49-F238E27FC236}">
+                <a16:creationId xmlns:a16="http://schemas.microsoft.com/office/drawing/2014/main" id="{4E604A7F-4B49-4FDE-B247-CED3E88C9DED}"/>
+              </a:ext>
+            </a:extLst>
+          </p:cNvPr>
+          <p:cNvSpPr>
+            <a:spLocks noGrp="1"/>
+          </p:cNvSpPr>
+          <p:nvPr>
+            <p:ph type="title"/>
+          </p:nvPr>
+        </p:nvSpPr>
+        <p:spPr>
+          <a:xfrm>
+            <a:off x="0" y="1219199"/>
+            <a:ext cx="12192000" cy="1143000"/>
+          </a:xfrm>
+        </p:spPr>
+        <p:txBody>
+          <a:bodyPr/>
+          <a:lstStyle/>
+          <a:p>
+            <a:r>
+              <a:rPr lang="ar-SA" dirty="0"/>
+              <a:t>أَللّٰهُمَّ صَلِّ عَلٰى مُحَمَّدٍ وَآلِ مُحَمَّدٍ</a:t>
+            </a:r>
+            <a:endParaRPr lang="en-US" dirty="0"/>
+          </a:p>
+        </p:txBody>
+      </p:sp>
+      <p:sp>
+        <p:nvSpPr>
+          <p:cNvPr id="12" name="Subtitle 4">
+            <a:extLst>
+              <a:ext uri="{FF2B5EF4-FFF2-40B4-BE49-F238E27FC236}">
+                <a16:creationId xmlns:a16="http://schemas.microsoft.com/office/drawing/2014/main" id="{0A3FC473-E56A-4E2F-BE7C-7E2CF70D6289}"/>
+              </a:ext>
+            </a:extLst>
+          </p:cNvPr>
+          <p:cNvSpPr>
+            <a:spLocks noGrp="1"/>
+          </p:cNvSpPr>
+          <p:nvPr>
+            <p:ph type="body" sz="quarter" idx="10"/>
+          </p:nvPr>
+        </p:nvSpPr>
+        <p:spPr>
+          <a:xfrm>
+            <a:off x="2171700" y="4495801"/>
+            <a:ext cx="7848600" cy="1905000"/>
+          </a:xfrm>
+        </p:spPr>
+        <p:txBody>
+          <a:bodyPr/>
+          <a:lstStyle/>
+          <a:p>
+            <a:r>
+              <a:rPr lang="en-US" dirty="0"/>
+              <a:t>O' Allah send Your blessings on Muhammad</a:t>
+            </a:r>
+          </a:p>
+          <a:p>
+            <a:r>
+              <a:rPr lang="en-US" dirty="0"/>
+              <a:t>and the family of Muhammad.</a:t>
+            </a:r>
+          </a:p>
+        </p:txBody>
+      </p:sp>
+    </p:spTree>
+    <p:extLst>
+      <p:ext uri="{BB962C8B-B14F-4D97-AF65-F5344CB8AC3E}">
+        <p14:creationId xmlns:p14="http://schemas.microsoft.com/office/powerpoint/2010/main" val="3927737641"/>
+      </p:ext>
+    </p:extLst>
+  </p:cSld>
+  <p:clrMapOvr>
+    <a:masterClrMapping/>
+  </p:clrMapOvr>
+  <mc:AlternateContent xmlns:mc="http://schemas.openxmlformats.org/markup-compatibility/2006">
+    <mc:Choice xmlns:p14="http://schemas.microsoft.com/office/powerpoint/2010/main" Requires="p14">
+      <p:transition p14:dur="300">
+        <p:fade/>
+      </p:transition>
+    </mc:Choice>
+    <mc:Fallback>
+      <p:transition>
+        <p:fade/>
+      </p:transition>
+    </mc:Fallback>
+  </mc:AlternateContent>
+</p:sld>
+</file>
+
+<file path=ppt/slides/slide112.xml><?xml version="1.0" encoding="utf-8"?>
+<p:sld xmlns:a="http://schemas.openxmlformats.org/drawingml/2006/main" xmlns:r="http://schemas.openxmlformats.org/officeDocument/2006/relationships" xmlns:p="http://schemas.openxmlformats.org/presentationml/2006/main">
+  <p:cSld>
+    <p:spTree>
+      <p:nvGrpSpPr>
+        <p:cNvPr id="1" name=""/>
+        <p:cNvGrpSpPr/>
+        <p:nvPr/>
+      </p:nvGrpSpPr>
+      <p:grpSpPr>
+        <a:xfrm>
+          <a:off x="0" y="0"/>
+          <a:ext cx="0" cy="0"/>
+          <a:chOff x="0" y="0"/>
+          <a:chExt cx="0" cy="0"/>
+        </a:xfrm>
+      </p:grpSpPr>
+      <p:sp>
+        <p:nvSpPr>
           <p:cNvPr id="21507" name="Rectangle 3"/>
           <p:cNvSpPr>
             <a:spLocks noGrp="1" noChangeArrowheads="1"/>
@@ -3197,12 +3582,16 @@
   <p:clrMapOvr>
     <a:masterClrMapping/>
   </p:clrMapOvr>
-  <mc:AlternateContent xmlns:mc="http://schemas.openxmlformats.org/markup-compatibility/2006" xmlns:p14="http://schemas.microsoft.com/office/powerpoint/2010/main">
-    <mc:Choice Requires="p14">
-      <p:transition p14:dur="0"/>
+  <mc:AlternateContent xmlns:mc="http://schemas.openxmlformats.org/markup-compatibility/2006">
+    <mc:Choice xmlns:p14="http://schemas.microsoft.com/office/powerpoint/2010/main" Requires="p14">
+      <p:transition p14:dur="300">
+        <p:fade/>
+      </p:transition>
     </mc:Choice>
-    <mc:Fallback xmlns="">
-      <p:transition/>
+    <mc:Fallback>
+      <p:transition>
+        <p:fade/>
+      </p:transition>
     </mc:Fallback>
   </mc:AlternateContent>
 </p:sld>
@@ -3316,9 +3705,18 @@
   <p:clrMapOvr>
     <a:masterClrMapping/>
   </p:clrMapOvr>
-  <p:transition>
-    <p:fade/>
-  </p:transition>
+  <mc:AlternateContent xmlns:mc="http://schemas.openxmlformats.org/markup-compatibility/2006">
+    <mc:Choice xmlns:p14="http://schemas.microsoft.com/office/powerpoint/2010/main" Requires="p14">
+      <p:transition p14:dur="300">
+        <p:fade/>
+      </p:transition>
+    </mc:Choice>
+    <mc:Fallback>
+      <p:transition>
+        <p:fade/>
+      </p:transition>
+    </mc:Fallback>
+  </mc:AlternateContent>
 </p:sld>
 </file>
 
@@ -3401,15 +3799,7 @@
           <a:p>
             <a:r>
               <a:rPr lang="en-US" dirty="0"/>
-              <a:t>O' </a:t>
-            </a:r>
-            <a:r>
-              <a:rPr lang="en-US" dirty="0" err="1"/>
-              <a:t>Alláh</a:t>
-            </a:r>
-            <a:r>
-              <a:rPr lang="en-US" dirty="0"/>
-              <a:t> send Your blessings on Muhammad</a:t>
+              <a:t>O' Allah send Your blessings on Muhammad</a:t>
             </a:r>
           </a:p>
           <a:p>
@@ -3430,9 +3820,18 @@
   <p:clrMapOvr>
     <a:masterClrMapping/>
   </p:clrMapOvr>
-  <p:transition>
-    <p:fade/>
-  </p:transition>
+  <mc:AlternateContent xmlns:mc="http://schemas.openxmlformats.org/markup-compatibility/2006">
+    <mc:Choice xmlns:p14="http://schemas.microsoft.com/office/powerpoint/2010/main" Requires="p14">
+      <p:transition p14:dur="300">
+        <p:fade/>
+      </p:transition>
+    </mc:Choice>
+    <mc:Fallback>
+      <p:transition>
+        <p:fade/>
+      </p:transition>
+    </mc:Fallback>
+  </mc:AlternateContent>
 </p:sld>
 </file>
 
@@ -3533,9 +3932,18 @@
   <p:clrMapOvr>
     <a:masterClrMapping/>
   </p:clrMapOvr>
-  <p:transition>
-    <p:fade/>
-  </p:transition>
+  <mc:AlternateContent xmlns:mc="http://schemas.openxmlformats.org/markup-compatibility/2006">
+    <mc:Choice xmlns:p14="http://schemas.microsoft.com/office/powerpoint/2010/main" Requires="p14">
+      <p:transition p14:dur="300">
+        <p:fade/>
+      </p:transition>
+    </mc:Choice>
+    <mc:Fallback>
+      <p:transition>
+        <p:fade/>
+      </p:transition>
+    </mc:Fallback>
+  </mc:AlternateContent>
 </p:sld>
 </file>
 
@@ -3618,7 +4026,7 @@
           <a:p>
             <a:r>
               <a:rPr lang="en-US" dirty="0"/>
-              <a:t>and said: "Peace be on you, mother"</a:t>
+              <a:t>and said, “Peace be on you, mother.”</a:t>
             </a:r>
           </a:p>
         </p:txBody>
@@ -3628,9 +4036,18 @@
   <p:clrMapOvr>
     <a:masterClrMapping/>
   </p:clrMapOvr>
-  <p:transition>
-    <p:fade/>
-  </p:transition>
+  <mc:AlternateContent xmlns:mc="http://schemas.openxmlformats.org/markup-compatibility/2006">
+    <mc:Choice xmlns:p14="http://schemas.microsoft.com/office/powerpoint/2010/main" Requires="p14">
+      <p:transition p14:dur="300">
+        <p:fade/>
+      </p:transition>
+    </mc:Choice>
+    <mc:Fallback>
+      <p:transition>
+        <p:fade/>
+      </p:transition>
+    </mc:Fallback>
+  </mc:AlternateContent>
 </p:sld>
 </file>
 
@@ -3713,7 +4130,7 @@
           <a:p>
             <a:r>
               <a:rPr lang="en-US" dirty="0"/>
-              <a:t>I replied: "And upon you be peace, O light of my eyes, and the delight of my heart"</a:t>
+              <a:t>I replied, “And upon you be peace, O light of my eyes, and the delight of my heart.”</a:t>
             </a:r>
           </a:p>
         </p:txBody>
@@ -3723,9 +4140,18 @@
   <p:clrMapOvr>
     <a:masterClrMapping/>
   </p:clrMapOvr>
-  <p:transition>
-    <p:fade/>
-  </p:transition>
+  <mc:AlternateContent xmlns:mc="http://schemas.openxmlformats.org/markup-compatibility/2006">
+    <mc:Choice xmlns:p14="http://schemas.microsoft.com/office/powerpoint/2010/main" Requires="p14">
+      <p:transition p14:dur="300">
+        <p:fade/>
+      </p:transition>
+    </mc:Choice>
+    <mc:Fallback>
+      <p:transition>
+        <p:fade/>
+      </p:transition>
+    </mc:Fallback>
+  </mc:AlternateContent>
 </p:sld>
 </file>
 
@@ -3808,7 +4234,7 @@
           <a:p>
             <a:r>
               <a:rPr lang="en-US" dirty="0"/>
-              <a:t>He then said: "O Mother! I smell a fragrance so sweet</a:t>
+              <a:t>He then said, “O Mother! I smell a fragrance so sweet</a:t>
             </a:r>
           </a:p>
         </p:txBody>
@@ -3818,9 +4244,18 @@
   <p:clrMapOvr>
     <a:masterClrMapping/>
   </p:clrMapOvr>
-  <p:transition>
-    <p:fade/>
-  </p:transition>
+  <mc:AlternateContent xmlns:mc="http://schemas.openxmlformats.org/markup-compatibility/2006">
+    <mc:Choice xmlns:p14="http://schemas.microsoft.com/office/powerpoint/2010/main" Requires="p14">
+      <p:transition p14:dur="300">
+        <p:fade/>
+      </p:transition>
+    </mc:Choice>
+    <mc:Fallback>
+      <p:transition>
+        <p:fade/>
+      </p:transition>
+    </mc:Fallback>
+  </mc:AlternateContent>
 </p:sld>
 </file>
 
@@ -3902,10 +4337,9 @@
           <a:lstStyle/>
           <a:p>
             <a:r>
-              <a:rPr lang="en-US"/>
-              <a:t>and so pure as that of my grandfather, the Prophet (s) of Allah"</a:t>
-            </a:r>
-            <a:endParaRPr lang="en-US" dirty="0"/>
+              <a:rPr lang="en-US" dirty="0"/>
+              <a:t>and so pure as that of my grandfather, the Prophet of Allah.”</a:t>
+            </a:r>
           </a:p>
         </p:txBody>
       </p:sp>
@@ -3914,9 +4348,18 @@
   <p:clrMapOvr>
     <a:masterClrMapping/>
   </p:clrMapOvr>
-  <p:transition>
-    <p:fade/>
-  </p:transition>
+  <mc:AlternateContent xmlns:mc="http://schemas.openxmlformats.org/markup-compatibility/2006">
+    <mc:Choice xmlns:p14="http://schemas.microsoft.com/office/powerpoint/2010/main" Requires="p14">
+      <p:transition p14:dur="300">
+        <p:fade/>
+      </p:transition>
+    </mc:Choice>
+    <mc:Fallback>
+      <p:transition>
+        <p:fade/>
+      </p:transition>
+    </mc:Fallback>
+  </mc:AlternateContent>
 </p:sld>
 </file>
 
@@ -3999,7 +4442,7 @@
           <a:p>
             <a:r>
               <a:rPr lang="en-US" dirty="0"/>
-              <a:t>I replied: "Yes. Your grandfather is underneath the cloak"</a:t>
+              <a:t>I replied, “Yes. Your grandfather is underneath the cloak.”</a:t>
             </a:r>
           </a:p>
         </p:txBody>
@@ -4009,9 +4452,18 @@
   <p:clrMapOvr>
     <a:masterClrMapping/>
   </p:clrMapOvr>
-  <p:transition>
-    <p:fade/>
-  </p:transition>
+  <mc:AlternateContent xmlns:mc="http://schemas.openxmlformats.org/markup-compatibility/2006">
+    <mc:Choice xmlns:p14="http://schemas.microsoft.com/office/powerpoint/2010/main" Requires="p14">
+      <p:transition p14:dur="300">
+        <p:fade/>
+      </p:transition>
+    </mc:Choice>
+    <mc:Fallback>
+      <p:transition>
+        <p:fade/>
+      </p:transition>
+    </mc:Fallback>
+  </mc:AlternateContent>
 </p:sld>
 </file>
 
@@ -4094,15 +4546,7 @@
           <a:p>
             <a:r>
               <a:rPr lang="en-US" dirty="0"/>
-              <a:t>O' </a:t>
-            </a:r>
-            <a:r>
-              <a:rPr lang="en-US" dirty="0" err="1"/>
-              <a:t>Alláh</a:t>
-            </a:r>
-            <a:r>
-              <a:rPr lang="en-US" dirty="0"/>
-              <a:t> send Your blessings on Muhammad</a:t>
+              <a:t>O' Allah send Your blessings on Muhammad</a:t>
             </a:r>
           </a:p>
           <a:p>
@@ -4116,16 +4560,25 @@
     </p:spTree>
     <p:extLst>
       <p:ext uri="{BB962C8B-B14F-4D97-AF65-F5344CB8AC3E}">
-        <p14:creationId xmlns:p14="http://schemas.microsoft.com/office/powerpoint/2010/main" val="2707577324"/>
+        <p14:creationId xmlns:p14="http://schemas.microsoft.com/office/powerpoint/2010/main" val="4261120500"/>
       </p:ext>
     </p:extLst>
   </p:cSld>
   <p:clrMapOvr>
     <a:masterClrMapping/>
   </p:clrMapOvr>
-  <p:transition>
-    <p:fade/>
-  </p:transition>
+  <mc:AlternateContent xmlns:mc="http://schemas.openxmlformats.org/markup-compatibility/2006">
+    <mc:Choice xmlns:p14="http://schemas.microsoft.com/office/powerpoint/2010/main" Requires="p14">
+      <p:transition p14:dur="300">
+        <p:fade/>
+      </p:transition>
+    </mc:Choice>
+    <mc:Fallback>
+      <p:transition>
+        <p:fade/>
+      </p:transition>
+    </mc:Fallback>
+  </mc:AlternateContent>
 </p:sld>
 </file>
 
@@ -4215,7 +4668,7 @@
           <a:p>
             <a:r>
               <a:rPr lang="en-US" dirty="0"/>
-              <a:t>Hasan went near the cloak and said: "Peace be on you, my grandfather, the Prophet (s) of Allah; </a:t>
+              <a:t>Hasan went near the cloak and said, “Peace be on you, my grandfather, the Prophet of Allah; </a:t>
             </a:r>
           </a:p>
         </p:txBody>
@@ -4225,9 +4678,18 @@
   <p:clrMapOvr>
     <a:masterClrMapping/>
   </p:clrMapOvr>
-  <p:transition>
-    <p:fade/>
-  </p:transition>
+  <mc:AlternateContent xmlns:mc="http://schemas.openxmlformats.org/markup-compatibility/2006">
+    <mc:Choice xmlns:p14="http://schemas.microsoft.com/office/powerpoint/2010/main" Requires="p14">
+      <p:transition p14:dur="300">
+        <p:fade/>
+      </p:transition>
+    </mc:Choice>
+    <mc:Fallback>
+      <p:transition>
+        <p:fade/>
+      </p:transition>
+    </mc:Fallback>
+  </mc:AlternateContent>
 </p:sld>
 </file>
 
@@ -4309,10 +4771,9 @@
           <a:lstStyle/>
           <a:p>
             <a:r>
-              <a:rPr lang="en-US"/>
-              <a:t>May I enter the cloak with you?"</a:t>
-            </a:r>
-            <a:endParaRPr lang="en-US" dirty="0"/>
+              <a:rPr lang="en-US" dirty="0"/>
+              <a:t>May I enter the cloak with you?”</a:t>
+            </a:r>
           </a:p>
         </p:txBody>
       </p:sp>
@@ -4321,9 +4782,18 @@
   <p:clrMapOvr>
     <a:masterClrMapping/>
   </p:clrMapOvr>
-  <p:transition>
-    <p:fade/>
-  </p:transition>
+  <mc:AlternateContent xmlns:mc="http://schemas.openxmlformats.org/markup-compatibility/2006">
+    <mc:Choice xmlns:p14="http://schemas.microsoft.com/office/powerpoint/2010/main" Requires="p14">
+      <p:transition p14:dur="300">
+        <p:fade/>
+      </p:transition>
+    </mc:Choice>
+    <mc:Fallback>
+      <p:transition>
+        <p:fade/>
+      </p:transition>
+    </mc:Fallback>
+  </mc:AlternateContent>
 </p:sld>
 </file>
 
@@ -4413,7 +4883,7 @@
           <a:p>
             <a:r>
               <a:rPr lang="en-US" dirty="0"/>
-              <a:t>He replied: "And upon you be peace, my son and the master of my fountain (</a:t>
+              <a:t>He replied, “And upon you be peace, my son and the master of my fountain (</a:t>
             </a:r>
             <a:r>
               <a:rPr lang="en-US" dirty="0" err="1"/>
@@ -4431,9 +4901,18 @@
   <p:clrMapOvr>
     <a:masterClrMapping/>
   </p:clrMapOvr>
-  <p:transition>
-    <p:fade/>
-  </p:transition>
+  <mc:AlternateContent xmlns:mc="http://schemas.openxmlformats.org/markup-compatibility/2006">
+    <mc:Choice xmlns:p14="http://schemas.microsoft.com/office/powerpoint/2010/main" Requires="p14">
+      <p:transition p14:dur="300">
+        <p:fade/>
+      </p:transition>
+    </mc:Choice>
+    <mc:Fallback>
+      <p:transition>
+        <p:fade/>
+      </p:transition>
+    </mc:Fallback>
+  </mc:AlternateContent>
 </p:sld>
 </file>
 
@@ -4515,10 +4994,9 @@
           <a:lstStyle/>
           <a:p>
             <a:r>
-              <a:rPr lang="en-US"/>
-              <a:t>you are given the permission to enter"</a:t>
-            </a:r>
-            <a:endParaRPr lang="en-US" dirty="0"/>
+              <a:rPr lang="en-US" dirty="0"/>
+              <a:t>you are given the permission to enter.”</a:t>
+            </a:r>
           </a:p>
         </p:txBody>
       </p:sp>
@@ -4527,9 +5005,18 @@
   <p:clrMapOvr>
     <a:masterClrMapping/>
   </p:clrMapOvr>
-  <p:transition>
-    <p:fade/>
-  </p:transition>
+  <mc:AlternateContent xmlns:mc="http://schemas.openxmlformats.org/markup-compatibility/2006">
+    <mc:Choice xmlns:p14="http://schemas.microsoft.com/office/powerpoint/2010/main" Requires="p14">
+      <p:transition p14:dur="300">
+        <p:fade/>
+      </p:transition>
+    </mc:Choice>
+    <mc:Fallback>
+      <p:transition>
+        <p:fade/>
+      </p:transition>
+    </mc:Fallback>
+  </mc:AlternateContent>
 </p:sld>
 </file>
 
@@ -4611,10 +5098,9 @@
           <a:lstStyle/>
           <a:p>
             <a:r>
-              <a:rPr lang="en-US"/>
-              <a:t>So, Hasan entered the cloak with him </a:t>
-            </a:r>
-            <a:endParaRPr lang="en-US" dirty="0"/>
+              <a:rPr lang="en-US" dirty="0"/>
+              <a:t>So, Hasan entered the cloak with him. </a:t>
+            </a:r>
           </a:p>
         </p:txBody>
       </p:sp>
@@ -4623,9 +5109,18 @@
   <p:clrMapOvr>
     <a:masterClrMapping/>
   </p:clrMapOvr>
-  <p:transition>
-    <p:fade/>
-  </p:transition>
+  <mc:AlternateContent xmlns:mc="http://schemas.openxmlformats.org/markup-compatibility/2006">
+    <mc:Choice xmlns:p14="http://schemas.microsoft.com/office/powerpoint/2010/main" Requires="p14">
+      <p:transition p14:dur="300">
+        <p:fade/>
+      </p:transition>
+    </mc:Choice>
+    <mc:Fallback>
+      <p:transition>
+        <p:fade/>
+      </p:transition>
+    </mc:Fallback>
+  </mc:AlternateContent>
 </p:sld>
 </file>
 
@@ -4708,15 +5203,7 @@
           <a:p>
             <a:r>
               <a:rPr lang="en-US" dirty="0"/>
-              <a:t>O' </a:t>
-            </a:r>
-            <a:r>
-              <a:rPr lang="en-US" dirty="0" err="1"/>
-              <a:t>Alláh</a:t>
-            </a:r>
-            <a:r>
-              <a:rPr lang="en-US" dirty="0"/>
-              <a:t> send Your blessings on Muhammad</a:t>
+              <a:t>O' Allah send Your blessings on Muhammad</a:t>
             </a:r>
           </a:p>
           <a:p>
@@ -4737,9 +5224,18 @@
   <p:clrMapOvr>
     <a:masterClrMapping/>
   </p:clrMapOvr>
-  <p:transition>
-    <p:fade/>
-  </p:transition>
+  <mc:AlternateContent xmlns:mc="http://schemas.openxmlformats.org/markup-compatibility/2006">
+    <mc:Choice xmlns:p14="http://schemas.microsoft.com/office/powerpoint/2010/main" Requires="p14">
+      <p:transition p14:dur="300">
+        <p:fade/>
+      </p:transition>
+    </mc:Choice>
+    <mc:Fallback>
+      <p:transition>
+        <p:fade/>
+      </p:transition>
+    </mc:Fallback>
+  </mc:AlternateContent>
 </p:sld>
 </file>
 
@@ -4839,9 +5335,18 @@
   <p:clrMapOvr>
     <a:masterClrMapping/>
   </p:clrMapOvr>
-  <p:transition>
-    <p:fade/>
-  </p:transition>
+  <mc:AlternateContent xmlns:mc="http://schemas.openxmlformats.org/markup-compatibility/2006">
+    <mc:Choice xmlns:p14="http://schemas.microsoft.com/office/powerpoint/2010/main" Requires="p14">
+      <p:transition p14:dur="300">
+        <p:fade/>
+      </p:transition>
+    </mc:Choice>
+    <mc:Fallback>
+      <p:transition>
+        <p:fade/>
+      </p:transition>
+    </mc:Fallback>
+  </mc:AlternateContent>
 </p:sld>
 </file>
 
@@ -4923,10 +5428,9 @@
           <a:lstStyle/>
           <a:p>
             <a:r>
-              <a:rPr lang="en-US"/>
-              <a:t>"Peace be on you, mother"</a:t>
-            </a:r>
-            <a:endParaRPr lang="en-US" dirty="0"/>
+              <a:rPr lang="en-US" dirty="0"/>
+              <a:t>“Peace be on you, mother.”</a:t>
+            </a:r>
           </a:p>
         </p:txBody>
       </p:sp>
@@ -4935,9 +5439,18 @@
   <p:clrMapOvr>
     <a:masterClrMapping/>
   </p:clrMapOvr>
-  <p:transition>
-    <p:fade/>
-  </p:transition>
+  <mc:AlternateContent xmlns:mc="http://schemas.openxmlformats.org/markup-compatibility/2006">
+    <mc:Choice xmlns:p14="http://schemas.microsoft.com/office/powerpoint/2010/main" Requires="p14">
+      <p:transition p14:dur="300">
+        <p:fade/>
+      </p:transition>
+    </mc:Choice>
+    <mc:Fallback>
+      <p:transition>
+        <p:fade/>
+      </p:transition>
+    </mc:Fallback>
+  </mc:AlternateContent>
 </p:sld>
 </file>
 
@@ -5027,7 +5540,7 @@
           <a:p>
             <a:r>
               <a:rPr lang="en-US" dirty="0"/>
-              <a:t>I replied: "And upon you be peace, O light of my eyes, and the delight of my heart"</a:t>
+              <a:t>I replied, “And upon you be peace, O light of my eyes, and the delight of my heart.”</a:t>
             </a:r>
           </a:p>
         </p:txBody>
@@ -5037,9 +5550,18 @@
   <p:clrMapOvr>
     <a:masterClrMapping/>
   </p:clrMapOvr>
-  <p:transition>
-    <p:fade/>
-  </p:transition>
+  <mc:AlternateContent xmlns:mc="http://schemas.openxmlformats.org/markup-compatibility/2006">
+    <mc:Choice xmlns:p14="http://schemas.microsoft.com/office/powerpoint/2010/main" Requires="p14">
+      <p:transition p14:dur="300">
+        <p:fade/>
+      </p:transition>
+    </mc:Choice>
+    <mc:Fallback>
+      <p:transition>
+        <p:fade/>
+      </p:transition>
+    </mc:Fallback>
+  </mc:AlternateContent>
 </p:sld>
 </file>
 
@@ -5122,7 +5644,7 @@
           <a:p>
             <a:r>
               <a:rPr lang="en-US" dirty="0"/>
-              <a:t>He then said: "O Mother! I smell a fragrance so sweet</a:t>
+              <a:t>He then said, “O Mother! I smell a fragrance so sweet</a:t>
             </a:r>
           </a:p>
         </p:txBody>
@@ -5132,9 +5654,18 @@
   <p:clrMapOvr>
     <a:masterClrMapping/>
   </p:clrMapOvr>
-  <p:transition>
-    <p:fade/>
-  </p:transition>
+  <mc:AlternateContent xmlns:mc="http://schemas.openxmlformats.org/markup-compatibility/2006">
+    <mc:Choice xmlns:p14="http://schemas.microsoft.com/office/powerpoint/2010/main" Requires="p14">
+      <p:transition p14:dur="300">
+        <p:fade/>
+      </p:transition>
+    </mc:Choice>
+    <mc:Fallback>
+      <p:transition>
+        <p:fade/>
+      </p:transition>
+    </mc:Fallback>
+  </mc:AlternateContent>
 </p:sld>
 </file>
 
@@ -5182,7 +5713,7 @@
           <a:lstStyle/>
           <a:p>
             <a:r>
-              <a:rPr lang="ar-SA"/>
+              <a:rPr lang="ar-SA" dirty="0"/>
               <a:t>بِسْمِ اللّٰهِ الرَّحْمٰنِ الرَّحِيمِ</a:t>
             </a:r>
             <a:endParaRPr lang="en-US" dirty="0"/>
@@ -5216,27 +5747,40 @@
           <a:lstStyle/>
           <a:p>
             <a:r>
-              <a:rPr lang="en-US"/>
-              <a:t>In the Name of Alláh, </a:t>
-            </a:r>
-          </a:p>
-          <a:p>
-            <a:r>
-              <a:rPr lang="en-US"/>
+              <a:rPr lang="en-US" dirty="0"/>
+              <a:t>In the Name of Allah, </a:t>
+            </a:r>
+          </a:p>
+          <a:p>
+            <a:r>
+              <a:rPr lang="en-US" dirty="0"/>
               <a:t>the All-beneficent, the All-merciful. </a:t>
             </a:r>
-            <a:endParaRPr lang="en-US" dirty="0"/>
           </a:p>
         </p:txBody>
       </p:sp>
     </p:spTree>
+    <p:extLst>
+      <p:ext uri="{BB962C8B-B14F-4D97-AF65-F5344CB8AC3E}">
+        <p14:creationId xmlns:p14="http://schemas.microsoft.com/office/powerpoint/2010/main" val="3341712172"/>
+      </p:ext>
+    </p:extLst>
   </p:cSld>
   <p:clrMapOvr>
     <a:masterClrMapping/>
   </p:clrMapOvr>
-  <p:transition>
-    <p:fade/>
-  </p:transition>
+  <mc:AlternateContent xmlns:mc="http://schemas.openxmlformats.org/markup-compatibility/2006">
+    <mc:Choice xmlns:p14="http://schemas.microsoft.com/office/powerpoint/2010/main" Requires="p14">
+      <p:transition p14:dur="300">
+        <p:fade/>
+      </p:transition>
+    </mc:Choice>
+    <mc:Fallback>
+      <p:transition>
+        <p:fade/>
+      </p:transition>
+    </mc:Fallback>
+  </mc:AlternateContent>
 </p:sld>
 </file>
 
@@ -5322,10 +5866,9 @@
           <a:lstStyle/>
           <a:p>
             <a:r>
-              <a:rPr lang="en-US"/>
-              <a:t>and so pure as that of my grandfather, the Prophet (s) of Allah"</a:t>
-            </a:r>
-            <a:endParaRPr lang="en-US" dirty="0"/>
+              <a:rPr lang="en-US" dirty="0"/>
+              <a:t>and so pure as that of my grandfather, the Prophet of Allah.”</a:t>
+            </a:r>
           </a:p>
         </p:txBody>
       </p:sp>
@@ -5334,9 +5877,18 @@
   <p:clrMapOvr>
     <a:masterClrMapping/>
   </p:clrMapOvr>
-  <p:transition>
-    <p:fade/>
-  </p:transition>
+  <mc:AlternateContent xmlns:mc="http://schemas.openxmlformats.org/markup-compatibility/2006">
+    <mc:Choice xmlns:p14="http://schemas.microsoft.com/office/powerpoint/2010/main" Requires="p14">
+      <p:transition p14:dur="300">
+        <p:fade/>
+      </p:transition>
+    </mc:Choice>
+    <mc:Fallback>
+      <p:transition>
+        <p:fade/>
+      </p:transition>
+    </mc:Fallback>
+  </mc:AlternateContent>
 </p:sld>
 </file>
 
@@ -5419,7 +5971,7 @@
           <a:p>
             <a:r>
               <a:rPr lang="en-US" dirty="0"/>
-              <a:t>I replied: "Yes. Your grandfather and your brother are underneath the cloak"</a:t>
+              <a:t>I replied, “Yes. Your grandfather and your brother are underneath the cloak.”</a:t>
             </a:r>
           </a:p>
         </p:txBody>
@@ -5429,9 +5981,18 @@
   <p:clrMapOvr>
     <a:masterClrMapping/>
   </p:clrMapOvr>
-  <p:transition>
-    <p:fade/>
-  </p:transition>
+  <mc:AlternateContent xmlns:mc="http://schemas.openxmlformats.org/markup-compatibility/2006">
+    <mc:Choice xmlns:p14="http://schemas.microsoft.com/office/powerpoint/2010/main" Requires="p14">
+      <p:transition p14:dur="300">
+        <p:fade/>
+      </p:transition>
+    </mc:Choice>
+    <mc:Fallback>
+      <p:transition>
+        <p:fade/>
+      </p:transition>
+    </mc:Fallback>
+  </mc:AlternateContent>
 </p:sld>
 </file>
 
@@ -5525,9 +6086,18 @@
   <p:clrMapOvr>
     <a:masterClrMapping/>
   </p:clrMapOvr>
-  <p:transition>
-    <p:fade/>
-  </p:transition>
+  <mc:AlternateContent xmlns:mc="http://schemas.openxmlformats.org/markup-compatibility/2006">
+    <mc:Choice xmlns:p14="http://schemas.microsoft.com/office/powerpoint/2010/main" Requires="p14">
+      <p:transition p14:dur="300">
+        <p:fade/>
+      </p:transition>
+    </mc:Choice>
+    <mc:Fallback>
+      <p:transition>
+        <p:fade/>
+      </p:transition>
+    </mc:Fallback>
+  </mc:AlternateContent>
 </p:sld>
 </file>
 
@@ -5617,7 +6187,7 @@
           <a:p>
             <a:r>
               <a:rPr lang="en-US" dirty="0"/>
-              <a:t>and said: "Peace be on you, my grandfather, the Chosen of Allah; </a:t>
+              <a:t>and said, “Peace be on you, my grandfather, the Chosen of Allah; </a:t>
             </a:r>
           </a:p>
         </p:txBody>
@@ -5627,9 +6197,18 @@
   <p:clrMapOvr>
     <a:masterClrMapping/>
   </p:clrMapOvr>
-  <p:transition>
-    <p:fade/>
-  </p:transition>
+  <mc:AlternateContent xmlns:mc="http://schemas.openxmlformats.org/markup-compatibility/2006">
+    <mc:Choice xmlns:p14="http://schemas.microsoft.com/office/powerpoint/2010/main" Requires="p14">
+      <p:transition p14:dur="300">
+        <p:fade/>
+      </p:transition>
+    </mc:Choice>
+    <mc:Fallback>
+      <p:transition>
+        <p:fade/>
+      </p:transition>
+    </mc:Fallback>
+  </mc:AlternateContent>
 </p:sld>
 </file>
 
@@ -5711,10 +6290,9 @@
           <a:lstStyle/>
           <a:p>
             <a:r>
-              <a:rPr lang="en-US"/>
-              <a:t>May I enter the cloak with you?"</a:t>
-            </a:r>
-            <a:endParaRPr lang="en-US" dirty="0"/>
+              <a:rPr lang="en-US" dirty="0"/>
+              <a:t>May I enter the cloak with you?”</a:t>
+            </a:r>
           </a:p>
         </p:txBody>
       </p:sp>
@@ -5723,9 +6301,18 @@
   <p:clrMapOvr>
     <a:masterClrMapping/>
   </p:clrMapOvr>
-  <p:transition>
-    <p:fade/>
-  </p:transition>
+  <mc:AlternateContent xmlns:mc="http://schemas.openxmlformats.org/markup-compatibility/2006">
+    <mc:Choice xmlns:p14="http://schemas.microsoft.com/office/powerpoint/2010/main" Requires="p14">
+      <p:transition p14:dur="300">
+        <p:fade/>
+      </p:transition>
+    </mc:Choice>
+    <mc:Fallback>
+      <p:transition>
+        <p:fade/>
+      </p:transition>
+    </mc:Fallback>
+  </mc:AlternateContent>
 </p:sld>
 </file>
 
@@ -5808,7 +6395,7 @@
           <a:p>
             <a:r>
               <a:rPr lang="en-US" dirty="0"/>
-              <a:t>He replied: "And upon you be  peace, my son</a:t>
+              <a:t>He replied, “And upon you be  peace, my son</a:t>
             </a:r>
           </a:p>
         </p:txBody>
@@ -5818,9 +6405,18 @@
   <p:clrMapOvr>
     <a:masterClrMapping/>
   </p:clrMapOvr>
-  <p:transition>
-    <p:fade/>
-  </p:transition>
+  <mc:AlternateContent xmlns:mc="http://schemas.openxmlformats.org/markup-compatibility/2006">
+    <mc:Choice xmlns:p14="http://schemas.microsoft.com/office/powerpoint/2010/main" Requires="p14">
+      <p:transition p14:dur="300">
+        <p:fade/>
+      </p:transition>
+    </mc:Choice>
+    <mc:Fallback>
+      <p:transition>
+        <p:fade/>
+      </p:transition>
+    </mc:Fallback>
+  </mc:AlternateContent>
 </p:sld>
 </file>
 
@@ -5902,10 +6498,9 @@
           <a:lstStyle/>
           <a:p>
             <a:r>
-              <a:rPr lang="en-US"/>
-              <a:t>and interceder of my followers, you are given the permission to enter"</a:t>
-            </a:r>
-            <a:endParaRPr lang="en-US" dirty="0"/>
+              <a:rPr lang="en-US" dirty="0"/>
+              <a:t>and interceder of my followers, you are given the permission to enter.”</a:t>
+            </a:r>
           </a:p>
         </p:txBody>
       </p:sp>
@@ -5914,9 +6509,18 @@
   <p:clrMapOvr>
     <a:masterClrMapping/>
   </p:clrMapOvr>
-  <p:transition>
-    <p:fade/>
-  </p:transition>
+  <mc:AlternateContent xmlns:mc="http://schemas.openxmlformats.org/markup-compatibility/2006">
+    <mc:Choice xmlns:p14="http://schemas.microsoft.com/office/powerpoint/2010/main" Requires="p14">
+      <p:transition p14:dur="300">
+        <p:fade/>
+      </p:transition>
+    </mc:Choice>
+    <mc:Fallback>
+      <p:transition>
+        <p:fade/>
+      </p:transition>
+    </mc:Fallback>
+  </mc:AlternateContent>
 </p:sld>
 </file>
 
@@ -6010,9 +6614,18 @@
   <p:clrMapOvr>
     <a:masterClrMapping/>
   </p:clrMapOvr>
-  <p:transition>
-    <p:fade/>
-  </p:transition>
+  <mc:AlternateContent xmlns:mc="http://schemas.openxmlformats.org/markup-compatibility/2006">
+    <mc:Choice xmlns:p14="http://schemas.microsoft.com/office/powerpoint/2010/main" Requires="p14">
+      <p:transition p14:dur="300">
+        <p:fade/>
+      </p:transition>
+    </mc:Choice>
+    <mc:Fallback>
+      <p:transition>
+        <p:fade/>
+      </p:transition>
+    </mc:Fallback>
+  </mc:AlternateContent>
 </p:sld>
 </file>
 
@@ -6038,7 +6651,7 @@
           <p:cNvPr id="11" name="Title 3">
             <a:extLst>
               <a:ext uri="{FF2B5EF4-FFF2-40B4-BE49-F238E27FC236}">
-                <a16:creationId xmlns:a16="http://schemas.microsoft.com/office/drawing/2014/main" id="{159808D9-2DF3-8D61-2B82-76C783142E62}"/>
+                <a16:creationId xmlns:a16="http://schemas.microsoft.com/office/drawing/2014/main" id="{4E604A7F-4B49-4FDE-B247-CED3E88C9DED}"/>
               </a:ext>
             </a:extLst>
           </p:cNvPr>
@@ -6061,18 +6674,7 @@
           <a:p>
             <a:r>
               <a:rPr lang="ar-SA" dirty="0"/>
-              <a:t>فَأَقْبَلَ عِنْدَ ذلِكَ</a:t>
-            </a:r>
-            <a:br>
-              <a:rPr lang="ar-SA" dirty="0"/>
-            </a:br>
-            <a:r>
-              <a:rPr lang="ar-SA" dirty="0" err="1"/>
-              <a:t>أَبُوالْحَسَنِ</a:t>
-            </a:r>
-            <a:r>
-              <a:rPr lang="ar-SA" dirty="0"/>
-              <a:t> عَلِيُّ بْنُ أَبِي طالِبٍ </a:t>
+              <a:t>أَللّٰهُمَّ صَلِّ عَلٰى مُحَمَّدٍ وَآلِ مُحَمَّدٍ</a:t>
             </a:r>
             <a:endParaRPr lang="en-US" dirty="0"/>
           </a:p>
@@ -6083,7 +6685,7 @@
           <p:cNvPr id="12" name="Subtitle 4">
             <a:extLst>
               <a:ext uri="{FF2B5EF4-FFF2-40B4-BE49-F238E27FC236}">
-                <a16:creationId xmlns:a16="http://schemas.microsoft.com/office/drawing/2014/main" id="{33D76A6C-8BB9-EE25-42BA-D97EBA28C983}"/>
+                <a16:creationId xmlns:a16="http://schemas.microsoft.com/office/drawing/2014/main" id="{0A3FC473-E56A-4E2F-BE7C-7E2CF70D6289}"/>
               </a:ext>
             </a:extLst>
           </p:cNvPr>
@@ -6105,21 +6707,40 @@
           <a:lstStyle/>
           <a:p>
             <a:r>
-              <a:rPr lang="en-US"/>
-              <a:t>After a while, Abul Hasan, Ali bin Abi Talib came in </a:t>
-            </a:r>
-            <a:endParaRPr lang="en-US" dirty="0"/>
+              <a:rPr lang="en-US" dirty="0"/>
+              <a:t>O' Allah send Your blessings on Muhammad</a:t>
+            </a:r>
+          </a:p>
+          <a:p>
+            <a:r>
+              <a:rPr lang="en-US" dirty="0"/>
+              <a:t>and the family of Muhammad.</a:t>
+            </a:r>
           </a:p>
         </p:txBody>
       </p:sp>
     </p:spTree>
+    <p:extLst>
+      <p:ext uri="{BB962C8B-B14F-4D97-AF65-F5344CB8AC3E}">
+        <p14:creationId xmlns:p14="http://schemas.microsoft.com/office/powerpoint/2010/main" val="2204572202"/>
+      </p:ext>
+    </p:extLst>
   </p:cSld>
   <p:clrMapOvr>
     <a:masterClrMapping/>
   </p:clrMapOvr>
-  <p:transition>
-    <p:fade/>
-  </p:transition>
+  <mc:AlternateContent xmlns:mc="http://schemas.openxmlformats.org/markup-compatibility/2006">
+    <mc:Choice xmlns:p14="http://schemas.microsoft.com/office/powerpoint/2010/main" Requires="p14">
+      <p:transition p14:dur="300">
+        <p:fade/>
+      </p:transition>
+    </mc:Choice>
+    <mc:Fallback>
+      <p:transition>
+        <p:fade/>
+      </p:transition>
+    </mc:Fallback>
+  </mc:AlternateContent>
 </p:sld>
 </file>
 
@@ -6145,7 +6766,7 @@
           <p:cNvPr id="11" name="Title 3">
             <a:extLst>
               <a:ext uri="{FF2B5EF4-FFF2-40B4-BE49-F238E27FC236}">
-                <a16:creationId xmlns:a16="http://schemas.microsoft.com/office/drawing/2014/main" id="{C162C30E-2F88-7795-FBD5-AA9F06E592BA}"/>
+                <a16:creationId xmlns:a16="http://schemas.microsoft.com/office/drawing/2014/main" id="{159808D9-2DF3-8D61-2B82-76C783142E62}"/>
               </a:ext>
             </a:extLst>
           </p:cNvPr>
@@ -6168,7 +6789,18 @@
           <a:p>
             <a:r>
               <a:rPr lang="ar-SA" dirty="0"/>
-              <a:t>وَقالَ السَّلامُ عَلَيْكِ يَا بِنْتَ رَسُولِ اللّهِ </a:t>
+              <a:t>فَأَقْبَلَ عِنْدَ ذلِكَ</a:t>
+            </a:r>
+            <a:br>
+              <a:rPr lang="ar-SA" dirty="0"/>
+            </a:br>
+            <a:r>
+              <a:rPr lang="ar-SA" dirty="0" err="1"/>
+              <a:t>أَبُوالْحَسَنِ</a:t>
+            </a:r>
+            <a:r>
+              <a:rPr lang="ar-SA" dirty="0"/>
+              <a:t> عَلِيُّ بْنُ أَبِي طالِبٍ </a:t>
             </a:r>
             <a:endParaRPr lang="en-US" dirty="0"/>
           </a:p>
@@ -6179,7 +6811,7 @@
           <p:cNvPr id="12" name="Subtitle 4">
             <a:extLst>
               <a:ext uri="{FF2B5EF4-FFF2-40B4-BE49-F238E27FC236}">
-                <a16:creationId xmlns:a16="http://schemas.microsoft.com/office/drawing/2014/main" id="{5733E5E3-92AC-5BDC-057A-2F34DB40CBDB}"/>
+                <a16:creationId xmlns:a16="http://schemas.microsoft.com/office/drawing/2014/main" id="{33D76A6C-8BB9-EE25-42BA-D97EBA28C983}"/>
               </a:ext>
             </a:extLst>
           </p:cNvPr>
@@ -6201,9 +6833,10 @@
           <a:lstStyle/>
           <a:p>
             <a:r>
-              <a:rPr lang="en-US" dirty="0"/>
-              <a:t>and said: "Peace be on you, O daughter of the Prophet (s) of Allah"</a:t>
-            </a:r>
+              <a:rPr lang="en-US"/>
+              <a:t>After a while, Abul Hasan, Ali bin Abi Talib came in </a:t>
+            </a:r>
+            <a:endParaRPr lang="en-US" dirty="0"/>
           </a:p>
         </p:txBody>
       </p:sp>
@@ -6212,9 +6845,18 @@
   <p:clrMapOvr>
     <a:masterClrMapping/>
   </p:clrMapOvr>
-  <p:transition>
-    <p:fade/>
-  </p:transition>
+  <mc:AlternateContent xmlns:mc="http://schemas.openxmlformats.org/markup-compatibility/2006">
+    <mc:Choice xmlns:p14="http://schemas.microsoft.com/office/powerpoint/2010/main" Requires="p14">
+      <p:transition p14:dur="300">
+        <p:fade/>
+      </p:transition>
+    </mc:Choice>
+    <mc:Fallback>
+      <p:transition>
+        <p:fade/>
+      </p:transition>
+    </mc:Fallback>
+  </mc:AlternateContent>
 </p:sld>
 </file>
 
@@ -6322,9 +6964,18 @@
   <p:clrMapOvr>
     <a:masterClrMapping/>
   </p:clrMapOvr>
-  <p:transition>
-    <p:fade/>
-  </p:transition>
+  <mc:AlternateContent xmlns:mc="http://schemas.openxmlformats.org/markup-compatibility/2006">
+    <mc:Choice xmlns:p14="http://schemas.microsoft.com/office/powerpoint/2010/main" Requires="p14">
+      <p:transition p14:dur="300">
+        <p:fade/>
+      </p:transition>
+    </mc:Choice>
+    <mc:Fallback>
+      <p:transition>
+        <p:fade/>
+      </p:transition>
+    </mc:Fallback>
+  </mc:AlternateContent>
 </p:sld>
 </file>
 
@@ -6350,7 +7001,7 @@
           <p:cNvPr id="11" name="Title 3">
             <a:extLst>
               <a:ext uri="{FF2B5EF4-FFF2-40B4-BE49-F238E27FC236}">
-                <a16:creationId xmlns:a16="http://schemas.microsoft.com/office/drawing/2014/main" id="{2E109CF5-30D5-E954-45E3-B9A2FA27A778}"/>
+                <a16:creationId xmlns:a16="http://schemas.microsoft.com/office/drawing/2014/main" id="{C162C30E-2F88-7795-FBD5-AA9F06E592BA}"/>
               </a:ext>
             </a:extLst>
           </p:cNvPr>
@@ -6373,14 +7024,7 @@
           <a:p>
             <a:r>
               <a:rPr lang="ar-SA" dirty="0"/>
-              <a:t>فَقُلْتُ وَعَلَيْكَ السَّلامُ</a:t>
-            </a:r>
-            <a:br>
-              <a:rPr lang="ar-SA" dirty="0"/>
-            </a:br>
-            <a:r>
-              <a:rPr lang="ar-SA" dirty="0"/>
-              <a:t>يَا أَبَا الْحَسَنِ وَيَا أَمِيرَ الْمُؤْمِنِينَ </a:t>
+              <a:t>وَقالَ السَّلامُ عَلَيْكِ يَا بِنْتَ رَسُولِ اللّهِ </a:t>
             </a:r>
             <a:endParaRPr lang="en-US" dirty="0"/>
           </a:p>
@@ -6391,7 +7035,7 @@
           <p:cNvPr id="12" name="Subtitle 4">
             <a:extLst>
               <a:ext uri="{FF2B5EF4-FFF2-40B4-BE49-F238E27FC236}">
-                <a16:creationId xmlns:a16="http://schemas.microsoft.com/office/drawing/2014/main" id="{D6F3AB54-384C-E95E-639E-984036A5C064}"/>
+                <a16:creationId xmlns:a16="http://schemas.microsoft.com/office/drawing/2014/main" id="{5733E5E3-92AC-5BDC-057A-2F34DB40CBDB}"/>
               </a:ext>
             </a:extLst>
           </p:cNvPr>
@@ -6414,7 +7058,7 @@
           <a:p>
             <a:r>
               <a:rPr lang="en-US" dirty="0"/>
-              <a:t>I replied: "And upon you be peace, O father of Hasan, and the Commander of the faithful"</a:t>
+              <a:t>and said, “Peace be on you, O daughter of the Prophet of Allah.”</a:t>
             </a:r>
           </a:p>
         </p:txBody>
@@ -6424,9 +7068,18 @@
   <p:clrMapOvr>
     <a:masterClrMapping/>
   </p:clrMapOvr>
-  <p:transition>
-    <p:fade/>
-  </p:transition>
+  <mc:AlternateContent xmlns:mc="http://schemas.openxmlformats.org/markup-compatibility/2006">
+    <mc:Choice xmlns:p14="http://schemas.microsoft.com/office/powerpoint/2010/main" Requires="p14">
+      <p:transition p14:dur="300">
+        <p:fade/>
+      </p:transition>
+    </mc:Choice>
+    <mc:Fallback>
+      <p:transition>
+        <p:fade/>
+      </p:transition>
+    </mc:Fallback>
+  </mc:AlternateContent>
 </p:sld>
 </file>
 
@@ -6452,7 +7105,7 @@
           <p:cNvPr id="11" name="Title 3">
             <a:extLst>
               <a:ext uri="{FF2B5EF4-FFF2-40B4-BE49-F238E27FC236}">
-                <a16:creationId xmlns:a16="http://schemas.microsoft.com/office/drawing/2014/main" id="{B9F69BE8-2295-8614-77F4-84EFE4BD3ADF}"/>
+                <a16:creationId xmlns:a16="http://schemas.microsoft.com/office/drawing/2014/main" id="{2E109CF5-30D5-E954-45E3-B9A2FA27A778}"/>
               </a:ext>
             </a:extLst>
           </p:cNvPr>
@@ -6475,7 +7128,14 @@
           <a:p>
             <a:r>
               <a:rPr lang="ar-SA" dirty="0"/>
-              <a:t>فَقالَ يَا فاطِمَةُ إِنِّي أَشَمُّ عِنْدَكِ رائِحَةً طَيِّبَةً</a:t>
+              <a:t>فَقُلْتُ وَعَلَيْكَ السَّلامُ</a:t>
+            </a:r>
+            <a:br>
+              <a:rPr lang="ar-SA" dirty="0"/>
+            </a:br>
+            <a:r>
+              <a:rPr lang="ar-SA" dirty="0"/>
+              <a:t>يَا أَبَا الْحَسَنِ وَيَا أَمِيرَ الْمُؤْمِنِينَ </a:t>
             </a:r>
             <a:endParaRPr lang="en-US" dirty="0"/>
           </a:p>
@@ -6486,7 +7146,7 @@
           <p:cNvPr id="12" name="Subtitle 4">
             <a:extLst>
               <a:ext uri="{FF2B5EF4-FFF2-40B4-BE49-F238E27FC236}">
-                <a16:creationId xmlns:a16="http://schemas.microsoft.com/office/drawing/2014/main" id="{B6E88048-A1DA-AE82-7959-48B2A7A1AE08}"/>
+                <a16:creationId xmlns:a16="http://schemas.microsoft.com/office/drawing/2014/main" id="{D6F3AB54-384C-E95E-639E-984036A5C064}"/>
               </a:ext>
             </a:extLst>
           </p:cNvPr>
@@ -6509,7 +7169,7 @@
           <a:p>
             <a:r>
               <a:rPr lang="en-US" dirty="0"/>
-              <a:t>He then said: "O Fatima! I smell a fragrance so sweet and so pure</a:t>
+              <a:t>I replied, “And upon you be peace, O father of Hasan, and the Commander of the faithful.”</a:t>
             </a:r>
           </a:p>
         </p:txBody>
@@ -6519,9 +7179,18 @@
   <p:clrMapOvr>
     <a:masterClrMapping/>
   </p:clrMapOvr>
-  <p:transition>
-    <p:fade/>
-  </p:transition>
+  <mc:AlternateContent xmlns:mc="http://schemas.openxmlformats.org/markup-compatibility/2006">
+    <mc:Choice xmlns:p14="http://schemas.microsoft.com/office/powerpoint/2010/main" Requires="p14">
+      <p:transition p14:dur="300">
+        <p:fade/>
+      </p:transition>
+    </mc:Choice>
+    <mc:Fallback>
+      <p:transition>
+        <p:fade/>
+      </p:transition>
+    </mc:Fallback>
+  </mc:AlternateContent>
 </p:sld>
 </file>
 
@@ -6547,7 +7216,7 @@
           <p:cNvPr id="11" name="Title 3">
             <a:extLst>
               <a:ext uri="{FF2B5EF4-FFF2-40B4-BE49-F238E27FC236}">
-                <a16:creationId xmlns:a16="http://schemas.microsoft.com/office/drawing/2014/main" id="{615FFACF-50FE-6EEE-11AF-E2DB0E41C887}"/>
+                <a16:creationId xmlns:a16="http://schemas.microsoft.com/office/drawing/2014/main" id="{B9F69BE8-2295-8614-77F4-84EFE4BD3ADF}"/>
               </a:ext>
             </a:extLst>
           </p:cNvPr>
@@ -6570,7 +7239,7 @@
           <a:p>
             <a:r>
               <a:rPr lang="ar-SA" dirty="0"/>
-              <a:t>كَأَنَّهَا رائِحَةُ أَخِي وَابْنِ عَمِّي رَسُولِ اللّه</a:t>
+              <a:t>فَقالَ يَا فاطِمَةُ إِنِّي أَشَمُّ عِنْدَكِ رائِحَةً طَيِّبَةً</a:t>
             </a:r>
             <a:endParaRPr lang="en-US" dirty="0"/>
           </a:p>
@@ -6581,7 +7250,7 @@
           <p:cNvPr id="12" name="Subtitle 4">
             <a:extLst>
               <a:ext uri="{FF2B5EF4-FFF2-40B4-BE49-F238E27FC236}">
-                <a16:creationId xmlns:a16="http://schemas.microsoft.com/office/drawing/2014/main" id="{28B8DEE0-2A62-A557-E366-96EAD26D0BE9}"/>
+                <a16:creationId xmlns:a16="http://schemas.microsoft.com/office/drawing/2014/main" id="{B6E88048-A1DA-AE82-7959-48B2A7A1AE08}"/>
               </a:ext>
             </a:extLst>
           </p:cNvPr>
@@ -6603,16 +7272,9 @@
           <a:lstStyle/>
           <a:p>
             <a:r>
-              <a:rPr lang="en-US"/>
-              <a:t>as that of my brother and my cousin, the Prophet (s) of Allah"</a:t>
-            </a:r>
-          </a:p>
-          <a:p>
-            <a:r>
-              <a:rPr lang="en-US"/>
-              <a:t> </a:t>
-            </a:r>
-            <a:endParaRPr lang="en-US" dirty="0"/>
+              <a:rPr lang="en-US" dirty="0"/>
+              <a:t>He then said, “O Fatima! I smell a fragrance so sweet and so pure</a:t>
+            </a:r>
           </a:p>
         </p:txBody>
       </p:sp>
@@ -6621,9 +7283,18 @@
   <p:clrMapOvr>
     <a:masterClrMapping/>
   </p:clrMapOvr>
-  <p:transition>
-    <p:fade/>
-  </p:transition>
+  <mc:AlternateContent xmlns:mc="http://schemas.openxmlformats.org/markup-compatibility/2006">
+    <mc:Choice xmlns:p14="http://schemas.microsoft.com/office/powerpoint/2010/main" Requires="p14">
+      <p:transition p14:dur="300">
+        <p:fade/>
+      </p:transition>
+    </mc:Choice>
+    <mc:Fallback>
+      <p:transition>
+        <p:fade/>
+      </p:transition>
+    </mc:Fallback>
+  </mc:AlternateContent>
 </p:sld>
 </file>
 
@@ -6649,7 +7320,7 @@
           <p:cNvPr id="11" name="Title 3">
             <a:extLst>
               <a:ext uri="{FF2B5EF4-FFF2-40B4-BE49-F238E27FC236}">
-                <a16:creationId xmlns:a16="http://schemas.microsoft.com/office/drawing/2014/main" id="{608CAC0E-633C-DAFD-9162-10565EE38D37}"/>
+                <a16:creationId xmlns:a16="http://schemas.microsoft.com/office/drawing/2014/main" id="{615FFACF-50FE-6EEE-11AF-E2DB0E41C887}"/>
               </a:ext>
             </a:extLst>
           </p:cNvPr>
@@ -6672,7 +7343,7 @@
           <a:p>
             <a:r>
               <a:rPr lang="ar-SA" dirty="0"/>
-              <a:t>فَقُلْتُ نَعَمْ هَا هُوَ مَعَ وَلَدَيْكَ تَحْتَ الْكِساءِ </a:t>
+              <a:t>كَأَنَّهَا رائِحَةُ أَخِي وَابْنِ عَمِّي رَسُولِ اللّه</a:t>
             </a:r>
             <a:endParaRPr lang="en-US" dirty="0"/>
           </a:p>
@@ -6683,7 +7354,7 @@
           <p:cNvPr id="12" name="Subtitle 4">
             <a:extLst>
               <a:ext uri="{FF2B5EF4-FFF2-40B4-BE49-F238E27FC236}">
-                <a16:creationId xmlns:a16="http://schemas.microsoft.com/office/drawing/2014/main" id="{5CF87E60-4761-304F-F8A5-160588C2A5B0}"/>
+                <a16:creationId xmlns:a16="http://schemas.microsoft.com/office/drawing/2014/main" id="{28B8DEE0-2A62-A557-E366-96EAD26D0BE9}"/>
               </a:ext>
             </a:extLst>
           </p:cNvPr>
@@ -6705,10 +7376,15 @@
           <a:lstStyle/>
           <a:p>
             <a:r>
-              <a:rPr lang="en-US"/>
-              <a:t>I replied: "Yes. He is underneath the cloak with your two sons"</a:t>
-            </a:r>
-            <a:endParaRPr lang="en-US" dirty="0"/>
+              <a:rPr lang="en-US" dirty="0"/>
+              <a:t>as that of my brother and my cousin, the Prophet (s) of Allah.”</a:t>
+            </a:r>
+          </a:p>
+          <a:p>
+            <a:r>
+              <a:rPr lang="en-US" dirty="0"/>
+              <a:t> </a:t>
+            </a:r>
           </a:p>
         </p:txBody>
       </p:sp>
@@ -6717,9 +7393,18 @@
   <p:clrMapOvr>
     <a:masterClrMapping/>
   </p:clrMapOvr>
-  <p:transition>
-    <p:fade/>
-  </p:transition>
+  <mc:AlternateContent xmlns:mc="http://schemas.openxmlformats.org/markup-compatibility/2006">
+    <mc:Choice xmlns:p14="http://schemas.microsoft.com/office/powerpoint/2010/main" Requires="p14">
+      <p:transition p14:dur="300">
+        <p:fade/>
+      </p:transition>
+    </mc:Choice>
+    <mc:Fallback>
+      <p:transition>
+        <p:fade/>
+      </p:transition>
+    </mc:Fallback>
+  </mc:AlternateContent>
 </p:sld>
 </file>
 
@@ -6745,7 +7430,7 @@
           <p:cNvPr id="11" name="Title 3">
             <a:extLst>
               <a:ext uri="{FF2B5EF4-FFF2-40B4-BE49-F238E27FC236}">
-                <a16:creationId xmlns:a16="http://schemas.microsoft.com/office/drawing/2014/main" id="{82E443FB-EC12-DCB0-1957-875ED73BEE45}"/>
+                <a16:creationId xmlns:a16="http://schemas.microsoft.com/office/drawing/2014/main" id="{608CAC0E-633C-DAFD-9162-10565EE38D37}"/>
               </a:ext>
             </a:extLst>
           </p:cNvPr>
@@ -6768,14 +7453,7 @@
           <a:p>
             <a:r>
               <a:rPr lang="ar-SA" dirty="0"/>
-              <a:t>فَأَقْبَلَ عَلِيٌّ نَحْوَ الْكِساءِ</a:t>
-            </a:r>
-            <a:br>
-              <a:rPr lang="ar-SA" dirty="0"/>
-            </a:br>
-            <a:r>
-              <a:rPr lang="ar-SA" dirty="0"/>
-              <a:t>وَقالَ السَّلامُ عَلَيْكَ يَا رَسُولَ اللّهِ</a:t>
+              <a:t>فَقُلْتُ نَعَمْ هَا هُوَ مَعَ وَلَدَيْكَ تَحْتَ الْكِساءِ </a:t>
             </a:r>
             <a:endParaRPr lang="en-US" dirty="0"/>
           </a:p>
@@ -6786,7 +7464,7 @@
           <p:cNvPr id="12" name="Subtitle 4">
             <a:extLst>
               <a:ext uri="{FF2B5EF4-FFF2-40B4-BE49-F238E27FC236}">
-                <a16:creationId xmlns:a16="http://schemas.microsoft.com/office/drawing/2014/main" id="{DC30A7D6-58FF-5A4A-1006-A4D93E32AB87}"/>
+                <a16:creationId xmlns:a16="http://schemas.microsoft.com/office/drawing/2014/main" id="{5CF87E60-4761-304F-F8A5-160588C2A5B0}"/>
               </a:ext>
             </a:extLst>
           </p:cNvPr>
@@ -6809,7 +7487,7 @@
           <a:p>
             <a:r>
               <a:rPr lang="en-US" dirty="0"/>
-              <a:t>So, Ali went near the cloak and said: "Peace be on you, Prophet (s) of Allah; </a:t>
+              <a:t>I replied, “Yes. He is underneath the cloak with your two sons.”</a:t>
             </a:r>
           </a:p>
         </p:txBody>
@@ -6819,9 +7497,18 @@
   <p:clrMapOvr>
     <a:masterClrMapping/>
   </p:clrMapOvr>
-  <p:transition>
-    <p:fade/>
-  </p:transition>
+  <mc:AlternateContent xmlns:mc="http://schemas.openxmlformats.org/markup-compatibility/2006">
+    <mc:Choice xmlns:p14="http://schemas.microsoft.com/office/powerpoint/2010/main" Requires="p14">
+      <p:transition p14:dur="300">
+        <p:fade/>
+      </p:transition>
+    </mc:Choice>
+    <mc:Fallback>
+      <p:transition>
+        <p:fade/>
+      </p:transition>
+    </mc:Fallback>
+  </mc:AlternateContent>
 </p:sld>
 </file>
 
@@ -6847,7 +7534,7 @@
           <p:cNvPr id="11" name="Title 3">
             <a:extLst>
               <a:ext uri="{FF2B5EF4-FFF2-40B4-BE49-F238E27FC236}">
-                <a16:creationId xmlns:a16="http://schemas.microsoft.com/office/drawing/2014/main" id="{6CD1D248-5612-CCDD-E138-1C8D383E6483}"/>
+                <a16:creationId xmlns:a16="http://schemas.microsoft.com/office/drawing/2014/main" id="{82E443FB-EC12-DCB0-1957-875ED73BEE45}"/>
               </a:ext>
             </a:extLst>
           </p:cNvPr>
@@ -6870,7 +7557,14 @@
           <a:p>
             <a:r>
               <a:rPr lang="ar-SA" dirty="0"/>
-              <a:t>أَتَأْذَنُ لِي أَنْ أَكُونَ مَعَكُمْ تَحْتَ الْكِساءِ </a:t>
+              <a:t>فَأَقْبَلَ عَلِيٌّ نَحْوَ الْكِساءِ</a:t>
+            </a:r>
+            <a:br>
+              <a:rPr lang="ar-SA" dirty="0"/>
+            </a:br>
+            <a:r>
+              <a:rPr lang="ar-SA" dirty="0"/>
+              <a:t>وَقالَ السَّلامُ عَلَيْكَ يَا رَسُولَ اللّهِ</a:t>
             </a:r>
             <a:endParaRPr lang="en-US" dirty="0"/>
           </a:p>
@@ -6881,7 +7575,7 @@
           <p:cNvPr id="12" name="Subtitle 4">
             <a:extLst>
               <a:ext uri="{FF2B5EF4-FFF2-40B4-BE49-F238E27FC236}">
-                <a16:creationId xmlns:a16="http://schemas.microsoft.com/office/drawing/2014/main" id="{943FD4DD-0687-C67E-4219-D192D18D33DC}"/>
+                <a16:creationId xmlns:a16="http://schemas.microsoft.com/office/drawing/2014/main" id="{DC30A7D6-58FF-5A4A-1006-A4D93E32AB87}"/>
               </a:ext>
             </a:extLst>
           </p:cNvPr>
@@ -6903,10 +7597,9 @@
           <a:lstStyle/>
           <a:p>
             <a:r>
-              <a:rPr lang="en-US"/>
-              <a:t>May I enter the cloak with you?"</a:t>
-            </a:r>
-            <a:endParaRPr lang="en-US" dirty="0"/>
+              <a:rPr lang="en-US" dirty="0"/>
+              <a:t>So, Ali went near the cloak and said, “Peace be on you, Prophet of Allah; </a:t>
+            </a:r>
           </a:p>
         </p:txBody>
       </p:sp>
@@ -6915,9 +7608,18 @@
   <p:clrMapOvr>
     <a:masterClrMapping/>
   </p:clrMapOvr>
-  <p:transition>
-    <p:fade/>
-  </p:transition>
+  <mc:AlternateContent xmlns:mc="http://schemas.openxmlformats.org/markup-compatibility/2006">
+    <mc:Choice xmlns:p14="http://schemas.microsoft.com/office/powerpoint/2010/main" Requires="p14">
+      <p:transition p14:dur="300">
+        <p:fade/>
+      </p:transition>
+    </mc:Choice>
+    <mc:Fallback>
+      <p:transition>
+        <p:fade/>
+      </p:transition>
+    </mc:Fallback>
+  </mc:AlternateContent>
 </p:sld>
 </file>
 
@@ -6943,7 +7645,7 @@
           <p:cNvPr id="11" name="Title 3">
             <a:extLst>
               <a:ext uri="{FF2B5EF4-FFF2-40B4-BE49-F238E27FC236}">
-                <a16:creationId xmlns:a16="http://schemas.microsoft.com/office/drawing/2014/main" id="{C75B2641-D4CC-3D04-B6BB-629614D816F9}"/>
+                <a16:creationId xmlns:a16="http://schemas.microsoft.com/office/drawing/2014/main" id="{6CD1D248-5612-CCDD-E138-1C8D383E6483}"/>
               </a:ext>
             </a:extLst>
           </p:cNvPr>
@@ -6966,14 +7668,7 @@
           <a:p>
             <a:r>
               <a:rPr lang="ar-SA" dirty="0"/>
-              <a:t>قالَ لَهُ وَعَلَيْكَ السَّلامُ يَا أَخِي ويَا وَصِيِّي</a:t>
-            </a:r>
-            <a:br>
-              <a:rPr lang="ar-SA" dirty="0"/>
-            </a:br>
-            <a:r>
-              <a:rPr lang="ar-SA" dirty="0"/>
-              <a:t>وَخَلِيفَتِي وَصاحِبَ لِوَائِي قَدْ أَذِنْتُ لَكَ</a:t>
+              <a:t>أَتَأْذَنُ لِي أَنْ أَكُونَ مَعَكُمْ تَحْتَ الْكِساءِ </a:t>
             </a:r>
             <a:endParaRPr lang="en-US" dirty="0"/>
           </a:p>
@@ -6984,7 +7679,7 @@
           <p:cNvPr id="12" name="Subtitle 4">
             <a:extLst>
               <a:ext uri="{FF2B5EF4-FFF2-40B4-BE49-F238E27FC236}">
-                <a16:creationId xmlns:a16="http://schemas.microsoft.com/office/drawing/2014/main" id="{478E764F-B502-9CFA-3942-612D109CD27A}"/>
+                <a16:creationId xmlns:a16="http://schemas.microsoft.com/office/drawing/2014/main" id="{943FD4DD-0687-C67E-4219-D192D18D33DC}"/>
               </a:ext>
             </a:extLst>
           </p:cNvPr>
@@ -7007,7 +7702,7 @@
           <a:p>
             <a:r>
               <a:rPr lang="en-US" dirty="0"/>
-              <a:t>He replied: "And upon you be peace, my brother, my successor, my successor, and my standard bearer, you are given the permission to enter"</a:t>
+              <a:t>May I enter the cloak with you?”</a:t>
             </a:r>
           </a:p>
         </p:txBody>
@@ -7017,9 +7712,18 @@
   <p:clrMapOvr>
     <a:masterClrMapping/>
   </p:clrMapOvr>
-  <p:transition>
-    <p:fade/>
-  </p:transition>
+  <mc:AlternateContent xmlns:mc="http://schemas.openxmlformats.org/markup-compatibility/2006">
+    <mc:Choice xmlns:p14="http://schemas.microsoft.com/office/powerpoint/2010/main" Requires="p14">
+      <p:transition p14:dur="300">
+        <p:fade/>
+      </p:transition>
+    </mc:Choice>
+    <mc:Fallback>
+      <p:transition>
+        <p:fade/>
+      </p:transition>
+    </mc:Fallback>
+  </mc:AlternateContent>
 </p:sld>
 </file>
 
@@ -7045,7 +7749,7 @@
           <p:cNvPr id="11" name="Title 3">
             <a:extLst>
               <a:ext uri="{FF2B5EF4-FFF2-40B4-BE49-F238E27FC236}">
-                <a16:creationId xmlns:a16="http://schemas.microsoft.com/office/drawing/2014/main" id="{DC3AC438-7769-76C9-7D36-AA05FBADF311}"/>
+                <a16:creationId xmlns:a16="http://schemas.microsoft.com/office/drawing/2014/main" id="{C75B2641-D4CC-3D04-B6BB-629614D816F9}"/>
               </a:ext>
             </a:extLst>
           </p:cNvPr>
@@ -7067,8 +7771,15 @@
           <a:lstStyle/>
           <a:p>
             <a:r>
-              <a:rPr lang="ar-SA"/>
-              <a:t>فَدَخَلَ عَلِيٌّ تَحْتَ الْكِساءِ </a:t>
+              <a:rPr lang="ar-SA" dirty="0"/>
+              <a:t>قالَ لَهُ وَعَلَيْكَ السَّلامُ يَا أَخِي ويَا وَصِيِّي</a:t>
+            </a:r>
+            <a:br>
+              <a:rPr lang="ar-SA" dirty="0"/>
+            </a:br>
+            <a:r>
+              <a:rPr lang="ar-SA" dirty="0"/>
+              <a:t>وَخَلِيفَتِي وَصاحِبَ لِوَائِي قَدْ أَذِنْتُ لَكَ</a:t>
             </a:r>
             <a:endParaRPr lang="en-US" dirty="0"/>
           </a:p>
@@ -7079,7 +7790,7 @@
           <p:cNvPr id="12" name="Subtitle 4">
             <a:extLst>
               <a:ext uri="{FF2B5EF4-FFF2-40B4-BE49-F238E27FC236}">
-                <a16:creationId xmlns:a16="http://schemas.microsoft.com/office/drawing/2014/main" id="{F10A81EB-268B-EA97-628D-31810F096D76}"/>
+                <a16:creationId xmlns:a16="http://schemas.microsoft.com/office/drawing/2014/main" id="{478E764F-B502-9CFA-3942-612D109CD27A}"/>
               </a:ext>
             </a:extLst>
           </p:cNvPr>
@@ -7101,10 +7812,9 @@
           <a:lstStyle/>
           <a:p>
             <a:r>
-              <a:rPr lang="en-US"/>
-              <a:t>So, Ali entered the cloak with them. </a:t>
-            </a:r>
-            <a:endParaRPr lang="en-US" dirty="0"/>
+              <a:rPr lang="en-US" dirty="0"/>
+              <a:t>He replied, “And upon you be peace, my brother, my successor, my successor, and my standard bearer, you are given the permission to enter.”</a:t>
+            </a:r>
           </a:p>
         </p:txBody>
       </p:sp>
@@ -7113,9 +7823,18 @@
   <p:clrMapOvr>
     <a:masterClrMapping/>
   </p:clrMapOvr>
-  <p:transition>
-    <p:fade/>
-  </p:transition>
+  <mc:AlternateContent xmlns:mc="http://schemas.openxmlformats.org/markup-compatibility/2006">
+    <mc:Choice xmlns:p14="http://schemas.microsoft.com/office/powerpoint/2010/main" Requires="p14">
+      <p:transition p14:dur="300">
+        <p:fade/>
+      </p:transition>
+    </mc:Choice>
+    <mc:Fallback>
+      <p:transition>
+        <p:fade/>
+      </p:transition>
+    </mc:Fallback>
+  </mc:AlternateContent>
 </p:sld>
 </file>
 
@@ -7141,7 +7860,7 @@
           <p:cNvPr id="11" name="Title 3">
             <a:extLst>
               <a:ext uri="{FF2B5EF4-FFF2-40B4-BE49-F238E27FC236}">
-                <a16:creationId xmlns:a16="http://schemas.microsoft.com/office/drawing/2014/main" id="{4E604A7F-4B49-4FDE-B247-CED3E88C9DED}"/>
+                <a16:creationId xmlns:a16="http://schemas.microsoft.com/office/drawing/2014/main" id="{DC3AC438-7769-76C9-7D36-AA05FBADF311}"/>
               </a:ext>
             </a:extLst>
           </p:cNvPr>
@@ -7163,8 +7882,8 @@
           <a:lstStyle/>
           <a:p>
             <a:r>
-              <a:rPr lang="ar-SA" dirty="0"/>
-              <a:t>أَللّٰهُمَّ صَلِّ عَلٰى مُحَمَّدٍ وَآلِ مُحَمَّدٍ</a:t>
+              <a:rPr lang="ar-SA"/>
+              <a:t>فَدَخَلَ عَلِيٌّ تَحْتَ الْكِساءِ </a:t>
             </a:r>
             <a:endParaRPr lang="en-US" dirty="0"/>
           </a:p>
@@ -7175,7 +7894,7 @@
           <p:cNvPr id="12" name="Subtitle 4">
             <a:extLst>
               <a:ext uri="{FF2B5EF4-FFF2-40B4-BE49-F238E27FC236}">
-                <a16:creationId xmlns:a16="http://schemas.microsoft.com/office/drawing/2014/main" id="{0A3FC473-E56A-4E2F-BE7C-7E2CF70D6289}"/>
+                <a16:creationId xmlns:a16="http://schemas.microsoft.com/office/drawing/2014/main" id="{F10A81EB-268B-EA97-628D-31810F096D76}"/>
               </a:ext>
             </a:extLst>
           </p:cNvPr>
@@ -7197,39 +7916,30 @@
           <a:lstStyle/>
           <a:p>
             <a:r>
-              <a:rPr lang="en-US" dirty="0"/>
-              <a:t>O' </a:t>
-            </a:r>
-            <a:r>
-              <a:rPr lang="en-US" dirty="0" err="1"/>
-              <a:t>Alláh</a:t>
-            </a:r>
-            <a:r>
-              <a:rPr lang="en-US" dirty="0"/>
-              <a:t> send Your blessings on Muhammad</a:t>
-            </a:r>
-          </a:p>
-          <a:p>
-            <a:r>
-              <a:rPr lang="en-US" dirty="0"/>
-              <a:t>and the family of Muhammad.</a:t>
-            </a:r>
+              <a:rPr lang="en-US"/>
+              <a:t>So, Ali entered the cloak with them. </a:t>
+            </a:r>
+            <a:endParaRPr lang="en-US" dirty="0"/>
           </a:p>
         </p:txBody>
       </p:sp>
     </p:spTree>
-    <p:extLst>
-      <p:ext uri="{BB962C8B-B14F-4D97-AF65-F5344CB8AC3E}">
-        <p14:creationId xmlns:p14="http://schemas.microsoft.com/office/powerpoint/2010/main" val="4079080803"/>
-      </p:ext>
-    </p:extLst>
   </p:cSld>
   <p:clrMapOvr>
     <a:masterClrMapping/>
   </p:clrMapOvr>
-  <p:transition>
-    <p:fade/>
-  </p:transition>
+  <mc:AlternateContent xmlns:mc="http://schemas.openxmlformats.org/markup-compatibility/2006">
+    <mc:Choice xmlns:p14="http://schemas.microsoft.com/office/powerpoint/2010/main" Requires="p14">
+      <p:transition p14:dur="300">
+        <p:fade/>
+      </p:transition>
+    </mc:Choice>
+    <mc:Fallback>
+      <p:transition>
+        <p:fade/>
+      </p:transition>
+    </mc:Fallback>
+  </mc:AlternateContent>
 </p:sld>
 </file>
 
@@ -7255,7 +7965,7 @@
           <p:cNvPr id="11" name="Title 3">
             <a:extLst>
               <a:ext uri="{FF2B5EF4-FFF2-40B4-BE49-F238E27FC236}">
-                <a16:creationId xmlns:a16="http://schemas.microsoft.com/office/drawing/2014/main" id="{728D45EA-FA36-8FBA-C460-7C22F1F665BB}"/>
+                <a16:creationId xmlns:a16="http://schemas.microsoft.com/office/drawing/2014/main" id="{4E604A7F-4B49-4FDE-B247-CED3E88C9DED}"/>
               </a:ext>
             </a:extLst>
           </p:cNvPr>
@@ -7278,14 +7988,7 @@
           <a:p>
             <a:r>
               <a:rPr lang="ar-SA" dirty="0"/>
-              <a:t>ثُمَّ أَتَيْتُ نَحْوَ الْكِساءِ وَقُلْتُ</a:t>
-            </a:r>
-            <a:br>
-              <a:rPr lang="ar-SA" dirty="0"/>
-            </a:br>
-            <a:r>
-              <a:rPr lang="ar-SA" dirty="0"/>
-              <a:t>السَّلامُ عَلَيْكَ يَا أَبَتاهُ يَا رَسُولَ اللّهِ </a:t>
+              <a:t>أَللّٰهُمَّ صَلِّ عَلٰى مُحَمَّدٍ وَآلِ مُحَمَّدٍ</a:t>
             </a:r>
             <a:endParaRPr lang="en-US" dirty="0"/>
           </a:p>
@@ -7296,7 +7999,7 @@
           <p:cNvPr id="12" name="Subtitle 4">
             <a:extLst>
               <a:ext uri="{FF2B5EF4-FFF2-40B4-BE49-F238E27FC236}">
-                <a16:creationId xmlns:a16="http://schemas.microsoft.com/office/drawing/2014/main" id="{46DDCFF9-FE1C-1A4D-41BB-219A41D61401}"/>
+                <a16:creationId xmlns:a16="http://schemas.microsoft.com/office/drawing/2014/main" id="{0A3FC473-E56A-4E2F-BE7C-7E2CF70D6289}"/>
               </a:ext>
             </a:extLst>
           </p:cNvPr>
@@ -7318,28 +8021,40 @@
           <a:lstStyle/>
           <a:p>
             <a:r>
-              <a:rPr lang="it-IT" dirty="0"/>
-              <a:t>Then I stepped forward </a:t>
-            </a:r>
-            <a:r>
               <a:rPr lang="en-US" dirty="0"/>
-              <a:t>and said: "Peace be on you, my father, O Prophet (s) of Allah; </a:t>
-            </a:r>
-            <a:r>
-              <a:rPr lang="it-IT" dirty="0"/>
-              <a:t> </a:t>
+              <a:t>O' Allah send Your blessings on Muhammad</a:t>
+            </a:r>
+          </a:p>
+          <a:p>
+            <a:r>
+              <a:rPr lang="en-US" dirty="0"/>
+              <a:t>and the family of Muhammad.</a:t>
             </a:r>
           </a:p>
         </p:txBody>
       </p:sp>
     </p:spTree>
+    <p:extLst>
+      <p:ext uri="{BB962C8B-B14F-4D97-AF65-F5344CB8AC3E}">
+        <p14:creationId xmlns:p14="http://schemas.microsoft.com/office/powerpoint/2010/main" val="4079080803"/>
+      </p:ext>
+    </p:extLst>
   </p:cSld>
   <p:clrMapOvr>
     <a:masterClrMapping/>
   </p:clrMapOvr>
-  <p:transition>
-    <p:fade/>
-  </p:transition>
+  <mc:AlternateContent xmlns:mc="http://schemas.openxmlformats.org/markup-compatibility/2006">
+    <mc:Choice xmlns:p14="http://schemas.microsoft.com/office/powerpoint/2010/main" Requires="p14">
+      <p:transition p14:dur="300">
+        <p:fade/>
+      </p:transition>
+    </mc:Choice>
+    <mc:Fallback>
+      <p:transition>
+        <p:fade/>
+      </p:transition>
+    </mc:Fallback>
+  </mc:AlternateContent>
 </p:sld>
 </file>
 
@@ -7443,9 +8158,18 @@
   <p:clrMapOvr>
     <a:masterClrMapping/>
   </p:clrMapOvr>
-  <p:transition>
-    <p:fade/>
-  </p:transition>
+  <mc:AlternateContent xmlns:mc="http://schemas.openxmlformats.org/markup-compatibility/2006">
+    <mc:Choice xmlns:p14="http://schemas.microsoft.com/office/powerpoint/2010/main" Requires="p14">
+      <p:transition p14:dur="300">
+        <p:fade/>
+      </p:transition>
+    </mc:Choice>
+    <mc:Fallback>
+      <p:transition>
+        <p:fade/>
+      </p:transition>
+    </mc:Fallback>
+  </mc:AlternateContent>
 </p:sld>
 </file>
 
@@ -7471,7 +8195,7 @@
           <p:cNvPr id="11" name="Title 3">
             <a:extLst>
               <a:ext uri="{FF2B5EF4-FFF2-40B4-BE49-F238E27FC236}">
-                <a16:creationId xmlns:a16="http://schemas.microsoft.com/office/drawing/2014/main" id="{C677148C-6D1A-ABCA-C1C9-2A4D2C179AD5}"/>
+                <a16:creationId xmlns:a16="http://schemas.microsoft.com/office/drawing/2014/main" id="{728D45EA-FA36-8FBA-C460-7C22F1F665BB}"/>
               </a:ext>
             </a:extLst>
           </p:cNvPr>
@@ -7493,8 +8217,15 @@
           <a:lstStyle/>
           <a:p>
             <a:r>
-              <a:rPr lang="ar-SA"/>
-              <a:t>أَتَأْذَنُ لِي أَنْ أَكُونَ مَعَكُمْ تَحْتَ الْكِساءِ </a:t>
+              <a:rPr lang="ar-SA" dirty="0"/>
+              <a:t>ثُمَّ أَتَيْتُ نَحْوَ الْكِساءِ وَقُلْتُ</a:t>
+            </a:r>
+            <a:br>
+              <a:rPr lang="ar-SA" dirty="0"/>
+            </a:br>
+            <a:r>
+              <a:rPr lang="ar-SA" dirty="0"/>
+              <a:t>السَّلامُ عَلَيْكَ يَا أَبَتاهُ يَا رَسُولَ اللّهِ </a:t>
             </a:r>
             <a:endParaRPr lang="en-US" dirty="0"/>
           </a:p>
@@ -7505,7 +8236,7 @@
           <p:cNvPr id="12" name="Subtitle 4">
             <a:extLst>
               <a:ext uri="{FF2B5EF4-FFF2-40B4-BE49-F238E27FC236}">
-                <a16:creationId xmlns:a16="http://schemas.microsoft.com/office/drawing/2014/main" id="{F1F6E122-8DDF-AB7D-6080-5A2080346169}"/>
+                <a16:creationId xmlns:a16="http://schemas.microsoft.com/office/drawing/2014/main" id="{46DDCFF9-FE1C-1A4D-41BB-219A41D61401}"/>
               </a:ext>
             </a:extLst>
           </p:cNvPr>
@@ -7527,10 +8258,17 @@
           <a:lstStyle/>
           <a:p>
             <a:r>
-              <a:rPr lang="en-US"/>
-              <a:t>May I enter the cloak with you?"</a:t>
-            </a:r>
-            <a:endParaRPr lang="en-US" dirty="0"/>
+              <a:rPr lang="it-IT" dirty="0"/>
+              <a:t>Then I stepped forward </a:t>
+            </a:r>
+            <a:r>
+              <a:rPr lang="en-US" dirty="0"/>
+              <a:t>and said, “Peace be on you, my father, O Prophet (s) of Allah; </a:t>
+            </a:r>
+            <a:r>
+              <a:rPr lang="it-IT" dirty="0"/>
+              <a:t> </a:t>
+            </a:r>
           </a:p>
         </p:txBody>
       </p:sp>
@@ -7539,9 +8277,18 @@
   <p:clrMapOvr>
     <a:masterClrMapping/>
   </p:clrMapOvr>
-  <p:transition>
-    <p:fade/>
-  </p:transition>
+  <mc:AlternateContent xmlns:mc="http://schemas.openxmlformats.org/markup-compatibility/2006">
+    <mc:Choice xmlns:p14="http://schemas.microsoft.com/office/powerpoint/2010/main" Requires="p14">
+      <p:transition p14:dur="300">
+        <p:fade/>
+      </p:transition>
+    </mc:Choice>
+    <mc:Fallback>
+      <p:transition>
+        <p:fade/>
+      </p:transition>
+    </mc:Fallback>
+  </mc:AlternateContent>
 </p:sld>
 </file>
 
@@ -7567,7 +8314,7 @@
           <p:cNvPr id="11" name="Title 3">
             <a:extLst>
               <a:ext uri="{FF2B5EF4-FFF2-40B4-BE49-F238E27FC236}">
-                <a16:creationId xmlns:a16="http://schemas.microsoft.com/office/drawing/2014/main" id="{AD6DE773-EA3E-51D5-9EEC-883D8E9FD4A6}"/>
+                <a16:creationId xmlns:a16="http://schemas.microsoft.com/office/drawing/2014/main" id="{C677148C-6D1A-ABCA-C1C9-2A4D2C179AD5}"/>
               </a:ext>
             </a:extLst>
           </p:cNvPr>
@@ -7589,15 +8336,8 @@
           <a:lstStyle/>
           <a:p>
             <a:r>
-              <a:rPr lang="ar-SA" dirty="0"/>
-              <a:t>قالَ: وَعَلَيْكِ السَّلامُ</a:t>
-            </a:r>
-            <a:br>
-              <a:rPr lang="ar-SA" dirty="0"/>
-            </a:br>
-            <a:r>
-              <a:rPr lang="ar-SA" dirty="0"/>
-              <a:t>يَا بِنْتِي وَيَا بَضْعَتِي</a:t>
+              <a:rPr lang="ar-SA"/>
+              <a:t>أَتَأْذَنُ لِي أَنْ أَكُونَ مَعَكُمْ تَحْتَ الْكِساءِ </a:t>
             </a:r>
             <a:endParaRPr lang="en-US" dirty="0"/>
           </a:p>
@@ -7608,7 +8348,7 @@
           <p:cNvPr id="12" name="Subtitle 4">
             <a:extLst>
               <a:ext uri="{FF2B5EF4-FFF2-40B4-BE49-F238E27FC236}">
-                <a16:creationId xmlns:a16="http://schemas.microsoft.com/office/drawing/2014/main" id="{CF03980D-F348-C22F-11C1-81BB0D352CC2}"/>
+                <a16:creationId xmlns:a16="http://schemas.microsoft.com/office/drawing/2014/main" id="{F1F6E122-8DDF-AB7D-6080-5A2080346169}"/>
               </a:ext>
             </a:extLst>
           </p:cNvPr>
@@ -7631,7 +8371,7 @@
           <a:p>
             <a:r>
               <a:rPr lang="en-US" dirty="0"/>
-              <a:t>He replied: "And upon you be peace, my daughter, O part of myself;</a:t>
+              <a:t>May I enter the cloak with you?”</a:t>
             </a:r>
           </a:p>
         </p:txBody>
@@ -7641,9 +8381,18 @@
   <p:clrMapOvr>
     <a:masterClrMapping/>
   </p:clrMapOvr>
-  <p:transition>
-    <p:fade/>
-  </p:transition>
+  <mc:AlternateContent xmlns:mc="http://schemas.openxmlformats.org/markup-compatibility/2006">
+    <mc:Choice xmlns:p14="http://schemas.microsoft.com/office/powerpoint/2010/main" Requires="p14">
+      <p:transition p14:dur="300">
+        <p:fade/>
+      </p:transition>
+    </mc:Choice>
+    <mc:Fallback>
+      <p:transition>
+        <p:fade/>
+      </p:transition>
+    </mc:Fallback>
+  </mc:AlternateContent>
 </p:sld>
 </file>
 
@@ -7669,7 +8418,7 @@
           <p:cNvPr id="11" name="Title 3">
             <a:extLst>
               <a:ext uri="{FF2B5EF4-FFF2-40B4-BE49-F238E27FC236}">
-                <a16:creationId xmlns:a16="http://schemas.microsoft.com/office/drawing/2014/main" id="{BB783179-9BCC-4697-B46C-5AB310D09149}"/>
+                <a16:creationId xmlns:a16="http://schemas.microsoft.com/office/drawing/2014/main" id="{AD6DE773-EA3E-51D5-9EEC-883D8E9FD4A6}"/>
               </a:ext>
             </a:extLst>
           </p:cNvPr>
@@ -7692,14 +8441,14 @@
           <a:p>
             <a:r>
               <a:rPr lang="ar-SA" dirty="0"/>
-              <a:t>قَدْ أَذِنْتُ لَكِ</a:t>
+              <a:t>قالَ وَعَلَيْكِ السَّلامُ</a:t>
             </a:r>
             <a:br>
               <a:rPr lang="ar-SA" dirty="0"/>
             </a:br>
             <a:r>
               <a:rPr lang="ar-SA" dirty="0"/>
-              <a:t>فَدَخَلْتُ تَحْتَ الْكِساءِ </a:t>
+              <a:t>يَا بِنْتِي وَيَا بَضْعَتِي</a:t>
             </a:r>
             <a:endParaRPr lang="en-US" dirty="0"/>
           </a:p>
@@ -7710,7 +8459,7 @@
           <p:cNvPr id="12" name="Subtitle 4">
             <a:extLst>
               <a:ext uri="{FF2B5EF4-FFF2-40B4-BE49-F238E27FC236}">
-                <a16:creationId xmlns:a16="http://schemas.microsoft.com/office/drawing/2014/main" id="{D184E3DE-D2E2-00B5-36D9-8BB936476074}"/>
+                <a16:creationId xmlns:a16="http://schemas.microsoft.com/office/drawing/2014/main" id="{CF03980D-F348-C22F-11C1-81BB0D352CC2}"/>
               </a:ext>
             </a:extLst>
           </p:cNvPr>
@@ -7733,13 +8482,7 @@
           <a:p>
             <a:r>
               <a:rPr lang="en-US" dirty="0"/>
-              <a:t>you are given the permission to enter.“</a:t>
-            </a:r>
-          </a:p>
-          <a:p>
-            <a:r>
-              <a:rPr lang="en-US" dirty="0"/>
-              <a:t>So, I entered the cloak with them.</a:t>
+              <a:t>He replied, “And upon you be peace, my daughter, O part of myself;</a:t>
             </a:r>
           </a:p>
         </p:txBody>
@@ -7749,9 +8492,18 @@
   <p:clrMapOvr>
     <a:masterClrMapping/>
   </p:clrMapOvr>
-  <p:transition>
-    <p:fade/>
-  </p:transition>
+  <mc:AlternateContent xmlns:mc="http://schemas.openxmlformats.org/markup-compatibility/2006">
+    <mc:Choice xmlns:p14="http://schemas.microsoft.com/office/powerpoint/2010/main" Requires="p14">
+      <p:transition p14:dur="300">
+        <p:fade/>
+      </p:transition>
+    </mc:Choice>
+    <mc:Fallback>
+      <p:transition>
+        <p:fade/>
+      </p:transition>
+    </mc:Fallback>
+  </mc:AlternateContent>
 </p:sld>
 </file>
 
@@ -7777,7 +8529,7 @@
           <p:cNvPr id="11" name="Title 3">
             <a:extLst>
               <a:ext uri="{FF2B5EF4-FFF2-40B4-BE49-F238E27FC236}">
-                <a16:creationId xmlns:a16="http://schemas.microsoft.com/office/drawing/2014/main" id="{4E604A7F-4B49-4FDE-B247-CED3E88C9DED}"/>
+                <a16:creationId xmlns:a16="http://schemas.microsoft.com/office/drawing/2014/main" id="{BB783179-9BCC-4697-B46C-5AB310D09149}"/>
               </a:ext>
             </a:extLst>
           </p:cNvPr>
@@ -7800,7 +8552,14 @@
           <a:p>
             <a:r>
               <a:rPr lang="ar-SA" dirty="0"/>
-              <a:t>أَللّٰهُمَّ صَلِّ عَلٰى مُحَمَّدٍ وَآلِ مُحَمَّدٍ</a:t>
+              <a:t>قَدْ أَذِنْتُ لَكِ</a:t>
+            </a:r>
+            <a:br>
+              <a:rPr lang="ar-SA" dirty="0"/>
+            </a:br>
+            <a:r>
+              <a:rPr lang="ar-SA" dirty="0"/>
+              <a:t>فَدَخَلْتُ تَحْتَ الْكِساءِ </a:t>
             </a:r>
             <a:endParaRPr lang="en-US" dirty="0"/>
           </a:p>
@@ -7811,7 +8570,7 @@
           <p:cNvPr id="12" name="Subtitle 4">
             <a:extLst>
               <a:ext uri="{FF2B5EF4-FFF2-40B4-BE49-F238E27FC236}">
-                <a16:creationId xmlns:a16="http://schemas.microsoft.com/office/drawing/2014/main" id="{0A3FC473-E56A-4E2F-BE7C-7E2CF70D6289}"/>
+                <a16:creationId xmlns:a16="http://schemas.microsoft.com/office/drawing/2014/main" id="{D184E3DE-D2E2-00B5-36D9-8BB936476074}"/>
               </a:ext>
             </a:extLst>
           </p:cNvPr>
@@ -7834,38 +8593,34 @@
           <a:p>
             <a:r>
               <a:rPr lang="en-US" dirty="0"/>
-              <a:t>O' </a:t>
-            </a:r>
-            <a:r>
-              <a:rPr lang="en-US" dirty="0" err="1"/>
-              <a:t>Alláh</a:t>
-            </a:r>
+              <a:t>you are given the permission to enter.”</a:t>
+            </a:r>
+          </a:p>
+          <a:p>
             <a:r>
               <a:rPr lang="en-US" dirty="0"/>
-              <a:t> send Your blessings on Muhammad</a:t>
-            </a:r>
-          </a:p>
-          <a:p>
-            <a:r>
-              <a:rPr lang="en-US" dirty="0"/>
-              <a:t>and the family of Muhammad.</a:t>
+              <a:t>So, I entered the cloak with them.</a:t>
             </a:r>
           </a:p>
         </p:txBody>
       </p:sp>
     </p:spTree>
-    <p:extLst>
-      <p:ext uri="{BB962C8B-B14F-4D97-AF65-F5344CB8AC3E}">
-        <p14:creationId xmlns:p14="http://schemas.microsoft.com/office/powerpoint/2010/main" val="3123342776"/>
-      </p:ext>
-    </p:extLst>
   </p:cSld>
   <p:clrMapOvr>
     <a:masterClrMapping/>
   </p:clrMapOvr>
-  <p:transition>
-    <p:fade/>
-  </p:transition>
+  <mc:AlternateContent xmlns:mc="http://schemas.openxmlformats.org/markup-compatibility/2006">
+    <mc:Choice xmlns:p14="http://schemas.microsoft.com/office/powerpoint/2010/main" Requires="p14">
+      <p:transition p14:dur="300">
+        <p:fade/>
+      </p:transition>
+    </mc:Choice>
+    <mc:Fallback>
+      <p:transition>
+        <p:fade/>
+      </p:transition>
+    </mc:Fallback>
+  </mc:AlternateContent>
 </p:sld>
 </file>
 
@@ -7891,7 +8646,7 @@
           <p:cNvPr id="11" name="Title 3">
             <a:extLst>
               <a:ext uri="{FF2B5EF4-FFF2-40B4-BE49-F238E27FC236}">
-                <a16:creationId xmlns:a16="http://schemas.microsoft.com/office/drawing/2014/main" id="{3993A996-7F7B-350B-C17C-2D61DD0B573B}"/>
+                <a16:creationId xmlns:a16="http://schemas.microsoft.com/office/drawing/2014/main" id="{4E604A7F-4B49-4FDE-B247-CED3E88C9DED}"/>
               </a:ext>
             </a:extLst>
           </p:cNvPr>
@@ -7914,14 +8669,7 @@
           <a:p>
             <a:r>
               <a:rPr lang="ar-SA" dirty="0"/>
-              <a:t>فَلَمَّا اكْتَمَلْنا جَمِيعاً تَحْتَ الْكِساءِ</a:t>
-            </a:r>
-            <a:br>
-              <a:rPr lang="ar-SA" dirty="0"/>
-            </a:br>
-            <a:r>
-              <a:rPr lang="ar-SA" dirty="0"/>
-              <a:t>أَخَذَ أَبِي رَسُولُ اللّهِ بِطَرَفَيِ الْكِساءِ</a:t>
+              <a:t>أَللّٰهُمَّ صَلِّ عَلٰى مُحَمَّدٍ وَآلِ مُحَمَّدٍ</a:t>
             </a:r>
             <a:endParaRPr lang="en-US" dirty="0"/>
           </a:p>
@@ -7932,7 +8680,7 @@
           <p:cNvPr id="12" name="Subtitle 4">
             <a:extLst>
               <a:ext uri="{FF2B5EF4-FFF2-40B4-BE49-F238E27FC236}">
-                <a16:creationId xmlns:a16="http://schemas.microsoft.com/office/drawing/2014/main" id="{E0977B89-4081-C0D0-58C2-D2D8E76F7FD4}"/>
+                <a16:creationId xmlns:a16="http://schemas.microsoft.com/office/drawing/2014/main" id="{0A3FC473-E56A-4E2F-BE7C-7E2CF70D6289}"/>
               </a:ext>
             </a:extLst>
           </p:cNvPr>
@@ -7954,21 +8702,40 @@
           <a:lstStyle/>
           <a:p>
             <a:r>
-              <a:rPr lang="en-US"/>
-              <a:t>Getting together underneath the cloak, my father, the Prophet (s) of Allah, held the two ends of the cloak </a:t>
-            </a:r>
-            <a:endParaRPr lang="en-US" dirty="0"/>
+              <a:rPr lang="en-US" dirty="0"/>
+              <a:t>O' Allah send Your blessings on Muhammad</a:t>
+            </a:r>
+          </a:p>
+          <a:p>
+            <a:r>
+              <a:rPr lang="en-US" dirty="0"/>
+              <a:t>and the family of Muhammad.</a:t>
+            </a:r>
           </a:p>
         </p:txBody>
       </p:sp>
     </p:spTree>
+    <p:extLst>
+      <p:ext uri="{BB962C8B-B14F-4D97-AF65-F5344CB8AC3E}">
+        <p14:creationId xmlns:p14="http://schemas.microsoft.com/office/powerpoint/2010/main" val="3123342776"/>
+      </p:ext>
+    </p:extLst>
   </p:cSld>
   <p:clrMapOvr>
     <a:masterClrMapping/>
   </p:clrMapOvr>
-  <p:transition>
-    <p:fade/>
-  </p:transition>
+  <mc:AlternateContent xmlns:mc="http://schemas.openxmlformats.org/markup-compatibility/2006">
+    <mc:Choice xmlns:p14="http://schemas.microsoft.com/office/powerpoint/2010/main" Requires="p14">
+      <p:transition p14:dur="300">
+        <p:fade/>
+      </p:transition>
+    </mc:Choice>
+    <mc:Fallback>
+      <p:transition>
+        <p:fade/>
+      </p:transition>
+    </mc:Fallback>
+  </mc:AlternateContent>
 </p:sld>
 </file>
 
@@ -7994,7 +8761,7 @@
           <p:cNvPr id="11" name="Title 3">
             <a:extLst>
               <a:ext uri="{FF2B5EF4-FFF2-40B4-BE49-F238E27FC236}">
-                <a16:creationId xmlns:a16="http://schemas.microsoft.com/office/drawing/2014/main" id="{AE392068-6D71-D2E4-9198-3C3AB2547324}"/>
+                <a16:creationId xmlns:a16="http://schemas.microsoft.com/office/drawing/2014/main" id="{3993A996-7F7B-350B-C17C-2D61DD0B573B}"/>
               </a:ext>
             </a:extLst>
           </p:cNvPr>
@@ -8016,20 +8783,15 @@
           <a:lstStyle/>
           <a:p>
             <a:r>
-              <a:rPr lang="ar-SA" dirty="0" err="1"/>
-              <a:t>وَاَوْمَئَ</a:t>
-            </a:r>
-            <a:r>
-              <a:rPr lang="ar-SA" dirty="0"/>
-              <a:t> بِيَدِهِ </a:t>
-            </a:r>
-            <a:r>
-              <a:rPr lang="ar-SA" dirty="0" err="1"/>
-              <a:t>ٱلْيُمْنٰى</a:t>
-            </a:r>
-            <a:r>
-              <a:rPr lang="ar-SA" dirty="0"/>
-              <a:t> إِلَى السَّماءِ وَقالَ</a:t>
+              <a:rPr lang="ar-SA" dirty="0"/>
+              <a:t>فَلَمَّا اكْتَمَلْنا جَمِيعاً تَحْتَ الْكِساءِ</a:t>
+            </a:r>
+            <a:br>
+              <a:rPr lang="ar-SA" dirty="0"/>
+            </a:br>
+            <a:r>
+              <a:rPr lang="ar-SA" dirty="0"/>
+              <a:t>أَخَذَ أَبِي رَسُولُ اللّهِ بِطَرَفَيِ الْكِساءِ</a:t>
             </a:r>
             <a:endParaRPr lang="en-US" dirty="0"/>
           </a:p>
@@ -8040,7 +8802,7 @@
           <p:cNvPr id="12" name="Subtitle 4">
             <a:extLst>
               <a:ext uri="{FF2B5EF4-FFF2-40B4-BE49-F238E27FC236}">
-                <a16:creationId xmlns:a16="http://schemas.microsoft.com/office/drawing/2014/main" id="{121F3C74-0A04-9ACC-17FD-F8A3206E1680}"/>
+                <a16:creationId xmlns:a16="http://schemas.microsoft.com/office/drawing/2014/main" id="{E0977B89-4081-C0D0-58C2-D2D8E76F7FD4}"/>
               </a:ext>
             </a:extLst>
           </p:cNvPr>
@@ -8062,9 +8824,10 @@
           <a:lstStyle/>
           <a:p>
             <a:r>
-              <a:rPr lang="en-US" dirty="0"/>
-              <a:t>and raised his right hand towards the heavens and prayed: </a:t>
-            </a:r>
+              <a:rPr lang="en-US"/>
+              <a:t>Getting together underneath the cloak, my father, the Prophet (s) of Allah, held the two ends of the cloak </a:t>
+            </a:r>
+            <a:endParaRPr lang="en-US" dirty="0"/>
           </a:p>
         </p:txBody>
       </p:sp>
@@ -8073,9 +8836,18 @@
   <p:clrMapOvr>
     <a:masterClrMapping/>
   </p:clrMapOvr>
-  <p:transition>
-    <p:fade/>
-  </p:transition>
+  <mc:AlternateContent xmlns:mc="http://schemas.openxmlformats.org/markup-compatibility/2006">
+    <mc:Choice xmlns:p14="http://schemas.microsoft.com/office/powerpoint/2010/main" Requires="p14">
+      <p:transition p14:dur="300">
+        <p:fade/>
+      </p:transition>
+    </mc:Choice>
+    <mc:Fallback>
+      <p:transition>
+        <p:fade/>
+      </p:transition>
+    </mc:Fallback>
+  </mc:AlternateContent>
 </p:sld>
 </file>
 
@@ -8101,7 +8873,7 @@
           <p:cNvPr id="11" name="Title 3">
             <a:extLst>
               <a:ext uri="{FF2B5EF4-FFF2-40B4-BE49-F238E27FC236}">
-                <a16:creationId xmlns:a16="http://schemas.microsoft.com/office/drawing/2014/main" id="{713F2895-1E01-5D48-0E88-B2BDD866DE51}"/>
+                <a16:creationId xmlns:a16="http://schemas.microsoft.com/office/drawing/2014/main" id="{AE392068-6D71-D2E4-9198-3C3AB2547324}"/>
               </a:ext>
             </a:extLst>
           </p:cNvPr>
@@ -8123,15 +8895,20 @@
           <a:lstStyle/>
           <a:p>
             <a:r>
-              <a:rPr lang="ar-SA" dirty="0"/>
-              <a:t>أَللّٰهُمَّ إِنَّ هٰؤُلاءِ أَهْلُ بَيْتِي</a:t>
-            </a:r>
-            <a:br>
-              <a:rPr lang="ar-SA" dirty="0"/>
-            </a:br>
-            <a:r>
-              <a:rPr lang="ar-SA" dirty="0"/>
-              <a:t>وَخاصَّتِي وَحامَّتِي </a:t>
+              <a:rPr lang="ar-SA" dirty="0" err="1"/>
+              <a:t>وَاَوْمَئَ</a:t>
+            </a:r>
+            <a:r>
+              <a:rPr lang="ar-SA" dirty="0"/>
+              <a:t> بِيَدِهِ </a:t>
+            </a:r>
+            <a:r>
+              <a:rPr lang="ar-SA" dirty="0" err="1"/>
+              <a:t>ٱلْيُمْنٰى</a:t>
+            </a:r>
+            <a:r>
+              <a:rPr lang="ar-SA" dirty="0"/>
+              <a:t> إِلَى السَّماءِ وَقالَ</a:t>
             </a:r>
             <a:endParaRPr lang="en-US" dirty="0"/>
           </a:p>
@@ -8142,7 +8919,7 @@
           <p:cNvPr id="12" name="Subtitle 4">
             <a:extLst>
               <a:ext uri="{FF2B5EF4-FFF2-40B4-BE49-F238E27FC236}">
-                <a16:creationId xmlns:a16="http://schemas.microsoft.com/office/drawing/2014/main" id="{02804C9B-00E7-83C7-C178-1AF922CD38DE}"/>
+                <a16:creationId xmlns:a16="http://schemas.microsoft.com/office/drawing/2014/main" id="{121F3C74-0A04-9ACC-17FD-F8A3206E1680}"/>
               </a:ext>
             </a:extLst>
           </p:cNvPr>
@@ -8164,10 +8941,9 @@
           <a:lstStyle/>
           <a:p>
             <a:r>
-              <a:rPr lang="en-US"/>
-              <a:t>"O Allah, these are the people of my Household (Ahlul-Bayt). They are my confidants and my supporters. </a:t>
-            </a:r>
-            <a:endParaRPr lang="en-US" dirty="0"/>
+              <a:rPr lang="en-US" dirty="0"/>
+              <a:t>and raised his right hand towards the heavens and prayed: </a:t>
+            </a:r>
           </a:p>
         </p:txBody>
       </p:sp>
@@ -8176,9 +8952,18 @@
   <p:clrMapOvr>
     <a:masterClrMapping/>
   </p:clrMapOvr>
-  <p:transition>
-    <p:fade/>
-  </p:transition>
+  <mc:AlternateContent xmlns:mc="http://schemas.openxmlformats.org/markup-compatibility/2006">
+    <mc:Choice xmlns:p14="http://schemas.microsoft.com/office/powerpoint/2010/main" Requires="p14">
+      <p:transition p14:dur="300">
+        <p:fade/>
+      </p:transition>
+    </mc:Choice>
+    <mc:Fallback>
+      <p:transition>
+        <p:fade/>
+      </p:transition>
+    </mc:Fallback>
+  </mc:AlternateContent>
 </p:sld>
 </file>
 
@@ -8204,7 +8989,7 @@
           <p:cNvPr id="11" name="Title 3">
             <a:extLst>
               <a:ext uri="{FF2B5EF4-FFF2-40B4-BE49-F238E27FC236}">
-                <a16:creationId xmlns:a16="http://schemas.microsoft.com/office/drawing/2014/main" id="{D813A177-E991-04EA-A39D-039D968A228C}"/>
+                <a16:creationId xmlns:a16="http://schemas.microsoft.com/office/drawing/2014/main" id="{713F2895-1E01-5D48-0E88-B2BDD866DE51}"/>
               </a:ext>
             </a:extLst>
           </p:cNvPr>
@@ -8227,14 +9012,14 @@
           <a:p>
             <a:r>
               <a:rPr lang="ar-SA" dirty="0"/>
-              <a:t>لَحْمُهُمْ لَحْمِي</a:t>
+              <a:t>أَللّٰهُمَّ إِنَّ هٰؤُلاءِ أَهْلُ بَيْتِي</a:t>
             </a:r>
             <a:br>
               <a:rPr lang="ar-SA" dirty="0"/>
             </a:br>
             <a:r>
               <a:rPr lang="ar-SA" dirty="0"/>
-              <a:t>وَدَمُهُمْ دَمِي </a:t>
+              <a:t>وَخاصَّتِي وَحامَّتِي </a:t>
             </a:r>
             <a:endParaRPr lang="en-US" dirty="0"/>
           </a:p>
@@ -8245,7 +9030,7 @@
           <p:cNvPr id="12" name="Subtitle 4">
             <a:extLst>
               <a:ext uri="{FF2B5EF4-FFF2-40B4-BE49-F238E27FC236}">
-                <a16:creationId xmlns:a16="http://schemas.microsoft.com/office/drawing/2014/main" id="{A6BE3745-2AAA-EBAE-3711-68D8AA654655}"/>
+                <a16:creationId xmlns:a16="http://schemas.microsoft.com/office/drawing/2014/main" id="{02804C9B-00E7-83C7-C178-1AF922CD38DE}"/>
               </a:ext>
             </a:extLst>
           </p:cNvPr>
@@ -8268,7 +9053,15 @@
           <a:p>
             <a:r>
               <a:rPr lang="en-US" dirty="0"/>
-              <a:t>Their flesh is my flesh, and their blood is my blood. </a:t>
+              <a:t>“O Allah, these are the people of my Household (</a:t>
+            </a:r>
+            <a:r>
+              <a:rPr lang="en-US" dirty="0" err="1"/>
+              <a:t>Ahlul</a:t>
+            </a:r>
+            <a:r>
+              <a:rPr lang="en-US" dirty="0"/>
+              <a:t>-Bayt). They are my confidants and my supporters. </a:t>
             </a:r>
           </a:p>
         </p:txBody>
@@ -8278,9 +9071,18 @@
   <p:clrMapOvr>
     <a:masterClrMapping/>
   </p:clrMapOvr>
-  <p:transition>
-    <p:fade/>
-  </p:transition>
+  <mc:AlternateContent xmlns:mc="http://schemas.openxmlformats.org/markup-compatibility/2006">
+    <mc:Choice xmlns:p14="http://schemas.microsoft.com/office/powerpoint/2010/main" Requires="p14">
+      <p:transition p14:dur="300">
+        <p:fade/>
+      </p:transition>
+    </mc:Choice>
+    <mc:Fallback>
+      <p:transition>
+        <p:fade/>
+      </p:transition>
+    </mc:Fallback>
+  </mc:AlternateContent>
 </p:sld>
 </file>
 
@@ -8306,7 +9108,7 @@
           <p:cNvPr id="11" name="Title 3">
             <a:extLst>
               <a:ext uri="{FF2B5EF4-FFF2-40B4-BE49-F238E27FC236}">
-                <a16:creationId xmlns:a16="http://schemas.microsoft.com/office/drawing/2014/main" id="{7D44E2F3-4D7C-9E87-7B6A-A322479AC99D}"/>
+                <a16:creationId xmlns:a16="http://schemas.microsoft.com/office/drawing/2014/main" id="{D813A177-E991-04EA-A39D-039D968A228C}"/>
               </a:ext>
             </a:extLst>
           </p:cNvPr>
@@ -8329,14 +9131,14 @@
           <a:p>
             <a:r>
               <a:rPr lang="ar-SA" dirty="0"/>
-              <a:t>يُؤْلِمُنِي مَا يُؤْلِمُهُمْ</a:t>
+              <a:t>لَحْمُهُمْ لَحْمِي</a:t>
             </a:r>
             <a:br>
               <a:rPr lang="ar-SA" dirty="0"/>
             </a:br>
             <a:r>
               <a:rPr lang="ar-SA" dirty="0"/>
-              <a:t>وَيَحْزُنُنِي مَا يَحْزُنُهُمْ </a:t>
+              <a:t>وَدَمُهُمْ دَمِي </a:t>
             </a:r>
             <a:endParaRPr lang="en-US" dirty="0"/>
           </a:p>
@@ -8347,7 +9149,7 @@
           <p:cNvPr id="12" name="Subtitle 4">
             <a:extLst>
               <a:ext uri="{FF2B5EF4-FFF2-40B4-BE49-F238E27FC236}">
-                <a16:creationId xmlns:a16="http://schemas.microsoft.com/office/drawing/2014/main" id="{0690D1EF-DB95-2815-2515-D728EA90C316}"/>
+                <a16:creationId xmlns:a16="http://schemas.microsoft.com/office/drawing/2014/main" id="{A6BE3745-2AAA-EBAE-3711-68D8AA654655}"/>
               </a:ext>
             </a:extLst>
           </p:cNvPr>
@@ -8370,13 +9172,7 @@
           <a:p>
             <a:r>
               <a:rPr lang="en-US" dirty="0"/>
-              <a:t>Whoever hurts them, hurts me too.</a:t>
-            </a:r>
-          </a:p>
-          <a:p>
-            <a:r>
-              <a:rPr lang="en-US" dirty="0"/>
-              <a:t>Whoever displeases them, displeases me too. </a:t>
+              <a:t>Their flesh is my flesh, and their blood is my blood. </a:t>
             </a:r>
           </a:p>
         </p:txBody>
@@ -8386,9 +9182,18 @@
   <p:clrMapOvr>
     <a:masterClrMapping/>
   </p:clrMapOvr>
-  <p:transition>
-    <p:fade/>
-  </p:transition>
+  <mc:AlternateContent xmlns:mc="http://schemas.openxmlformats.org/markup-compatibility/2006">
+    <mc:Choice xmlns:p14="http://schemas.microsoft.com/office/powerpoint/2010/main" Requires="p14">
+      <p:transition p14:dur="300">
+        <p:fade/>
+      </p:transition>
+    </mc:Choice>
+    <mc:Fallback>
+      <p:transition>
+        <p:fade/>
+      </p:transition>
+    </mc:Fallback>
+  </mc:AlternateContent>
 </p:sld>
 </file>
 
@@ -8414,7 +9219,7 @@
           <p:cNvPr id="11" name="Title 3">
             <a:extLst>
               <a:ext uri="{FF2B5EF4-FFF2-40B4-BE49-F238E27FC236}">
-                <a16:creationId xmlns:a16="http://schemas.microsoft.com/office/drawing/2014/main" id="{F456DDB6-F121-04F0-06CD-DFE8AA28B261}"/>
+                <a16:creationId xmlns:a16="http://schemas.microsoft.com/office/drawing/2014/main" id="{7D44E2F3-4D7C-9E87-7B6A-A322479AC99D}"/>
               </a:ext>
             </a:extLst>
           </p:cNvPr>
@@ -8437,14 +9242,14 @@
           <a:p>
             <a:r>
               <a:rPr lang="ar-SA" dirty="0"/>
-              <a:t>أَنَا حَرْبٌ لِمَنْ حارَبَهُمْ</a:t>
+              <a:t>يُؤْلِمُنِي مَا يُؤْلِمُهُمْ</a:t>
             </a:r>
             <a:br>
               <a:rPr lang="ar-SA" dirty="0"/>
             </a:br>
             <a:r>
               <a:rPr lang="ar-SA" dirty="0"/>
-              <a:t>وَسِلْمٌ لِمَنْ سالَمَهُمْ </a:t>
+              <a:t>وَيَحْزُنُنِي مَا يَحْزُنُهُمْ </a:t>
             </a:r>
             <a:endParaRPr lang="en-US" dirty="0"/>
           </a:p>
@@ -8455,7 +9260,7 @@
           <p:cNvPr id="12" name="Subtitle 4">
             <a:extLst>
               <a:ext uri="{FF2B5EF4-FFF2-40B4-BE49-F238E27FC236}">
-                <a16:creationId xmlns:a16="http://schemas.microsoft.com/office/drawing/2014/main" id="{13CD90AD-1024-91BD-89FC-D52C58D9CE46}"/>
+                <a16:creationId xmlns:a16="http://schemas.microsoft.com/office/drawing/2014/main" id="{0690D1EF-DB95-2815-2515-D728EA90C316}"/>
               </a:ext>
             </a:extLst>
           </p:cNvPr>
@@ -8478,7 +9283,13 @@
           <a:p>
             <a:r>
               <a:rPr lang="en-US" dirty="0"/>
-              <a:t>I am at war with those who are at war with them. I am at peace with those who are at peace with them.</a:t>
+              <a:t>Whoever hurts them, hurts me too.</a:t>
+            </a:r>
+          </a:p>
+          <a:p>
+            <a:r>
+              <a:rPr lang="en-US" dirty="0"/>
+              <a:t>Whoever displeases them, displeases me too. </a:t>
             </a:r>
           </a:p>
         </p:txBody>
@@ -8488,9 +9299,18 @@
   <p:clrMapOvr>
     <a:masterClrMapping/>
   </p:clrMapOvr>
-  <p:transition>
-    <p:fade/>
-  </p:transition>
+  <mc:AlternateContent xmlns:mc="http://schemas.openxmlformats.org/markup-compatibility/2006">
+    <mc:Choice xmlns:p14="http://schemas.microsoft.com/office/powerpoint/2010/main" Requires="p14">
+      <p:transition p14:dur="300">
+        <p:fade/>
+      </p:transition>
+    </mc:Choice>
+    <mc:Fallback>
+      <p:transition>
+        <p:fade/>
+      </p:transition>
+    </mc:Fallback>
+  </mc:AlternateContent>
 </p:sld>
 </file>
 
@@ -8572,10 +9392,9 @@
           <a:lstStyle/>
           <a:p>
             <a:r>
-              <a:rPr lang="en-US"/>
-              <a:t>"Peace be on you, Fatimah"</a:t>
-            </a:r>
-            <a:endParaRPr lang="en-US" dirty="0"/>
+              <a:rPr lang="en-US" dirty="0"/>
+              <a:t>“Peace be on you, Fatimah.”</a:t>
+            </a:r>
           </a:p>
         </p:txBody>
       </p:sp>
@@ -8584,9 +9403,18 @@
   <p:clrMapOvr>
     <a:masterClrMapping/>
   </p:clrMapOvr>
-  <p:transition>
-    <p:fade/>
-  </p:transition>
+  <mc:AlternateContent xmlns:mc="http://schemas.openxmlformats.org/markup-compatibility/2006">
+    <mc:Choice xmlns:p14="http://schemas.microsoft.com/office/powerpoint/2010/main" Requires="p14">
+      <p:transition p14:dur="300">
+        <p:fade/>
+      </p:transition>
+    </mc:Choice>
+    <mc:Fallback>
+      <p:transition>
+        <p:fade/>
+      </p:transition>
+    </mc:Fallback>
+  </mc:AlternateContent>
 </p:sld>
 </file>
 
@@ -8612,7 +9440,7 @@
           <p:cNvPr id="11" name="Title 3">
             <a:extLst>
               <a:ext uri="{FF2B5EF4-FFF2-40B4-BE49-F238E27FC236}">
-                <a16:creationId xmlns:a16="http://schemas.microsoft.com/office/drawing/2014/main" id="{12F6548A-AFE0-E30D-33A1-F4DF1B239A6C}"/>
+                <a16:creationId xmlns:a16="http://schemas.microsoft.com/office/drawing/2014/main" id="{F456DDB6-F121-04F0-06CD-DFE8AA28B261}"/>
               </a:ext>
             </a:extLst>
           </p:cNvPr>
@@ -8635,14 +9463,14 @@
           <a:p>
             <a:r>
               <a:rPr lang="ar-SA" dirty="0"/>
-              <a:t>وَعَدُوٌّ لِمَنْ عَاداهُمْ</a:t>
+              <a:t>أَنَا حَرْبٌ لِمَنْ حارَبَهُمْ</a:t>
             </a:r>
             <a:br>
               <a:rPr lang="ar-SA" dirty="0"/>
             </a:br>
             <a:r>
               <a:rPr lang="ar-SA" dirty="0"/>
-              <a:t>وَمُحِبٌّ لِمَنْ أَحَبَّهُمْ</a:t>
+              <a:t>وَسِلْمٌ لِمَنْ سالَمَهُمْ </a:t>
             </a:r>
             <a:endParaRPr lang="en-US" dirty="0"/>
           </a:p>
@@ -8653,7 +9481,7 @@
           <p:cNvPr id="12" name="Subtitle 4">
             <a:extLst>
               <a:ext uri="{FF2B5EF4-FFF2-40B4-BE49-F238E27FC236}">
-                <a16:creationId xmlns:a16="http://schemas.microsoft.com/office/drawing/2014/main" id="{DC65B5AF-7AAC-6A51-ABC9-EF29C429E4CE}"/>
+                <a16:creationId xmlns:a16="http://schemas.microsoft.com/office/drawing/2014/main" id="{13CD90AD-1024-91BD-89FC-D52C58D9CE46}"/>
               </a:ext>
             </a:extLst>
           </p:cNvPr>
@@ -8676,7 +9504,7 @@
           <a:p>
             <a:r>
               <a:rPr lang="en-US" dirty="0"/>
-              <a:t>I am the enemy of their enemies, and I am the friend of their friends. </a:t>
+              <a:t>I am at war with those who are at war with them. I am at peace with those who are at peace with them.</a:t>
             </a:r>
           </a:p>
         </p:txBody>
@@ -8686,9 +9514,18 @@
   <p:clrMapOvr>
     <a:masterClrMapping/>
   </p:clrMapOvr>
-  <p:transition>
-    <p:fade/>
-  </p:transition>
+  <mc:AlternateContent xmlns:mc="http://schemas.openxmlformats.org/markup-compatibility/2006">
+    <mc:Choice xmlns:p14="http://schemas.microsoft.com/office/powerpoint/2010/main" Requires="p14">
+      <p:transition p14:dur="300">
+        <p:fade/>
+      </p:transition>
+    </mc:Choice>
+    <mc:Fallback>
+      <p:transition>
+        <p:fade/>
+      </p:transition>
+    </mc:Fallback>
+  </mc:AlternateContent>
 </p:sld>
 </file>
 
@@ -8714,7 +9551,7 @@
           <p:cNvPr id="11" name="Title 3">
             <a:extLst>
               <a:ext uri="{FF2B5EF4-FFF2-40B4-BE49-F238E27FC236}">
-                <a16:creationId xmlns:a16="http://schemas.microsoft.com/office/drawing/2014/main" id="{6CC87804-209E-DBE2-62A3-44C45B4FCF61}"/>
+                <a16:creationId xmlns:a16="http://schemas.microsoft.com/office/drawing/2014/main" id="{12F6548A-AFE0-E30D-33A1-F4DF1B239A6C}"/>
               </a:ext>
             </a:extLst>
           </p:cNvPr>
@@ -8736,8 +9573,15 @@
           <a:lstStyle/>
           <a:p>
             <a:r>
-              <a:rPr lang="ar-SA"/>
-              <a:t>إِنَّهُمْ مِنِّي وَأَنَا مِنْهُمْ </a:t>
+              <a:rPr lang="ar-SA" dirty="0"/>
+              <a:t>وَعَدُوٌّ لِمَنْ عَاداهُمْ</a:t>
+            </a:r>
+            <a:br>
+              <a:rPr lang="ar-SA" dirty="0"/>
+            </a:br>
+            <a:r>
+              <a:rPr lang="ar-SA" dirty="0"/>
+              <a:t>وَمُحِبٌّ لِمَنْ أَحَبَّهُمْ</a:t>
             </a:r>
             <a:endParaRPr lang="en-US" dirty="0"/>
           </a:p>
@@ -8748,7 +9592,7 @@
           <p:cNvPr id="12" name="Subtitle 4">
             <a:extLst>
               <a:ext uri="{FF2B5EF4-FFF2-40B4-BE49-F238E27FC236}">
-                <a16:creationId xmlns:a16="http://schemas.microsoft.com/office/drawing/2014/main" id="{22CEFCCE-BEA6-613B-714C-0D48936465F8}"/>
+                <a16:creationId xmlns:a16="http://schemas.microsoft.com/office/drawing/2014/main" id="{DC65B5AF-7AAC-6A51-ABC9-EF29C429E4CE}"/>
               </a:ext>
             </a:extLst>
           </p:cNvPr>
@@ -8771,7 +9615,7 @@
           <a:p>
             <a:r>
               <a:rPr lang="en-US" dirty="0"/>
-              <a:t>They are from me, and I am from them. </a:t>
+              <a:t>I am the enemy of their enemies, and I am the friend of their friends. </a:t>
             </a:r>
           </a:p>
         </p:txBody>
@@ -8781,9 +9625,18 @@
   <p:clrMapOvr>
     <a:masterClrMapping/>
   </p:clrMapOvr>
-  <p:transition>
-    <p:fade/>
-  </p:transition>
+  <mc:AlternateContent xmlns:mc="http://schemas.openxmlformats.org/markup-compatibility/2006">
+    <mc:Choice xmlns:p14="http://schemas.microsoft.com/office/powerpoint/2010/main" Requires="p14">
+      <p:transition p14:dur="300">
+        <p:fade/>
+      </p:transition>
+    </mc:Choice>
+    <mc:Fallback>
+      <p:transition>
+        <p:fade/>
+      </p:transition>
+    </mc:Fallback>
+  </mc:AlternateContent>
 </p:sld>
 </file>
 
@@ -8809,7 +9662,7 @@
           <p:cNvPr id="11" name="Title 3">
             <a:extLst>
               <a:ext uri="{FF2B5EF4-FFF2-40B4-BE49-F238E27FC236}">
-                <a16:creationId xmlns:a16="http://schemas.microsoft.com/office/drawing/2014/main" id="{AAD248FD-3177-57CB-E76C-21E10C4C63DC}"/>
+                <a16:creationId xmlns:a16="http://schemas.microsoft.com/office/drawing/2014/main" id="{6CC87804-209E-DBE2-62A3-44C45B4FCF61}"/>
               </a:ext>
             </a:extLst>
           </p:cNvPr>
@@ -8832,7 +9685,7 @@
           <a:p>
             <a:r>
               <a:rPr lang="ar-SA"/>
-              <a:t>فَاجْعَلْ صَلَواتِكَ وَبَرَكاتِكَ وَرَحْمَتَكَ</a:t>
+              <a:t>إِنَّهُمْ مِنِّي وَأَنَا مِنْهُمْ </a:t>
             </a:r>
             <a:endParaRPr lang="en-US" dirty="0"/>
           </a:p>
@@ -8843,7 +9696,7 @@
           <p:cNvPr id="12" name="Subtitle 4">
             <a:extLst>
               <a:ext uri="{FF2B5EF4-FFF2-40B4-BE49-F238E27FC236}">
-                <a16:creationId xmlns:a16="http://schemas.microsoft.com/office/drawing/2014/main" id="{58749145-1EB9-01DA-FF96-BD6E6A2B4C65}"/>
+                <a16:creationId xmlns:a16="http://schemas.microsoft.com/office/drawing/2014/main" id="{22CEFCCE-BEA6-613B-714C-0D48936465F8}"/>
               </a:ext>
             </a:extLst>
           </p:cNvPr>
@@ -8865,10 +9718,9 @@
           <a:lstStyle/>
           <a:p>
             <a:r>
-              <a:rPr lang="en-US"/>
-              <a:t>O Allah! Bestow Your Blessings, Benevolence, </a:t>
-            </a:r>
-            <a:endParaRPr lang="en-US" dirty="0"/>
+              <a:rPr lang="en-US" dirty="0"/>
+              <a:t>They are from me, and I am from them. </a:t>
+            </a:r>
           </a:p>
         </p:txBody>
       </p:sp>
@@ -8877,9 +9729,18 @@
   <p:clrMapOvr>
     <a:masterClrMapping/>
   </p:clrMapOvr>
-  <p:transition>
-    <p:fade/>
-  </p:transition>
+  <mc:AlternateContent xmlns:mc="http://schemas.openxmlformats.org/markup-compatibility/2006">
+    <mc:Choice xmlns:p14="http://schemas.microsoft.com/office/powerpoint/2010/main" Requires="p14">
+      <p:transition p14:dur="300">
+        <p:fade/>
+      </p:transition>
+    </mc:Choice>
+    <mc:Fallback>
+      <p:transition>
+        <p:fade/>
+      </p:transition>
+    </mc:Fallback>
+  </mc:AlternateContent>
 </p:sld>
 </file>
 
@@ -8905,7 +9766,7 @@
           <p:cNvPr id="11" name="Title 3">
             <a:extLst>
               <a:ext uri="{FF2B5EF4-FFF2-40B4-BE49-F238E27FC236}">
-                <a16:creationId xmlns:a16="http://schemas.microsoft.com/office/drawing/2014/main" id="{AD69D865-12F2-E860-BC31-48512C9324E2}"/>
+                <a16:creationId xmlns:a16="http://schemas.microsoft.com/office/drawing/2014/main" id="{AAD248FD-3177-57CB-E76C-21E10C4C63DC}"/>
               </a:ext>
             </a:extLst>
           </p:cNvPr>
@@ -8927,23 +9788,8 @@
           <a:lstStyle/>
           <a:p>
             <a:r>
-              <a:rPr lang="ar-SA" dirty="0"/>
-              <a:t>وَغُفْرانَكَ </a:t>
-            </a:r>
-            <a:r>
-              <a:rPr lang="ar-SA" dirty="0" err="1"/>
-              <a:t>وَرِضْوانَكَ</a:t>
-            </a:r>
-            <a:r>
-              <a:rPr lang="ar-SA" dirty="0"/>
-              <a:t> عَلَيَّ وَعَلَيْهِمْ</a:t>
-            </a:r>
-            <a:br>
-              <a:rPr lang="ar-SA" dirty="0"/>
-            </a:br>
-            <a:r>
-              <a:rPr lang="ar-SA" dirty="0"/>
-              <a:t>وَأَذْهِبْ عَنْهُمُ الرِّجْسَ وَطَهِّرْهُمْ تَطْهِيراً</a:t>
+              <a:rPr lang="ar-SA"/>
+              <a:t>فَاجْعَلْ صَلَواتِكَ وَبَرَكاتِكَ وَرَحْمَتَكَ</a:t>
             </a:r>
             <a:endParaRPr lang="en-US" dirty="0"/>
           </a:p>
@@ -8954,7 +9800,7 @@
           <p:cNvPr id="12" name="Subtitle 4">
             <a:extLst>
               <a:ext uri="{FF2B5EF4-FFF2-40B4-BE49-F238E27FC236}">
-                <a16:creationId xmlns:a16="http://schemas.microsoft.com/office/drawing/2014/main" id="{E3AAC1FA-54B9-DAE7-B963-AD318E7A1ADB}"/>
+                <a16:creationId xmlns:a16="http://schemas.microsoft.com/office/drawing/2014/main" id="{58749145-1EB9-01DA-FF96-BD6E6A2B4C65}"/>
               </a:ext>
             </a:extLst>
           </p:cNvPr>
@@ -8976,9 +9822,10 @@
           <a:lstStyle/>
           <a:p>
             <a:r>
-              <a:rPr lang="en-US" dirty="0"/>
-              <a:t>Forgiveness, and pleasure upon me and upon them. And keep them away from impurity (and flaws) and keep them thoroughly purified"</a:t>
-            </a:r>
+              <a:rPr lang="en-US"/>
+              <a:t>O Allah! Bestow Your Blessings, Benevolence, </a:t>
+            </a:r>
+            <a:endParaRPr lang="en-US" dirty="0"/>
           </a:p>
         </p:txBody>
       </p:sp>
@@ -8987,9 +9834,18 @@
   <p:clrMapOvr>
     <a:masterClrMapping/>
   </p:clrMapOvr>
-  <p:transition>
-    <p:fade/>
-  </p:transition>
+  <mc:AlternateContent xmlns:mc="http://schemas.openxmlformats.org/markup-compatibility/2006">
+    <mc:Choice xmlns:p14="http://schemas.microsoft.com/office/powerpoint/2010/main" Requires="p14">
+      <p:transition p14:dur="300">
+        <p:fade/>
+      </p:transition>
+    </mc:Choice>
+    <mc:Fallback>
+      <p:transition>
+        <p:fade/>
+      </p:transition>
+    </mc:Fallback>
+  </mc:AlternateContent>
 </p:sld>
 </file>
 
@@ -9015,7 +9871,7 @@
           <p:cNvPr id="11" name="Title 3">
             <a:extLst>
               <a:ext uri="{FF2B5EF4-FFF2-40B4-BE49-F238E27FC236}">
-                <a16:creationId xmlns:a16="http://schemas.microsoft.com/office/drawing/2014/main" id="{4E604A7F-4B49-4FDE-B247-CED3E88C9DED}"/>
+                <a16:creationId xmlns:a16="http://schemas.microsoft.com/office/drawing/2014/main" id="{AD69D865-12F2-E860-BC31-48512C9324E2}"/>
               </a:ext>
             </a:extLst>
           </p:cNvPr>
@@ -9038,7 +9894,22 @@
           <a:p>
             <a:r>
               <a:rPr lang="ar-SA" dirty="0"/>
-              <a:t>أَللّٰهُمَّ صَلِّ عَلٰى مُحَمَّدٍ وَآلِ مُحَمَّدٍ</a:t>
+              <a:t>وَغُفْرانَكَ </a:t>
+            </a:r>
+            <a:r>
+              <a:rPr lang="ar-SA" dirty="0" err="1"/>
+              <a:t>وَرِضْوانَكَ</a:t>
+            </a:r>
+            <a:r>
+              <a:rPr lang="ar-SA" dirty="0"/>
+              <a:t> عَلَيَّ وَعَلَيْهِمْ</a:t>
+            </a:r>
+            <a:br>
+              <a:rPr lang="ar-SA" dirty="0"/>
+            </a:br>
+            <a:r>
+              <a:rPr lang="ar-SA" dirty="0"/>
+              <a:t>وَأَذْهِبْ عَنْهُمُ الرِّجْسَ وَطَهِّرْهُمْ تَطْهِيراً</a:t>
             </a:r>
             <a:endParaRPr lang="en-US" dirty="0"/>
           </a:p>
@@ -9049,7 +9920,7 @@
           <p:cNvPr id="12" name="Subtitle 4">
             <a:extLst>
               <a:ext uri="{FF2B5EF4-FFF2-40B4-BE49-F238E27FC236}">
-                <a16:creationId xmlns:a16="http://schemas.microsoft.com/office/drawing/2014/main" id="{0A3FC473-E56A-4E2F-BE7C-7E2CF70D6289}"/>
+                <a16:creationId xmlns:a16="http://schemas.microsoft.com/office/drawing/2014/main" id="{E3AAC1FA-54B9-DAE7-B963-AD318E7A1ADB}"/>
               </a:ext>
             </a:extLst>
           </p:cNvPr>
@@ -9072,38 +9943,28 @@
           <a:p>
             <a:r>
               <a:rPr lang="en-US" dirty="0"/>
-              <a:t>O' </a:t>
-            </a:r>
-            <a:r>
-              <a:rPr lang="en-US" dirty="0" err="1"/>
-              <a:t>Alláh</a:t>
-            </a:r>
-            <a:r>
-              <a:rPr lang="en-US" dirty="0"/>
-              <a:t> send Your blessings on Muhammad</a:t>
-            </a:r>
-          </a:p>
-          <a:p>
-            <a:r>
-              <a:rPr lang="en-US" dirty="0"/>
-              <a:t>and the family of Muhammad.</a:t>
+              <a:t>Forgiveness, and pleasure upon me and upon them. And keep them away from impurity (and flaws) and keep them thoroughly purified.”</a:t>
             </a:r>
           </a:p>
         </p:txBody>
       </p:sp>
     </p:spTree>
-    <p:extLst>
-      <p:ext uri="{BB962C8B-B14F-4D97-AF65-F5344CB8AC3E}">
-        <p14:creationId xmlns:p14="http://schemas.microsoft.com/office/powerpoint/2010/main" val="736334531"/>
-      </p:ext>
-    </p:extLst>
   </p:cSld>
   <p:clrMapOvr>
     <a:masterClrMapping/>
   </p:clrMapOvr>
-  <p:transition>
-    <p:fade/>
-  </p:transition>
+  <mc:AlternateContent xmlns:mc="http://schemas.openxmlformats.org/markup-compatibility/2006">
+    <mc:Choice xmlns:p14="http://schemas.microsoft.com/office/powerpoint/2010/main" Requires="p14">
+      <p:transition p14:dur="300">
+        <p:fade/>
+      </p:transition>
+    </mc:Choice>
+    <mc:Fallback>
+      <p:transition>
+        <p:fade/>
+      </p:transition>
+    </mc:Fallback>
+  </mc:AlternateContent>
 </p:sld>
 </file>
 
@@ -9129,7 +9990,7 @@
           <p:cNvPr id="11" name="Title 3">
             <a:extLst>
               <a:ext uri="{FF2B5EF4-FFF2-40B4-BE49-F238E27FC236}">
-                <a16:creationId xmlns:a16="http://schemas.microsoft.com/office/drawing/2014/main" id="{E464C848-BC6F-266D-CE9E-A702230BFFF7}"/>
+                <a16:creationId xmlns:a16="http://schemas.microsoft.com/office/drawing/2014/main" id="{4E604A7F-4B49-4FDE-B247-CED3E88C9DED}"/>
               </a:ext>
             </a:extLst>
           </p:cNvPr>
@@ -9152,7 +10013,7 @@
           <a:p>
             <a:r>
               <a:rPr lang="ar-SA" dirty="0"/>
-              <a:t>فَقالَ اللّهُ عَزَّوَجَلَّ</a:t>
+              <a:t>أَللّٰهُمَّ صَلِّ عَلٰى مُحَمَّدٍ وَآلِ مُحَمَّدٍ</a:t>
             </a:r>
             <a:endParaRPr lang="en-US" dirty="0"/>
           </a:p>
@@ -9163,7 +10024,7 @@
           <p:cNvPr id="12" name="Subtitle 4">
             <a:extLst>
               <a:ext uri="{FF2B5EF4-FFF2-40B4-BE49-F238E27FC236}">
-                <a16:creationId xmlns:a16="http://schemas.microsoft.com/office/drawing/2014/main" id="{EBBA0FFE-A104-2A41-31E5-54C7A1EE2F67}"/>
+                <a16:creationId xmlns:a16="http://schemas.microsoft.com/office/drawing/2014/main" id="{0A3FC473-E56A-4E2F-BE7C-7E2CF70D6289}"/>
               </a:ext>
             </a:extLst>
           </p:cNvPr>
@@ -9186,19 +10047,39 @@
           <a:p>
             <a:r>
               <a:rPr lang="en-US" dirty="0"/>
-              <a:t>Then the Lord, Almighty Allah said:</a:t>
+              <a:t>O' Allah send Your blessings on Muhammad</a:t>
+            </a:r>
+          </a:p>
+          <a:p>
+            <a:r>
+              <a:rPr lang="en-US" dirty="0"/>
+              <a:t>and the family of Muhammad.</a:t>
             </a:r>
           </a:p>
         </p:txBody>
       </p:sp>
     </p:spTree>
+    <p:extLst>
+      <p:ext uri="{BB962C8B-B14F-4D97-AF65-F5344CB8AC3E}">
+        <p14:creationId xmlns:p14="http://schemas.microsoft.com/office/powerpoint/2010/main" val="736334531"/>
+      </p:ext>
+    </p:extLst>
   </p:cSld>
   <p:clrMapOvr>
     <a:masterClrMapping/>
   </p:clrMapOvr>
-  <p:transition>
-    <p:fade/>
-  </p:transition>
+  <mc:AlternateContent xmlns:mc="http://schemas.openxmlformats.org/markup-compatibility/2006">
+    <mc:Choice xmlns:p14="http://schemas.microsoft.com/office/powerpoint/2010/main" Requires="p14">
+      <p:transition p14:dur="300">
+        <p:fade/>
+      </p:transition>
+    </mc:Choice>
+    <mc:Fallback>
+      <p:transition>
+        <p:fade/>
+      </p:transition>
+    </mc:Fallback>
+  </mc:AlternateContent>
 </p:sld>
 </file>
 
@@ -9224,7 +10105,7 @@
           <p:cNvPr id="11" name="Title 3">
             <a:extLst>
               <a:ext uri="{FF2B5EF4-FFF2-40B4-BE49-F238E27FC236}">
-                <a16:creationId xmlns:a16="http://schemas.microsoft.com/office/drawing/2014/main" id="{7D394E9D-5565-D9C0-AEAD-D1E466D1B3C9}"/>
+                <a16:creationId xmlns:a16="http://schemas.microsoft.com/office/drawing/2014/main" id="{E464C848-BC6F-266D-CE9E-A702230BFFF7}"/>
               </a:ext>
             </a:extLst>
           </p:cNvPr>
@@ -9247,15 +10128,7 @@
           <a:p>
             <a:r>
               <a:rPr lang="ar-SA" dirty="0"/>
-              <a:t>يَا مَلائِكَتِي وَيَا سُكَّانَ </a:t>
-            </a:r>
-            <a:r>
-              <a:rPr lang="ar-SA" dirty="0" err="1"/>
-              <a:t>سَمٰواتِي</a:t>
-            </a:r>
-            <a:r>
-              <a:rPr lang="ar-SA" dirty="0"/>
-              <a:t> </a:t>
+              <a:t>فَقالَ اللّهُ عَزَّوَجَلَّ</a:t>
             </a:r>
             <a:endParaRPr lang="en-US" dirty="0"/>
           </a:p>
@@ -9266,7 +10139,7 @@
           <p:cNvPr id="12" name="Subtitle 4">
             <a:extLst>
               <a:ext uri="{FF2B5EF4-FFF2-40B4-BE49-F238E27FC236}">
-                <a16:creationId xmlns:a16="http://schemas.microsoft.com/office/drawing/2014/main" id="{8FF51482-22E3-754D-8E3C-190F244BAFD4}"/>
+                <a16:creationId xmlns:a16="http://schemas.microsoft.com/office/drawing/2014/main" id="{EBBA0FFE-A104-2A41-31E5-54C7A1EE2F67}"/>
               </a:ext>
             </a:extLst>
           </p:cNvPr>
@@ -9288,10 +10161,9 @@
           <a:lstStyle/>
           <a:p>
             <a:r>
-              <a:rPr lang="en-US"/>
-              <a:t>"O My angels! O Residents of My Heavens, </a:t>
-            </a:r>
-            <a:endParaRPr lang="en-US" dirty="0"/>
+              <a:rPr lang="en-US" dirty="0"/>
+              <a:t>Then the Lord, Almighty Allah said:</a:t>
+            </a:r>
           </a:p>
         </p:txBody>
       </p:sp>
@@ -9300,9 +10172,18 @@
   <p:clrMapOvr>
     <a:masterClrMapping/>
   </p:clrMapOvr>
-  <p:transition>
-    <p:fade/>
-  </p:transition>
+  <mc:AlternateContent xmlns:mc="http://schemas.openxmlformats.org/markup-compatibility/2006">
+    <mc:Choice xmlns:p14="http://schemas.microsoft.com/office/powerpoint/2010/main" Requires="p14">
+      <p:transition p14:dur="300">
+        <p:fade/>
+      </p:transition>
+    </mc:Choice>
+    <mc:Fallback>
+      <p:transition>
+        <p:fade/>
+      </p:transition>
+    </mc:Fallback>
+  </mc:AlternateContent>
 </p:sld>
 </file>
 
@@ -9328,7 +10209,7 @@
           <p:cNvPr id="11" name="Title 3">
             <a:extLst>
               <a:ext uri="{FF2B5EF4-FFF2-40B4-BE49-F238E27FC236}">
-                <a16:creationId xmlns:a16="http://schemas.microsoft.com/office/drawing/2014/main" id="{CAB9374B-F6D5-DB5D-E059-8DB46492315E}"/>
+                <a16:creationId xmlns:a16="http://schemas.microsoft.com/office/drawing/2014/main" id="{7D394E9D-5565-D9C0-AEAD-D1E466D1B3C9}"/>
               </a:ext>
             </a:extLst>
           </p:cNvPr>
@@ -9351,14 +10232,15 @@
           <a:p>
             <a:r>
               <a:rPr lang="ar-SA" dirty="0"/>
-              <a:t>إِنِّي مَا خَلَقْتُ سَماءً مَبْنِيَّةً</a:t>
-            </a:r>
-            <a:br>
-              <a:rPr lang="ar-SA" dirty="0"/>
-            </a:br>
-            <a:r>
-              <a:rPr lang="ar-SA" dirty="0"/>
-              <a:t>وَلاَ أَرْضاً مَدْحِيَّةً</a:t>
+              <a:t>يَا مَلائِكَتِي وَيَا سُكَّانَ </a:t>
+            </a:r>
+            <a:r>
+              <a:rPr lang="ar-SA" dirty="0" err="1"/>
+              <a:t>سَمٰواتِي</a:t>
+            </a:r>
+            <a:r>
+              <a:rPr lang="ar-SA" dirty="0"/>
+              <a:t> </a:t>
             </a:r>
             <a:endParaRPr lang="en-US" dirty="0"/>
           </a:p>
@@ -9369,7 +10251,7 @@
           <p:cNvPr id="12" name="Subtitle 4">
             <a:extLst>
               <a:ext uri="{FF2B5EF4-FFF2-40B4-BE49-F238E27FC236}">
-                <a16:creationId xmlns:a16="http://schemas.microsoft.com/office/drawing/2014/main" id="{6BE732D2-5A76-5362-6156-41185E3B9A7D}"/>
+                <a16:creationId xmlns:a16="http://schemas.microsoft.com/office/drawing/2014/main" id="{8FF51482-22E3-754D-8E3C-190F244BAFD4}"/>
               </a:ext>
             </a:extLst>
           </p:cNvPr>
@@ -9392,7 +10274,7 @@
           <a:p>
             <a:r>
               <a:rPr lang="en-US" dirty="0"/>
-              <a:t>verily, I have not created the erected sky, the stretched earth,</a:t>
+              <a:t>“O My angels! O Residents of My Heavens, </a:t>
             </a:r>
           </a:p>
         </p:txBody>
@@ -9402,9 +10284,18 @@
   <p:clrMapOvr>
     <a:masterClrMapping/>
   </p:clrMapOvr>
-  <p:transition>
-    <p:fade/>
-  </p:transition>
+  <mc:AlternateContent xmlns:mc="http://schemas.openxmlformats.org/markup-compatibility/2006">
+    <mc:Choice xmlns:p14="http://schemas.microsoft.com/office/powerpoint/2010/main" Requires="p14">
+      <p:transition p14:dur="300">
+        <p:fade/>
+      </p:transition>
+    </mc:Choice>
+    <mc:Fallback>
+      <p:transition>
+        <p:fade/>
+      </p:transition>
+    </mc:Fallback>
+  </mc:AlternateContent>
 </p:sld>
 </file>
 
@@ -9430,7 +10321,7 @@
           <p:cNvPr id="11" name="Title 3">
             <a:extLst>
               <a:ext uri="{FF2B5EF4-FFF2-40B4-BE49-F238E27FC236}">
-                <a16:creationId xmlns:a16="http://schemas.microsoft.com/office/drawing/2014/main" id="{AFBE7197-C5EF-B470-BB15-D61036004341}"/>
+                <a16:creationId xmlns:a16="http://schemas.microsoft.com/office/drawing/2014/main" id="{CAB9374B-F6D5-DB5D-E059-8DB46492315E}"/>
               </a:ext>
             </a:extLst>
           </p:cNvPr>
@@ -9453,14 +10344,14 @@
           <a:p>
             <a:r>
               <a:rPr lang="ar-SA" dirty="0"/>
-              <a:t>وَلاَ قَمَراً مُنِيراً وَلاَ شَمْساً مُضِيئَةً</a:t>
+              <a:t>إِنِّي مَا خَلَقْتُ سَماءً مَبْنِيَّةً</a:t>
             </a:r>
             <a:br>
               <a:rPr lang="ar-SA" dirty="0"/>
             </a:br>
             <a:r>
               <a:rPr lang="ar-SA" dirty="0"/>
-              <a:t>وَلاَ فَلَكاً يَدُورُ وَلاَ بَحْراً يَجْرِي وَلاَ فُلْكاً يَسْرِي </a:t>
+              <a:t>وَلاَ أَرْضاً مَدْحِيَّةً</a:t>
             </a:r>
             <a:endParaRPr lang="en-US" dirty="0"/>
           </a:p>
@@ -9471,7 +10362,7 @@
           <p:cNvPr id="12" name="Subtitle 4">
             <a:extLst>
               <a:ext uri="{FF2B5EF4-FFF2-40B4-BE49-F238E27FC236}">
-                <a16:creationId xmlns:a16="http://schemas.microsoft.com/office/drawing/2014/main" id="{35E0BCDA-6DA6-C3CD-C8D5-8903509586C0}"/>
+                <a16:creationId xmlns:a16="http://schemas.microsoft.com/office/drawing/2014/main" id="{6BE732D2-5A76-5362-6156-41185E3B9A7D}"/>
               </a:ext>
             </a:extLst>
           </p:cNvPr>
@@ -9494,7 +10385,7 @@
           <a:p>
             <a:r>
               <a:rPr lang="en-US" dirty="0"/>
-              <a:t>the illuminated moon, the bright sun, the rotating planets, the flowing seas and the sailing ships,</a:t>
+              <a:t>verily, I have not created the erected sky, the stretched earth,</a:t>
             </a:r>
           </a:p>
         </p:txBody>
@@ -9504,9 +10395,18 @@
   <p:clrMapOvr>
     <a:masterClrMapping/>
   </p:clrMapOvr>
-  <p:transition>
-    <p:fade/>
-  </p:transition>
+  <mc:AlternateContent xmlns:mc="http://schemas.openxmlformats.org/markup-compatibility/2006">
+    <mc:Choice xmlns:p14="http://schemas.microsoft.com/office/powerpoint/2010/main" Requires="p14">
+      <p:transition p14:dur="300">
+        <p:fade/>
+      </p:transition>
+    </mc:Choice>
+    <mc:Fallback>
+      <p:transition>
+        <p:fade/>
+      </p:transition>
+    </mc:Fallback>
+  </mc:AlternateContent>
 </p:sld>
 </file>
 
@@ -9532,7 +10432,7 @@
           <p:cNvPr id="11" name="Title 3">
             <a:extLst>
               <a:ext uri="{FF2B5EF4-FFF2-40B4-BE49-F238E27FC236}">
-                <a16:creationId xmlns:a16="http://schemas.microsoft.com/office/drawing/2014/main" id="{7CDC1903-7CB7-3E47-B87D-EAF40862415C}"/>
+                <a16:creationId xmlns:a16="http://schemas.microsoft.com/office/drawing/2014/main" id="{AFBE7197-C5EF-B470-BB15-D61036004341}"/>
               </a:ext>
             </a:extLst>
           </p:cNvPr>
@@ -9555,14 +10455,14 @@
           <a:p>
             <a:r>
               <a:rPr lang="ar-SA" dirty="0"/>
-              <a:t>إِلَّا فِي مَحَبَّةِ هَؤلاءِ الْخَمْسَةِ</a:t>
+              <a:t>وَلاَ قَمَراً مُنِيراً وَلاَ شَمْساً مُضِيئَةً</a:t>
             </a:r>
             <a:br>
               <a:rPr lang="ar-SA" dirty="0"/>
             </a:br>
             <a:r>
               <a:rPr lang="ar-SA" dirty="0"/>
-              <a:t>الَّذِينَ هُمْ تَحْتَ الْكِساءِ</a:t>
+              <a:t>وَلاَ فَلَكاً يَدُورُ وَلاَ بَحْراً يَجْرِي وَلاَ فُلْكاً يَسْرِي </a:t>
             </a:r>
             <a:endParaRPr lang="en-US" dirty="0"/>
           </a:p>
@@ -9573,7 +10473,7 @@
           <p:cNvPr id="12" name="Subtitle 4">
             <a:extLst>
               <a:ext uri="{FF2B5EF4-FFF2-40B4-BE49-F238E27FC236}">
-                <a16:creationId xmlns:a16="http://schemas.microsoft.com/office/drawing/2014/main" id="{8F0678FB-8543-2722-C27A-E111892BCE6B}"/>
+                <a16:creationId xmlns:a16="http://schemas.microsoft.com/office/drawing/2014/main" id="{35E0BCDA-6DA6-C3CD-C8D5-8903509586C0}"/>
               </a:ext>
             </a:extLst>
           </p:cNvPr>
@@ -9595,10 +10495,9 @@
           <a:lstStyle/>
           <a:p>
             <a:r>
-              <a:rPr lang="en-US"/>
-              <a:t>but for the love of these Five underneath the cloak"</a:t>
-            </a:r>
-            <a:endParaRPr lang="en-US" dirty="0"/>
+              <a:rPr lang="en-US" dirty="0"/>
+              <a:t>the illuminated moon, the bright sun, the rotating planets, the flowing seas and the sailing ships,</a:t>
+            </a:r>
           </a:p>
         </p:txBody>
       </p:sp>
@@ -9607,9 +10506,18 @@
   <p:clrMapOvr>
     <a:masterClrMapping/>
   </p:clrMapOvr>
-  <p:transition>
-    <p:fade/>
-  </p:transition>
+  <mc:AlternateContent xmlns:mc="http://schemas.openxmlformats.org/markup-compatibility/2006">
+    <mc:Choice xmlns:p14="http://schemas.microsoft.com/office/powerpoint/2010/main" Requires="p14">
+      <p:transition p14:dur="300">
+        <p:fade/>
+      </p:transition>
+    </mc:Choice>
+    <mc:Fallback>
+      <p:transition>
+        <p:fade/>
+      </p:transition>
+    </mc:Fallback>
+  </mc:AlternateContent>
 </p:sld>
 </file>
 
@@ -9691,10 +10599,9 @@
           <a:lstStyle/>
           <a:p>
             <a:r>
-              <a:rPr lang="en-US"/>
-              <a:t>I replied : "And upon you be peace"</a:t>
-            </a:r>
-            <a:endParaRPr lang="en-US" dirty="0"/>
+              <a:rPr lang="en-US" dirty="0"/>
+              <a:t>I replied, “And upon you be peace.”</a:t>
+            </a:r>
           </a:p>
         </p:txBody>
       </p:sp>
@@ -9703,9 +10610,18 @@
   <p:clrMapOvr>
     <a:masterClrMapping/>
   </p:clrMapOvr>
-  <p:transition>
-    <p:fade/>
-  </p:transition>
+  <mc:AlternateContent xmlns:mc="http://schemas.openxmlformats.org/markup-compatibility/2006">
+    <mc:Choice xmlns:p14="http://schemas.microsoft.com/office/powerpoint/2010/main" Requires="p14">
+      <p:transition p14:dur="300">
+        <p:fade/>
+      </p:transition>
+    </mc:Choice>
+    <mc:Fallback>
+      <p:transition>
+        <p:fade/>
+      </p:transition>
+    </mc:Fallback>
+  </mc:AlternateContent>
 </p:sld>
 </file>
 
@@ -9731,7 +10647,7 @@
           <p:cNvPr id="11" name="Title 3">
             <a:extLst>
               <a:ext uri="{FF2B5EF4-FFF2-40B4-BE49-F238E27FC236}">
-                <a16:creationId xmlns:a16="http://schemas.microsoft.com/office/drawing/2014/main" id="{848C1EE1-D952-239D-66CD-B2272BB59793}"/>
+                <a16:creationId xmlns:a16="http://schemas.microsoft.com/office/drawing/2014/main" id="{7CDC1903-7CB7-3E47-B87D-EAF40862415C}"/>
               </a:ext>
             </a:extLst>
           </p:cNvPr>
@@ -9754,14 +10670,14 @@
           <a:p>
             <a:r>
               <a:rPr lang="ar-SA" dirty="0"/>
-              <a:t>فَقالَ الْأَمِينُ جِبْرَائِيلُ</a:t>
+              <a:t>إِلَّا فِي مَحَبَّةِ هَؤلاءِ الْخَمْسَةِ</a:t>
             </a:r>
             <a:br>
               <a:rPr lang="ar-SA" dirty="0"/>
             </a:br>
             <a:r>
               <a:rPr lang="ar-SA" dirty="0"/>
-              <a:t>يَا رَبِّ وَمَنْ تَحْتَ الْكِساءِ </a:t>
+              <a:t>الَّذِينَ هُمْ تَحْتَ الْكِساءِ</a:t>
             </a:r>
             <a:endParaRPr lang="en-US" dirty="0"/>
           </a:p>
@@ -9772,7 +10688,7 @@
           <p:cNvPr id="12" name="Subtitle 4">
             <a:extLst>
               <a:ext uri="{FF2B5EF4-FFF2-40B4-BE49-F238E27FC236}">
-                <a16:creationId xmlns:a16="http://schemas.microsoft.com/office/drawing/2014/main" id="{88AF8D68-82E3-B64F-1E4C-8E9BC787DAFC}"/>
+                <a16:creationId xmlns:a16="http://schemas.microsoft.com/office/drawing/2014/main" id="{8F0678FB-8543-2722-C27A-E111892BCE6B}"/>
               </a:ext>
             </a:extLst>
           </p:cNvPr>
@@ -9795,13 +10711,7 @@
           <a:p>
             <a:r>
               <a:rPr lang="en-US" dirty="0"/>
-              <a:t>Gabriel, the trusted angel, asked: </a:t>
-            </a:r>
-          </a:p>
-          <a:p>
-            <a:r>
-              <a:rPr lang="en-US" dirty="0"/>
-              <a:t>"Who are under the cloak?"</a:t>
+              <a:t>but for the love of these Five underneath the cloak.”</a:t>
             </a:r>
           </a:p>
         </p:txBody>
@@ -9811,9 +10721,18 @@
   <p:clrMapOvr>
     <a:masterClrMapping/>
   </p:clrMapOvr>
-  <p:transition>
-    <p:fade/>
-  </p:transition>
+  <mc:AlternateContent xmlns:mc="http://schemas.openxmlformats.org/markup-compatibility/2006">
+    <mc:Choice xmlns:p14="http://schemas.microsoft.com/office/powerpoint/2010/main" Requires="p14">
+      <p:transition p14:dur="300">
+        <p:fade/>
+      </p:transition>
+    </mc:Choice>
+    <mc:Fallback>
+      <p:transition>
+        <p:fade/>
+      </p:transition>
+    </mc:Fallback>
+  </mc:AlternateContent>
 </p:sld>
 </file>
 
@@ -9839,7 +10758,7 @@
           <p:cNvPr id="11" name="Title 3">
             <a:extLst>
               <a:ext uri="{FF2B5EF4-FFF2-40B4-BE49-F238E27FC236}">
-                <a16:creationId xmlns:a16="http://schemas.microsoft.com/office/drawing/2014/main" id="{66CEEC98-5E2E-1664-DEC4-FEF658880557}"/>
+                <a16:creationId xmlns:a16="http://schemas.microsoft.com/office/drawing/2014/main" id="{848C1EE1-D952-239D-66CD-B2272BB59793}"/>
               </a:ext>
             </a:extLst>
           </p:cNvPr>
@@ -9862,7 +10781,14 @@
           <a:p>
             <a:r>
               <a:rPr lang="ar-SA" dirty="0"/>
-              <a:t>فَقالَ عَزَّوَجَلَّ</a:t>
+              <a:t>فَقالَ الْأَمِينُ جِبْرَائِيلُ</a:t>
+            </a:r>
+            <a:br>
+              <a:rPr lang="ar-SA" dirty="0"/>
+            </a:br>
+            <a:r>
+              <a:rPr lang="ar-SA" dirty="0"/>
+              <a:t>يَا رَبِّ وَمَنْ تَحْتَ الْكِساءِ </a:t>
             </a:r>
             <a:endParaRPr lang="en-US" dirty="0"/>
           </a:p>
@@ -9873,7 +10799,7 @@
           <p:cNvPr id="12" name="Subtitle 4">
             <a:extLst>
               <a:ext uri="{FF2B5EF4-FFF2-40B4-BE49-F238E27FC236}">
-                <a16:creationId xmlns:a16="http://schemas.microsoft.com/office/drawing/2014/main" id="{A9E3235D-A013-8156-07EE-04BC59C098D5}"/>
+                <a16:creationId xmlns:a16="http://schemas.microsoft.com/office/drawing/2014/main" id="{88AF8D68-82E3-B64F-1E4C-8E9BC787DAFC}"/>
               </a:ext>
             </a:extLst>
           </p:cNvPr>
@@ -9895,8 +10821,14 @@
           <a:lstStyle/>
           <a:p>
             <a:r>
-              <a:rPr lang="it-IT" dirty="0"/>
-              <a:t>The Almighty answered: </a:t>
+              <a:rPr lang="en-US" dirty="0"/>
+              <a:t>Gabriel, the trusted angel, asked: </a:t>
+            </a:r>
+          </a:p>
+          <a:p>
+            <a:r>
+              <a:rPr lang="en-US" dirty="0"/>
+              <a:t>“Who are under the cloak?”</a:t>
             </a:r>
           </a:p>
         </p:txBody>
@@ -9906,9 +10838,18 @@
   <p:clrMapOvr>
     <a:masterClrMapping/>
   </p:clrMapOvr>
-  <p:transition>
-    <p:fade/>
-  </p:transition>
+  <mc:AlternateContent xmlns:mc="http://schemas.openxmlformats.org/markup-compatibility/2006">
+    <mc:Choice xmlns:p14="http://schemas.microsoft.com/office/powerpoint/2010/main" Requires="p14">
+      <p:transition p14:dur="300">
+        <p:fade/>
+      </p:transition>
+    </mc:Choice>
+    <mc:Fallback>
+      <p:transition>
+        <p:fade/>
+      </p:transition>
+    </mc:Fallback>
+  </mc:AlternateContent>
 </p:sld>
 </file>
 
@@ -9934,7 +10875,7 @@
           <p:cNvPr id="11" name="Title 3">
             <a:extLst>
               <a:ext uri="{FF2B5EF4-FFF2-40B4-BE49-F238E27FC236}">
-                <a16:creationId xmlns:a16="http://schemas.microsoft.com/office/drawing/2014/main" id="{0BB77F5E-AD45-4BCC-F505-E9A6F1FAE86D}"/>
+                <a16:creationId xmlns:a16="http://schemas.microsoft.com/office/drawing/2014/main" id="{66CEEC98-5E2E-1664-DEC4-FEF658880557}"/>
               </a:ext>
             </a:extLst>
           </p:cNvPr>
@@ -9956,8 +10897,8 @@
           <a:lstStyle/>
           <a:p>
             <a:r>
-              <a:rPr lang="ar-SA"/>
-              <a:t>هُمْ أَهْلُ بَيْتِ النُّبُوَّةِ وَمَعْدِنُ الرِّسالَةِ </a:t>
+              <a:rPr lang="ar-SA" dirty="0"/>
+              <a:t>فَقالَ عَزَّوَجَلَّ</a:t>
             </a:r>
             <a:endParaRPr lang="en-US" dirty="0"/>
           </a:p>
@@ -9968,7 +10909,7 @@
           <p:cNvPr id="12" name="Subtitle 4">
             <a:extLst>
               <a:ext uri="{FF2B5EF4-FFF2-40B4-BE49-F238E27FC236}">
-                <a16:creationId xmlns:a16="http://schemas.microsoft.com/office/drawing/2014/main" id="{78D95460-2B55-7E97-79B1-5AB6630E2761}"/>
+                <a16:creationId xmlns:a16="http://schemas.microsoft.com/office/drawing/2014/main" id="{A9E3235D-A013-8156-07EE-04BC59C098D5}"/>
               </a:ext>
             </a:extLst>
           </p:cNvPr>
@@ -9990,8 +10931,8 @@
           <a:lstStyle/>
           <a:p>
             <a:r>
-              <a:rPr lang="en-US" dirty="0"/>
-              <a:t>"They are the Household of the Prophet (s) and the assets of Prophethood. </a:t>
+              <a:rPr lang="it-IT" dirty="0"/>
+              <a:t>The Almighty answered: </a:t>
             </a:r>
           </a:p>
         </p:txBody>
@@ -10001,9 +10942,18 @@
   <p:clrMapOvr>
     <a:masterClrMapping/>
   </p:clrMapOvr>
-  <p:transition>
-    <p:fade/>
-  </p:transition>
+  <mc:AlternateContent xmlns:mc="http://schemas.openxmlformats.org/markup-compatibility/2006">
+    <mc:Choice xmlns:p14="http://schemas.microsoft.com/office/powerpoint/2010/main" Requires="p14">
+      <p:transition p14:dur="300">
+        <p:fade/>
+      </p:transition>
+    </mc:Choice>
+    <mc:Fallback>
+      <p:transition>
+        <p:fade/>
+      </p:transition>
+    </mc:Fallback>
+  </mc:AlternateContent>
 </p:sld>
 </file>
 
@@ -10029,7 +10979,7 @@
           <p:cNvPr id="11" name="Title 3">
             <a:extLst>
               <a:ext uri="{FF2B5EF4-FFF2-40B4-BE49-F238E27FC236}">
-                <a16:creationId xmlns:a16="http://schemas.microsoft.com/office/drawing/2014/main" id="{C9D5B4D1-0B8F-B131-F19F-83534FAE0966}"/>
+                <a16:creationId xmlns:a16="http://schemas.microsoft.com/office/drawing/2014/main" id="{0BB77F5E-AD45-4BCC-F505-E9A6F1FAE86D}"/>
               </a:ext>
             </a:extLst>
           </p:cNvPr>
@@ -10051,8 +11001,8 @@
           <a:lstStyle/>
           <a:p>
             <a:r>
-              <a:rPr lang="ar-SA" dirty="0"/>
-              <a:t>هُمْ فاطِمَةُ وَأَبُوها وَبَعْلُها وَبَنُوها</a:t>
+              <a:rPr lang="ar-SA"/>
+              <a:t>هُمْ أَهْلُ بَيْتِ النُّبُوَّةِ وَمَعْدِنُ الرِّسالَةِ </a:t>
             </a:r>
             <a:endParaRPr lang="en-US" dirty="0"/>
           </a:p>
@@ -10063,7 +11013,7 @@
           <p:cNvPr id="12" name="Subtitle 4">
             <a:extLst>
               <a:ext uri="{FF2B5EF4-FFF2-40B4-BE49-F238E27FC236}">
-                <a16:creationId xmlns:a16="http://schemas.microsoft.com/office/drawing/2014/main" id="{757FDD3E-7456-E429-617F-0FAEACC33B7F}"/>
+                <a16:creationId xmlns:a16="http://schemas.microsoft.com/office/drawing/2014/main" id="{78D95460-2B55-7E97-79B1-5AB6630E2761}"/>
               </a:ext>
             </a:extLst>
           </p:cNvPr>
@@ -10086,7 +11036,7 @@
           <a:p>
             <a:r>
               <a:rPr lang="en-US" dirty="0"/>
-              <a:t>They are Fatimah, her father, her husband and her two sons"</a:t>
+              <a:t>“They are the Household of the Prophet (s) and the assets of Prophethood. </a:t>
             </a:r>
           </a:p>
         </p:txBody>
@@ -10096,9 +11046,18 @@
   <p:clrMapOvr>
     <a:masterClrMapping/>
   </p:clrMapOvr>
-  <p:transition>
-    <p:fade/>
-  </p:transition>
+  <mc:AlternateContent xmlns:mc="http://schemas.openxmlformats.org/markup-compatibility/2006">
+    <mc:Choice xmlns:p14="http://schemas.microsoft.com/office/powerpoint/2010/main" Requires="p14">
+      <p:transition p14:dur="300">
+        <p:fade/>
+      </p:transition>
+    </mc:Choice>
+    <mc:Fallback>
+      <p:transition>
+        <p:fade/>
+      </p:transition>
+    </mc:Fallback>
+  </mc:AlternateContent>
 </p:sld>
 </file>
 
@@ -10124,7 +11083,7 @@
           <p:cNvPr id="11" name="Title 3">
             <a:extLst>
               <a:ext uri="{FF2B5EF4-FFF2-40B4-BE49-F238E27FC236}">
-                <a16:creationId xmlns:a16="http://schemas.microsoft.com/office/drawing/2014/main" id="{4E604A7F-4B49-4FDE-B247-CED3E88C9DED}"/>
+                <a16:creationId xmlns:a16="http://schemas.microsoft.com/office/drawing/2014/main" id="{C9D5B4D1-0B8F-B131-F19F-83534FAE0966}"/>
               </a:ext>
             </a:extLst>
           </p:cNvPr>
@@ -10147,7 +11106,7 @@
           <a:p>
             <a:r>
               <a:rPr lang="ar-SA" dirty="0"/>
-              <a:t>أَللّٰهُمَّ صَلِّ عَلٰى مُحَمَّدٍ وَآلِ مُحَمَّدٍ</a:t>
+              <a:t>هُمْ فاطِمَةُ وَأَبُوها وَبَعْلُها وَبَنُوها</a:t>
             </a:r>
             <a:endParaRPr lang="en-US" dirty="0"/>
           </a:p>
@@ -10158,7 +11117,7 @@
           <p:cNvPr id="12" name="Subtitle 4">
             <a:extLst>
               <a:ext uri="{FF2B5EF4-FFF2-40B4-BE49-F238E27FC236}">
-                <a16:creationId xmlns:a16="http://schemas.microsoft.com/office/drawing/2014/main" id="{0A3FC473-E56A-4E2F-BE7C-7E2CF70D6289}"/>
+                <a16:creationId xmlns:a16="http://schemas.microsoft.com/office/drawing/2014/main" id="{757FDD3E-7456-E429-617F-0FAEACC33B7F}"/>
               </a:ext>
             </a:extLst>
           </p:cNvPr>
@@ -10181,38 +11140,28 @@
           <a:p>
             <a:r>
               <a:rPr lang="en-US" dirty="0"/>
-              <a:t>O' </a:t>
-            </a:r>
-            <a:r>
-              <a:rPr lang="en-US" dirty="0" err="1"/>
-              <a:t>Alláh</a:t>
-            </a:r>
-            <a:r>
-              <a:rPr lang="en-US" dirty="0"/>
-              <a:t> send Your blessings on Muhammad</a:t>
-            </a:r>
-          </a:p>
-          <a:p>
-            <a:r>
-              <a:rPr lang="en-US" dirty="0"/>
-              <a:t>and the family of Muhammad.</a:t>
+              <a:t>They are Fatimah, her father, her husband and her two sons.”</a:t>
             </a:r>
           </a:p>
         </p:txBody>
       </p:sp>
     </p:spTree>
-    <p:extLst>
-      <p:ext uri="{BB962C8B-B14F-4D97-AF65-F5344CB8AC3E}">
-        <p14:creationId xmlns:p14="http://schemas.microsoft.com/office/powerpoint/2010/main" val="1660401705"/>
-      </p:ext>
-    </p:extLst>
   </p:cSld>
   <p:clrMapOvr>
     <a:masterClrMapping/>
   </p:clrMapOvr>
-  <p:transition>
-    <p:fade/>
-  </p:transition>
+  <mc:AlternateContent xmlns:mc="http://schemas.openxmlformats.org/markup-compatibility/2006">
+    <mc:Choice xmlns:p14="http://schemas.microsoft.com/office/powerpoint/2010/main" Requires="p14">
+      <p:transition p14:dur="300">
+        <p:fade/>
+      </p:transition>
+    </mc:Choice>
+    <mc:Fallback>
+      <p:transition>
+        <p:fade/>
+      </p:transition>
+    </mc:Fallback>
+  </mc:AlternateContent>
 </p:sld>
 </file>
 
@@ -10238,7 +11187,7 @@
           <p:cNvPr id="11" name="Title 3">
             <a:extLst>
               <a:ext uri="{FF2B5EF4-FFF2-40B4-BE49-F238E27FC236}">
-                <a16:creationId xmlns:a16="http://schemas.microsoft.com/office/drawing/2014/main" id="{BB0FAECA-5D27-4045-5D7A-32D154C2F5FD}"/>
+                <a16:creationId xmlns:a16="http://schemas.microsoft.com/office/drawing/2014/main" id="{4E604A7F-4B49-4FDE-B247-CED3E88C9DED}"/>
               </a:ext>
             </a:extLst>
           </p:cNvPr>
@@ -10261,14 +11210,7 @@
           <a:p>
             <a:r>
               <a:rPr lang="ar-SA" dirty="0"/>
-              <a:t>فَقالَ جِبْرَائِيلُ يَا رَبِّ</a:t>
-            </a:r>
-            <a:br>
-              <a:rPr lang="ar-SA" dirty="0"/>
-            </a:br>
-            <a:r>
-              <a:rPr lang="ar-SA" dirty="0"/>
-              <a:t>أَتَأْذَنُ لِي أَنْ أَهْبِطَ إِلَى الْأَرْضِ</a:t>
+              <a:t>أَللّٰهُمَّ صَلِّ عَلٰى مُحَمَّدٍ وَآلِ مُحَمَّدٍ</a:t>
             </a:r>
             <a:endParaRPr lang="en-US" dirty="0"/>
           </a:p>
@@ -10279,7 +11221,7 @@
           <p:cNvPr id="12" name="Subtitle 4">
             <a:extLst>
               <a:ext uri="{FF2B5EF4-FFF2-40B4-BE49-F238E27FC236}">
-                <a16:creationId xmlns:a16="http://schemas.microsoft.com/office/drawing/2014/main" id="{B2CB6407-9005-A1BF-9CED-8F718D5EBE92}"/>
+                <a16:creationId xmlns:a16="http://schemas.microsoft.com/office/drawing/2014/main" id="{0A3FC473-E56A-4E2F-BE7C-7E2CF70D6289}"/>
               </a:ext>
             </a:extLst>
           </p:cNvPr>
@@ -10302,19 +11244,39 @@
           <a:p>
             <a:r>
               <a:rPr lang="en-US" dirty="0"/>
-              <a:t>Gabriel said: "O Lord, May I fly to earth</a:t>
+              <a:t>O' Allah send Your blessings on Muhammad</a:t>
+            </a:r>
+          </a:p>
+          <a:p>
+            <a:r>
+              <a:rPr lang="en-US" dirty="0"/>
+              <a:t>and the family of Muhammad.</a:t>
             </a:r>
           </a:p>
         </p:txBody>
       </p:sp>
     </p:spTree>
+    <p:extLst>
+      <p:ext uri="{BB962C8B-B14F-4D97-AF65-F5344CB8AC3E}">
+        <p14:creationId xmlns:p14="http://schemas.microsoft.com/office/powerpoint/2010/main" val="1660401705"/>
+      </p:ext>
+    </p:extLst>
   </p:cSld>
   <p:clrMapOvr>
     <a:masterClrMapping/>
   </p:clrMapOvr>
-  <p:transition>
-    <p:fade/>
-  </p:transition>
+  <mc:AlternateContent xmlns:mc="http://schemas.openxmlformats.org/markup-compatibility/2006">
+    <mc:Choice xmlns:p14="http://schemas.microsoft.com/office/powerpoint/2010/main" Requires="p14">
+      <p:transition p14:dur="300">
+        <p:fade/>
+      </p:transition>
+    </mc:Choice>
+    <mc:Fallback>
+      <p:transition>
+        <p:fade/>
+      </p:transition>
+    </mc:Fallback>
+  </mc:AlternateContent>
 </p:sld>
 </file>
 
@@ -10340,7 +11302,7 @@
           <p:cNvPr id="11" name="Title 3">
             <a:extLst>
               <a:ext uri="{FF2B5EF4-FFF2-40B4-BE49-F238E27FC236}">
-                <a16:creationId xmlns:a16="http://schemas.microsoft.com/office/drawing/2014/main" id="{F538557B-AB1B-1964-BC5A-DC32BAF50617}"/>
+                <a16:creationId xmlns:a16="http://schemas.microsoft.com/office/drawing/2014/main" id="{BB0FAECA-5D27-4045-5D7A-32D154C2F5FD}"/>
               </a:ext>
             </a:extLst>
           </p:cNvPr>
@@ -10363,7 +11325,14 @@
           <a:p>
             <a:r>
               <a:rPr lang="ar-SA" dirty="0"/>
-              <a:t>لِأَكُونَ مَعَهُمْ سادِساً </a:t>
+              <a:t>فَقالَ جِبْرَائِيلُ يَا رَبِّ</a:t>
+            </a:r>
+            <a:br>
+              <a:rPr lang="ar-SA" dirty="0"/>
+            </a:br>
+            <a:r>
+              <a:rPr lang="ar-SA" dirty="0"/>
+              <a:t>أَتَأْذَنُ لِي أَنْ أَهْبِطَ إِلَى الْأَرْضِ</a:t>
             </a:r>
             <a:endParaRPr lang="en-US" dirty="0"/>
           </a:p>
@@ -10374,7 +11343,7 @@
           <p:cNvPr id="12" name="Subtitle 4">
             <a:extLst>
               <a:ext uri="{FF2B5EF4-FFF2-40B4-BE49-F238E27FC236}">
-                <a16:creationId xmlns:a16="http://schemas.microsoft.com/office/drawing/2014/main" id="{2B88273D-2650-8710-A004-BFC722664966}"/>
+                <a16:creationId xmlns:a16="http://schemas.microsoft.com/office/drawing/2014/main" id="{B2CB6407-9005-A1BF-9CED-8F718D5EBE92}"/>
               </a:ext>
             </a:extLst>
           </p:cNvPr>
@@ -10396,10 +11365,9 @@
           <a:lstStyle/>
           <a:p>
             <a:r>
-              <a:rPr lang="en-US"/>
-              <a:t>to be the sixth of them?"</a:t>
-            </a:r>
-            <a:endParaRPr lang="en-US" dirty="0"/>
+              <a:rPr lang="en-US" dirty="0"/>
+              <a:t>Gabriel said: “O Lord, May I fly to earth</a:t>
+            </a:r>
           </a:p>
         </p:txBody>
       </p:sp>
@@ -10408,9 +11376,18 @@
   <p:clrMapOvr>
     <a:masterClrMapping/>
   </p:clrMapOvr>
-  <p:transition>
-    <p:fade/>
-  </p:transition>
+  <mc:AlternateContent xmlns:mc="http://schemas.openxmlformats.org/markup-compatibility/2006">
+    <mc:Choice xmlns:p14="http://schemas.microsoft.com/office/powerpoint/2010/main" Requires="p14">
+      <p:transition p14:dur="300">
+        <p:fade/>
+      </p:transition>
+    </mc:Choice>
+    <mc:Fallback>
+      <p:transition>
+        <p:fade/>
+      </p:transition>
+    </mc:Fallback>
+  </mc:AlternateContent>
 </p:sld>
 </file>
 
@@ -10436,7 +11413,7 @@
           <p:cNvPr id="11" name="Title 3">
             <a:extLst>
               <a:ext uri="{FF2B5EF4-FFF2-40B4-BE49-F238E27FC236}">
-                <a16:creationId xmlns:a16="http://schemas.microsoft.com/office/drawing/2014/main" id="{D4CB862D-67AB-6AEF-C34E-3A9FCDEEAAED}"/>
+                <a16:creationId xmlns:a16="http://schemas.microsoft.com/office/drawing/2014/main" id="{F538557B-AB1B-1964-BC5A-DC32BAF50617}"/>
               </a:ext>
             </a:extLst>
           </p:cNvPr>
@@ -10459,7 +11436,7 @@
           <a:p>
             <a:r>
               <a:rPr lang="ar-SA" dirty="0"/>
-              <a:t>فَقالَ اللّهُ نَعَمْ قَدْ أَذِنْتُ لَكَ</a:t>
+              <a:t>لِأَكُونَ مَعَهُمْ سادِساً </a:t>
             </a:r>
             <a:endParaRPr lang="en-US" dirty="0"/>
           </a:p>
@@ -10470,7 +11447,7 @@
           <p:cNvPr id="12" name="Subtitle 4">
             <a:extLst>
               <a:ext uri="{FF2B5EF4-FFF2-40B4-BE49-F238E27FC236}">
-                <a16:creationId xmlns:a16="http://schemas.microsoft.com/office/drawing/2014/main" id="{71AA4103-4266-88C5-5D00-D9334380896F}"/>
+                <a16:creationId xmlns:a16="http://schemas.microsoft.com/office/drawing/2014/main" id="{2B88273D-2650-8710-A004-BFC722664966}"/>
               </a:ext>
             </a:extLst>
           </p:cNvPr>
@@ -10493,7 +11470,7 @@
           <a:p>
             <a:r>
               <a:rPr lang="en-US" dirty="0"/>
-              <a:t>Allah replied: "Yes. You are given the permission"</a:t>
+              <a:t>to be the sixth of them?”</a:t>
             </a:r>
           </a:p>
         </p:txBody>
@@ -10503,9 +11480,18 @@
   <p:clrMapOvr>
     <a:masterClrMapping/>
   </p:clrMapOvr>
-  <p:transition>
-    <p:fade/>
-  </p:transition>
+  <mc:AlternateContent xmlns:mc="http://schemas.openxmlformats.org/markup-compatibility/2006">
+    <mc:Choice xmlns:p14="http://schemas.microsoft.com/office/powerpoint/2010/main" Requires="p14">
+      <p:transition p14:dur="300">
+        <p:fade/>
+      </p:transition>
+    </mc:Choice>
+    <mc:Fallback>
+      <p:transition>
+        <p:fade/>
+      </p:transition>
+    </mc:Fallback>
+  </mc:AlternateContent>
 </p:sld>
 </file>
 
@@ -10531,7 +11517,7 @@
           <p:cNvPr id="11" name="Title 3">
             <a:extLst>
               <a:ext uri="{FF2B5EF4-FFF2-40B4-BE49-F238E27FC236}">
-                <a16:creationId xmlns:a16="http://schemas.microsoft.com/office/drawing/2014/main" id="{12B2492C-BC19-2B7B-7F4E-DADC8363FC68}"/>
+                <a16:creationId xmlns:a16="http://schemas.microsoft.com/office/drawing/2014/main" id="{D4CB862D-67AB-6AEF-C34E-3A9FCDEEAAED}"/>
               </a:ext>
             </a:extLst>
           </p:cNvPr>
@@ -10554,22 +11540,7 @@
           <a:p>
             <a:r>
               <a:rPr lang="ar-SA" dirty="0"/>
-              <a:t>فَهَبَطَ الْأَمِينُ جِبْرَائِيلُ</a:t>
-            </a:r>
-            <a:r>
-              <a:rPr lang="en-US" dirty="0"/>
-              <a:t> </a:t>
-            </a:r>
-            <a:r>
-              <a:rPr lang="ar-SA" dirty="0"/>
-              <a:t>وَقالَ</a:t>
-            </a:r>
-            <a:br>
-              <a:rPr lang="ar-SA" dirty="0"/>
-            </a:br>
-            <a:r>
-              <a:rPr lang="ar-SA" dirty="0"/>
-              <a:t>السَّلامُ عَلَيْكَ يَا رَسُولَ اللّهِ  </a:t>
+              <a:t>فَقالَ اللّهُ نَعَمْ قَدْ أَذِنْتُ لَكَ</a:t>
             </a:r>
             <a:endParaRPr lang="en-US" dirty="0"/>
           </a:p>
@@ -10580,7 +11551,7 @@
           <p:cNvPr id="12" name="Subtitle 4">
             <a:extLst>
               <a:ext uri="{FF2B5EF4-FFF2-40B4-BE49-F238E27FC236}">
-                <a16:creationId xmlns:a16="http://schemas.microsoft.com/office/drawing/2014/main" id="{17EB231E-6948-8789-1B2E-5AA5E6EED7A1}"/>
+                <a16:creationId xmlns:a16="http://schemas.microsoft.com/office/drawing/2014/main" id="{71AA4103-4266-88C5-5D00-D9334380896F}"/>
               </a:ext>
             </a:extLst>
           </p:cNvPr>
@@ -10603,7 +11574,7 @@
           <a:p>
             <a:r>
               <a:rPr lang="en-US" dirty="0"/>
-              <a:t>Gabriel, the trusted, landed near them and said: "Peace be on you, O Prophet (s) of Allah.   </a:t>
+              <a:t>Allah replied: “Yes. You are given the permission.”</a:t>
             </a:r>
           </a:p>
         </p:txBody>
@@ -10613,9 +11584,18 @@
   <p:clrMapOvr>
     <a:masterClrMapping/>
   </p:clrMapOvr>
-  <p:transition>
-    <p:fade/>
-  </p:transition>
+  <mc:AlternateContent xmlns:mc="http://schemas.openxmlformats.org/markup-compatibility/2006">
+    <mc:Choice xmlns:p14="http://schemas.microsoft.com/office/powerpoint/2010/main" Requires="p14">
+      <p:transition p14:dur="300">
+        <p:fade/>
+      </p:transition>
+    </mc:Choice>
+    <mc:Fallback>
+      <p:transition>
+        <p:fade/>
+      </p:transition>
+    </mc:Fallback>
+  </mc:AlternateContent>
 </p:sld>
 </file>
 
@@ -10641,7 +11621,7 @@
           <p:cNvPr id="11" name="Title 3">
             <a:extLst>
               <a:ext uri="{FF2B5EF4-FFF2-40B4-BE49-F238E27FC236}">
-                <a16:creationId xmlns:a16="http://schemas.microsoft.com/office/drawing/2014/main" id="{2B0CA313-4A28-9C55-1331-B1142ED3817A}"/>
+                <a16:creationId xmlns:a16="http://schemas.microsoft.com/office/drawing/2014/main" id="{12B2492C-BC19-2B7B-7F4E-DADC8363FC68}"/>
               </a:ext>
             </a:extLst>
           </p:cNvPr>
@@ -10664,14 +11644,22 @@
           <a:p>
             <a:r>
               <a:rPr lang="ar-SA" dirty="0"/>
-              <a:t>الْعَلِيُّ الْأَعْلى يُقْرِئُكَ السَّلامَ</a:t>
+              <a:t>فَهَبَطَ الْأَمِينُ جِبْرَائِيلُ</a:t>
+            </a:r>
+            <a:r>
+              <a:rPr lang="en-US" dirty="0"/>
+              <a:t> </a:t>
+            </a:r>
+            <a:r>
+              <a:rPr lang="ar-SA" dirty="0"/>
+              <a:t>وَقالَ</a:t>
             </a:r>
             <a:br>
               <a:rPr lang="ar-SA" dirty="0"/>
             </a:br>
             <a:r>
               <a:rPr lang="ar-SA" dirty="0"/>
-              <a:t>وَيَخُصُّكَ بِالتَّحِيَّةِ وَالْإِكْرامِ </a:t>
+              <a:t>السَّلامُ عَلَيْكَ يَا رَسُولَ اللّهِ  </a:t>
             </a:r>
             <a:endParaRPr lang="en-US" dirty="0"/>
           </a:p>
@@ -10682,7 +11670,7 @@
           <p:cNvPr id="12" name="Subtitle 4">
             <a:extLst>
               <a:ext uri="{FF2B5EF4-FFF2-40B4-BE49-F238E27FC236}">
-                <a16:creationId xmlns:a16="http://schemas.microsoft.com/office/drawing/2014/main" id="{878A83E7-0F08-C9A0-C7FE-7DBAE4B6ACBA}"/>
+                <a16:creationId xmlns:a16="http://schemas.microsoft.com/office/drawing/2014/main" id="{17EB231E-6948-8789-1B2E-5AA5E6EED7A1}"/>
               </a:ext>
             </a:extLst>
           </p:cNvPr>
@@ -10704,10 +11692,9 @@
           <a:lstStyle/>
           <a:p>
             <a:r>
-              <a:rPr lang="en-US"/>
-              <a:t>The All-Highest conveys His peace on you and His greetings </a:t>
-            </a:r>
-            <a:endParaRPr lang="en-US" dirty="0"/>
+              <a:rPr lang="en-US" dirty="0"/>
+              <a:t>Gabriel, the trusted, landed near them and said, “Peace be on you, O Prophet (s) of Allah.   </a:t>
+            </a:r>
           </a:p>
         </p:txBody>
       </p:sp>
@@ -10716,9 +11703,18 @@
   <p:clrMapOvr>
     <a:masterClrMapping/>
   </p:clrMapOvr>
-  <p:transition>
-    <p:fade/>
-  </p:transition>
+  <mc:AlternateContent xmlns:mc="http://schemas.openxmlformats.org/markup-compatibility/2006">
+    <mc:Choice xmlns:p14="http://schemas.microsoft.com/office/powerpoint/2010/main" Requires="p14">
+      <p:transition p14:dur="300">
+        <p:fade/>
+      </p:transition>
+    </mc:Choice>
+    <mc:Fallback>
+      <p:transition>
+        <p:fade/>
+      </p:transition>
+    </mc:Fallback>
+  </mc:AlternateContent>
 </p:sld>
 </file>
 
@@ -10801,7 +11797,7 @@
           <a:p>
             <a:r>
               <a:rPr lang="en-US" dirty="0"/>
-              <a:t>Then he said: "I feel weakness in my body"</a:t>
+              <a:t>Then he said, “I feel weakness in my body.”</a:t>
             </a:r>
           </a:p>
         </p:txBody>
@@ -10811,9 +11807,18 @@
   <p:clrMapOvr>
     <a:masterClrMapping/>
   </p:clrMapOvr>
-  <p:transition>
-    <p:fade/>
-  </p:transition>
+  <mc:AlternateContent xmlns:mc="http://schemas.openxmlformats.org/markup-compatibility/2006">
+    <mc:Choice xmlns:p14="http://schemas.microsoft.com/office/powerpoint/2010/main" Requires="p14">
+      <p:transition p14:dur="300">
+        <p:fade/>
+      </p:transition>
+    </mc:Choice>
+    <mc:Fallback>
+      <p:transition>
+        <p:fade/>
+      </p:transition>
+    </mc:Fallback>
+  </mc:AlternateContent>
 </p:sld>
 </file>
 
@@ -10839,7 +11844,7 @@
           <p:cNvPr id="11" name="Title 3">
             <a:extLst>
               <a:ext uri="{FF2B5EF4-FFF2-40B4-BE49-F238E27FC236}">
-                <a16:creationId xmlns:a16="http://schemas.microsoft.com/office/drawing/2014/main" id="{E0673AE7-C5AC-3AD8-020D-A4E91CEE9CA1}"/>
+                <a16:creationId xmlns:a16="http://schemas.microsoft.com/office/drawing/2014/main" id="{2B0CA313-4A28-9C55-1331-B1142ED3817A}"/>
               </a:ext>
             </a:extLst>
           </p:cNvPr>
@@ -10862,7 +11867,14 @@
           <a:p>
             <a:r>
               <a:rPr lang="ar-SA" dirty="0"/>
-              <a:t>وَيَقُوْلُ لَكَ وَعِزَّتِي وَجَلالِي</a:t>
+              <a:t>الْعَلِيُّ الْأَعْلى يُقْرِئُكَ السَّلامَ</a:t>
+            </a:r>
+            <a:br>
+              <a:rPr lang="ar-SA" dirty="0"/>
+            </a:br>
+            <a:r>
+              <a:rPr lang="ar-SA" dirty="0"/>
+              <a:t>وَيَخُصُّكَ بِالتَّحِيَّةِ وَالْإِكْرامِ </a:t>
             </a:r>
             <a:endParaRPr lang="en-US" dirty="0"/>
           </a:p>
@@ -10873,7 +11885,7 @@
           <p:cNvPr id="12" name="Subtitle 4">
             <a:extLst>
               <a:ext uri="{FF2B5EF4-FFF2-40B4-BE49-F238E27FC236}">
-                <a16:creationId xmlns:a16="http://schemas.microsoft.com/office/drawing/2014/main" id="{61A8246E-D494-F531-0EBE-945F6983B5BA}"/>
+                <a16:creationId xmlns:a16="http://schemas.microsoft.com/office/drawing/2014/main" id="{878A83E7-0F08-C9A0-C7FE-7DBAE4B6ACBA}"/>
               </a:ext>
             </a:extLst>
           </p:cNvPr>
@@ -10895,9 +11907,10 @@
           <a:lstStyle/>
           <a:p>
             <a:r>
-              <a:rPr lang="en-US" dirty="0"/>
-              <a:t>and says: "By My Honor and Glory,</a:t>
-            </a:r>
+              <a:rPr lang="en-US"/>
+              <a:t>The All-Highest conveys His peace on you and His greetings </a:t>
+            </a:r>
+            <a:endParaRPr lang="en-US" dirty="0"/>
           </a:p>
         </p:txBody>
       </p:sp>
@@ -10906,9 +11919,18 @@
   <p:clrMapOvr>
     <a:masterClrMapping/>
   </p:clrMapOvr>
-  <p:transition>
-    <p:fade/>
-  </p:transition>
+  <mc:AlternateContent xmlns:mc="http://schemas.openxmlformats.org/markup-compatibility/2006">
+    <mc:Choice xmlns:p14="http://schemas.microsoft.com/office/powerpoint/2010/main" Requires="p14">
+      <p:transition p14:dur="300">
+        <p:fade/>
+      </p:transition>
+    </mc:Choice>
+    <mc:Fallback>
+      <p:transition>
+        <p:fade/>
+      </p:transition>
+    </mc:Fallback>
+  </mc:AlternateContent>
 </p:sld>
 </file>
 
@@ -10934,7 +11956,7 @@
           <p:cNvPr id="11" name="Title 3">
             <a:extLst>
               <a:ext uri="{FF2B5EF4-FFF2-40B4-BE49-F238E27FC236}">
-                <a16:creationId xmlns:a16="http://schemas.microsoft.com/office/drawing/2014/main" id="{CAB9374B-F6D5-DB5D-E059-8DB46492315E}"/>
+                <a16:creationId xmlns:a16="http://schemas.microsoft.com/office/drawing/2014/main" id="{E0673AE7-C5AC-3AD8-020D-A4E91CEE9CA1}"/>
               </a:ext>
             </a:extLst>
           </p:cNvPr>
@@ -10957,14 +11979,7 @@
           <a:p>
             <a:r>
               <a:rPr lang="ar-SA" dirty="0"/>
-              <a:t>إِنِّي مَا خَلَقْتُ سَماءً مَبْنِيَّةً</a:t>
-            </a:r>
-            <a:br>
-              <a:rPr lang="ar-SA" dirty="0"/>
-            </a:br>
-            <a:r>
-              <a:rPr lang="ar-SA" dirty="0"/>
-              <a:t>وَلاَ أَرْضاً مَدْحِيَّةً</a:t>
+              <a:t>وَيَقُوْلُ لَكَ وَعِزَّتِي وَجَلالِي</a:t>
             </a:r>
             <a:endParaRPr lang="en-US" dirty="0"/>
           </a:p>
@@ -10975,7 +11990,7 @@
           <p:cNvPr id="12" name="Subtitle 4">
             <a:extLst>
               <a:ext uri="{FF2B5EF4-FFF2-40B4-BE49-F238E27FC236}">
-                <a16:creationId xmlns:a16="http://schemas.microsoft.com/office/drawing/2014/main" id="{6BE732D2-5A76-5362-6156-41185E3B9A7D}"/>
+                <a16:creationId xmlns:a16="http://schemas.microsoft.com/office/drawing/2014/main" id="{61A8246E-D494-F531-0EBE-945F6983B5BA}"/>
               </a:ext>
             </a:extLst>
           </p:cNvPr>
@@ -10998,24 +12013,28 @@
           <a:p>
             <a:r>
               <a:rPr lang="en-US" dirty="0"/>
-              <a:t>verily, I have not created the erected sky, the stretched earth,</a:t>
+              <a:t>and says, “By My Honor and Glory,</a:t>
             </a:r>
           </a:p>
         </p:txBody>
       </p:sp>
     </p:spTree>
-    <p:extLst>
-      <p:ext uri="{BB962C8B-B14F-4D97-AF65-F5344CB8AC3E}">
-        <p14:creationId xmlns:p14="http://schemas.microsoft.com/office/powerpoint/2010/main" val="1055837328"/>
-      </p:ext>
-    </p:extLst>
   </p:cSld>
   <p:clrMapOvr>
     <a:masterClrMapping/>
   </p:clrMapOvr>
-  <p:transition>
-    <p:fade/>
-  </p:transition>
+  <mc:AlternateContent xmlns:mc="http://schemas.openxmlformats.org/markup-compatibility/2006">
+    <mc:Choice xmlns:p14="http://schemas.microsoft.com/office/powerpoint/2010/main" Requires="p14">
+      <p:transition p14:dur="300">
+        <p:fade/>
+      </p:transition>
+    </mc:Choice>
+    <mc:Fallback>
+      <p:transition>
+        <p:fade/>
+      </p:transition>
+    </mc:Fallback>
+  </mc:AlternateContent>
 </p:sld>
 </file>
 
@@ -11041,7 +12060,7 @@
           <p:cNvPr id="11" name="Title 3">
             <a:extLst>
               <a:ext uri="{FF2B5EF4-FFF2-40B4-BE49-F238E27FC236}">
-                <a16:creationId xmlns:a16="http://schemas.microsoft.com/office/drawing/2014/main" id="{AFBE7197-C5EF-B470-BB15-D61036004341}"/>
+                <a16:creationId xmlns:a16="http://schemas.microsoft.com/office/drawing/2014/main" id="{CAB9374B-F6D5-DB5D-E059-8DB46492315E}"/>
               </a:ext>
             </a:extLst>
           </p:cNvPr>
@@ -11064,14 +12083,14 @@
           <a:p>
             <a:r>
               <a:rPr lang="ar-SA" dirty="0"/>
-              <a:t>وَلاَ قَمَراً مُنِيراً وَلاَ شَمْساً مُضِيئَةً</a:t>
+              <a:t>إِنِّي مَا خَلَقْتُ سَماءً مَبْنِيَّةً</a:t>
             </a:r>
             <a:br>
               <a:rPr lang="ar-SA" dirty="0"/>
             </a:br>
             <a:r>
               <a:rPr lang="ar-SA" dirty="0"/>
-              <a:t>وَلاَ فَلَكاً يَدُورُ وَلاَ بَحْراً يَجْرِي وَلاَ فُلْكاً يَسْرِي </a:t>
+              <a:t>وَلاَ أَرْضاً مَدْحِيَّةً</a:t>
             </a:r>
             <a:endParaRPr lang="en-US" dirty="0"/>
           </a:p>
@@ -11082,7 +12101,7 @@
           <p:cNvPr id="12" name="Subtitle 4">
             <a:extLst>
               <a:ext uri="{FF2B5EF4-FFF2-40B4-BE49-F238E27FC236}">
-                <a16:creationId xmlns:a16="http://schemas.microsoft.com/office/drawing/2014/main" id="{35E0BCDA-6DA6-C3CD-C8D5-8903509586C0}"/>
+                <a16:creationId xmlns:a16="http://schemas.microsoft.com/office/drawing/2014/main" id="{6BE732D2-5A76-5362-6156-41185E3B9A7D}"/>
               </a:ext>
             </a:extLst>
           </p:cNvPr>
@@ -11105,7 +12124,7 @@
           <a:p>
             <a:r>
               <a:rPr lang="en-US" dirty="0"/>
-              <a:t>the illuminated moon, the bright sun, the rotating planets, the flowing seas and the sailing ships,</a:t>
+              <a:t>verily, I have not created the erected sky, the stretched earth,</a:t>
             </a:r>
           </a:p>
         </p:txBody>
@@ -11113,16 +12132,25 @@
     </p:spTree>
     <p:extLst>
       <p:ext uri="{BB962C8B-B14F-4D97-AF65-F5344CB8AC3E}">
-        <p14:creationId xmlns:p14="http://schemas.microsoft.com/office/powerpoint/2010/main" val="1751303185"/>
+        <p14:creationId xmlns:p14="http://schemas.microsoft.com/office/powerpoint/2010/main" val="1055837328"/>
       </p:ext>
     </p:extLst>
   </p:cSld>
   <p:clrMapOvr>
     <a:masterClrMapping/>
   </p:clrMapOvr>
-  <p:transition>
-    <p:fade/>
-  </p:transition>
+  <mc:AlternateContent xmlns:mc="http://schemas.openxmlformats.org/markup-compatibility/2006">
+    <mc:Choice xmlns:p14="http://schemas.microsoft.com/office/powerpoint/2010/main" Requires="p14">
+      <p:transition p14:dur="300">
+        <p:fade/>
+      </p:transition>
+    </mc:Choice>
+    <mc:Fallback>
+      <p:transition>
+        <p:fade/>
+      </p:transition>
+    </mc:Fallback>
+  </mc:AlternateContent>
 </p:sld>
 </file>
 
@@ -11148,7 +12176,7 @@
           <p:cNvPr id="11" name="Title 3">
             <a:extLst>
               <a:ext uri="{FF2B5EF4-FFF2-40B4-BE49-F238E27FC236}">
-                <a16:creationId xmlns:a16="http://schemas.microsoft.com/office/drawing/2014/main" id="{F7CBC799-9561-E406-FE57-D1F5E72D5C3B}"/>
+                <a16:creationId xmlns:a16="http://schemas.microsoft.com/office/drawing/2014/main" id="{AFBE7197-C5EF-B470-BB15-D61036004341}"/>
               </a:ext>
             </a:extLst>
           </p:cNvPr>
@@ -11171,7 +12199,14 @@
           <a:p>
             <a:r>
               <a:rPr lang="ar-SA" dirty="0"/>
-              <a:t>إِلَّا لِأَجْلِكُمْ وَمَحَبَّتِكُمْ</a:t>
+              <a:t>وَلاَ قَمَراً مُنِيراً وَلاَ شَمْساً مُضِيئَةً</a:t>
+            </a:r>
+            <a:br>
+              <a:rPr lang="ar-SA" dirty="0"/>
+            </a:br>
+            <a:r>
+              <a:rPr lang="ar-SA" dirty="0"/>
+              <a:t>وَلاَ فَلَكاً يَدُورُ وَلاَ بَحْراً يَجْرِي وَلاَ فُلْكاً يَسْرِي </a:t>
             </a:r>
             <a:endParaRPr lang="en-US" dirty="0"/>
           </a:p>
@@ -11182,7 +12217,7 @@
           <p:cNvPr id="12" name="Subtitle 4">
             <a:extLst>
               <a:ext uri="{FF2B5EF4-FFF2-40B4-BE49-F238E27FC236}">
-                <a16:creationId xmlns:a16="http://schemas.microsoft.com/office/drawing/2014/main" id="{FE6A0AB2-0B17-63F5-0139-BAE90DDEEC78}"/>
+                <a16:creationId xmlns:a16="http://schemas.microsoft.com/office/drawing/2014/main" id="{35E0BCDA-6DA6-C3CD-C8D5-8903509586C0}"/>
               </a:ext>
             </a:extLst>
           </p:cNvPr>
@@ -11204,21 +12239,34 @@
           <a:lstStyle/>
           <a:p>
             <a:r>
-              <a:rPr lang="en-US"/>
-              <a:t>but for your sake and love"</a:t>
-            </a:r>
-            <a:endParaRPr lang="en-US" dirty="0"/>
+              <a:rPr lang="en-US" dirty="0"/>
+              <a:t>the illuminated moon, the bright sun, the rotating planets, the flowing seas and the sailing ships,</a:t>
+            </a:r>
           </a:p>
         </p:txBody>
       </p:sp>
     </p:spTree>
+    <p:extLst>
+      <p:ext uri="{BB962C8B-B14F-4D97-AF65-F5344CB8AC3E}">
+        <p14:creationId xmlns:p14="http://schemas.microsoft.com/office/powerpoint/2010/main" val="1751303185"/>
+      </p:ext>
+    </p:extLst>
   </p:cSld>
   <p:clrMapOvr>
     <a:masterClrMapping/>
   </p:clrMapOvr>
-  <p:transition>
-    <p:fade/>
-  </p:transition>
+  <mc:AlternateContent xmlns:mc="http://schemas.openxmlformats.org/markup-compatibility/2006">
+    <mc:Choice xmlns:p14="http://schemas.microsoft.com/office/powerpoint/2010/main" Requires="p14">
+      <p:transition p14:dur="300">
+        <p:fade/>
+      </p:transition>
+    </mc:Choice>
+    <mc:Fallback>
+      <p:transition>
+        <p:fade/>
+      </p:transition>
+    </mc:Fallback>
+  </mc:AlternateContent>
 </p:sld>
 </file>
 
@@ -11244,7 +12292,7 @@
           <p:cNvPr id="11" name="Title 3">
             <a:extLst>
               <a:ext uri="{FF2B5EF4-FFF2-40B4-BE49-F238E27FC236}">
-                <a16:creationId xmlns:a16="http://schemas.microsoft.com/office/drawing/2014/main" id="{9B2E6F6B-D6DD-957C-5921-F1257D14EE0F}"/>
+                <a16:creationId xmlns:a16="http://schemas.microsoft.com/office/drawing/2014/main" id="{F7CBC799-9561-E406-FE57-D1F5E72D5C3B}"/>
               </a:ext>
             </a:extLst>
           </p:cNvPr>
@@ -11266,8 +12314,8 @@
           <a:lstStyle/>
           <a:p>
             <a:r>
-              <a:rPr lang="ar-SA"/>
-              <a:t>وَقَدْ أَذِنَ لِي أَنْ أَدْخُلَ مَعَكُمْ</a:t>
+              <a:rPr lang="ar-SA" dirty="0"/>
+              <a:t>إِلَّا لِأَجْلِكُمْ وَمَحَبَّتِكُمْ</a:t>
             </a:r>
             <a:endParaRPr lang="en-US" dirty="0"/>
           </a:p>
@@ -11278,7 +12326,7 @@
           <p:cNvPr id="12" name="Subtitle 4">
             <a:extLst>
               <a:ext uri="{FF2B5EF4-FFF2-40B4-BE49-F238E27FC236}">
-                <a16:creationId xmlns:a16="http://schemas.microsoft.com/office/drawing/2014/main" id="{A4C336AC-587F-B1B4-E5B8-ACBE362831F7}"/>
+                <a16:creationId xmlns:a16="http://schemas.microsoft.com/office/drawing/2014/main" id="{FE6A0AB2-0B17-63F5-0139-BAE90DDEEC78}"/>
               </a:ext>
             </a:extLst>
           </p:cNvPr>
@@ -11300,10 +12348,9 @@
           <a:lstStyle/>
           <a:p>
             <a:r>
-              <a:rPr lang="en-US"/>
-              <a:t>and Allah has given me permission to enter the cloak with you. </a:t>
-            </a:r>
-            <a:endParaRPr lang="en-US" dirty="0"/>
+              <a:rPr lang="en-US" dirty="0"/>
+              <a:t>but for your sake and love.”</a:t>
+            </a:r>
           </a:p>
         </p:txBody>
       </p:sp>
@@ -11312,9 +12359,18 @@
   <p:clrMapOvr>
     <a:masterClrMapping/>
   </p:clrMapOvr>
-  <p:transition>
-    <p:fade/>
-  </p:transition>
+  <mc:AlternateContent xmlns:mc="http://schemas.openxmlformats.org/markup-compatibility/2006">
+    <mc:Choice xmlns:p14="http://schemas.microsoft.com/office/powerpoint/2010/main" Requires="p14">
+      <p:transition p14:dur="300">
+        <p:fade/>
+      </p:transition>
+    </mc:Choice>
+    <mc:Fallback>
+      <p:transition>
+        <p:fade/>
+      </p:transition>
+    </mc:Fallback>
+  </mc:AlternateContent>
 </p:sld>
 </file>
 
@@ -11340,7 +12396,7 @@
           <p:cNvPr id="11" name="Title 3">
             <a:extLst>
               <a:ext uri="{FF2B5EF4-FFF2-40B4-BE49-F238E27FC236}">
-                <a16:creationId xmlns:a16="http://schemas.microsoft.com/office/drawing/2014/main" id="{2EC17273-8495-E79A-F8C6-5E3E1648DEDF}"/>
+                <a16:creationId xmlns:a16="http://schemas.microsoft.com/office/drawing/2014/main" id="{9B2E6F6B-D6DD-957C-5921-F1257D14EE0F}"/>
               </a:ext>
             </a:extLst>
           </p:cNvPr>
@@ -11363,7 +12419,7 @@
           <a:p>
             <a:r>
               <a:rPr lang="ar-SA"/>
-              <a:t>فَهَلْ تَأْذَنُ لِي يَا رَسُولَ اللّه </a:t>
+              <a:t>وَقَدْ أَذِنَ لِي أَنْ أَدْخُلَ مَعَكُمْ</a:t>
             </a:r>
             <a:endParaRPr lang="en-US" dirty="0"/>
           </a:p>
@@ -11374,7 +12430,7 @@
           <p:cNvPr id="12" name="Subtitle 4">
             <a:extLst>
               <a:ext uri="{FF2B5EF4-FFF2-40B4-BE49-F238E27FC236}">
-                <a16:creationId xmlns:a16="http://schemas.microsoft.com/office/drawing/2014/main" id="{C047A902-738C-3D54-61D5-1244A01499AD}"/>
+                <a16:creationId xmlns:a16="http://schemas.microsoft.com/office/drawing/2014/main" id="{A4C336AC-587F-B1B4-E5B8-ACBE362831F7}"/>
               </a:ext>
             </a:extLst>
           </p:cNvPr>
@@ -11397,7 +12453,7 @@
           <a:p>
             <a:r>
               <a:rPr lang="en-US"/>
-              <a:t>May I join you, O Prophet (s) of Allah?"</a:t>
+              <a:t>and Allah has given me permission to enter the cloak with you. </a:t>
             </a:r>
             <a:endParaRPr lang="en-US" dirty="0"/>
           </a:p>
@@ -11408,9 +12464,18 @@
   <p:clrMapOvr>
     <a:masterClrMapping/>
   </p:clrMapOvr>
-  <p:transition>
-    <p:fade/>
-  </p:transition>
+  <mc:AlternateContent xmlns:mc="http://schemas.openxmlformats.org/markup-compatibility/2006">
+    <mc:Choice xmlns:p14="http://schemas.microsoft.com/office/powerpoint/2010/main" Requires="p14">
+      <p:transition p14:dur="300">
+        <p:fade/>
+      </p:transition>
+    </mc:Choice>
+    <mc:Fallback>
+      <p:transition>
+        <p:fade/>
+      </p:transition>
+    </mc:Fallback>
+  </mc:AlternateContent>
 </p:sld>
 </file>
 
@@ -11436,7 +12501,7 @@
           <p:cNvPr id="11" name="Title 3">
             <a:extLst>
               <a:ext uri="{FF2B5EF4-FFF2-40B4-BE49-F238E27FC236}">
-                <a16:creationId xmlns:a16="http://schemas.microsoft.com/office/drawing/2014/main" id="{328234FD-93B4-2DF6-7E4C-C2C4D3CA612F}"/>
+                <a16:creationId xmlns:a16="http://schemas.microsoft.com/office/drawing/2014/main" id="{2EC17273-8495-E79A-F8C6-5E3E1648DEDF}"/>
               </a:ext>
             </a:extLst>
           </p:cNvPr>
@@ -11458,8 +12523,8 @@
           <a:lstStyle/>
           <a:p>
             <a:r>
-              <a:rPr lang="ar-SA" dirty="0"/>
-              <a:t>فَقالَ رَسُولُ اللّه وَعَلَيْكَ السَّلامُ يَا أَمِينَ وَحْيِ اللّهِ</a:t>
+              <a:rPr lang="ar-SA"/>
+              <a:t>فَهَلْ تَأْذَنُ لِي يَا رَسُولَ اللّه </a:t>
             </a:r>
             <a:endParaRPr lang="en-US" dirty="0"/>
           </a:p>
@@ -11470,7 +12535,7 @@
           <p:cNvPr id="12" name="Subtitle 4">
             <a:extLst>
               <a:ext uri="{FF2B5EF4-FFF2-40B4-BE49-F238E27FC236}">
-                <a16:creationId xmlns:a16="http://schemas.microsoft.com/office/drawing/2014/main" id="{7C61EAD7-B022-218F-4AEA-06177197EF29}"/>
+                <a16:creationId xmlns:a16="http://schemas.microsoft.com/office/drawing/2014/main" id="{C047A902-738C-3D54-61D5-1244A01499AD}"/>
               </a:ext>
             </a:extLst>
           </p:cNvPr>
@@ -11492,10 +12557,9 @@
           <a:lstStyle/>
           <a:p>
             <a:r>
-              <a:rPr lang="en-US"/>
-              <a:t>The Prophet (s) replied : "And peace be on you, O trusted bearer of Allah's Revelations! </a:t>
-            </a:r>
-            <a:endParaRPr lang="en-US" dirty="0"/>
+              <a:rPr lang="en-US" dirty="0"/>
+              <a:t>May I join you, O Prophet (s) of Allah?”</a:t>
+            </a:r>
           </a:p>
         </p:txBody>
       </p:sp>
@@ -11504,9 +12568,18 @@
   <p:clrMapOvr>
     <a:masterClrMapping/>
   </p:clrMapOvr>
-  <p:transition>
-    <p:fade/>
-  </p:transition>
+  <mc:AlternateContent xmlns:mc="http://schemas.openxmlformats.org/markup-compatibility/2006">
+    <mc:Choice xmlns:p14="http://schemas.microsoft.com/office/powerpoint/2010/main" Requires="p14">
+      <p:transition p14:dur="300">
+        <p:fade/>
+      </p:transition>
+    </mc:Choice>
+    <mc:Fallback>
+      <p:transition>
+        <p:fade/>
+      </p:transition>
+    </mc:Fallback>
+  </mc:AlternateContent>
 </p:sld>
 </file>
 
@@ -11532,7 +12605,7 @@
           <p:cNvPr id="11" name="Title 3">
             <a:extLst>
               <a:ext uri="{FF2B5EF4-FFF2-40B4-BE49-F238E27FC236}">
-                <a16:creationId xmlns:a16="http://schemas.microsoft.com/office/drawing/2014/main" id="{5DE25C06-7A62-DE09-CE04-C734655ECC6E}"/>
+                <a16:creationId xmlns:a16="http://schemas.microsoft.com/office/drawing/2014/main" id="{328234FD-93B4-2DF6-7E4C-C2C4D3CA612F}"/>
               </a:ext>
             </a:extLst>
           </p:cNvPr>
@@ -11555,7 +12628,7 @@
           <a:p>
             <a:r>
               <a:rPr lang="ar-SA" dirty="0"/>
-              <a:t>إِنَّهُ نَعَمْ قَدْ أَذِنْتُ لَكَ</a:t>
+              <a:t>فَقالَ رَسُولُ اللّه وَعَلَيْكَ السَّلامُ يَا أَمِينَ وَحْيِ اللّهِ</a:t>
             </a:r>
             <a:endParaRPr lang="en-US" dirty="0"/>
           </a:p>
@@ -11566,7 +12639,7 @@
           <p:cNvPr id="12" name="Subtitle 4">
             <a:extLst>
               <a:ext uri="{FF2B5EF4-FFF2-40B4-BE49-F238E27FC236}">
-                <a16:creationId xmlns:a16="http://schemas.microsoft.com/office/drawing/2014/main" id="{8B983EF5-938B-9A45-CD55-20FE99378DDD}"/>
+                <a16:creationId xmlns:a16="http://schemas.microsoft.com/office/drawing/2014/main" id="{7C61EAD7-B022-218F-4AEA-06177197EF29}"/>
               </a:ext>
             </a:extLst>
           </p:cNvPr>
@@ -11588,10 +12661,9 @@
           <a:lstStyle/>
           <a:p>
             <a:r>
-              <a:rPr lang="en-US"/>
-              <a:t>you are granted the permission"</a:t>
-            </a:r>
-            <a:endParaRPr lang="en-US" dirty="0"/>
+              <a:rPr lang="en-US" dirty="0"/>
+              <a:t>The Prophet (s) replied, “And peace be on you, O trusted bearer of Allah's Revelations! </a:t>
+            </a:r>
           </a:p>
         </p:txBody>
       </p:sp>
@@ -11600,9 +12672,18 @@
   <p:clrMapOvr>
     <a:masterClrMapping/>
   </p:clrMapOvr>
-  <p:transition>
-    <p:fade/>
-  </p:transition>
+  <mc:AlternateContent xmlns:mc="http://schemas.openxmlformats.org/markup-compatibility/2006">
+    <mc:Choice xmlns:p14="http://schemas.microsoft.com/office/powerpoint/2010/main" Requires="p14">
+      <p:transition p14:dur="300">
+        <p:fade/>
+      </p:transition>
+    </mc:Choice>
+    <mc:Fallback>
+      <p:transition>
+        <p:fade/>
+      </p:transition>
+    </mc:Fallback>
+  </mc:AlternateContent>
 </p:sld>
 </file>
 
@@ -11628,7 +12709,7 @@
           <p:cNvPr id="11" name="Title 3">
             <a:extLst>
               <a:ext uri="{FF2B5EF4-FFF2-40B4-BE49-F238E27FC236}">
-                <a16:creationId xmlns:a16="http://schemas.microsoft.com/office/drawing/2014/main" id="{ADC3D3AE-BE5C-237B-DFDE-0E30958FE3F5}"/>
+                <a16:creationId xmlns:a16="http://schemas.microsoft.com/office/drawing/2014/main" id="{5DE25C06-7A62-DE09-CE04-C734655ECC6E}"/>
               </a:ext>
             </a:extLst>
           </p:cNvPr>
@@ -11651,7 +12732,7 @@
           <a:p>
             <a:r>
               <a:rPr lang="ar-SA" dirty="0"/>
-              <a:t>فَدَخَلَ جِبْرَائِيلُ مَعَنا تَحْتَ الْكِساءِ </a:t>
+              <a:t>إِنَّهُ نَعَمْ قَدْ أَذِنْتُ لَكَ</a:t>
             </a:r>
             <a:endParaRPr lang="en-US" dirty="0"/>
           </a:p>
@@ -11662,7 +12743,7 @@
           <p:cNvPr id="12" name="Subtitle 4">
             <a:extLst>
               <a:ext uri="{FF2B5EF4-FFF2-40B4-BE49-F238E27FC236}">
-                <a16:creationId xmlns:a16="http://schemas.microsoft.com/office/drawing/2014/main" id="{598F6C00-6DCE-C588-99D2-0811375982EB}"/>
+                <a16:creationId xmlns:a16="http://schemas.microsoft.com/office/drawing/2014/main" id="{8B983EF5-938B-9A45-CD55-20FE99378DDD}"/>
               </a:ext>
             </a:extLst>
           </p:cNvPr>
@@ -11684,10 +12765,9 @@
           <a:lstStyle/>
           <a:p>
             <a:r>
-              <a:rPr lang="en-US"/>
-              <a:t>So, Gabriel entered the cloak with us </a:t>
-            </a:r>
-            <a:endParaRPr lang="en-US" dirty="0"/>
+              <a:rPr lang="en-US" dirty="0"/>
+              <a:t>you are granted the permission.”</a:t>
+            </a:r>
           </a:p>
         </p:txBody>
       </p:sp>
@@ -11696,9 +12776,18 @@
   <p:clrMapOvr>
     <a:masterClrMapping/>
   </p:clrMapOvr>
-  <p:transition>
-    <p:fade/>
-  </p:transition>
+  <mc:AlternateContent xmlns:mc="http://schemas.openxmlformats.org/markup-compatibility/2006">
+    <mc:Choice xmlns:p14="http://schemas.microsoft.com/office/powerpoint/2010/main" Requires="p14">
+      <p:transition p14:dur="300">
+        <p:fade/>
+      </p:transition>
+    </mc:Choice>
+    <mc:Fallback>
+      <p:transition>
+        <p:fade/>
+      </p:transition>
+    </mc:Fallback>
+  </mc:AlternateContent>
 </p:sld>
 </file>
 
@@ -11724,7 +12813,7 @@
           <p:cNvPr id="11" name="Title 3">
             <a:extLst>
               <a:ext uri="{FF2B5EF4-FFF2-40B4-BE49-F238E27FC236}">
-                <a16:creationId xmlns:a16="http://schemas.microsoft.com/office/drawing/2014/main" id="{8DF30403-15C1-4BB7-B0BB-B20BC6C581C6}"/>
+                <a16:creationId xmlns:a16="http://schemas.microsoft.com/office/drawing/2014/main" id="{ADC3D3AE-BE5C-237B-DFDE-0E30958FE3F5}"/>
               </a:ext>
             </a:extLst>
           </p:cNvPr>
@@ -11747,7 +12836,7 @@
           <a:p>
             <a:r>
               <a:rPr lang="ar-SA" dirty="0"/>
-              <a:t>فَقالَ لِأَبِي إِنَّ اللّهَ قَدْ أَوْحٰي إِلَيْكُمْ يَقُولُ</a:t>
+              <a:t>فَدَخَلَ جِبْرَائِيلُ مَعَنا تَحْتَ الْكِساءِ </a:t>
             </a:r>
             <a:endParaRPr lang="en-US" dirty="0"/>
           </a:p>
@@ -11758,7 +12847,7 @@
           <p:cNvPr id="12" name="Subtitle 4">
             <a:extLst>
               <a:ext uri="{FF2B5EF4-FFF2-40B4-BE49-F238E27FC236}">
-                <a16:creationId xmlns:a16="http://schemas.microsoft.com/office/drawing/2014/main" id="{E453DF71-050D-81A6-7361-0ACCC36EFFB3}"/>
+                <a16:creationId xmlns:a16="http://schemas.microsoft.com/office/drawing/2014/main" id="{598F6C00-6DCE-C588-99D2-0811375982EB}"/>
               </a:ext>
             </a:extLst>
           </p:cNvPr>
@@ -11780,9 +12869,10 @@
           <a:lstStyle/>
           <a:p>
             <a:r>
-              <a:rPr lang="en-US" dirty="0"/>
-              <a:t>and said to my father:  Allah sends His Revelations to you; </a:t>
-            </a:r>
+              <a:rPr lang="en-US"/>
+              <a:t>So, Gabriel entered the cloak with us </a:t>
+            </a:r>
+            <a:endParaRPr lang="en-US" dirty="0"/>
           </a:p>
         </p:txBody>
       </p:sp>
@@ -11791,9 +12881,18 @@
   <p:clrMapOvr>
     <a:masterClrMapping/>
   </p:clrMapOvr>
-  <p:transition>
-    <p:fade/>
-  </p:transition>
+  <mc:AlternateContent xmlns:mc="http://schemas.openxmlformats.org/markup-compatibility/2006">
+    <mc:Choice xmlns:p14="http://schemas.microsoft.com/office/powerpoint/2010/main" Requires="p14">
+      <p:transition p14:dur="300">
+        <p:fade/>
+      </p:transition>
+    </mc:Choice>
+    <mc:Fallback>
+      <p:transition>
+        <p:fade/>
+      </p:transition>
+    </mc:Fallback>
+  </mc:AlternateContent>
 </p:sld>
 </file>
 
@@ -11876,7 +12975,7 @@
           <a:p>
             <a:r>
               <a:rPr lang="en-US" dirty="0"/>
-              <a:t>I said: "May Allah protect you from weakness, father"</a:t>
+              <a:t>I said, “May Allah protect you from weakness, father.”</a:t>
             </a:r>
           </a:p>
         </p:txBody>
@@ -11886,9 +12985,18 @@
   <p:clrMapOvr>
     <a:masterClrMapping/>
   </p:clrMapOvr>
-  <p:transition>
-    <p:fade/>
-  </p:transition>
+  <mc:AlternateContent xmlns:mc="http://schemas.openxmlformats.org/markup-compatibility/2006">
+    <mc:Choice xmlns:p14="http://schemas.microsoft.com/office/powerpoint/2010/main" Requires="p14">
+      <p:transition p14:dur="300">
+        <p:fade/>
+      </p:transition>
+    </mc:Choice>
+    <mc:Fallback>
+      <p:transition>
+        <p:fade/>
+      </p:transition>
+    </mc:Fallback>
+  </mc:AlternateContent>
 </p:sld>
 </file>
 
@@ -11914,7 +13022,7 @@
           <p:cNvPr id="11" name="Title 3">
             <a:extLst>
               <a:ext uri="{FF2B5EF4-FFF2-40B4-BE49-F238E27FC236}">
-                <a16:creationId xmlns:a16="http://schemas.microsoft.com/office/drawing/2014/main" id="{35EEA951-F2F8-8DFD-8569-E0E4C11315B2}"/>
+                <a16:creationId xmlns:a16="http://schemas.microsoft.com/office/drawing/2014/main" id="{8DF30403-15C1-4BB7-B0BB-B20BC6C581C6}"/>
               </a:ext>
             </a:extLst>
           </p:cNvPr>
@@ -11937,18 +13045,7 @@
           <a:p>
             <a:r>
               <a:rPr lang="ar-SA" dirty="0"/>
-              <a:t>إِنَّمَا يُرِيدُ اللَّهُ لِيُذْهِبَ عَنكُمُ الرِّجْسَ</a:t>
-            </a:r>
-            <a:br>
-              <a:rPr lang="ar-SA" dirty="0"/>
-            </a:br>
-            <a:r>
-              <a:rPr lang="ar-SA" dirty="0"/>
-              <a:t>أَهْلَ الْبَيْتِ </a:t>
-            </a:r>
-            <a:r>
-              <a:rPr lang="ar-SA"/>
-              <a:t>وَيُطَهِّرَكُمْ تَطْهِيرًا</a:t>
+              <a:t>فَقالَ لِأَبِي إِنَّ اللّهَ قَدْ أَوْحٰي إِلَيْكُمْ يَقُولُ</a:t>
             </a:r>
             <a:endParaRPr lang="en-US" dirty="0"/>
           </a:p>
@@ -11959,7 +13056,7 @@
           <p:cNvPr id="12" name="Subtitle 4">
             <a:extLst>
               <a:ext uri="{FF2B5EF4-FFF2-40B4-BE49-F238E27FC236}">
-                <a16:creationId xmlns:a16="http://schemas.microsoft.com/office/drawing/2014/main" id="{D715516A-A2C7-3AA8-8EF3-DE2CE2B32F83}"/>
+                <a16:creationId xmlns:a16="http://schemas.microsoft.com/office/drawing/2014/main" id="{E453DF71-050D-81A6-7361-0ACCC36EFFB3}"/>
               </a:ext>
             </a:extLst>
           </p:cNvPr>
@@ -11982,7 +13079,7 @@
           <a:p>
             <a:r>
               <a:rPr lang="en-US" dirty="0"/>
-              <a:t>"Indeed Allah desires to repel all impurity from you, O People of the Household, and purify you with a thorough purification."</a:t>
+              <a:t>and said to my father, “Allah sends His Revelations to you:</a:t>
             </a:r>
           </a:p>
         </p:txBody>
@@ -11992,9 +13089,18 @@
   <p:clrMapOvr>
     <a:masterClrMapping/>
   </p:clrMapOvr>
-  <p:transition>
-    <p:fade/>
-  </p:transition>
+  <mc:AlternateContent xmlns:mc="http://schemas.openxmlformats.org/markup-compatibility/2006">
+    <mc:Choice xmlns:p14="http://schemas.microsoft.com/office/powerpoint/2010/main" Requires="p14">
+      <p:transition p14:dur="300">
+        <p:fade/>
+      </p:transition>
+    </mc:Choice>
+    <mc:Fallback>
+      <p:transition>
+        <p:fade/>
+      </p:transition>
+    </mc:Fallback>
+  </mc:AlternateContent>
 </p:sld>
 </file>
 
@@ -12020,7 +13126,7 @@
           <p:cNvPr id="11" name="Title 3">
             <a:extLst>
               <a:ext uri="{FF2B5EF4-FFF2-40B4-BE49-F238E27FC236}">
-                <a16:creationId xmlns:a16="http://schemas.microsoft.com/office/drawing/2014/main" id="{54E301FD-3D36-E31C-92B0-8335BD8308D1}"/>
+                <a16:creationId xmlns:a16="http://schemas.microsoft.com/office/drawing/2014/main" id="{35EEA951-F2F8-8DFD-8569-E0E4C11315B2}"/>
               </a:ext>
             </a:extLst>
           </p:cNvPr>
@@ -12043,18 +13149,18 @@
           <a:p>
             <a:r>
               <a:rPr lang="ar-SA" dirty="0"/>
-              <a:t>فَقالَ عَلِيٌّ لِأَبِي يَا رَسُولَ اللّهِ أَخْبِرْنِي مَا لِجُلُوسِنا</a:t>
+              <a:t>إِنَّمَا يُرِيدُ اللَّهُ لِيُذْهِبَ عَنكُمُ الرِّجْسَ</a:t>
             </a:r>
             <a:br>
               <a:rPr lang="ar-SA" dirty="0"/>
             </a:br>
             <a:r>
-              <a:rPr lang="en-US" dirty="0"/>
-              <a:t> </a:t>
-            </a:r>
-            <a:r>
-              <a:rPr lang="ar-SA" dirty="0"/>
-              <a:t>هذَا تَحْتَ الْكِساءِ مِنَ الْفَضْلِ عِنْدَ اللّهُ</a:t>
+              <a:rPr lang="ar-SA" dirty="0"/>
+              <a:t>أَهْلَ الْبَيْتِ </a:t>
+            </a:r>
+            <a:r>
+              <a:rPr lang="ar-SA"/>
+              <a:t>وَيُطَهِّرَكُمْ تَطْهِيرًا</a:t>
             </a:r>
             <a:endParaRPr lang="en-US" dirty="0"/>
           </a:p>
@@ -12065,7 +13171,7 @@
           <p:cNvPr id="12" name="Subtitle 4">
             <a:extLst>
               <a:ext uri="{FF2B5EF4-FFF2-40B4-BE49-F238E27FC236}">
-                <a16:creationId xmlns:a16="http://schemas.microsoft.com/office/drawing/2014/main" id="{B24507EC-523E-BA31-04B0-287B7C3A9D28}"/>
+                <a16:creationId xmlns:a16="http://schemas.microsoft.com/office/drawing/2014/main" id="{D715516A-A2C7-3AA8-8EF3-DE2CE2B32F83}"/>
               </a:ext>
             </a:extLst>
           </p:cNvPr>
@@ -12088,7 +13194,7 @@
           <a:p>
             <a:r>
               <a:rPr lang="en-US" dirty="0"/>
-              <a:t>Then Ali said to my father: "O Prophet (s) of Allah, tell me what significance has Allah given for getting together underneath this cloak?"</a:t>
+              <a:t>“Indeed, Allah desires to repel all impurity from you, O People of the Household, and purify you with a thorough purification.”</a:t>
             </a:r>
           </a:p>
         </p:txBody>
@@ -12098,9 +13204,18 @@
   <p:clrMapOvr>
     <a:masterClrMapping/>
   </p:clrMapOvr>
-  <p:transition>
-    <p:fade/>
-  </p:transition>
+  <mc:AlternateContent xmlns:mc="http://schemas.openxmlformats.org/markup-compatibility/2006">
+    <mc:Choice xmlns:p14="http://schemas.microsoft.com/office/powerpoint/2010/main" Requires="p14">
+      <p:transition p14:dur="300">
+        <p:fade/>
+      </p:transition>
+    </mc:Choice>
+    <mc:Fallback>
+      <p:transition>
+        <p:fade/>
+      </p:transition>
+    </mc:Fallback>
+  </mc:AlternateContent>
 </p:sld>
 </file>
 
@@ -12126,7 +13241,7 @@
           <p:cNvPr id="11" name="Title 3">
             <a:extLst>
               <a:ext uri="{FF2B5EF4-FFF2-40B4-BE49-F238E27FC236}">
-                <a16:creationId xmlns:a16="http://schemas.microsoft.com/office/drawing/2014/main" id="{A65BF036-B5C1-C7F1-94BB-B8DF4CA6E23C}"/>
+                <a16:creationId xmlns:a16="http://schemas.microsoft.com/office/drawing/2014/main" id="{4E604A7F-4B49-4FDE-B247-CED3E88C9DED}"/>
               </a:ext>
             </a:extLst>
           </p:cNvPr>
@@ -12149,7 +13264,7 @@
           <a:p>
             <a:r>
               <a:rPr lang="ar-SA" dirty="0"/>
-              <a:t>فَقالَ النَّبِيُّ وَالَّذِي بَعَثَنِي بِالْحَقِّ نَبِيَّاً</a:t>
+              <a:t>أَللّٰهُمَّ صَلِّ عَلٰى مُحَمَّدٍ وَآلِ مُحَمَّدٍ</a:t>
             </a:r>
             <a:endParaRPr lang="en-US" dirty="0"/>
           </a:p>
@@ -12160,7 +13275,7 @@
           <p:cNvPr id="12" name="Subtitle 4">
             <a:extLst>
               <a:ext uri="{FF2B5EF4-FFF2-40B4-BE49-F238E27FC236}">
-                <a16:creationId xmlns:a16="http://schemas.microsoft.com/office/drawing/2014/main" id="{64BB00AC-FC77-1563-81A4-CC1920F26099}"/>
+                <a16:creationId xmlns:a16="http://schemas.microsoft.com/office/drawing/2014/main" id="{0A3FC473-E56A-4E2F-BE7C-7E2CF70D6289}"/>
               </a:ext>
             </a:extLst>
           </p:cNvPr>
@@ -12182,25 +13297,40 @@
           <a:lstStyle/>
           <a:p>
             <a:r>
-              <a:rPr lang="it-IT" dirty="0"/>
-              <a:t>The Prophet (s) replied: </a:t>
-            </a:r>
-            <a:r>
               <a:rPr lang="en-US" dirty="0"/>
-              <a:t>"By Him who rightfully appointed me a Prophet (s)</a:t>
-            </a:r>
-            <a:endParaRPr lang="it-IT" dirty="0"/>
+              <a:t>O' Allah send Your blessings on Muhammad</a:t>
+            </a:r>
+          </a:p>
+          <a:p>
+            <a:r>
+              <a:rPr lang="en-US" dirty="0"/>
+              <a:t>and the family of Muhammad.</a:t>
+            </a:r>
           </a:p>
         </p:txBody>
       </p:sp>
     </p:spTree>
+    <p:extLst>
+      <p:ext uri="{BB962C8B-B14F-4D97-AF65-F5344CB8AC3E}">
+        <p14:creationId xmlns:p14="http://schemas.microsoft.com/office/powerpoint/2010/main" val="1977140436"/>
+      </p:ext>
+    </p:extLst>
   </p:cSld>
   <p:clrMapOvr>
     <a:masterClrMapping/>
   </p:clrMapOvr>
-  <p:transition>
-    <p:fade/>
-  </p:transition>
+  <mc:AlternateContent xmlns:mc="http://schemas.openxmlformats.org/markup-compatibility/2006">
+    <mc:Choice xmlns:p14="http://schemas.microsoft.com/office/powerpoint/2010/main" Requires="p14">
+      <p:transition p14:dur="300">
+        <p:fade/>
+      </p:transition>
+    </mc:Choice>
+    <mc:Fallback>
+      <p:transition>
+        <p:fade/>
+      </p:transition>
+    </mc:Fallback>
+  </mc:AlternateContent>
 </p:sld>
 </file>
 
@@ -12226,7 +13356,7 @@
           <p:cNvPr id="11" name="Title 3">
             <a:extLst>
               <a:ext uri="{FF2B5EF4-FFF2-40B4-BE49-F238E27FC236}">
-                <a16:creationId xmlns:a16="http://schemas.microsoft.com/office/drawing/2014/main" id="{F5C9AE1A-7B65-1134-BE3A-32F915F1589B}"/>
+                <a16:creationId xmlns:a16="http://schemas.microsoft.com/office/drawing/2014/main" id="{54E301FD-3D36-E31C-92B0-8335BD8308D1}"/>
               </a:ext>
             </a:extLst>
           </p:cNvPr>
@@ -12249,7 +13379,18 @@
           <a:p>
             <a:r>
               <a:rPr lang="ar-SA" dirty="0"/>
-              <a:t>وَاصْطَفانِي بِالرِّسالَةِ نَجِيّاً</a:t>
+              <a:t>فَقالَ عَلِيٌّ لِأَبِي يَا رَسُولَ اللّهِ أَخْبِرْنِي مَا لِجُلُوسِنا</a:t>
+            </a:r>
+            <a:br>
+              <a:rPr lang="ar-SA" dirty="0"/>
+            </a:br>
+            <a:r>
+              <a:rPr lang="en-US" dirty="0"/>
+              <a:t> </a:t>
+            </a:r>
+            <a:r>
+              <a:rPr lang="ar-SA" dirty="0"/>
+              <a:t>هذَا تَحْتَ الْكِساءِ مِنَ الْفَضْلِ عِنْدَ اللّهُ</a:t>
             </a:r>
             <a:endParaRPr lang="en-US" dirty="0"/>
           </a:p>
@@ -12260,7 +13401,7 @@
           <p:cNvPr id="12" name="Subtitle 4">
             <a:extLst>
               <a:ext uri="{FF2B5EF4-FFF2-40B4-BE49-F238E27FC236}">
-                <a16:creationId xmlns:a16="http://schemas.microsoft.com/office/drawing/2014/main" id="{C8719FFC-2182-1D35-427C-9AFFA2E9BE91}"/>
+                <a16:creationId xmlns:a16="http://schemas.microsoft.com/office/drawing/2014/main" id="{B24507EC-523E-BA31-04B0-287B7C3A9D28}"/>
               </a:ext>
             </a:extLst>
           </p:cNvPr>
@@ -12283,7 +13424,7 @@
           <a:p>
             <a:r>
               <a:rPr lang="en-US" dirty="0"/>
-              <a:t>and chose me a Messenger for the salvation of the mankind.</a:t>
+              <a:t>Then Ali said to my father, “O Prophet (s) of Allah, tell me what significance has Allah given for getting together underneath this cloak?”</a:t>
             </a:r>
           </a:p>
         </p:txBody>
@@ -12293,9 +13434,18 @@
   <p:clrMapOvr>
     <a:masterClrMapping/>
   </p:clrMapOvr>
-  <p:transition>
-    <p:fade/>
-  </p:transition>
+  <mc:AlternateContent xmlns:mc="http://schemas.openxmlformats.org/markup-compatibility/2006">
+    <mc:Choice xmlns:p14="http://schemas.microsoft.com/office/powerpoint/2010/main" Requires="p14">
+      <p:transition p14:dur="300">
+        <p:fade/>
+      </p:transition>
+    </mc:Choice>
+    <mc:Fallback>
+      <p:transition>
+        <p:fade/>
+      </p:transition>
+    </mc:Fallback>
+  </mc:AlternateContent>
 </p:sld>
 </file>
 
@@ -12321,7 +13471,7 @@
           <p:cNvPr id="11" name="Title 3">
             <a:extLst>
               <a:ext uri="{FF2B5EF4-FFF2-40B4-BE49-F238E27FC236}">
-                <a16:creationId xmlns:a16="http://schemas.microsoft.com/office/drawing/2014/main" id="{1377F11A-B0F6-CD1D-ABFD-D673F23FC9AC}"/>
+                <a16:creationId xmlns:a16="http://schemas.microsoft.com/office/drawing/2014/main" id="{A65BF036-B5C1-C7F1-94BB-B8DF4CA6E23C}"/>
               </a:ext>
             </a:extLst>
           </p:cNvPr>
@@ -12344,14 +13494,7 @@
           <a:p>
             <a:r>
               <a:rPr lang="ar-SA" dirty="0"/>
-              <a:t>مَا ذُكِرَ خَبَرُنا هذَا فِي</a:t>
-            </a:r>
-            <a:br>
-              <a:rPr lang="ar-SA" dirty="0"/>
-            </a:br>
-            <a:r>
-              <a:rPr lang="ar-SA" dirty="0"/>
-              <a:t>مَحْفِلٍ مِنْ مَحَافِلِ أَهْلِ الْأَرْضِ</a:t>
+              <a:t>فَقالَ النَّبِيُّ وَالَّذِي بَعَثَنِي بِالْحَقِّ نَبِيَّاً</a:t>
             </a:r>
             <a:endParaRPr lang="en-US" dirty="0"/>
           </a:p>
@@ -12362,7 +13505,7 @@
           <p:cNvPr id="12" name="Subtitle 4">
             <a:extLst>
               <a:ext uri="{FF2B5EF4-FFF2-40B4-BE49-F238E27FC236}">
-                <a16:creationId xmlns:a16="http://schemas.microsoft.com/office/drawing/2014/main" id="{B7C75EB0-1637-0DD7-3415-1668ECDFBA07}"/>
+                <a16:creationId xmlns:a16="http://schemas.microsoft.com/office/drawing/2014/main" id="{64BB00AC-FC77-1563-81A4-CC1920F26099}"/>
               </a:ext>
             </a:extLst>
           </p:cNvPr>
@@ -12384,26 +13527,34 @@
           <a:lstStyle/>
           <a:p>
             <a:r>
-              <a:rPr lang="en-US"/>
-              <a:t>whenever and wherever an assembly</a:t>
-            </a:r>
-            <a:endParaRPr lang="en-US" dirty="0"/>
+              <a:rPr lang="it-IT" dirty="0"/>
+              <a:t>The Prophet (s) replied</a:t>
+            </a:r>
+            <a:r>
+              <a:rPr lang="en-US" dirty="0"/>
+              <a:t>, “By Him who rightfully appointed me a Prophet,</a:t>
+            </a:r>
+            <a:endParaRPr lang="it-IT" dirty="0"/>
           </a:p>
         </p:txBody>
       </p:sp>
     </p:spTree>
-    <p:extLst>
-      <p:ext uri="{BB962C8B-B14F-4D97-AF65-F5344CB8AC3E}">
-        <p14:creationId xmlns:p14="http://schemas.microsoft.com/office/powerpoint/2010/main" val="565109928"/>
-      </p:ext>
-    </p:extLst>
   </p:cSld>
   <p:clrMapOvr>
     <a:masterClrMapping/>
   </p:clrMapOvr>
-  <p:transition>
-    <p:fade/>
-  </p:transition>
+  <mc:AlternateContent xmlns:mc="http://schemas.openxmlformats.org/markup-compatibility/2006">
+    <mc:Choice xmlns:p14="http://schemas.microsoft.com/office/powerpoint/2010/main" Requires="p14">
+      <p:transition p14:dur="300">
+        <p:fade/>
+      </p:transition>
+    </mc:Choice>
+    <mc:Fallback>
+      <p:transition>
+        <p:fade/>
+      </p:transition>
+    </mc:Fallback>
+  </mc:AlternateContent>
 </p:sld>
 </file>
 
@@ -12429,7 +13580,7 @@
           <p:cNvPr id="11" name="Title 3">
             <a:extLst>
               <a:ext uri="{FF2B5EF4-FFF2-40B4-BE49-F238E27FC236}">
-                <a16:creationId xmlns:a16="http://schemas.microsoft.com/office/drawing/2014/main" id="{E009E17B-B754-A255-9368-72F1A469555F}"/>
+                <a16:creationId xmlns:a16="http://schemas.microsoft.com/office/drawing/2014/main" id="{F5C9AE1A-7B65-1134-BE3A-32F915F1589B}"/>
               </a:ext>
             </a:extLst>
           </p:cNvPr>
@@ -12451,8 +13602,8 @@
           <a:lstStyle/>
           <a:p>
             <a:r>
-              <a:rPr lang="ar-SA"/>
-              <a:t>وَفِيهِ جَمْعٌ مِنْ شِيعَتِنا وَمُحِبِّينا </a:t>
+              <a:rPr lang="ar-SA" dirty="0"/>
+              <a:t>وَاصْطَفانِي بِالرِّسالَةِ نَجِيّاً</a:t>
             </a:r>
             <a:endParaRPr lang="en-US" dirty="0"/>
           </a:p>
@@ -12463,7 +13614,7 @@
           <p:cNvPr id="12" name="Subtitle 4">
             <a:extLst>
               <a:ext uri="{FF2B5EF4-FFF2-40B4-BE49-F238E27FC236}">
-                <a16:creationId xmlns:a16="http://schemas.microsoft.com/office/drawing/2014/main" id="{D82C46BC-F832-EB65-3315-71224F3B8697}"/>
+                <a16:creationId xmlns:a16="http://schemas.microsoft.com/office/drawing/2014/main" id="{C8719FFC-2182-1D35-427C-9AFFA2E9BE91}"/>
               </a:ext>
             </a:extLst>
           </p:cNvPr>
@@ -12485,26 +13636,29 @@
           <a:lstStyle/>
           <a:p>
             <a:r>
-              <a:rPr lang="en-US"/>
-              <a:t>our followers and friends mentions this event, </a:t>
-            </a:r>
-            <a:endParaRPr lang="en-US" dirty="0"/>
+              <a:rPr lang="en-US" dirty="0"/>
+              <a:t>and chose me a Messenger for the salvation of the mankind,</a:t>
+            </a:r>
           </a:p>
         </p:txBody>
       </p:sp>
     </p:spTree>
-    <p:extLst>
-      <p:ext uri="{BB962C8B-B14F-4D97-AF65-F5344CB8AC3E}">
-        <p14:creationId xmlns:p14="http://schemas.microsoft.com/office/powerpoint/2010/main" val="3367533672"/>
-      </p:ext>
-    </p:extLst>
   </p:cSld>
   <p:clrMapOvr>
     <a:masterClrMapping/>
   </p:clrMapOvr>
-  <p:transition>
-    <p:fade/>
-  </p:transition>
+  <mc:AlternateContent xmlns:mc="http://schemas.openxmlformats.org/markup-compatibility/2006">
+    <mc:Choice xmlns:p14="http://schemas.microsoft.com/office/powerpoint/2010/main" Requires="p14">
+      <p:transition p14:dur="300">
+        <p:fade/>
+      </p:transition>
+    </mc:Choice>
+    <mc:Fallback>
+      <p:transition>
+        <p:fade/>
+      </p:transition>
+    </mc:Fallback>
+  </mc:AlternateContent>
 </p:sld>
 </file>
 
@@ -12530,7 +13684,7 @@
           <p:cNvPr id="11" name="Title 3">
             <a:extLst>
               <a:ext uri="{FF2B5EF4-FFF2-40B4-BE49-F238E27FC236}">
-                <a16:creationId xmlns:a16="http://schemas.microsoft.com/office/drawing/2014/main" id="{F8CC7661-012F-661B-8997-C9A15B777F3C}"/>
+                <a16:creationId xmlns:a16="http://schemas.microsoft.com/office/drawing/2014/main" id="{1377F11A-B0F6-CD1D-ABFD-D673F23FC9AC}"/>
               </a:ext>
             </a:extLst>
           </p:cNvPr>
@@ -12553,7 +13707,14 @@
           <a:p>
             <a:r>
               <a:rPr lang="ar-SA" dirty="0"/>
-              <a:t>إِلَّا وَنَزَلَتْ عَلَيْهِمُ الرَّحْمَةُ </a:t>
+              <a:t>مَا ذُكِرَ خَبَرُنا هذَا فِي</a:t>
+            </a:r>
+            <a:br>
+              <a:rPr lang="ar-SA" dirty="0"/>
+            </a:br>
+            <a:r>
+              <a:rPr lang="ar-SA" dirty="0"/>
+              <a:t>مَحْفِلٍ مِنْ مَحَافِلِ أَهْلِ الْأَرْضِ</a:t>
             </a:r>
             <a:endParaRPr lang="en-US" dirty="0"/>
           </a:p>
@@ -12564,7 +13725,7 @@
           <p:cNvPr id="12" name="Subtitle 4">
             <a:extLst>
               <a:ext uri="{FF2B5EF4-FFF2-40B4-BE49-F238E27FC236}">
-                <a16:creationId xmlns:a16="http://schemas.microsoft.com/office/drawing/2014/main" id="{0ECCA0B4-1424-E4BB-9669-F1C6057FBBE8}"/>
+                <a16:creationId xmlns:a16="http://schemas.microsoft.com/office/drawing/2014/main" id="{B7C75EB0-1637-0DD7-3415-1668ECDFBA07}"/>
               </a:ext>
             </a:extLst>
           </p:cNvPr>
@@ -12587,20 +13748,34 @@
           <a:p>
             <a:r>
               <a:rPr lang="en-US"/>
-              <a:t>Allah will bestow on them His Blessings and Mercy; </a:t>
+              <a:t>whenever and wherever an assembly</a:t>
             </a:r>
             <a:endParaRPr lang="en-US" dirty="0"/>
           </a:p>
         </p:txBody>
       </p:sp>
     </p:spTree>
+    <p:extLst>
+      <p:ext uri="{BB962C8B-B14F-4D97-AF65-F5344CB8AC3E}">
+        <p14:creationId xmlns:p14="http://schemas.microsoft.com/office/powerpoint/2010/main" val="565109928"/>
+      </p:ext>
+    </p:extLst>
   </p:cSld>
   <p:clrMapOvr>
     <a:masterClrMapping/>
   </p:clrMapOvr>
-  <p:transition>
-    <p:fade/>
-  </p:transition>
+  <mc:AlternateContent xmlns:mc="http://schemas.openxmlformats.org/markup-compatibility/2006">
+    <mc:Choice xmlns:p14="http://schemas.microsoft.com/office/powerpoint/2010/main" Requires="p14">
+      <p:transition p14:dur="300">
+        <p:fade/>
+      </p:transition>
+    </mc:Choice>
+    <mc:Fallback>
+      <p:transition>
+        <p:fade/>
+      </p:transition>
+    </mc:Fallback>
+  </mc:AlternateContent>
 </p:sld>
 </file>
 
@@ -12626,7 +13801,7 @@
           <p:cNvPr id="11" name="Title 3">
             <a:extLst>
               <a:ext uri="{FF2B5EF4-FFF2-40B4-BE49-F238E27FC236}">
-                <a16:creationId xmlns:a16="http://schemas.microsoft.com/office/drawing/2014/main" id="{4FBF3AA1-B1A8-3D96-3094-05EF5B570AA7}"/>
+                <a16:creationId xmlns:a16="http://schemas.microsoft.com/office/drawing/2014/main" id="{E009E17B-B754-A255-9368-72F1A469555F}"/>
               </a:ext>
             </a:extLst>
           </p:cNvPr>
@@ -12648,8 +13823,8 @@
           <a:lstStyle/>
           <a:p>
             <a:r>
-              <a:rPr lang="ar-SA" dirty="0"/>
-              <a:t>وَحَفَّتْ بِهِمُ الْمَلائِكَةُ وَاسْتَغْفَرَتْ لَهُمْ إِلى أَنْ يَتَفَرَّقُوا</a:t>
+              <a:rPr lang="ar-SA"/>
+              <a:t>وَفِيهِ جَمْعٌ مِنْ شِيعَتِنا وَمُحِبِّينا </a:t>
             </a:r>
             <a:endParaRPr lang="en-US" dirty="0"/>
           </a:p>
@@ -12660,7 +13835,7 @@
           <p:cNvPr id="12" name="Subtitle 4">
             <a:extLst>
               <a:ext uri="{FF2B5EF4-FFF2-40B4-BE49-F238E27FC236}">
-                <a16:creationId xmlns:a16="http://schemas.microsoft.com/office/drawing/2014/main" id="{F0CA3E84-FFB3-BA23-574D-4326054E0E45}"/>
+                <a16:creationId xmlns:a16="http://schemas.microsoft.com/office/drawing/2014/main" id="{D82C46BC-F832-EB65-3315-71224F3B8697}"/>
               </a:ext>
             </a:extLst>
           </p:cNvPr>
@@ -12683,20 +13858,34 @@
           <a:p>
             <a:r>
               <a:rPr lang="en-US"/>
-              <a:t>angels will encircle them asking Allah the remission of their sins until the assembly disperses</a:t>
+              <a:t>our followers and friends mentions this event, </a:t>
             </a:r>
             <a:endParaRPr lang="en-US" dirty="0"/>
           </a:p>
         </p:txBody>
       </p:sp>
     </p:spTree>
+    <p:extLst>
+      <p:ext uri="{BB962C8B-B14F-4D97-AF65-F5344CB8AC3E}">
+        <p14:creationId xmlns:p14="http://schemas.microsoft.com/office/powerpoint/2010/main" val="3367533672"/>
+      </p:ext>
+    </p:extLst>
   </p:cSld>
   <p:clrMapOvr>
     <a:masterClrMapping/>
   </p:clrMapOvr>
-  <p:transition>
-    <p:fade/>
-  </p:transition>
+  <mc:AlternateContent xmlns:mc="http://schemas.openxmlformats.org/markup-compatibility/2006">
+    <mc:Choice xmlns:p14="http://schemas.microsoft.com/office/powerpoint/2010/main" Requires="p14">
+      <p:transition p14:dur="300">
+        <p:fade/>
+      </p:transition>
+    </mc:Choice>
+    <mc:Fallback>
+      <p:transition>
+        <p:fade/>
+      </p:transition>
+    </mc:Fallback>
+  </mc:AlternateContent>
 </p:sld>
 </file>
 
@@ -12722,7 +13911,7 @@
           <p:cNvPr id="11" name="Title 3">
             <a:extLst>
               <a:ext uri="{FF2B5EF4-FFF2-40B4-BE49-F238E27FC236}">
-                <a16:creationId xmlns:a16="http://schemas.microsoft.com/office/drawing/2014/main" id="{8729F7D2-2239-1D33-CA56-60F256E14EF8}"/>
+                <a16:creationId xmlns:a16="http://schemas.microsoft.com/office/drawing/2014/main" id="{F8CC7661-012F-661B-8997-C9A15B777F3C}"/>
               </a:ext>
             </a:extLst>
           </p:cNvPr>
@@ -12745,14 +13934,7 @@
           <a:p>
             <a:r>
               <a:rPr lang="ar-SA" dirty="0"/>
-              <a:t>فَقالَ عَلِيٌّ إِذنْ وَاللّهِ فُزْنَا</a:t>
-            </a:r>
-            <a:br>
-              <a:rPr lang="ar-SA" dirty="0"/>
-            </a:br>
-            <a:r>
-              <a:rPr lang="ar-SA" dirty="0"/>
-              <a:t>وَفازَ شِيعَتُنا وَرَبِّ الْكَعْبَةِ</a:t>
+              <a:t>إِلَّا وَنَزَلَتْ عَلَيْهِمُ الرَّحْمَةُ </a:t>
             </a:r>
             <a:endParaRPr lang="en-US" dirty="0"/>
           </a:p>
@@ -12763,7 +13945,7 @@
           <p:cNvPr id="12" name="Subtitle 4">
             <a:extLst>
               <a:ext uri="{FF2B5EF4-FFF2-40B4-BE49-F238E27FC236}">
-                <a16:creationId xmlns:a16="http://schemas.microsoft.com/office/drawing/2014/main" id="{C6957A3D-8C04-D677-A8DD-01BE52B9D996}"/>
+                <a16:creationId xmlns:a16="http://schemas.microsoft.com/office/drawing/2014/main" id="{0ECCA0B4-1424-E4BB-9669-F1C6057FBBE8}"/>
               </a:ext>
             </a:extLst>
           </p:cNvPr>
@@ -12785,17 +13967,10 @@
           <a:lstStyle/>
           <a:p>
             <a:r>
-              <a:rPr lang="en-US" dirty="0"/>
-              <a:t>So Ali said: "Verily, by the Lord of </a:t>
-            </a:r>
-            <a:r>
-              <a:rPr lang="en-US" dirty="0" err="1"/>
-              <a:t>Kabaa</a:t>
-            </a:r>
-            <a:r>
-              <a:rPr lang="en-US" dirty="0"/>
-              <a:t>! we and our followers are the winners"</a:t>
-            </a:r>
+              <a:rPr lang="en-US"/>
+              <a:t>Allah will bestow on them His Blessings and Mercy; </a:t>
+            </a:r>
+            <a:endParaRPr lang="en-US" dirty="0"/>
           </a:p>
         </p:txBody>
       </p:sp>
@@ -12804,9 +13979,18 @@
   <p:clrMapOvr>
     <a:masterClrMapping/>
   </p:clrMapOvr>
-  <p:transition>
-    <p:fade/>
-  </p:transition>
+  <mc:AlternateContent xmlns:mc="http://schemas.openxmlformats.org/markup-compatibility/2006">
+    <mc:Choice xmlns:p14="http://schemas.microsoft.com/office/powerpoint/2010/main" Requires="p14">
+      <p:transition p14:dur="300">
+        <p:fade/>
+      </p:transition>
+    </mc:Choice>
+    <mc:Fallback>
+      <p:transition>
+        <p:fade/>
+      </p:transition>
+    </mc:Fallback>
+  </mc:AlternateContent>
 </p:sld>
 </file>
 
@@ -12832,7 +14016,7 @@
           <p:cNvPr id="11" name="Title 3">
             <a:extLst>
               <a:ext uri="{FF2B5EF4-FFF2-40B4-BE49-F238E27FC236}">
-                <a16:creationId xmlns:a16="http://schemas.microsoft.com/office/drawing/2014/main" id="{76F7F801-FF94-63AB-3348-8C582367DD49}"/>
+                <a16:creationId xmlns:a16="http://schemas.microsoft.com/office/drawing/2014/main" id="{4FBF3AA1-B1A8-3D96-3094-05EF5B570AA7}"/>
               </a:ext>
             </a:extLst>
           </p:cNvPr>
@@ -12855,7 +14039,7 @@
           <a:p>
             <a:r>
               <a:rPr lang="ar-SA" dirty="0"/>
-              <a:t>فَقالَ النَّبِيُّ ثانِياً</a:t>
+              <a:t>وَحَفَّتْ بِهِمُ الْمَلائِكَةُ وَاسْتَغْفَرَتْ لَهُمْ إِلى أَنْ يَتَفَرَّقُوا</a:t>
             </a:r>
             <a:endParaRPr lang="en-US" dirty="0"/>
           </a:p>
@@ -12866,7 +14050,7 @@
           <p:cNvPr id="12" name="Subtitle 4">
             <a:extLst>
               <a:ext uri="{FF2B5EF4-FFF2-40B4-BE49-F238E27FC236}">
-                <a16:creationId xmlns:a16="http://schemas.microsoft.com/office/drawing/2014/main" id="{FE4FA00C-FB7A-658E-C178-4F7FCAAA6D98}"/>
+                <a16:creationId xmlns:a16="http://schemas.microsoft.com/office/drawing/2014/main" id="{F0CA3E84-FFB3-BA23-574D-4326054E0E45}"/>
               </a:ext>
             </a:extLst>
           </p:cNvPr>
@@ -12888,18 +14072,10 @@
           <a:lstStyle/>
           <a:p>
             <a:r>
-              <a:rPr lang="it-IT" dirty="0"/>
-              <a:t>Then my father</a:t>
-            </a:r>
-            <a:r>
-              <a:rPr lang="ar-SA" dirty="0"/>
-              <a:t> </a:t>
-            </a:r>
-            <a:r>
-              <a:rPr lang="en-CA" dirty="0"/>
-              <a:t>said again:</a:t>
-            </a:r>
-            <a:endParaRPr lang="it-IT" dirty="0"/>
+              <a:rPr lang="en-US"/>
+              <a:t>angels will encircle them asking Allah the remission of their sins until the assembly disperses</a:t>
+            </a:r>
+            <a:endParaRPr lang="en-US" dirty="0"/>
           </a:p>
         </p:txBody>
       </p:sp>
@@ -12908,9 +14084,18 @@
   <p:clrMapOvr>
     <a:masterClrMapping/>
   </p:clrMapOvr>
-  <p:transition>
-    <p:fade/>
-  </p:transition>
+  <mc:AlternateContent xmlns:mc="http://schemas.openxmlformats.org/markup-compatibility/2006">
+    <mc:Choice xmlns:p14="http://schemas.microsoft.com/office/powerpoint/2010/main" Requires="p14">
+      <p:transition p14:dur="300">
+        <p:fade/>
+      </p:transition>
+    </mc:Choice>
+    <mc:Fallback>
+      <p:transition>
+        <p:fade/>
+      </p:transition>
+    </mc:Fallback>
+  </mc:AlternateContent>
 </p:sld>
 </file>
 

--- a/PPTs/Aza - Hadith Kisa.pptx
+++ b/PPTs/Aza - Hadith Kisa.pptx
@@ -5,7 +5,7 @@
     <p:sldMasterId id="2147483660" r:id="rId1"/>
   </p:sldMasterIdLst>
   <p:sldIdLst>
-    <p:sldId id="262" r:id="rId2"/>
+    <p:sldId id="5532" r:id="rId2"/>
     <p:sldId id="5527" r:id="rId3"/>
     <p:sldId id="5528" r:id="rId4"/>
     <p:sldId id="4137" r:id="rId5"/>
@@ -383,13 +383,13 @@
   <p:clrMapOvr>
     <a:masterClrMapping/>
   </p:clrMapOvr>
-  <mc:AlternateContent xmlns:mc="http://schemas.openxmlformats.org/markup-compatibility/2006">
-    <mc:Choice xmlns:p14="http://schemas.microsoft.com/office/powerpoint/2010/main" Requires="p14">
+  <mc:AlternateContent xmlns:mc="http://schemas.openxmlformats.org/markup-compatibility/2006" xmlns:p14="http://schemas.microsoft.com/office/powerpoint/2010/main">
+    <mc:Choice Requires="p14">
       <p:transition p14:dur="300">
         <p:fade/>
       </p:transition>
     </mc:Choice>
-    <mc:Fallback>
+    <mc:Fallback xmlns="">
       <p:transition>
         <p:fade/>
       </p:transition>
@@ -490,13 +490,13 @@
   <p:clrMapOvr>
     <a:masterClrMapping/>
   </p:clrMapOvr>
-  <mc:AlternateContent xmlns:mc="http://schemas.openxmlformats.org/markup-compatibility/2006">
-    <mc:Choice xmlns:p14="http://schemas.microsoft.com/office/powerpoint/2010/main" Requires="p14">
+  <mc:AlternateContent xmlns:mc="http://schemas.openxmlformats.org/markup-compatibility/2006" xmlns:p14="http://schemas.microsoft.com/office/powerpoint/2010/main">
+    <mc:Choice Requires="p14">
       <p:transition p14:dur="300">
         <p:fade/>
       </p:transition>
     </mc:Choice>
-    <mc:Fallback>
+    <mc:Fallback xmlns="">
       <p:transition>
         <p:fade/>
       </p:transition>
@@ -668,13 +668,13 @@
   <p:clrMapOvr>
     <a:masterClrMapping/>
   </p:clrMapOvr>
-  <mc:AlternateContent xmlns:mc="http://schemas.openxmlformats.org/markup-compatibility/2006">
-    <mc:Choice xmlns:p14="http://schemas.microsoft.com/office/powerpoint/2010/main" Requires="p14">
+  <mc:AlternateContent xmlns:mc="http://schemas.openxmlformats.org/markup-compatibility/2006" xmlns:p14="http://schemas.microsoft.com/office/powerpoint/2010/main">
+    <mc:Choice Requires="p14">
       <p:transition p14:dur="300">
         <p:fade/>
       </p:transition>
     </mc:Choice>
-    <mc:Fallback>
+    <mc:Fallback xmlns="">
       <p:transition>
         <p:fade/>
       </p:transition>
@@ -929,13 +929,13 @@
     <p:sldLayoutId id="2147483662" r:id="rId2"/>
     <p:sldLayoutId id="2147483663" r:id="rId3"/>
   </p:sldLayoutIdLst>
-  <mc:AlternateContent xmlns:mc="http://schemas.openxmlformats.org/markup-compatibility/2006">
-    <mc:Choice xmlns:p14="http://schemas.microsoft.com/office/powerpoint/2010/main" Requires="p14">
+  <mc:AlternateContent xmlns:mc="http://schemas.openxmlformats.org/markup-compatibility/2006" xmlns:p14="http://schemas.microsoft.com/office/powerpoint/2010/main">
+    <mc:Choice Requires="p14">
       <p:transition p14:dur="300">
         <p:fade/>
       </p:transition>
     </mc:Choice>
-    <mc:Fallback>
+    <mc:Fallback xmlns="">
       <p:transition>
         <p:fade/>
       </p:transition>
@@ -1381,19 +1381,19 @@
             </a:extLst>
           </p:cNvPr>
           <p:cNvPicPr>
-            <a:picLocks noGrp="1" noRot="1" noChangeAspect="1" noMove="1" noResize="1" noEditPoints="1" noAdjustHandles="1" noChangeArrowheads="1" noChangeShapeType="1" noCrop="1"/>
+            <a:picLocks noChangeAspect="1"/>
           </p:cNvPicPr>
           <p:nvPr/>
         </p:nvPicPr>
         <p:blipFill rotWithShape="1">
           <a:blip r:embed="rId2"/>
-          <a:srcRect l="24690" r="27248" b="16665"/>
+          <a:srcRect l="10784" t="12799" r="27248" b="11727"/>
           <a:stretch/>
         </p:blipFill>
         <p:spPr>
           <a:xfrm>
-            <a:off x="7248128" y="-1"/>
-            <a:ext cx="4943872" cy="6858001"/>
+            <a:off x="5162550" y="0"/>
+            <a:ext cx="7029450" cy="6849289"/>
           </a:xfrm>
           <a:prstGeom prst="rect">
             <a:avLst/>
@@ -1770,7 +1770,7 @@
         </p:nvSpPr>
         <p:spPr>
           <a:xfrm>
-            <a:off x="8421468" y="5713181"/>
+            <a:off x="8116059" y="5507547"/>
             <a:ext cx="3328784" cy="781689"/>
           </a:xfrm>
           <a:prstGeom prst="rect">
@@ -1802,6 +1802,23 @@
               <a:defRPr/>
             </a:pPr>
             <a:r>
+              <a:rPr kumimoji="0" lang="ur-PK" sz="2000" b="0" i="0" u="none" strike="noStrike" kern="1200" cap="none" spc="0" normalizeH="0" baseline="0" noProof="0" dirty="0" err="1">
+                <a:ln>
+                  <a:noFill/>
+                </a:ln>
+                <a:solidFill>
+                  <a:srgbClr val="F4E1C4"/>
+                </a:solidFill>
+                <a:effectLst/>
+                <a:uLnTx/>
+                <a:uFillTx/>
+                <a:latin typeface="Abbas" panose="02000000000000000000" pitchFamily="2" charset="-78"/>
+                <a:ea typeface="+mn-ea"/>
+                <a:cs typeface="Abbas" panose="02000000000000000000" pitchFamily="2" charset="-78"/>
+              </a:rPr>
+              <a:t>إِنَّهُمْ</a:t>
+            </a:r>
+            <a:r>
               <a:rPr kumimoji="0" lang="ur-PK" sz="2000" b="0" i="0" u="none" strike="noStrike" kern="1200" cap="none" spc="0" normalizeH="0" baseline="0" noProof="0" dirty="0">
                 <a:ln>
                   <a:noFill/>
@@ -1816,7 +1833,126 @@
                 <a:ea typeface="+mn-ea"/>
                 <a:cs typeface="Abbas" panose="02000000000000000000" pitchFamily="2" charset="-78"/>
               </a:rPr>
-              <a:t>إِنَّهُمْ يَرَوْنَهُ بَعِيداً وَنَرَاهُ قَرِيباً</a:t>
+              <a:t> </a:t>
+            </a:r>
+            <a:r>
+              <a:rPr kumimoji="0" lang="ur-PK" sz="2000" b="0" i="0" u="none" strike="noStrike" kern="1200" cap="none" spc="0" normalizeH="0" baseline="0" noProof="0" dirty="0" err="1">
+                <a:ln>
+                  <a:noFill/>
+                </a:ln>
+                <a:solidFill>
+                  <a:srgbClr val="F4E1C4"/>
+                </a:solidFill>
+                <a:effectLst/>
+                <a:uLnTx/>
+                <a:uFillTx/>
+                <a:latin typeface="Abbas" panose="02000000000000000000" pitchFamily="2" charset="-78"/>
+                <a:ea typeface="+mn-ea"/>
+                <a:cs typeface="Abbas" panose="02000000000000000000" pitchFamily="2" charset="-78"/>
+              </a:rPr>
+              <a:t>يَرَوْنَهُ</a:t>
+            </a:r>
+            <a:r>
+              <a:rPr kumimoji="0" lang="ur-PK" sz="2000" b="0" i="0" u="none" strike="noStrike" kern="1200" cap="none" spc="0" normalizeH="0" baseline="0" noProof="0" dirty="0">
+                <a:ln>
+                  <a:noFill/>
+                </a:ln>
+                <a:solidFill>
+                  <a:srgbClr val="F4E1C4"/>
+                </a:solidFill>
+                <a:effectLst/>
+                <a:uLnTx/>
+                <a:uFillTx/>
+                <a:latin typeface="Abbas" panose="02000000000000000000" pitchFamily="2" charset="-78"/>
+                <a:ea typeface="+mn-ea"/>
+                <a:cs typeface="Abbas" panose="02000000000000000000" pitchFamily="2" charset="-78"/>
+              </a:rPr>
+              <a:t> </a:t>
+            </a:r>
+            <a:r>
+              <a:rPr kumimoji="0" lang="ur-PK" sz="2000" b="0" i="0" u="none" strike="noStrike" kern="1200" cap="none" spc="0" normalizeH="0" baseline="0" noProof="0" dirty="0" err="1">
+                <a:ln>
+                  <a:noFill/>
+                </a:ln>
+                <a:solidFill>
+                  <a:srgbClr val="F4E1C4"/>
+                </a:solidFill>
+                <a:effectLst/>
+                <a:uLnTx/>
+                <a:uFillTx/>
+                <a:latin typeface="Abbas" panose="02000000000000000000" pitchFamily="2" charset="-78"/>
+                <a:ea typeface="+mn-ea"/>
+                <a:cs typeface="Abbas" panose="02000000000000000000" pitchFamily="2" charset="-78"/>
+              </a:rPr>
+              <a:t>بَعِيداً</a:t>
+            </a:r>
+            <a:r>
+              <a:rPr kumimoji="0" lang="ur-PK" sz="2000" b="0" i="0" u="none" strike="noStrike" kern="1200" cap="none" spc="0" normalizeH="0" baseline="0" noProof="0" dirty="0">
+                <a:ln>
+                  <a:noFill/>
+                </a:ln>
+                <a:solidFill>
+                  <a:srgbClr val="F4E1C4"/>
+                </a:solidFill>
+                <a:effectLst/>
+                <a:uLnTx/>
+                <a:uFillTx/>
+                <a:latin typeface="Abbas" panose="02000000000000000000" pitchFamily="2" charset="-78"/>
+                <a:ea typeface="+mn-ea"/>
+                <a:cs typeface="Abbas" panose="02000000000000000000" pitchFamily="2" charset="-78"/>
+              </a:rPr>
+              <a:t> </a:t>
+            </a:r>
+            <a:r>
+              <a:rPr kumimoji="0" lang="ur-PK" sz="2000" b="0" i="0" u="none" strike="noStrike" kern="1200" cap="none" spc="0" normalizeH="0" baseline="0" noProof="0" dirty="0" err="1">
+                <a:ln>
+                  <a:noFill/>
+                </a:ln>
+                <a:solidFill>
+                  <a:srgbClr val="F4E1C4"/>
+                </a:solidFill>
+                <a:effectLst/>
+                <a:uLnTx/>
+                <a:uFillTx/>
+                <a:latin typeface="Abbas" panose="02000000000000000000" pitchFamily="2" charset="-78"/>
+                <a:ea typeface="+mn-ea"/>
+                <a:cs typeface="Abbas" panose="02000000000000000000" pitchFamily="2" charset="-78"/>
+              </a:rPr>
+              <a:t>وَنَرَاهُ</a:t>
+            </a:r>
+            <a:r>
+              <a:rPr kumimoji="0" lang="ur-PK" sz="2000" b="0" i="0" u="none" strike="noStrike" kern="1200" cap="none" spc="0" normalizeH="0" baseline="0" noProof="0" dirty="0">
+                <a:ln>
+                  <a:noFill/>
+                </a:ln>
+                <a:solidFill>
+                  <a:srgbClr val="F4E1C4"/>
+                </a:solidFill>
+                <a:effectLst/>
+                <a:uLnTx/>
+                <a:uFillTx/>
+                <a:latin typeface="Abbas" panose="02000000000000000000" pitchFamily="2" charset="-78"/>
+                <a:ea typeface="+mn-ea"/>
+                <a:cs typeface="Abbas" panose="02000000000000000000" pitchFamily="2" charset="-78"/>
+              </a:rPr>
+              <a:t> </a:t>
+            </a:r>
+            <a:r>
+              <a:rPr kumimoji="0" lang="ur-PK" sz="2000" b="0" i="0" u="none" strike="noStrike" kern="1200" cap="none" spc="0" normalizeH="0" baseline="0" noProof="0" dirty="0" err="1">
+                <a:ln>
+                  <a:noFill/>
+                </a:ln>
+                <a:solidFill>
+                  <a:srgbClr val="F4E1C4"/>
+                </a:solidFill>
+                <a:effectLst/>
+                <a:uLnTx/>
+                <a:uFillTx/>
+                <a:latin typeface="Abbas" panose="02000000000000000000" pitchFamily="2" charset="-78"/>
+                <a:ea typeface="+mn-ea"/>
+                <a:cs typeface="Abbas" panose="02000000000000000000" pitchFamily="2" charset="-78"/>
+              </a:rPr>
+              <a:t>قَرِيباً</a:t>
             </a:r>
             <a:endParaRPr kumimoji="0" lang="en-CA" sz="2000" b="0" i="0" u="none" strike="noStrike" kern="1200" cap="none" spc="0" normalizeH="0" baseline="0" noProof="0" dirty="0">
               <a:ln>
@@ -1905,20 +2041,20 @@
     </p:spTree>
     <p:extLst>
       <p:ext uri="{BB962C8B-B14F-4D97-AF65-F5344CB8AC3E}">
-        <p14:creationId xmlns:p14="http://schemas.microsoft.com/office/powerpoint/2010/main" val="1633471537"/>
+        <p14:creationId xmlns:p14="http://schemas.microsoft.com/office/powerpoint/2010/main" val="43978796"/>
       </p:ext>
     </p:extLst>
   </p:cSld>
   <p:clrMapOvr>
     <a:masterClrMapping/>
   </p:clrMapOvr>
-  <mc:AlternateContent xmlns:mc="http://schemas.openxmlformats.org/markup-compatibility/2006">
-    <mc:Choice xmlns:p14="http://schemas.microsoft.com/office/powerpoint/2010/main" Requires="p14">
+  <mc:AlternateContent xmlns:mc="http://schemas.openxmlformats.org/markup-compatibility/2006" xmlns:p14="http://schemas.microsoft.com/office/powerpoint/2010/main">
+    <mc:Choice Requires="p14">
       <p:transition p14:dur="300">
         <p:fade/>
       </p:transition>
     </mc:Choice>
-    <mc:Fallback>
+    <mc:Fallback xmlns="">
       <p:transition>
         <p:fade/>
       </p:transition>
@@ -2048,13 +2184,13 @@
   <p:clrMapOvr>
     <a:masterClrMapping/>
   </p:clrMapOvr>
-  <mc:AlternateContent xmlns:mc="http://schemas.openxmlformats.org/markup-compatibility/2006">
-    <mc:Choice xmlns:p14="http://schemas.microsoft.com/office/powerpoint/2010/main" Requires="p14">
+  <mc:AlternateContent xmlns:mc="http://schemas.openxmlformats.org/markup-compatibility/2006" xmlns:p14="http://schemas.microsoft.com/office/powerpoint/2010/main">
+    <mc:Choice Requires="p14">
       <p:transition p14:dur="300">
         <p:fade/>
       </p:transition>
     </mc:Choice>
-    <mc:Fallback>
+    <mc:Fallback xmlns="">
       <p:transition>
         <p:fade/>
       </p:transition>
@@ -2167,13 +2303,13 @@
   <p:clrMapOvr>
     <a:masterClrMapping/>
   </p:clrMapOvr>
-  <mc:AlternateContent xmlns:mc="http://schemas.openxmlformats.org/markup-compatibility/2006">
-    <mc:Choice xmlns:p14="http://schemas.microsoft.com/office/powerpoint/2010/main" Requires="p14">
+  <mc:AlternateContent xmlns:mc="http://schemas.openxmlformats.org/markup-compatibility/2006" xmlns:p14="http://schemas.microsoft.com/office/powerpoint/2010/main">
+    <mc:Choice Requires="p14">
       <p:transition p14:dur="300">
         <p:fade/>
       </p:transition>
     </mc:Choice>
-    <mc:Fallback>
+    <mc:Fallback xmlns="">
       <p:transition>
         <p:fade/>
       </p:transition>
@@ -2280,13 +2416,13 @@
   <p:clrMapOvr>
     <a:masterClrMapping/>
   </p:clrMapOvr>
-  <mc:AlternateContent xmlns:mc="http://schemas.openxmlformats.org/markup-compatibility/2006">
-    <mc:Choice xmlns:p14="http://schemas.microsoft.com/office/powerpoint/2010/main" Requires="p14">
+  <mc:AlternateContent xmlns:mc="http://schemas.openxmlformats.org/markup-compatibility/2006" xmlns:p14="http://schemas.microsoft.com/office/powerpoint/2010/main">
+    <mc:Choice Requires="p14">
       <p:transition p14:dur="300">
         <p:fade/>
       </p:transition>
     </mc:Choice>
-    <mc:Fallback>
+    <mc:Fallback xmlns="">
       <p:transition>
         <p:fade/>
       </p:transition>
@@ -2384,13 +2520,13 @@
   <p:clrMapOvr>
     <a:masterClrMapping/>
   </p:clrMapOvr>
-  <mc:AlternateContent xmlns:mc="http://schemas.openxmlformats.org/markup-compatibility/2006">
-    <mc:Choice xmlns:p14="http://schemas.microsoft.com/office/powerpoint/2010/main" Requires="p14">
+  <mc:AlternateContent xmlns:mc="http://schemas.openxmlformats.org/markup-compatibility/2006" xmlns:p14="http://schemas.microsoft.com/office/powerpoint/2010/main">
+    <mc:Choice Requires="p14">
       <p:transition p14:dur="300">
         <p:fade/>
       </p:transition>
     </mc:Choice>
-    <mc:Fallback>
+    <mc:Fallback xmlns="">
       <p:transition>
         <p:fade/>
       </p:transition>
@@ -2489,13 +2625,13 @@
   <p:clrMapOvr>
     <a:masterClrMapping/>
   </p:clrMapOvr>
-  <mc:AlternateContent xmlns:mc="http://schemas.openxmlformats.org/markup-compatibility/2006">
-    <mc:Choice xmlns:p14="http://schemas.microsoft.com/office/powerpoint/2010/main" Requires="p14">
+  <mc:AlternateContent xmlns:mc="http://schemas.openxmlformats.org/markup-compatibility/2006" xmlns:p14="http://schemas.microsoft.com/office/powerpoint/2010/main">
+    <mc:Choice Requires="p14">
       <p:transition p14:dur="300">
         <p:fade/>
       </p:transition>
     </mc:Choice>
-    <mc:Fallback>
+    <mc:Fallback xmlns="">
       <p:transition>
         <p:fade/>
       </p:transition>
@@ -2601,13 +2737,13 @@
   <p:clrMapOvr>
     <a:masterClrMapping/>
   </p:clrMapOvr>
-  <mc:AlternateContent xmlns:mc="http://schemas.openxmlformats.org/markup-compatibility/2006">
-    <mc:Choice xmlns:p14="http://schemas.microsoft.com/office/powerpoint/2010/main" Requires="p14">
+  <mc:AlternateContent xmlns:mc="http://schemas.openxmlformats.org/markup-compatibility/2006" xmlns:p14="http://schemas.microsoft.com/office/powerpoint/2010/main">
+    <mc:Choice Requires="p14">
       <p:transition p14:dur="300">
         <p:fade/>
       </p:transition>
     </mc:Choice>
-    <mc:Fallback>
+    <mc:Fallback xmlns="">
       <p:transition>
         <p:fade/>
       </p:transition>
@@ -2706,13 +2842,13 @@
   <p:clrMapOvr>
     <a:masterClrMapping/>
   </p:clrMapOvr>
-  <mc:AlternateContent xmlns:mc="http://schemas.openxmlformats.org/markup-compatibility/2006">
-    <mc:Choice xmlns:p14="http://schemas.microsoft.com/office/powerpoint/2010/main" Requires="p14">
+  <mc:AlternateContent xmlns:mc="http://schemas.openxmlformats.org/markup-compatibility/2006" xmlns:p14="http://schemas.microsoft.com/office/powerpoint/2010/main">
+    <mc:Choice Requires="p14">
       <p:transition p14:dur="300">
         <p:fade/>
       </p:transition>
     </mc:Choice>
-    <mc:Fallback>
+    <mc:Fallback xmlns="">
       <p:transition>
         <p:fade/>
       </p:transition>
@@ -2811,13 +2947,13 @@
   <p:clrMapOvr>
     <a:masterClrMapping/>
   </p:clrMapOvr>
-  <mc:AlternateContent xmlns:mc="http://schemas.openxmlformats.org/markup-compatibility/2006">
-    <mc:Choice xmlns:p14="http://schemas.microsoft.com/office/powerpoint/2010/main" Requires="p14">
+  <mc:AlternateContent xmlns:mc="http://schemas.openxmlformats.org/markup-compatibility/2006" xmlns:p14="http://schemas.microsoft.com/office/powerpoint/2010/main">
+    <mc:Choice Requires="p14">
       <p:transition p14:dur="300">
         <p:fade/>
       </p:transition>
     </mc:Choice>
-    <mc:Fallback>
+    <mc:Fallback xmlns="">
       <p:transition>
         <p:fade/>
       </p:transition>
@@ -2916,13 +3052,13 @@
   <p:clrMapOvr>
     <a:masterClrMapping/>
   </p:clrMapOvr>
-  <mc:AlternateContent xmlns:mc="http://schemas.openxmlformats.org/markup-compatibility/2006">
-    <mc:Choice xmlns:p14="http://schemas.microsoft.com/office/powerpoint/2010/main" Requires="p14">
+  <mc:AlternateContent xmlns:mc="http://schemas.openxmlformats.org/markup-compatibility/2006" xmlns:p14="http://schemas.microsoft.com/office/powerpoint/2010/main">
+    <mc:Choice Requires="p14">
       <p:transition p14:dur="300">
         <p:fade/>
       </p:transition>
     </mc:Choice>
-    <mc:Fallback>
+    <mc:Fallback xmlns="">
       <p:transition>
         <p:fade/>
       </p:transition>
@@ -3020,13 +3156,13 @@
   <p:clrMapOvr>
     <a:masterClrMapping/>
   </p:clrMapOvr>
-  <mc:AlternateContent xmlns:mc="http://schemas.openxmlformats.org/markup-compatibility/2006">
-    <mc:Choice xmlns:p14="http://schemas.microsoft.com/office/powerpoint/2010/main" Requires="p14">
+  <mc:AlternateContent xmlns:mc="http://schemas.openxmlformats.org/markup-compatibility/2006" xmlns:p14="http://schemas.microsoft.com/office/powerpoint/2010/main">
+    <mc:Choice Requires="p14">
       <p:transition p14:dur="300">
         <p:fade/>
       </p:transition>
     </mc:Choice>
-    <mc:Fallback>
+    <mc:Fallback xmlns="">
       <p:transition>
         <p:fade/>
       </p:transition>
@@ -3124,13 +3260,13 @@
   <p:clrMapOvr>
     <a:masterClrMapping/>
   </p:clrMapOvr>
-  <mc:AlternateContent xmlns:mc="http://schemas.openxmlformats.org/markup-compatibility/2006">
-    <mc:Choice xmlns:p14="http://schemas.microsoft.com/office/powerpoint/2010/main" Requires="p14">
+  <mc:AlternateContent xmlns:mc="http://schemas.openxmlformats.org/markup-compatibility/2006" xmlns:p14="http://schemas.microsoft.com/office/powerpoint/2010/main">
+    <mc:Choice Requires="p14">
       <p:transition p14:dur="300">
         <p:fade/>
       </p:transition>
     </mc:Choice>
-    <mc:Fallback>
+    <mc:Fallback xmlns="">
       <p:transition>
         <p:fade/>
       </p:transition>
@@ -3237,13 +3373,13 @@
   <p:clrMapOvr>
     <a:masterClrMapping/>
   </p:clrMapOvr>
-  <mc:AlternateContent xmlns:mc="http://schemas.openxmlformats.org/markup-compatibility/2006">
-    <mc:Choice xmlns:p14="http://schemas.microsoft.com/office/powerpoint/2010/main" Requires="p14">
+  <mc:AlternateContent xmlns:mc="http://schemas.openxmlformats.org/markup-compatibility/2006" xmlns:p14="http://schemas.microsoft.com/office/powerpoint/2010/main">
+    <mc:Choice Requires="p14">
       <p:transition p14:dur="300">
         <p:fade/>
       </p:transition>
     </mc:Choice>
-    <mc:Fallback>
+    <mc:Fallback xmlns="">
       <p:transition>
         <p:fade/>
       </p:transition>
@@ -3364,13 +3500,13 @@
   <p:clrMapOvr>
     <a:masterClrMapping/>
   </p:clrMapOvr>
-  <mc:AlternateContent xmlns:mc="http://schemas.openxmlformats.org/markup-compatibility/2006">
-    <mc:Choice xmlns:p14="http://schemas.microsoft.com/office/powerpoint/2010/main" Requires="p14">
+  <mc:AlternateContent xmlns:mc="http://schemas.openxmlformats.org/markup-compatibility/2006" xmlns:p14="http://schemas.microsoft.com/office/powerpoint/2010/main">
+    <mc:Choice Requires="p14">
       <p:transition p14:dur="300">
         <p:fade/>
       </p:transition>
     </mc:Choice>
-    <mc:Fallback>
+    <mc:Fallback xmlns="">
       <p:transition>
         <p:fade/>
       </p:transition>
@@ -3479,13 +3615,13 @@
   <p:clrMapOvr>
     <a:masterClrMapping/>
   </p:clrMapOvr>
-  <mc:AlternateContent xmlns:mc="http://schemas.openxmlformats.org/markup-compatibility/2006">
-    <mc:Choice xmlns:p14="http://schemas.microsoft.com/office/powerpoint/2010/main" Requires="p14">
+  <mc:AlternateContent xmlns:mc="http://schemas.openxmlformats.org/markup-compatibility/2006" xmlns:p14="http://schemas.microsoft.com/office/powerpoint/2010/main">
+    <mc:Choice Requires="p14">
       <p:transition p14:dur="300">
         <p:fade/>
       </p:transition>
     </mc:Choice>
-    <mc:Fallback>
+    <mc:Fallback xmlns="">
       <p:transition>
         <p:fade/>
       </p:transition>
@@ -3582,13 +3718,13 @@
   <p:clrMapOvr>
     <a:masterClrMapping/>
   </p:clrMapOvr>
-  <mc:AlternateContent xmlns:mc="http://schemas.openxmlformats.org/markup-compatibility/2006">
-    <mc:Choice xmlns:p14="http://schemas.microsoft.com/office/powerpoint/2010/main" Requires="p14">
+  <mc:AlternateContent xmlns:mc="http://schemas.openxmlformats.org/markup-compatibility/2006" xmlns:p14="http://schemas.microsoft.com/office/powerpoint/2010/main">
+    <mc:Choice Requires="p14">
       <p:transition p14:dur="300">
         <p:fade/>
       </p:transition>
     </mc:Choice>
-    <mc:Fallback>
+    <mc:Fallback xmlns="">
       <p:transition>
         <p:fade/>
       </p:transition>
@@ -3705,13 +3841,13 @@
   <p:clrMapOvr>
     <a:masterClrMapping/>
   </p:clrMapOvr>
-  <mc:AlternateContent xmlns:mc="http://schemas.openxmlformats.org/markup-compatibility/2006">
-    <mc:Choice xmlns:p14="http://schemas.microsoft.com/office/powerpoint/2010/main" Requires="p14">
+  <mc:AlternateContent xmlns:mc="http://schemas.openxmlformats.org/markup-compatibility/2006" xmlns:p14="http://schemas.microsoft.com/office/powerpoint/2010/main">
+    <mc:Choice Requires="p14">
       <p:transition p14:dur="300">
         <p:fade/>
       </p:transition>
     </mc:Choice>
-    <mc:Fallback>
+    <mc:Fallback xmlns="">
       <p:transition>
         <p:fade/>
       </p:transition>
@@ -3820,13 +3956,13 @@
   <p:clrMapOvr>
     <a:masterClrMapping/>
   </p:clrMapOvr>
-  <mc:AlternateContent xmlns:mc="http://schemas.openxmlformats.org/markup-compatibility/2006">
-    <mc:Choice xmlns:p14="http://schemas.microsoft.com/office/powerpoint/2010/main" Requires="p14">
+  <mc:AlternateContent xmlns:mc="http://schemas.openxmlformats.org/markup-compatibility/2006" xmlns:p14="http://schemas.microsoft.com/office/powerpoint/2010/main">
+    <mc:Choice Requires="p14">
       <p:transition p14:dur="300">
         <p:fade/>
       </p:transition>
     </mc:Choice>
-    <mc:Fallback>
+    <mc:Fallback xmlns="">
       <p:transition>
         <p:fade/>
       </p:transition>
@@ -3932,13 +4068,13 @@
   <p:clrMapOvr>
     <a:masterClrMapping/>
   </p:clrMapOvr>
-  <mc:AlternateContent xmlns:mc="http://schemas.openxmlformats.org/markup-compatibility/2006">
-    <mc:Choice xmlns:p14="http://schemas.microsoft.com/office/powerpoint/2010/main" Requires="p14">
+  <mc:AlternateContent xmlns:mc="http://schemas.openxmlformats.org/markup-compatibility/2006" xmlns:p14="http://schemas.microsoft.com/office/powerpoint/2010/main">
+    <mc:Choice Requires="p14">
       <p:transition p14:dur="300">
         <p:fade/>
       </p:transition>
     </mc:Choice>
-    <mc:Fallback>
+    <mc:Fallback xmlns="">
       <p:transition>
         <p:fade/>
       </p:transition>
@@ -4036,13 +4172,13 @@
   <p:clrMapOvr>
     <a:masterClrMapping/>
   </p:clrMapOvr>
-  <mc:AlternateContent xmlns:mc="http://schemas.openxmlformats.org/markup-compatibility/2006">
-    <mc:Choice xmlns:p14="http://schemas.microsoft.com/office/powerpoint/2010/main" Requires="p14">
+  <mc:AlternateContent xmlns:mc="http://schemas.openxmlformats.org/markup-compatibility/2006" xmlns:p14="http://schemas.microsoft.com/office/powerpoint/2010/main">
+    <mc:Choice Requires="p14">
       <p:transition p14:dur="300">
         <p:fade/>
       </p:transition>
     </mc:Choice>
-    <mc:Fallback>
+    <mc:Fallback xmlns="">
       <p:transition>
         <p:fade/>
       </p:transition>
@@ -4140,13 +4276,13 @@
   <p:clrMapOvr>
     <a:masterClrMapping/>
   </p:clrMapOvr>
-  <mc:AlternateContent xmlns:mc="http://schemas.openxmlformats.org/markup-compatibility/2006">
-    <mc:Choice xmlns:p14="http://schemas.microsoft.com/office/powerpoint/2010/main" Requires="p14">
+  <mc:AlternateContent xmlns:mc="http://schemas.openxmlformats.org/markup-compatibility/2006" xmlns:p14="http://schemas.microsoft.com/office/powerpoint/2010/main">
+    <mc:Choice Requires="p14">
       <p:transition p14:dur="300">
         <p:fade/>
       </p:transition>
     </mc:Choice>
-    <mc:Fallback>
+    <mc:Fallback xmlns="">
       <p:transition>
         <p:fade/>
       </p:transition>
@@ -4244,13 +4380,13 @@
   <p:clrMapOvr>
     <a:masterClrMapping/>
   </p:clrMapOvr>
-  <mc:AlternateContent xmlns:mc="http://schemas.openxmlformats.org/markup-compatibility/2006">
-    <mc:Choice xmlns:p14="http://schemas.microsoft.com/office/powerpoint/2010/main" Requires="p14">
+  <mc:AlternateContent xmlns:mc="http://schemas.openxmlformats.org/markup-compatibility/2006" xmlns:p14="http://schemas.microsoft.com/office/powerpoint/2010/main">
+    <mc:Choice Requires="p14">
       <p:transition p14:dur="300">
         <p:fade/>
       </p:transition>
     </mc:Choice>
-    <mc:Fallback>
+    <mc:Fallback xmlns="">
       <p:transition>
         <p:fade/>
       </p:transition>
@@ -4348,13 +4484,13 @@
   <p:clrMapOvr>
     <a:masterClrMapping/>
   </p:clrMapOvr>
-  <mc:AlternateContent xmlns:mc="http://schemas.openxmlformats.org/markup-compatibility/2006">
-    <mc:Choice xmlns:p14="http://schemas.microsoft.com/office/powerpoint/2010/main" Requires="p14">
+  <mc:AlternateContent xmlns:mc="http://schemas.openxmlformats.org/markup-compatibility/2006" xmlns:p14="http://schemas.microsoft.com/office/powerpoint/2010/main">
+    <mc:Choice Requires="p14">
       <p:transition p14:dur="300">
         <p:fade/>
       </p:transition>
     </mc:Choice>
-    <mc:Fallback>
+    <mc:Fallback xmlns="">
       <p:transition>
         <p:fade/>
       </p:transition>
@@ -4452,13 +4588,13 @@
   <p:clrMapOvr>
     <a:masterClrMapping/>
   </p:clrMapOvr>
-  <mc:AlternateContent xmlns:mc="http://schemas.openxmlformats.org/markup-compatibility/2006">
-    <mc:Choice xmlns:p14="http://schemas.microsoft.com/office/powerpoint/2010/main" Requires="p14">
+  <mc:AlternateContent xmlns:mc="http://schemas.openxmlformats.org/markup-compatibility/2006" xmlns:p14="http://schemas.microsoft.com/office/powerpoint/2010/main">
+    <mc:Choice Requires="p14">
       <p:transition p14:dur="300">
         <p:fade/>
       </p:transition>
     </mc:Choice>
-    <mc:Fallback>
+    <mc:Fallback xmlns="">
       <p:transition>
         <p:fade/>
       </p:transition>
@@ -4567,13 +4703,13 @@
   <p:clrMapOvr>
     <a:masterClrMapping/>
   </p:clrMapOvr>
-  <mc:AlternateContent xmlns:mc="http://schemas.openxmlformats.org/markup-compatibility/2006">
-    <mc:Choice xmlns:p14="http://schemas.microsoft.com/office/powerpoint/2010/main" Requires="p14">
+  <mc:AlternateContent xmlns:mc="http://schemas.openxmlformats.org/markup-compatibility/2006" xmlns:p14="http://schemas.microsoft.com/office/powerpoint/2010/main">
+    <mc:Choice Requires="p14">
       <p:transition p14:dur="300">
         <p:fade/>
       </p:transition>
     </mc:Choice>
-    <mc:Fallback>
+    <mc:Fallback xmlns="">
       <p:transition>
         <p:fade/>
       </p:transition>
@@ -4678,13 +4814,13 @@
   <p:clrMapOvr>
     <a:masterClrMapping/>
   </p:clrMapOvr>
-  <mc:AlternateContent xmlns:mc="http://schemas.openxmlformats.org/markup-compatibility/2006">
-    <mc:Choice xmlns:p14="http://schemas.microsoft.com/office/powerpoint/2010/main" Requires="p14">
+  <mc:AlternateContent xmlns:mc="http://schemas.openxmlformats.org/markup-compatibility/2006" xmlns:p14="http://schemas.microsoft.com/office/powerpoint/2010/main">
+    <mc:Choice Requires="p14">
       <p:transition p14:dur="300">
         <p:fade/>
       </p:transition>
     </mc:Choice>
-    <mc:Fallback>
+    <mc:Fallback xmlns="">
       <p:transition>
         <p:fade/>
       </p:transition>
@@ -4782,13 +4918,13 @@
   <p:clrMapOvr>
     <a:masterClrMapping/>
   </p:clrMapOvr>
-  <mc:AlternateContent xmlns:mc="http://schemas.openxmlformats.org/markup-compatibility/2006">
-    <mc:Choice xmlns:p14="http://schemas.microsoft.com/office/powerpoint/2010/main" Requires="p14">
+  <mc:AlternateContent xmlns:mc="http://schemas.openxmlformats.org/markup-compatibility/2006" xmlns:p14="http://schemas.microsoft.com/office/powerpoint/2010/main">
+    <mc:Choice Requires="p14">
       <p:transition p14:dur="300">
         <p:fade/>
       </p:transition>
     </mc:Choice>
-    <mc:Fallback>
+    <mc:Fallback xmlns="">
       <p:transition>
         <p:fade/>
       </p:transition>
@@ -4901,13 +5037,13 @@
   <p:clrMapOvr>
     <a:masterClrMapping/>
   </p:clrMapOvr>
-  <mc:AlternateContent xmlns:mc="http://schemas.openxmlformats.org/markup-compatibility/2006">
-    <mc:Choice xmlns:p14="http://schemas.microsoft.com/office/powerpoint/2010/main" Requires="p14">
+  <mc:AlternateContent xmlns:mc="http://schemas.openxmlformats.org/markup-compatibility/2006" xmlns:p14="http://schemas.microsoft.com/office/powerpoint/2010/main">
+    <mc:Choice Requires="p14">
       <p:transition p14:dur="300">
         <p:fade/>
       </p:transition>
     </mc:Choice>
-    <mc:Fallback>
+    <mc:Fallback xmlns="">
       <p:transition>
         <p:fade/>
       </p:transition>
@@ -5005,13 +5141,13 @@
   <p:clrMapOvr>
     <a:masterClrMapping/>
   </p:clrMapOvr>
-  <mc:AlternateContent xmlns:mc="http://schemas.openxmlformats.org/markup-compatibility/2006">
-    <mc:Choice xmlns:p14="http://schemas.microsoft.com/office/powerpoint/2010/main" Requires="p14">
+  <mc:AlternateContent xmlns:mc="http://schemas.openxmlformats.org/markup-compatibility/2006" xmlns:p14="http://schemas.microsoft.com/office/powerpoint/2010/main">
+    <mc:Choice Requires="p14">
       <p:transition p14:dur="300">
         <p:fade/>
       </p:transition>
     </mc:Choice>
-    <mc:Fallback>
+    <mc:Fallback xmlns="">
       <p:transition>
         <p:fade/>
       </p:transition>
@@ -5109,13 +5245,13 @@
   <p:clrMapOvr>
     <a:masterClrMapping/>
   </p:clrMapOvr>
-  <mc:AlternateContent xmlns:mc="http://schemas.openxmlformats.org/markup-compatibility/2006">
-    <mc:Choice xmlns:p14="http://schemas.microsoft.com/office/powerpoint/2010/main" Requires="p14">
+  <mc:AlternateContent xmlns:mc="http://schemas.openxmlformats.org/markup-compatibility/2006" xmlns:p14="http://schemas.microsoft.com/office/powerpoint/2010/main">
+    <mc:Choice Requires="p14">
       <p:transition p14:dur="300">
         <p:fade/>
       </p:transition>
     </mc:Choice>
-    <mc:Fallback>
+    <mc:Fallback xmlns="">
       <p:transition>
         <p:fade/>
       </p:transition>
@@ -5224,13 +5360,13 @@
   <p:clrMapOvr>
     <a:masterClrMapping/>
   </p:clrMapOvr>
-  <mc:AlternateContent xmlns:mc="http://schemas.openxmlformats.org/markup-compatibility/2006">
-    <mc:Choice xmlns:p14="http://schemas.microsoft.com/office/powerpoint/2010/main" Requires="p14">
+  <mc:AlternateContent xmlns:mc="http://schemas.openxmlformats.org/markup-compatibility/2006" xmlns:p14="http://schemas.microsoft.com/office/powerpoint/2010/main">
+    <mc:Choice Requires="p14">
       <p:transition p14:dur="300">
         <p:fade/>
       </p:transition>
     </mc:Choice>
-    <mc:Fallback>
+    <mc:Fallback xmlns="">
       <p:transition>
         <p:fade/>
       </p:transition>
@@ -5335,13 +5471,13 @@
   <p:clrMapOvr>
     <a:masterClrMapping/>
   </p:clrMapOvr>
-  <mc:AlternateContent xmlns:mc="http://schemas.openxmlformats.org/markup-compatibility/2006">
-    <mc:Choice xmlns:p14="http://schemas.microsoft.com/office/powerpoint/2010/main" Requires="p14">
+  <mc:AlternateContent xmlns:mc="http://schemas.openxmlformats.org/markup-compatibility/2006" xmlns:p14="http://schemas.microsoft.com/office/powerpoint/2010/main">
+    <mc:Choice Requires="p14">
       <p:transition p14:dur="300">
         <p:fade/>
       </p:transition>
     </mc:Choice>
-    <mc:Fallback>
+    <mc:Fallback xmlns="">
       <p:transition>
         <p:fade/>
       </p:transition>
@@ -5439,13 +5575,13 @@
   <p:clrMapOvr>
     <a:masterClrMapping/>
   </p:clrMapOvr>
-  <mc:AlternateContent xmlns:mc="http://schemas.openxmlformats.org/markup-compatibility/2006">
-    <mc:Choice xmlns:p14="http://schemas.microsoft.com/office/powerpoint/2010/main" Requires="p14">
+  <mc:AlternateContent xmlns:mc="http://schemas.openxmlformats.org/markup-compatibility/2006" xmlns:p14="http://schemas.microsoft.com/office/powerpoint/2010/main">
+    <mc:Choice Requires="p14">
       <p:transition p14:dur="300">
         <p:fade/>
       </p:transition>
     </mc:Choice>
-    <mc:Fallback>
+    <mc:Fallback xmlns="">
       <p:transition>
         <p:fade/>
       </p:transition>
@@ -5550,13 +5686,13 @@
   <p:clrMapOvr>
     <a:masterClrMapping/>
   </p:clrMapOvr>
-  <mc:AlternateContent xmlns:mc="http://schemas.openxmlformats.org/markup-compatibility/2006">
-    <mc:Choice xmlns:p14="http://schemas.microsoft.com/office/powerpoint/2010/main" Requires="p14">
+  <mc:AlternateContent xmlns:mc="http://schemas.openxmlformats.org/markup-compatibility/2006" xmlns:p14="http://schemas.microsoft.com/office/powerpoint/2010/main">
+    <mc:Choice Requires="p14">
       <p:transition p14:dur="300">
         <p:fade/>
       </p:transition>
     </mc:Choice>
-    <mc:Fallback>
+    <mc:Fallback xmlns="">
       <p:transition>
         <p:fade/>
       </p:transition>
@@ -5654,13 +5790,13 @@
   <p:clrMapOvr>
     <a:masterClrMapping/>
   </p:clrMapOvr>
-  <mc:AlternateContent xmlns:mc="http://schemas.openxmlformats.org/markup-compatibility/2006">
-    <mc:Choice xmlns:p14="http://schemas.microsoft.com/office/powerpoint/2010/main" Requires="p14">
+  <mc:AlternateContent xmlns:mc="http://schemas.openxmlformats.org/markup-compatibility/2006" xmlns:p14="http://schemas.microsoft.com/office/powerpoint/2010/main">
+    <mc:Choice Requires="p14">
       <p:transition p14:dur="300">
         <p:fade/>
       </p:transition>
     </mc:Choice>
-    <mc:Fallback>
+    <mc:Fallback xmlns="">
       <p:transition>
         <p:fade/>
       </p:transition>
@@ -5769,13 +5905,13 @@
   <p:clrMapOvr>
     <a:masterClrMapping/>
   </p:clrMapOvr>
-  <mc:AlternateContent xmlns:mc="http://schemas.openxmlformats.org/markup-compatibility/2006">
-    <mc:Choice xmlns:p14="http://schemas.microsoft.com/office/powerpoint/2010/main" Requires="p14">
+  <mc:AlternateContent xmlns:mc="http://schemas.openxmlformats.org/markup-compatibility/2006" xmlns:p14="http://schemas.microsoft.com/office/powerpoint/2010/main">
+    <mc:Choice Requires="p14">
       <p:transition p14:dur="300">
         <p:fade/>
       </p:transition>
     </mc:Choice>
-    <mc:Fallback>
+    <mc:Fallback xmlns="">
       <p:transition>
         <p:fade/>
       </p:transition>
@@ -5877,13 +6013,13 @@
   <p:clrMapOvr>
     <a:masterClrMapping/>
   </p:clrMapOvr>
-  <mc:AlternateContent xmlns:mc="http://schemas.openxmlformats.org/markup-compatibility/2006">
-    <mc:Choice xmlns:p14="http://schemas.microsoft.com/office/powerpoint/2010/main" Requires="p14">
+  <mc:AlternateContent xmlns:mc="http://schemas.openxmlformats.org/markup-compatibility/2006" xmlns:p14="http://schemas.microsoft.com/office/powerpoint/2010/main">
+    <mc:Choice Requires="p14">
       <p:transition p14:dur="300">
         <p:fade/>
       </p:transition>
     </mc:Choice>
-    <mc:Fallback>
+    <mc:Fallback xmlns="">
       <p:transition>
         <p:fade/>
       </p:transition>
@@ -5981,13 +6117,13 @@
   <p:clrMapOvr>
     <a:masterClrMapping/>
   </p:clrMapOvr>
-  <mc:AlternateContent xmlns:mc="http://schemas.openxmlformats.org/markup-compatibility/2006">
-    <mc:Choice xmlns:p14="http://schemas.microsoft.com/office/powerpoint/2010/main" Requires="p14">
+  <mc:AlternateContent xmlns:mc="http://schemas.openxmlformats.org/markup-compatibility/2006" xmlns:p14="http://schemas.microsoft.com/office/powerpoint/2010/main">
+    <mc:Choice Requires="p14">
       <p:transition p14:dur="300">
         <p:fade/>
       </p:transition>
     </mc:Choice>
-    <mc:Fallback>
+    <mc:Fallback xmlns="">
       <p:transition>
         <p:fade/>
       </p:transition>
@@ -6086,13 +6222,13 @@
   <p:clrMapOvr>
     <a:masterClrMapping/>
   </p:clrMapOvr>
-  <mc:AlternateContent xmlns:mc="http://schemas.openxmlformats.org/markup-compatibility/2006">
-    <mc:Choice xmlns:p14="http://schemas.microsoft.com/office/powerpoint/2010/main" Requires="p14">
+  <mc:AlternateContent xmlns:mc="http://schemas.openxmlformats.org/markup-compatibility/2006" xmlns:p14="http://schemas.microsoft.com/office/powerpoint/2010/main">
+    <mc:Choice Requires="p14">
       <p:transition p14:dur="300">
         <p:fade/>
       </p:transition>
     </mc:Choice>
-    <mc:Fallback>
+    <mc:Fallback xmlns="">
       <p:transition>
         <p:fade/>
       </p:transition>
@@ -6197,13 +6333,13 @@
   <p:clrMapOvr>
     <a:masterClrMapping/>
   </p:clrMapOvr>
-  <mc:AlternateContent xmlns:mc="http://schemas.openxmlformats.org/markup-compatibility/2006">
-    <mc:Choice xmlns:p14="http://schemas.microsoft.com/office/powerpoint/2010/main" Requires="p14">
+  <mc:AlternateContent xmlns:mc="http://schemas.openxmlformats.org/markup-compatibility/2006" xmlns:p14="http://schemas.microsoft.com/office/powerpoint/2010/main">
+    <mc:Choice Requires="p14">
       <p:transition p14:dur="300">
         <p:fade/>
       </p:transition>
     </mc:Choice>
-    <mc:Fallback>
+    <mc:Fallback xmlns="">
       <p:transition>
         <p:fade/>
       </p:transition>
@@ -6301,13 +6437,13 @@
   <p:clrMapOvr>
     <a:masterClrMapping/>
   </p:clrMapOvr>
-  <mc:AlternateContent xmlns:mc="http://schemas.openxmlformats.org/markup-compatibility/2006">
-    <mc:Choice xmlns:p14="http://schemas.microsoft.com/office/powerpoint/2010/main" Requires="p14">
+  <mc:AlternateContent xmlns:mc="http://schemas.openxmlformats.org/markup-compatibility/2006" xmlns:p14="http://schemas.microsoft.com/office/powerpoint/2010/main">
+    <mc:Choice Requires="p14">
       <p:transition p14:dur="300">
         <p:fade/>
       </p:transition>
     </mc:Choice>
-    <mc:Fallback>
+    <mc:Fallback xmlns="">
       <p:transition>
         <p:fade/>
       </p:transition>
@@ -6405,13 +6541,13 @@
   <p:clrMapOvr>
     <a:masterClrMapping/>
   </p:clrMapOvr>
-  <mc:AlternateContent xmlns:mc="http://schemas.openxmlformats.org/markup-compatibility/2006">
-    <mc:Choice xmlns:p14="http://schemas.microsoft.com/office/powerpoint/2010/main" Requires="p14">
+  <mc:AlternateContent xmlns:mc="http://schemas.openxmlformats.org/markup-compatibility/2006" xmlns:p14="http://schemas.microsoft.com/office/powerpoint/2010/main">
+    <mc:Choice Requires="p14">
       <p:transition p14:dur="300">
         <p:fade/>
       </p:transition>
     </mc:Choice>
-    <mc:Fallback>
+    <mc:Fallback xmlns="">
       <p:transition>
         <p:fade/>
       </p:transition>
@@ -6509,13 +6645,13 @@
   <p:clrMapOvr>
     <a:masterClrMapping/>
   </p:clrMapOvr>
-  <mc:AlternateContent xmlns:mc="http://schemas.openxmlformats.org/markup-compatibility/2006">
-    <mc:Choice xmlns:p14="http://schemas.microsoft.com/office/powerpoint/2010/main" Requires="p14">
+  <mc:AlternateContent xmlns:mc="http://schemas.openxmlformats.org/markup-compatibility/2006" xmlns:p14="http://schemas.microsoft.com/office/powerpoint/2010/main">
+    <mc:Choice Requires="p14">
       <p:transition p14:dur="300">
         <p:fade/>
       </p:transition>
     </mc:Choice>
-    <mc:Fallback>
+    <mc:Fallback xmlns="">
       <p:transition>
         <p:fade/>
       </p:transition>
@@ -6614,13 +6750,13 @@
   <p:clrMapOvr>
     <a:masterClrMapping/>
   </p:clrMapOvr>
-  <mc:AlternateContent xmlns:mc="http://schemas.openxmlformats.org/markup-compatibility/2006">
-    <mc:Choice xmlns:p14="http://schemas.microsoft.com/office/powerpoint/2010/main" Requires="p14">
+  <mc:AlternateContent xmlns:mc="http://schemas.openxmlformats.org/markup-compatibility/2006" xmlns:p14="http://schemas.microsoft.com/office/powerpoint/2010/main">
+    <mc:Choice Requires="p14">
       <p:transition p14:dur="300">
         <p:fade/>
       </p:transition>
     </mc:Choice>
-    <mc:Fallback>
+    <mc:Fallback xmlns="">
       <p:transition>
         <p:fade/>
       </p:transition>
@@ -6729,13 +6865,13 @@
   <p:clrMapOvr>
     <a:masterClrMapping/>
   </p:clrMapOvr>
-  <mc:AlternateContent xmlns:mc="http://schemas.openxmlformats.org/markup-compatibility/2006">
-    <mc:Choice xmlns:p14="http://schemas.microsoft.com/office/powerpoint/2010/main" Requires="p14">
+  <mc:AlternateContent xmlns:mc="http://schemas.openxmlformats.org/markup-compatibility/2006" xmlns:p14="http://schemas.microsoft.com/office/powerpoint/2010/main">
+    <mc:Choice Requires="p14">
       <p:transition p14:dur="300">
         <p:fade/>
       </p:transition>
     </mc:Choice>
-    <mc:Fallback>
+    <mc:Fallback xmlns="">
       <p:transition>
         <p:fade/>
       </p:transition>
@@ -6845,13 +6981,13 @@
   <p:clrMapOvr>
     <a:masterClrMapping/>
   </p:clrMapOvr>
-  <mc:AlternateContent xmlns:mc="http://schemas.openxmlformats.org/markup-compatibility/2006">
-    <mc:Choice xmlns:p14="http://schemas.microsoft.com/office/powerpoint/2010/main" Requires="p14">
+  <mc:AlternateContent xmlns:mc="http://schemas.openxmlformats.org/markup-compatibility/2006" xmlns:p14="http://schemas.microsoft.com/office/powerpoint/2010/main">
+    <mc:Choice Requires="p14">
       <p:transition p14:dur="300">
         <p:fade/>
       </p:transition>
     </mc:Choice>
-    <mc:Fallback>
+    <mc:Fallback xmlns="">
       <p:transition>
         <p:fade/>
       </p:transition>
@@ -6964,13 +7100,13 @@
   <p:clrMapOvr>
     <a:masterClrMapping/>
   </p:clrMapOvr>
-  <mc:AlternateContent xmlns:mc="http://schemas.openxmlformats.org/markup-compatibility/2006">
-    <mc:Choice xmlns:p14="http://schemas.microsoft.com/office/powerpoint/2010/main" Requires="p14">
+  <mc:AlternateContent xmlns:mc="http://schemas.openxmlformats.org/markup-compatibility/2006" xmlns:p14="http://schemas.microsoft.com/office/powerpoint/2010/main">
+    <mc:Choice Requires="p14">
       <p:transition p14:dur="300">
         <p:fade/>
       </p:transition>
     </mc:Choice>
-    <mc:Fallback>
+    <mc:Fallback xmlns="">
       <p:transition>
         <p:fade/>
       </p:transition>
@@ -7068,13 +7204,13 @@
   <p:clrMapOvr>
     <a:masterClrMapping/>
   </p:clrMapOvr>
-  <mc:AlternateContent xmlns:mc="http://schemas.openxmlformats.org/markup-compatibility/2006">
-    <mc:Choice xmlns:p14="http://schemas.microsoft.com/office/powerpoint/2010/main" Requires="p14">
+  <mc:AlternateContent xmlns:mc="http://schemas.openxmlformats.org/markup-compatibility/2006" xmlns:p14="http://schemas.microsoft.com/office/powerpoint/2010/main">
+    <mc:Choice Requires="p14">
       <p:transition p14:dur="300">
         <p:fade/>
       </p:transition>
     </mc:Choice>
-    <mc:Fallback>
+    <mc:Fallback xmlns="">
       <p:transition>
         <p:fade/>
       </p:transition>
@@ -7179,13 +7315,13 @@
   <p:clrMapOvr>
     <a:masterClrMapping/>
   </p:clrMapOvr>
-  <mc:AlternateContent xmlns:mc="http://schemas.openxmlformats.org/markup-compatibility/2006">
-    <mc:Choice xmlns:p14="http://schemas.microsoft.com/office/powerpoint/2010/main" Requires="p14">
+  <mc:AlternateContent xmlns:mc="http://schemas.openxmlformats.org/markup-compatibility/2006" xmlns:p14="http://schemas.microsoft.com/office/powerpoint/2010/main">
+    <mc:Choice Requires="p14">
       <p:transition p14:dur="300">
         <p:fade/>
       </p:transition>
     </mc:Choice>
-    <mc:Fallback>
+    <mc:Fallback xmlns="">
       <p:transition>
         <p:fade/>
       </p:transition>
@@ -7283,13 +7419,13 @@
   <p:clrMapOvr>
     <a:masterClrMapping/>
   </p:clrMapOvr>
-  <mc:AlternateContent xmlns:mc="http://schemas.openxmlformats.org/markup-compatibility/2006">
-    <mc:Choice xmlns:p14="http://schemas.microsoft.com/office/powerpoint/2010/main" Requires="p14">
+  <mc:AlternateContent xmlns:mc="http://schemas.openxmlformats.org/markup-compatibility/2006" xmlns:p14="http://schemas.microsoft.com/office/powerpoint/2010/main">
+    <mc:Choice Requires="p14">
       <p:transition p14:dur="300">
         <p:fade/>
       </p:transition>
     </mc:Choice>
-    <mc:Fallback>
+    <mc:Fallback xmlns="">
       <p:transition>
         <p:fade/>
       </p:transition>
@@ -7393,13 +7529,13 @@
   <p:clrMapOvr>
     <a:masterClrMapping/>
   </p:clrMapOvr>
-  <mc:AlternateContent xmlns:mc="http://schemas.openxmlformats.org/markup-compatibility/2006">
-    <mc:Choice xmlns:p14="http://schemas.microsoft.com/office/powerpoint/2010/main" Requires="p14">
+  <mc:AlternateContent xmlns:mc="http://schemas.openxmlformats.org/markup-compatibility/2006" xmlns:p14="http://schemas.microsoft.com/office/powerpoint/2010/main">
+    <mc:Choice Requires="p14">
       <p:transition p14:dur="300">
         <p:fade/>
       </p:transition>
     </mc:Choice>
-    <mc:Fallback>
+    <mc:Fallback xmlns="">
       <p:transition>
         <p:fade/>
       </p:transition>
@@ -7497,13 +7633,13 @@
   <p:clrMapOvr>
     <a:masterClrMapping/>
   </p:clrMapOvr>
-  <mc:AlternateContent xmlns:mc="http://schemas.openxmlformats.org/markup-compatibility/2006">
-    <mc:Choice xmlns:p14="http://schemas.microsoft.com/office/powerpoint/2010/main" Requires="p14">
+  <mc:AlternateContent xmlns:mc="http://schemas.openxmlformats.org/markup-compatibility/2006" xmlns:p14="http://schemas.microsoft.com/office/powerpoint/2010/main">
+    <mc:Choice Requires="p14">
       <p:transition p14:dur="300">
         <p:fade/>
       </p:transition>
     </mc:Choice>
-    <mc:Fallback>
+    <mc:Fallback xmlns="">
       <p:transition>
         <p:fade/>
       </p:transition>
@@ -7608,13 +7744,13 @@
   <p:clrMapOvr>
     <a:masterClrMapping/>
   </p:clrMapOvr>
-  <mc:AlternateContent xmlns:mc="http://schemas.openxmlformats.org/markup-compatibility/2006">
-    <mc:Choice xmlns:p14="http://schemas.microsoft.com/office/powerpoint/2010/main" Requires="p14">
+  <mc:AlternateContent xmlns:mc="http://schemas.openxmlformats.org/markup-compatibility/2006" xmlns:p14="http://schemas.microsoft.com/office/powerpoint/2010/main">
+    <mc:Choice Requires="p14">
       <p:transition p14:dur="300">
         <p:fade/>
       </p:transition>
     </mc:Choice>
-    <mc:Fallback>
+    <mc:Fallback xmlns="">
       <p:transition>
         <p:fade/>
       </p:transition>
@@ -7712,13 +7848,13 @@
   <p:clrMapOvr>
     <a:masterClrMapping/>
   </p:clrMapOvr>
-  <mc:AlternateContent xmlns:mc="http://schemas.openxmlformats.org/markup-compatibility/2006">
-    <mc:Choice xmlns:p14="http://schemas.microsoft.com/office/powerpoint/2010/main" Requires="p14">
+  <mc:AlternateContent xmlns:mc="http://schemas.openxmlformats.org/markup-compatibility/2006" xmlns:p14="http://schemas.microsoft.com/office/powerpoint/2010/main">
+    <mc:Choice Requires="p14">
       <p:transition p14:dur="300">
         <p:fade/>
       </p:transition>
     </mc:Choice>
-    <mc:Fallback>
+    <mc:Fallback xmlns="">
       <p:transition>
         <p:fade/>
       </p:transition>
@@ -7823,13 +7959,13 @@
   <p:clrMapOvr>
     <a:masterClrMapping/>
   </p:clrMapOvr>
-  <mc:AlternateContent xmlns:mc="http://schemas.openxmlformats.org/markup-compatibility/2006">
-    <mc:Choice xmlns:p14="http://schemas.microsoft.com/office/powerpoint/2010/main" Requires="p14">
+  <mc:AlternateContent xmlns:mc="http://schemas.openxmlformats.org/markup-compatibility/2006" xmlns:p14="http://schemas.microsoft.com/office/powerpoint/2010/main">
+    <mc:Choice Requires="p14">
       <p:transition p14:dur="300">
         <p:fade/>
       </p:transition>
     </mc:Choice>
-    <mc:Fallback>
+    <mc:Fallback xmlns="">
       <p:transition>
         <p:fade/>
       </p:transition>
@@ -7928,13 +8064,13 @@
   <p:clrMapOvr>
     <a:masterClrMapping/>
   </p:clrMapOvr>
-  <mc:AlternateContent xmlns:mc="http://schemas.openxmlformats.org/markup-compatibility/2006">
-    <mc:Choice xmlns:p14="http://schemas.microsoft.com/office/powerpoint/2010/main" Requires="p14">
+  <mc:AlternateContent xmlns:mc="http://schemas.openxmlformats.org/markup-compatibility/2006" xmlns:p14="http://schemas.microsoft.com/office/powerpoint/2010/main">
+    <mc:Choice Requires="p14">
       <p:transition p14:dur="300">
         <p:fade/>
       </p:transition>
     </mc:Choice>
-    <mc:Fallback>
+    <mc:Fallback xmlns="">
       <p:transition>
         <p:fade/>
       </p:transition>
@@ -8043,13 +8179,13 @@
   <p:clrMapOvr>
     <a:masterClrMapping/>
   </p:clrMapOvr>
-  <mc:AlternateContent xmlns:mc="http://schemas.openxmlformats.org/markup-compatibility/2006">
-    <mc:Choice xmlns:p14="http://schemas.microsoft.com/office/powerpoint/2010/main" Requires="p14">
+  <mc:AlternateContent xmlns:mc="http://schemas.openxmlformats.org/markup-compatibility/2006" xmlns:p14="http://schemas.microsoft.com/office/powerpoint/2010/main">
+    <mc:Choice Requires="p14">
       <p:transition p14:dur="300">
         <p:fade/>
       </p:transition>
     </mc:Choice>
-    <mc:Fallback>
+    <mc:Fallback xmlns="">
       <p:transition>
         <p:fade/>
       </p:transition>
@@ -8158,13 +8294,13 @@
   <p:clrMapOvr>
     <a:masterClrMapping/>
   </p:clrMapOvr>
-  <mc:AlternateContent xmlns:mc="http://schemas.openxmlformats.org/markup-compatibility/2006">
-    <mc:Choice xmlns:p14="http://schemas.microsoft.com/office/powerpoint/2010/main" Requires="p14">
+  <mc:AlternateContent xmlns:mc="http://schemas.openxmlformats.org/markup-compatibility/2006" xmlns:p14="http://schemas.microsoft.com/office/powerpoint/2010/main">
+    <mc:Choice Requires="p14">
       <p:transition p14:dur="300">
         <p:fade/>
       </p:transition>
     </mc:Choice>
-    <mc:Fallback>
+    <mc:Fallback xmlns="">
       <p:transition>
         <p:fade/>
       </p:transition>
@@ -8277,13 +8413,13 @@
   <p:clrMapOvr>
     <a:masterClrMapping/>
   </p:clrMapOvr>
-  <mc:AlternateContent xmlns:mc="http://schemas.openxmlformats.org/markup-compatibility/2006">
-    <mc:Choice xmlns:p14="http://schemas.microsoft.com/office/powerpoint/2010/main" Requires="p14">
+  <mc:AlternateContent xmlns:mc="http://schemas.openxmlformats.org/markup-compatibility/2006" xmlns:p14="http://schemas.microsoft.com/office/powerpoint/2010/main">
+    <mc:Choice Requires="p14">
       <p:transition p14:dur="300">
         <p:fade/>
       </p:transition>
     </mc:Choice>
-    <mc:Fallback>
+    <mc:Fallback xmlns="">
       <p:transition>
         <p:fade/>
       </p:transition>
@@ -8381,13 +8517,13 @@
   <p:clrMapOvr>
     <a:masterClrMapping/>
   </p:clrMapOvr>
-  <mc:AlternateContent xmlns:mc="http://schemas.openxmlformats.org/markup-compatibility/2006">
-    <mc:Choice xmlns:p14="http://schemas.microsoft.com/office/powerpoint/2010/main" Requires="p14">
+  <mc:AlternateContent xmlns:mc="http://schemas.openxmlformats.org/markup-compatibility/2006" xmlns:p14="http://schemas.microsoft.com/office/powerpoint/2010/main">
+    <mc:Choice Requires="p14">
       <p:transition p14:dur="300">
         <p:fade/>
       </p:transition>
     </mc:Choice>
-    <mc:Fallback>
+    <mc:Fallback xmlns="">
       <p:transition>
         <p:fade/>
       </p:transition>
@@ -8492,13 +8628,13 @@
   <p:clrMapOvr>
     <a:masterClrMapping/>
   </p:clrMapOvr>
-  <mc:AlternateContent xmlns:mc="http://schemas.openxmlformats.org/markup-compatibility/2006">
-    <mc:Choice xmlns:p14="http://schemas.microsoft.com/office/powerpoint/2010/main" Requires="p14">
+  <mc:AlternateContent xmlns:mc="http://schemas.openxmlformats.org/markup-compatibility/2006" xmlns:p14="http://schemas.microsoft.com/office/powerpoint/2010/main">
+    <mc:Choice Requires="p14">
       <p:transition p14:dur="300">
         <p:fade/>
       </p:transition>
     </mc:Choice>
-    <mc:Fallback>
+    <mc:Fallback xmlns="">
       <p:transition>
         <p:fade/>
       </p:transition>
@@ -8609,13 +8745,13 @@
   <p:clrMapOvr>
     <a:masterClrMapping/>
   </p:clrMapOvr>
-  <mc:AlternateContent xmlns:mc="http://schemas.openxmlformats.org/markup-compatibility/2006">
-    <mc:Choice xmlns:p14="http://schemas.microsoft.com/office/powerpoint/2010/main" Requires="p14">
+  <mc:AlternateContent xmlns:mc="http://schemas.openxmlformats.org/markup-compatibility/2006" xmlns:p14="http://schemas.microsoft.com/office/powerpoint/2010/main">
+    <mc:Choice Requires="p14">
       <p:transition p14:dur="300">
         <p:fade/>
       </p:transition>
     </mc:Choice>
-    <mc:Fallback>
+    <mc:Fallback xmlns="">
       <p:transition>
         <p:fade/>
       </p:transition>
@@ -8724,13 +8860,13 @@
   <p:clrMapOvr>
     <a:masterClrMapping/>
   </p:clrMapOvr>
-  <mc:AlternateContent xmlns:mc="http://schemas.openxmlformats.org/markup-compatibility/2006">
-    <mc:Choice xmlns:p14="http://schemas.microsoft.com/office/powerpoint/2010/main" Requires="p14">
+  <mc:AlternateContent xmlns:mc="http://schemas.openxmlformats.org/markup-compatibility/2006" xmlns:p14="http://schemas.microsoft.com/office/powerpoint/2010/main">
+    <mc:Choice Requires="p14">
       <p:transition p14:dur="300">
         <p:fade/>
       </p:transition>
     </mc:Choice>
-    <mc:Fallback>
+    <mc:Fallback xmlns="">
       <p:transition>
         <p:fade/>
       </p:transition>
@@ -8836,13 +8972,13 @@
   <p:clrMapOvr>
     <a:masterClrMapping/>
   </p:clrMapOvr>
-  <mc:AlternateContent xmlns:mc="http://schemas.openxmlformats.org/markup-compatibility/2006">
-    <mc:Choice xmlns:p14="http://schemas.microsoft.com/office/powerpoint/2010/main" Requires="p14">
+  <mc:AlternateContent xmlns:mc="http://schemas.openxmlformats.org/markup-compatibility/2006" xmlns:p14="http://schemas.microsoft.com/office/powerpoint/2010/main">
+    <mc:Choice Requires="p14">
       <p:transition p14:dur="300">
         <p:fade/>
       </p:transition>
     </mc:Choice>
-    <mc:Fallback>
+    <mc:Fallback xmlns="">
       <p:transition>
         <p:fade/>
       </p:transition>
@@ -8952,13 +9088,13 @@
   <p:clrMapOvr>
     <a:masterClrMapping/>
   </p:clrMapOvr>
-  <mc:AlternateContent xmlns:mc="http://schemas.openxmlformats.org/markup-compatibility/2006">
-    <mc:Choice xmlns:p14="http://schemas.microsoft.com/office/powerpoint/2010/main" Requires="p14">
+  <mc:AlternateContent xmlns:mc="http://schemas.openxmlformats.org/markup-compatibility/2006" xmlns:p14="http://schemas.microsoft.com/office/powerpoint/2010/main">
+    <mc:Choice Requires="p14">
       <p:transition p14:dur="300">
         <p:fade/>
       </p:transition>
     </mc:Choice>
-    <mc:Fallback>
+    <mc:Fallback xmlns="">
       <p:transition>
         <p:fade/>
       </p:transition>
@@ -9071,13 +9207,13 @@
   <p:clrMapOvr>
     <a:masterClrMapping/>
   </p:clrMapOvr>
-  <mc:AlternateContent xmlns:mc="http://schemas.openxmlformats.org/markup-compatibility/2006">
-    <mc:Choice xmlns:p14="http://schemas.microsoft.com/office/powerpoint/2010/main" Requires="p14">
+  <mc:AlternateContent xmlns:mc="http://schemas.openxmlformats.org/markup-compatibility/2006" xmlns:p14="http://schemas.microsoft.com/office/powerpoint/2010/main">
+    <mc:Choice Requires="p14">
       <p:transition p14:dur="300">
         <p:fade/>
       </p:transition>
     </mc:Choice>
-    <mc:Fallback>
+    <mc:Fallback xmlns="">
       <p:transition>
         <p:fade/>
       </p:transition>
@@ -9182,13 +9318,13 @@
   <p:clrMapOvr>
     <a:masterClrMapping/>
   </p:clrMapOvr>
-  <mc:AlternateContent xmlns:mc="http://schemas.openxmlformats.org/markup-compatibility/2006">
-    <mc:Choice xmlns:p14="http://schemas.microsoft.com/office/powerpoint/2010/main" Requires="p14">
+  <mc:AlternateContent xmlns:mc="http://schemas.openxmlformats.org/markup-compatibility/2006" xmlns:p14="http://schemas.microsoft.com/office/powerpoint/2010/main">
+    <mc:Choice Requires="p14">
       <p:transition p14:dur="300">
         <p:fade/>
       </p:transition>
     </mc:Choice>
-    <mc:Fallback>
+    <mc:Fallback xmlns="">
       <p:transition>
         <p:fade/>
       </p:transition>
@@ -9299,13 +9435,13 @@
   <p:clrMapOvr>
     <a:masterClrMapping/>
   </p:clrMapOvr>
-  <mc:AlternateContent xmlns:mc="http://schemas.openxmlformats.org/markup-compatibility/2006">
-    <mc:Choice xmlns:p14="http://schemas.microsoft.com/office/powerpoint/2010/main" Requires="p14">
+  <mc:AlternateContent xmlns:mc="http://schemas.openxmlformats.org/markup-compatibility/2006" xmlns:p14="http://schemas.microsoft.com/office/powerpoint/2010/main">
+    <mc:Choice Requires="p14">
       <p:transition p14:dur="300">
         <p:fade/>
       </p:transition>
     </mc:Choice>
-    <mc:Fallback>
+    <mc:Fallback xmlns="">
       <p:transition>
         <p:fade/>
       </p:transition>
@@ -9403,13 +9539,13 @@
   <p:clrMapOvr>
     <a:masterClrMapping/>
   </p:clrMapOvr>
-  <mc:AlternateContent xmlns:mc="http://schemas.openxmlformats.org/markup-compatibility/2006">
-    <mc:Choice xmlns:p14="http://schemas.microsoft.com/office/powerpoint/2010/main" Requires="p14">
+  <mc:AlternateContent xmlns:mc="http://schemas.openxmlformats.org/markup-compatibility/2006" xmlns:p14="http://schemas.microsoft.com/office/powerpoint/2010/main">
+    <mc:Choice Requires="p14">
       <p:transition p14:dur="300">
         <p:fade/>
       </p:transition>
     </mc:Choice>
-    <mc:Fallback>
+    <mc:Fallback xmlns="">
       <p:transition>
         <p:fade/>
       </p:transition>
@@ -9514,13 +9650,13 @@
   <p:clrMapOvr>
     <a:masterClrMapping/>
   </p:clrMapOvr>
-  <mc:AlternateContent xmlns:mc="http://schemas.openxmlformats.org/markup-compatibility/2006">
-    <mc:Choice xmlns:p14="http://schemas.microsoft.com/office/powerpoint/2010/main" Requires="p14">
+  <mc:AlternateContent xmlns:mc="http://schemas.openxmlformats.org/markup-compatibility/2006" xmlns:p14="http://schemas.microsoft.com/office/powerpoint/2010/main">
+    <mc:Choice Requires="p14">
       <p:transition p14:dur="300">
         <p:fade/>
       </p:transition>
     </mc:Choice>
-    <mc:Fallback>
+    <mc:Fallback xmlns="">
       <p:transition>
         <p:fade/>
       </p:transition>
@@ -9625,13 +9761,13 @@
   <p:clrMapOvr>
     <a:masterClrMapping/>
   </p:clrMapOvr>
-  <mc:AlternateContent xmlns:mc="http://schemas.openxmlformats.org/markup-compatibility/2006">
-    <mc:Choice xmlns:p14="http://schemas.microsoft.com/office/powerpoint/2010/main" Requires="p14">
+  <mc:AlternateContent xmlns:mc="http://schemas.openxmlformats.org/markup-compatibility/2006" xmlns:p14="http://schemas.microsoft.com/office/powerpoint/2010/main">
+    <mc:Choice Requires="p14">
       <p:transition p14:dur="300">
         <p:fade/>
       </p:transition>
     </mc:Choice>
-    <mc:Fallback>
+    <mc:Fallback xmlns="">
       <p:transition>
         <p:fade/>
       </p:transition>
@@ -9729,13 +9865,13 @@
   <p:clrMapOvr>
     <a:masterClrMapping/>
   </p:clrMapOvr>
-  <mc:AlternateContent xmlns:mc="http://schemas.openxmlformats.org/markup-compatibility/2006">
-    <mc:Choice xmlns:p14="http://schemas.microsoft.com/office/powerpoint/2010/main" Requires="p14">
+  <mc:AlternateContent xmlns:mc="http://schemas.openxmlformats.org/markup-compatibility/2006" xmlns:p14="http://schemas.microsoft.com/office/powerpoint/2010/main">
+    <mc:Choice Requires="p14">
       <p:transition p14:dur="300">
         <p:fade/>
       </p:transition>
     </mc:Choice>
-    <mc:Fallback>
+    <mc:Fallback xmlns="">
       <p:transition>
         <p:fade/>
       </p:transition>
@@ -9834,13 +9970,13 @@
   <p:clrMapOvr>
     <a:masterClrMapping/>
   </p:clrMapOvr>
-  <mc:AlternateContent xmlns:mc="http://schemas.openxmlformats.org/markup-compatibility/2006">
-    <mc:Choice xmlns:p14="http://schemas.microsoft.com/office/powerpoint/2010/main" Requires="p14">
+  <mc:AlternateContent xmlns:mc="http://schemas.openxmlformats.org/markup-compatibility/2006" xmlns:p14="http://schemas.microsoft.com/office/powerpoint/2010/main">
+    <mc:Choice Requires="p14">
       <p:transition p14:dur="300">
         <p:fade/>
       </p:transition>
     </mc:Choice>
-    <mc:Fallback>
+    <mc:Fallback xmlns="">
       <p:transition>
         <p:fade/>
       </p:transition>
@@ -9953,13 +10089,13 @@
   <p:clrMapOvr>
     <a:masterClrMapping/>
   </p:clrMapOvr>
-  <mc:AlternateContent xmlns:mc="http://schemas.openxmlformats.org/markup-compatibility/2006">
-    <mc:Choice xmlns:p14="http://schemas.microsoft.com/office/powerpoint/2010/main" Requires="p14">
+  <mc:AlternateContent xmlns:mc="http://schemas.openxmlformats.org/markup-compatibility/2006" xmlns:p14="http://schemas.microsoft.com/office/powerpoint/2010/main">
+    <mc:Choice Requires="p14">
       <p:transition p14:dur="300">
         <p:fade/>
       </p:transition>
     </mc:Choice>
-    <mc:Fallback>
+    <mc:Fallback xmlns="">
       <p:transition>
         <p:fade/>
       </p:transition>
@@ -10068,13 +10204,13 @@
   <p:clrMapOvr>
     <a:masterClrMapping/>
   </p:clrMapOvr>
-  <mc:AlternateContent xmlns:mc="http://schemas.openxmlformats.org/markup-compatibility/2006">
-    <mc:Choice xmlns:p14="http://schemas.microsoft.com/office/powerpoint/2010/main" Requires="p14">
+  <mc:AlternateContent xmlns:mc="http://schemas.openxmlformats.org/markup-compatibility/2006" xmlns:p14="http://schemas.microsoft.com/office/powerpoint/2010/main">
+    <mc:Choice Requires="p14">
       <p:transition p14:dur="300">
         <p:fade/>
       </p:transition>
     </mc:Choice>
-    <mc:Fallback>
+    <mc:Fallback xmlns="">
       <p:transition>
         <p:fade/>
       </p:transition>
@@ -10172,13 +10308,13 @@
   <p:clrMapOvr>
     <a:masterClrMapping/>
   </p:clrMapOvr>
-  <mc:AlternateContent xmlns:mc="http://schemas.openxmlformats.org/markup-compatibility/2006">
-    <mc:Choice xmlns:p14="http://schemas.microsoft.com/office/powerpoint/2010/main" Requires="p14">
+  <mc:AlternateContent xmlns:mc="http://schemas.openxmlformats.org/markup-compatibility/2006" xmlns:p14="http://schemas.microsoft.com/office/powerpoint/2010/main">
+    <mc:Choice Requires="p14">
       <p:transition p14:dur="300">
         <p:fade/>
       </p:transition>
     </mc:Choice>
-    <mc:Fallback>
+    <mc:Fallback xmlns="">
       <p:transition>
         <p:fade/>
       </p:transition>
@@ -10284,13 +10420,13 @@
   <p:clrMapOvr>
     <a:masterClrMapping/>
   </p:clrMapOvr>
-  <mc:AlternateContent xmlns:mc="http://schemas.openxmlformats.org/markup-compatibility/2006">
-    <mc:Choice xmlns:p14="http://schemas.microsoft.com/office/powerpoint/2010/main" Requires="p14">
+  <mc:AlternateContent xmlns:mc="http://schemas.openxmlformats.org/markup-compatibility/2006" xmlns:p14="http://schemas.microsoft.com/office/powerpoint/2010/main">
+    <mc:Choice Requires="p14">
       <p:transition p14:dur="300">
         <p:fade/>
       </p:transition>
     </mc:Choice>
-    <mc:Fallback>
+    <mc:Fallback xmlns="">
       <p:transition>
         <p:fade/>
       </p:transition>
@@ -10395,13 +10531,13 @@
   <p:clrMapOvr>
     <a:masterClrMapping/>
   </p:clrMapOvr>
-  <mc:AlternateContent xmlns:mc="http://schemas.openxmlformats.org/markup-compatibility/2006">
-    <mc:Choice xmlns:p14="http://schemas.microsoft.com/office/powerpoint/2010/main" Requires="p14">
+  <mc:AlternateContent xmlns:mc="http://schemas.openxmlformats.org/markup-compatibility/2006" xmlns:p14="http://schemas.microsoft.com/office/powerpoint/2010/main">
+    <mc:Choice Requires="p14">
       <p:transition p14:dur="300">
         <p:fade/>
       </p:transition>
     </mc:Choice>
-    <mc:Fallback>
+    <mc:Fallback xmlns="">
       <p:transition>
         <p:fade/>
       </p:transition>
@@ -10506,13 +10642,13 @@
   <p:clrMapOvr>
     <a:masterClrMapping/>
   </p:clrMapOvr>
-  <mc:AlternateContent xmlns:mc="http://schemas.openxmlformats.org/markup-compatibility/2006">
-    <mc:Choice xmlns:p14="http://schemas.microsoft.com/office/powerpoint/2010/main" Requires="p14">
+  <mc:AlternateContent xmlns:mc="http://schemas.openxmlformats.org/markup-compatibility/2006" xmlns:p14="http://schemas.microsoft.com/office/powerpoint/2010/main">
+    <mc:Choice Requires="p14">
       <p:transition p14:dur="300">
         <p:fade/>
       </p:transition>
     </mc:Choice>
-    <mc:Fallback>
+    <mc:Fallback xmlns="">
       <p:transition>
         <p:fade/>
       </p:transition>
@@ -10610,13 +10746,13 @@
   <p:clrMapOvr>
     <a:masterClrMapping/>
   </p:clrMapOvr>
-  <mc:AlternateContent xmlns:mc="http://schemas.openxmlformats.org/markup-compatibility/2006">
-    <mc:Choice xmlns:p14="http://schemas.microsoft.com/office/powerpoint/2010/main" Requires="p14">
+  <mc:AlternateContent xmlns:mc="http://schemas.openxmlformats.org/markup-compatibility/2006" xmlns:p14="http://schemas.microsoft.com/office/powerpoint/2010/main">
+    <mc:Choice Requires="p14">
       <p:transition p14:dur="300">
         <p:fade/>
       </p:transition>
     </mc:Choice>
-    <mc:Fallback>
+    <mc:Fallback xmlns="">
       <p:transition>
         <p:fade/>
       </p:transition>
@@ -10721,13 +10857,13 @@
   <p:clrMapOvr>
     <a:masterClrMapping/>
   </p:clrMapOvr>
-  <mc:AlternateContent xmlns:mc="http://schemas.openxmlformats.org/markup-compatibility/2006">
-    <mc:Choice xmlns:p14="http://schemas.microsoft.com/office/powerpoint/2010/main" Requires="p14">
+  <mc:AlternateContent xmlns:mc="http://schemas.openxmlformats.org/markup-compatibility/2006" xmlns:p14="http://schemas.microsoft.com/office/powerpoint/2010/main">
+    <mc:Choice Requires="p14">
       <p:transition p14:dur="300">
         <p:fade/>
       </p:transition>
     </mc:Choice>
-    <mc:Fallback>
+    <mc:Fallback xmlns="">
       <p:transition>
         <p:fade/>
       </p:transition>
@@ -10838,13 +10974,13 @@
   <p:clrMapOvr>
     <a:masterClrMapping/>
   </p:clrMapOvr>
-  <mc:AlternateContent xmlns:mc="http://schemas.openxmlformats.org/markup-compatibility/2006">
-    <mc:Choice xmlns:p14="http://schemas.microsoft.com/office/powerpoint/2010/main" Requires="p14">
+  <mc:AlternateContent xmlns:mc="http://schemas.openxmlformats.org/markup-compatibility/2006" xmlns:p14="http://schemas.microsoft.com/office/powerpoint/2010/main">
+    <mc:Choice Requires="p14">
       <p:transition p14:dur="300">
         <p:fade/>
       </p:transition>
     </mc:Choice>
-    <mc:Fallback>
+    <mc:Fallback xmlns="">
       <p:transition>
         <p:fade/>
       </p:transition>
@@ -10942,13 +11078,13 @@
   <p:clrMapOvr>
     <a:masterClrMapping/>
   </p:clrMapOvr>
-  <mc:AlternateContent xmlns:mc="http://schemas.openxmlformats.org/markup-compatibility/2006">
-    <mc:Choice xmlns:p14="http://schemas.microsoft.com/office/powerpoint/2010/main" Requires="p14">
+  <mc:AlternateContent xmlns:mc="http://schemas.openxmlformats.org/markup-compatibility/2006" xmlns:p14="http://schemas.microsoft.com/office/powerpoint/2010/main">
+    <mc:Choice Requires="p14">
       <p:transition p14:dur="300">
         <p:fade/>
       </p:transition>
     </mc:Choice>
-    <mc:Fallback>
+    <mc:Fallback xmlns="">
       <p:transition>
         <p:fade/>
       </p:transition>
@@ -11046,13 +11182,13 @@
   <p:clrMapOvr>
     <a:masterClrMapping/>
   </p:clrMapOvr>
-  <mc:AlternateContent xmlns:mc="http://schemas.openxmlformats.org/markup-compatibility/2006">
-    <mc:Choice xmlns:p14="http://schemas.microsoft.com/office/powerpoint/2010/main" Requires="p14">
+  <mc:AlternateContent xmlns:mc="http://schemas.openxmlformats.org/markup-compatibility/2006" xmlns:p14="http://schemas.microsoft.com/office/powerpoint/2010/main">
+    <mc:Choice Requires="p14">
       <p:transition p14:dur="300">
         <p:fade/>
       </p:transition>
     </mc:Choice>
-    <mc:Fallback>
+    <mc:Fallback xmlns="">
       <p:transition>
         <p:fade/>
       </p:transition>
@@ -11150,13 +11286,13 @@
   <p:clrMapOvr>
     <a:masterClrMapping/>
   </p:clrMapOvr>
-  <mc:AlternateContent xmlns:mc="http://schemas.openxmlformats.org/markup-compatibility/2006">
-    <mc:Choice xmlns:p14="http://schemas.microsoft.com/office/powerpoint/2010/main" Requires="p14">
+  <mc:AlternateContent xmlns:mc="http://schemas.openxmlformats.org/markup-compatibility/2006" xmlns:p14="http://schemas.microsoft.com/office/powerpoint/2010/main">
+    <mc:Choice Requires="p14">
       <p:transition p14:dur="300">
         <p:fade/>
       </p:transition>
     </mc:Choice>
-    <mc:Fallback>
+    <mc:Fallback xmlns="">
       <p:transition>
         <p:fade/>
       </p:transition>
@@ -11265,13 +11401,13 @@
   <p:clrMapOvr>
     <a:masterClrMapping/>
   </p:clrMapOvr>
-  <mc:AlternateContent xmlns:mc="http://schemas.openxmlformats.org/markup-compatibility/2006">
-    <mc:Choice xmlns:p14="http://schemas.microsoft.com/office/powerpoint/2010/main" Requires="p14">
+  <mc:AlternateContent xmlns:mc="http://schemas.openxmlformats.org/markup-compatibility/2006" xmlns:p14="http://schemas.microsoft.com/office/powerpoint/2010/main">
+    <mc:Choice Requires="p14">
       <p:transition p14:dur="300">
         <p:fade/>
       </p:transition>
     </mc:Choice>
-    <mc:Fallback>
+    <mc:Fallback xmlns="">
       <p:transition>
         <p:fade/>
       </p:transition>
@@ -11376,13 +11512,13 @@
   <p:clrMapOvr>
     <a:masterClrMapping/>
   </p:clrMapOvr>
-  <mc:AlternateContent xmlns:mc="http://schemas.openxmlformats.org/markup-compatibility/2006">
-    <mc:Choice xmlns:p14="http://schemas.microsoft.com/office/powerpoint/2010/main" Requires="p14">
+  <mc:AlternateContent xmlns:mc="http://schemas.openxmlformats.org/markup-compatibility/2006" xmlns:p14="http://schemas.microsoft.com/office/powerpoint/2010/main">
+    <mc:Choice Requires="p14">
       <p:transition p14:dur="300">
         <p:fade/>
       </p:transition>
     </mc:Choice>
-    <mc:Fallback>
+    <mc:Fallback xmlns="">
       <p:transition>
         <p:fade/>
       </p:transition>
@@ -11480,13 +11616,13 @@
   <p:clrMapOvr>
     <a:masterClrMapping/>
   </p:clrMapOvr>
-  <mc:AlternateContent xmlns:mc="http://schemas.openxmlformats.org/markup-compatibility/2006">
-    <mc:Choice xmlns:p14="http://schemas.microsoft.com/office/powerpoint/2010/main" Requires="p14">
+  <mc:AlternateContent xmlns:mc="http://schemas.openxmlformats.org/markup-compatibility/2006" xmlns:p14="http://schemas.microsoft.com/office/powerpoint/2010/main">
+    <mc:Choice Requires="p14">
       <p:transition p14:dur="300">
         <p:fade/>
       </p:transition>
     </mc:Choice>
-    <mc:Fallback>
+    <mc:Fallback xmlns="">
       <p:transition>
         <p:fade/>
       </p:transition>
@@ -11584,13 +11720,13 @@
   <p:clrMapOvr>
     <a:masterClrMapping/>
   </p:clrMapOvr>
-  <mc:AlternateContent xmlns:mc="http://schemas.openxmlformats.org/markup-compatibility/2006">
-    <mc:Choice xmlns:p14="http://schemas.microsoft.com/office/powerpoint/2010/main" Requires="p14">
+  <mc:AlternateContent xmlns:mc="http://schemas.openxmlformats.org/markup-compatibility/2006" xmlns:p14="http://schemas.microsoft.com/office/powerpoint/2010/main">
+    <mc:Choice Requires="p14">
       <p:transition p14:dur="300">
         <p:fade/>
       </p:transition>
     </mc:Choice>
-    <mc:Fallback>
+    <mc:Fallback xmlns="">
       <p:transition>
         <p:fade/>
       </p:transition>
@@ -11703,13 +11839,13 @@
   <p:clrMapOvr>
     <a:masterClrMapping/>
   </p:clrMapOvr>
-  <mc:AlternateContent xmlns:mc="http://schemas.openxmlformats.org/markup-compatibility/2006">
-    <mc:Choice xmlns:p14="http://schemas.microsoft.com/office/powerpoint/2010/main" Requires="p14">
+  <mc:AlternateContent xmlns:mc="http://schemas.openxmlformats.org/markup-compatibility/2006" xmlns:p14="http://schemas.microsoft.com/office/powerpoint/2010/main">
+    <mc:Choice Requires="p14">
       <p:transition p14:dur="300">
         <p:fade/>
       </p:transition>
     </mc:Choice>
-    <mc:Fallback>
+    <mc:Fallback xmlns="">
       <p:transition>
         <p:fade/>
       </p:transition>
@@ -11807,13 +11943,13 @@
   <p:clrMapOvr>
     <a:masterClrMapping/>
   </p:clrMapOvr>
-  <mc:AlternateContent xmlns:mc="http://schemas.openxmlformats.org/markup-compatibility/2006">
-    <mc:Choice xmlns:p14="http://schemas.microsoft.com/office/powerpoint/2010/main" Requires="p14">
+  <mc:AlternateContent xmlns:mc="http://schemas.openxmlformats.org/markup-compatibility/2006" xmlns:p14="http://schemas.microsoft.com/office/powerpoint/2010/main">
+    <mc:Choice Requires="p14">
       <p:transition p14:dur="300">
         <p:fade/>
       </p:transition>
     </mc:Choice>
-    <mc:Fallback>
+    <mc:Fallback xmlns="">
       <p:transition>
         <p:fade/>
       </p:transition>
@@ -11919,13 +12055,13 @@
   <p:clrMapOvr>
     <a:masterClrMapping/>
   </p:clrMapOvr>
-  <mc:AlternateContent xmlns:mc="http://schemas.openxmlformats.org/markup-compatibility/2006">
-    <mc:Choice xmlns:p14="http://schemas.microsoft.com/office/powerpoint/2010/main" Requires="p14">
+  <mc:AlternateContent xmlns:mc="http://schemas.openxmlformats.org/markup-compatibility/2006" xmlns:p14="http://schemas.microsoft.com/office/powerpoint/2010/main">
+    <mc:Choice Requires="p14">
       <p:transition p14:dur="300">
         <p:fade/>
       </p:transition>
     </mc:Choice>
-    <mc:Fallback>
+    <mc:Fallback xmlns="">
       <p:transition>
         <p:fade/>
       </p:transition>
@@ -12023,13 +12159,13 @@
   <p:clrMapOvr>
     <a:masterClrMapping/>
   </p:clrMapOvr>
-  <mc:AlternateContent xmlns:mc="http://schemas.openxmlformats.org/markup-compatibility/2006">
-    <mc:Choice xmlns:p14="http://schemas.microsoft.com/office/powerpoint/2010/main" Requires="p14">
+  <mc:AlternateContent xmlns:mc="http://schemas.openxmlformats.org/markup-compatibility/2006" xmlns:p14="http://schemas.microsoft.com/office/powerpoint/2010/main">
+    <mc:Choice Requires="p14">
       <p:transition p14:dur="300">
         <p:fade/>
       </p:transition>
     </mc:Choice>
-    <mc:Fallback>
+    <mc:Fallback xmlns="">
       <p:transition>
         <p:fade/>
       </p:transition>
@@ -12139,13 +12275,13 @@
   <p:clrMapOvr>
     <a:masterClrMapping/>
   </p:clrMapOvr>
-  <mc:AlternateContent xmlns:mc="http://schemas.openxmlformats.org/markup-compatibility/2006">
-    <mc:Choice xmlns:p14="http://schemas.microsoft.com/office/powerpoint/2010/main" Requires="p14">
+  <mc:AlternateContent xmlns:mc="http://schemas.openxmlformats.org/markup-compatibility/2006" xmlns:p14="http://schemas.microsoft.com/office/powerpoint/2010/main">
+    <mc:Choice Requires="p14">
       <p:transition p14:dur="300">
         <p:fade/>
       </p:transition>
     </mc:Choice>
-    <mc:Fallback>
+    <mc:Fallback xmlns="">
       <p:transition>
         <p:fade/>
       </p:transition>
@@ -12255,13 +12391,13 @@
   <p:clrMapOvr>
     <a:masterClrMapping/>
   </p:clrMapOvr>
-  <mc:AlternateContent xmlns:mc="http://schemas.openxmlformats.org/markup-compatibility/2006">
-    <mc:Choice xmlns:p14="http://schemas.microsoft.com/office/powerpoint/2010/main" Requires="p14">
+  <mc:AlternateContent xmlns:mc="http://schemas.openxmlformats.org/markup-compatibility/2006" xmlns:p14="http://schemas.microsoft.com/office/powerpoint/2010/main">
+    <mc:Choice Requires="p14">
       <p:transition p14:dur="300">
         <p:fade/>
       </p:transition>
     </mc:Choice>
-    <mc:Fallback>
+    <mc:Fallback xmlns="">
       <p:transition>
         <p:fade/>
       </p:transition>
@@ -12359,13 +12495,13 @@
   <p:clrMapOvr>
     <a:masterClrMapping/>
   </p:clrMapOvr>
-  <mc:AlternateContent xmlns:mc="http://schemas.openxmlformats.org/markup-compatibility/2006">
-    <mc:Choice xmlns:p14="http://schemas.microsoft.com/office/powerpoint/2010/main" Requires="p14">
+  <mc:AlternateContent xmlns:mc="http://schemas.openxmlformats.org/markup-compatibility/2006" xmlns:p14="http://schemas.microsoft.com/office/powerpoint/2010/main">
+    <mc:Choice Requires="p14">
       <p:transition p14:dur="300">
         <p:fade/>
       </p:transition>
     </mc:Choice>
-    <mc:Fallback>
+    <mc:Fallback xmlns="">
       <p:transition>
         <p:fade/>
       </p:transition>
@@ -12464,13 +12600,13 @@
   <p:clrMapOvr>
     <a:masterClrMapping/>
   </p:clrMapOvr>
-  <mc:AlternateContent xmlns:mc="http://schemas.openxmlformats.org/markup-compatibility/2006">
-    <mc:Choice xmlns:p14="http://schemas.microsoft.com/office/powerpoint/2010/main" Requires="p14">
+  <mc:AlternateContent xmlns:mc="http://schemas.openxmlformats.org/markup-compatibility/2006" xmlns:p14="http://schemas.microsoft.com/office/powerpoint/2010/main">
+    <mc:Choice Requires="p14">
       <p:transition p14:dur="300">
         <p:fade/>
       </p:transition>
     </mc:Choice>
-    <mc:Fallback>
+    <mc:Fallback xmlns="">
       <p:transition>
         <p:fade/>
       </p:transition>
@@ -12568,13 +12704,13 @@
   <p:clrMapOvr>
     <a:masterClrMapping/>
   </p:clrMapOvr>
-  <mc:AlternateContent xmlns:mc="http://schemas.openxmlformats.org/markup-compatibility/2006">
-    <mc:Choice xmlns:p14="http://schemas.microsoft.com/office/powerpoint/2010/main" Requires="p14">
+  <mc:AlternateContent xmlns:mc="http://schemas.openxmlformats.org/markup-compatibility/2006" xmlns:p14="http://schemas.microsoft.com/office/powerpoint/2010/main">
+    <mc:Choice Requires="p14">
       <p:transition p14:dur="300">
         <p:fade/>
       </p:transition>
     </mc:Choice>
-    <mc:Fallback>
+    <mc:Fallback xmlns="">
       <p:transition>
         <p:fade/>
       </p:transition>
@@ -12672,13 +12808,13 @@
   <p:clrMapOvr>
     <a:masterClrMapping/>
   </p:clrMapOvr>
-  <mc:AlternateContent xmlns:mc="http://schemas.openxmlformats.org/markup-compatibility/2006">
-    <mc:Choice xmlns:p14="http://schemas.microsoft.com/office/powerpoint/2010/main" Requires="p14">
+  <mc:AlternateContent xmlns:mc="http://schemas.openxmlformats.org/markup-compatibility/2006" xmlns:p14="http://schemas.microsoft.com/office/powerpoint/2010/main">
+    <mc:Choice Requires="p14">
       <p:transition p14:dur="300">
         <p:fade/>
       </p:transition>
     </mc:Choice>
-    <mc:Fallback>
+    <mc:Fallback xmlns="">
       <p:transition>
         <p:fade/>
       </p:transition>
@@ -12776,13 +12912,13 @@
   <p:clrMapOvr>
     <a:masterClrMapping/>
   </p:clrMapOvr>
-  <mc:AlternateContent xmlns:mc="http://schemas.openxmlformats.org/markup-compatibility/2006">
-    <mc:Choice xmlns:p14="http://schemas.microsoft.com/office/powerpoint/2010/main" Requires="p14">
+  <mc:AlternateContent xmlns:mc="http://schemas.openxmlformats.org/markup-compatibility/2006" xmlns:p14="http://schemas.microsoft.com/office/powerpoint/2010/main">
+    <mc:Choice Requires="p14">
       <p:transition p14:dur="300">
         <p:fade/>
       </p:transition>
     </mc:Choice>
-    <mc:Fallback>
+    <mc:Fallback xmlns="">
       <p:transition>
         <p:fade/>
       </p:transition>
@@ -12881,13 +13017,13 @@
   <p:clrMapOvr>
     <a:masterClrMapping/>
   </p:clrMapOvr>
-  <mc:AlternateContent xmlns:mc="http://schemas.openxmlformats.org/markup-compatibility/2006">
-    <mc:Choice xmlns:p14="http://schemas.microsoft.com/office/powerpoint/2010/main" Requires="p14">
+  <mc:AlternateContent xmlns:mc="http://schemas.openxmlformats.org/markup-compatibility/2006" xmlns:p14="http://schemas.microsoft.com/office/powerpoint/2010/main">
+    <mc:Choice Requires="p14">
       <p:transition p14:dur="300">
         <p:fade/>
       </p:transition>
     </mc:Choice>
-    <mc:Fallback>
+    <mc:Fallback xmlns="">
       <p:transition>
         <p:fade/>
       </p:transition>
@@ -12985,13 +13121,13 @@
   <p:clrMapOvr>
     <a:masterClrMapping/>
   </p:clrMapOvr>
-  <mc:AlternateContent xmlns:mc="http://schemas.openxmlformats.org/markup-compatibility/2006">
-    <mc:Choice xmlns:p14="http://schemas.microsoft.com/office/powerpoint/2010/main" Requires="p14">
+  <mc:AlternateContent xmlns:mc="http://schemas.openxmlformats.org/markup-compatibility/2006" xmlns:p14="http://schemas.microsoft.com/office/powerpoint/2010/main">
+    <mc:Choice Requires="p14">
       <p:transition p14:dur="300">
         <p:fade/>
       </p:transition>
     </mc:Choice>
-    <mc:Fallback>
+    <mc:Fallback xmlns="">
       <p:transition>
         <p:fade/>
       </p:transition>
@@ -13089,13 +13225,13 @@
   <p:clrMapOvr>
     <a:masterClrMapping/>
   </p:clrMapOvr>
-  <mc:AlternateContent xmlns:mc="http://schemas.openxmlformats.org/markup-compatibility/2006">
-    <mc:Choice xmlns:p14="http://schemas.microsoft.com/office/powerpoint/2010/main" Requires="p14">
+  <mc:AlternateContent xmlns:mc="http://schemas.openxmlformats.org/markup-compatibility/2006" xmlns:p14="http://schemas.microsoft.com/office/powerpoint/2010/main">
+    <mc:Choice Requires="p14">
       <p:transition p14:dur="300">
         <p:fade/>
       </p:transition>
     </mc:Choice>
-    <mc:Fallback>
+    <mc:Fallback xmlns="">
       <p:transition>
         <p:fade/>
       </p:transition>
@@ -13204,13 +13340,13 @@
   <p:clrMapOvr>
     <a:masterClrMapping/>
   </p:clrMapOvr>
-  <mc:AlternateContent xmlns:mc="http://schemas.openxmlformats.org/markup-compatibility/2006">
-    <mc:Choice xmlns:p14="http://schemas.microsoft.com/office/powerpoint/2010/main" Requires="p14">
+  <mc:AlternateContent xmlns:mc="http://schemas.openxmlformats.org/markup-compatibility/2006" xmlns:p14="http://schemas.microsoft.com/office/powerpoint/2010/main">
+    <mc:Choice Requires="p14">
       <p:transition p14:dur="300">
         <p:fade/>
       </p:transition>
     </mc:Choice>
-    <mc:Fallback>
+    <mc:Fallback xmlns="">
       <p:transition>
         <p:fade/>
       </p:transition>
@@ -13319,13 +13455,13 @@
   <p:clrMapOvr>
     <a:masterClrMapping/>
   </p:clrMapOvr>
-  <mc:AlternateContent xmlns:mc="http://schemas.openxmlformats.org/markup-compatibility/2006">
-    <mc:Choice xmlns:p14="http://schemas.microsoft.com/office/powerpoint/2010/main" Requires="p14">
+  <mc:AlternateContent xmlns:mc="http://schemas.openxmlformats.org/markup-compatibility/2006" xmlns:p14="http://schemas.microsoft.com/office/powerpoint/2010/main">
+    <mc:Choice Requires="p14">
       <p:transition p14:dur="300">
         <p:fade/>
       </p:transition>
     </mc:Choice>
-    <mc:Fallback>
+    <mc:Fallback xmlns="">
       <p:transition>
         <p:fade/>
       </p:transition>
@@ -13434,13 +13570,13 @@
   <p:clrMapOvr>
     <a:masterClrMapping/>
   </p:clrMapOvr>
-  <mc:AlternateContent xmlns:mc="http://schemas.openxmlformats.org/markup-compatibility/2006">
-    <mc:Choice xmlns:p14="http://schemas.microsoft.com/office/powerpoint/2010/main" Requires="p14">
+  <mc:AlternateContent xmlns:mc="http://schemas.openxmlformats.org/markup-compatibility/2006" xmlns:p14="http://schemas.microsoft.com/office/powerpoint/2010/main">
+    <mc:Choice Requires="p14">
       <p:transition p14:dur="300">
         <p:fade/>
       </p:transition>
     </mc:Choice>
-    <mc:Fallback>
+    <mc:Fallback xmlns="">
       <p:transition>
         <p:fade/>
       </p:transition>
@@ -13543,13 +13679,13 @@
   <p:clrMapOvr>
     <a:masterClrMapping/>
   </p:clrMapOvr>
-  <mc:AlternateContent xmlns:mc="http://schemas.openxmlformats.org/markup-compatibility/2006">
-    <mc:Choice xmlns:p14="http://schemas.microsoft.com/office/powerpoint/2010/main" Requires="p14">
+  <mc:AlternateContent xmlns:mc="http://schemas.openxmlformats.org/markup-compatibility/2006" xmlns:p14="http://schemas.microsoft.com/office/powerpoint/2010/main">
+    <mc:Choice Requires="p14">
       <p:transition p14:dur="300">
         <p:fade/>
       </p:transition>
     </mc:Choice>
-    <mc:Fallback>
+    <mc:Fallback xmlns="">
       <p:transition>
         <p:fade/>
       </p:transition>
@@ -13647,13 +13783,13 @@
   <p:clrMapOvr>
     <a:masterClrMapping/>
   </p:clrMapOvr>
-  <mc:AlternateContent xmlns:mc="http://schemas.openxmlformats.org/markup-compatibility/2006">
-    <mc:Choice xmlns:p14="http://schemas.microsoft.com/office/powerpoint/2010/main" Requires="p14">
+  <mc:AlternateContent xmlns:mc="http://schemas.openxmlformats.org/markup-compatibility/2006" xmlns:p14="http://schemas.microsoft.com/office/powerpoint/2010/main">
+    <mc:Choice Requires="p14">
       <p:transition p14:dur="300">
         <p:fade/>
       </p:transition>
     </mc:Choice>
-    <mc:Fallback>
+    <mc:Fallback xmlns="">
       <p:transition>
         <p:fade/>
       </p:transition>
@@ -13764,13 +13900,13 @@
   <p:clrMapOvr>
     <a:masterClrMapping/>
   </p:clrMapOvr>
-  <mc:AlternateContent xmlns:mc="http://schemas.openxmlformats.org/markup-compatibility/2006">
-    <mc:Choice xmlns:p14="http://schemas.microsoft.com/office/powerpoint/2010/main" Requires="p14">
+  <mc:AlternateContent xmlns:mc="http://schemas.openxmlformats.org/markup-compatibility/2006" xmlns:p14="http://schemas.microsoft.com/office/powerpoint/2010/main">
+    <mc:Choice Requires="p14">
       <p:transition p14:dur="300">
         <p:fade/>
       </p:transition>
     </mc:Choice>
-    <mc:Fallback>
+    <mc:Fallback xmlns="">
       <p:transition>
         <p:fade/>
       </p:transition>
@@ -13874,13 +14010,13 @@
   <p:clrMapOvr>
     <a:masterClrMapping/>
   </p:clrMapOvr>
-  <mc:AlternateContent xmlns:mc="http://schemas.openxmlformats.org/markup-compatibility/2006">
-    <mc:Choice xmlns:p14="http://schemas.microsoft.com/office/powerpoint/2010/main" Requires="p14">
+  <mc:AlternateContent xmlns:mc="http://schemas.openxmlformats.org/markup-compatibility/2006" xmlns:p14="http://schemas.microsoft.com/office/powerpoint/2010/main">
+    <mc:Choice Requires="p14">
       <p:transition p14:dur="300">
         <p:fade/>
       </p:transition>
     </mc:Choice>
-    <mc:Fallback>
+    <mc:Fallback xmlns="">
       <p:transition>
         <p:fade/>
       </p:transition>
@@ -13979,13 +14115,13 @@
   <p:clrMapOvr>
     <a:masterClrMapping/>
   </p:clrMapOvr>
-  <mc:AlternateContent xmlns:mc="http://schemas.openxmlformats.org/markup-compatibility/2006">
-    <mc:Choice xmlns:p14="http://schemas.microsoft.com/office/powerpoint/2010/main" Requires="p14">
+  <mc:AlternateContent xmlns:mc="http://schemas.openxmlformats.org/markup-compatibility/2006" xmlns:p14="http://schemas.microsoft.com/office/powerpoint/2010/main">
+    <mc:Choice Requires="p14">
       <p:transition p14:dur="300">
         <p:fade/>
       </p:transition>
     </mc:Choice>
-    <mc:Fallback>
+    <mc:Fallback xmlns="">
       <p:transition>
         <p:fade/>
       </p:transition>
@@ -14084,13 +14220,13 @@
   <p:clrMapOvr>
     <a:masterClrMapping/>
   </p:clrMapOvr>
-  <mc:AlternateContent xmlns:mc="http://schemas.openxmlformats.org/markup-compatibility/2006">
-    <mc:Choice xmlns:p14="http://schemas.microsoft.com/office/powerpoint/2010/main" Requires="p14">
+  <mc:AlternateContent xmlns:mc="http://schemas.openxmlformats.org/markup-compatibility/2006" xmlns:p14="http://schemas.microsoft.com/office/powerpoint/2010/main">
+    <mc:Choice Requires="p14">
       <p:transition p14:dur="300">
         <p:fade/>
       </p:transition>
     </mc:Choice>
-    <mc:Fallback>
+    <mc:Fallback xmlns="">
       <p:transition>
         <p:fade/>
       </p:transition>
